--- a/授業資料/演習課題：CSV.pptx
+++ b/授業資料/演習課題：CSV.pptx
@@ -269,7 +269,7 @@
           <a:p>
             <a:fld id="{5B96D3F8-CD2E-4A0D-AC38-517181EABB18}" type="datetimeFigureOut">
               <a:rPr kumimoji="1" lang="ja-JP" altLang="en-US" smtClean="0"/>
-              <a:t>2024/11/7</a:t>
+              <a:t>2024/11/8</a:t>
             </a:fld>
             <a:endParaRPr kumimoji="1" lang="ja-JP" altLang="en-US"/>
           </a:p>
@@ -471,7 +471,7 @@
           <a:p>
             <a:fld id="{5B96D3F8-CD2E-4A0D-AC38-517181EABB18}" type="datetimeFigureOut">
               <a:rPr kumimoji="1" lang="ja-JP" altLang="en-US" smtClean="0"/>
-              <a:t>2024/11/7</a:t>
+              <a:t>2024/11/8</a:t>
             </a:fld>
             <a:endParaRPr kumimoji="1" lang="ja-JP" altLang="en-US"/>
           </a:p>
@@ -683,7 +683,7 @@
           <a:p>
             <a:fld id="{5B96D3F8-CD2E-4A0D-AC38-517181EABB18}" type="datetimeFigureOut">
               <a:rPr kumimoji="1" lang="ja-JP" altLang="en-US" smtClean="0"/>
-              <a:t>2024/11/7</a:t>
+              <a:t>2024/11/8</a:t>
             </a:fld>
             <a:endParaRPr kumimoji="1" lang="ja-JP" altLang="en-US"/>
           </a:p>
@@ -885,7 +885,7 @@
           <a:p>
             <a:fld id="{5B96D3F8-CD2E-4A0D-AC38-517181EABB18}" type="datetimeFigureOut">
               <a:rPr kumimoji="1" lang="ja-JP" altLang="en-US" smtClean="0"/>
-              <a:t>2024/11/7</a:t>
+              <a:t>2024/11/8</a:t>
             </a:fld>
             <a:endParaRPr kumimoji="1" lang="ja-JP" altLang="en-US"/>
           </a:p>
@@ -1131,7 +1131,7 @@
           <a:p>
             <a:fld id="{5B96D3F8-CD2E-4A0D-AC38-517181EABB18}" type="datetimeFigureOut">
               <a:rPr kumimoji="1" lang="ja-JP" altLang="en-US" smtClean="0"/>
-              <a:t>2024/11/7</a:t>
+              <a:t>2024/11/8</a:t>
             </a:fld>
             <a:endParaRPr kumimoji="1" lang="ja-JP" altLang="en-US"/>
           </a:p>
@@ -1427,7 +1427,7 @@
           <a:p>
             <a:fld id="{5B96D3F8-CD2E-4A0D-AC38-517181EABB18}" type="datetimeFigureOut">
               <a:rPr kumimoji="1" lang="ja-JP" altLang="en-US" smtClean="0"/>
-              <a:t>2024/11/7</a:t>
+              <a:t>2024/11/8</a:t>
             </a:fld>
             <a:endParaRPr kumimoji="1" lang="ja-JP" altLang="en-US"/>
           </a:p>
@@ -1858,7 +1858,7 @@
           <a:p>
             <a:fld id="{5B96D3F8-CD2E-4A0D-AC38-517181EABB18}" type="datetimeFigureOut">
               <a:rPr kumimoji="1" lang="ja-JP" altLang="en-US" smtClean="0"/>
-              <a:t>2024/11/7</a:t>
+              <a:t>2024/11/8</a:t>
             </a:fld>
             <a:endParaRPr kumimoji="1" lang="ja-JP" altLang="en-US"/>
           </a:p>
@@ -1976,7 +1976,7 @@
           <a:p>
             <a:fld id="{5B96D3F8-CD2E-4A0D-AC38-517181EABB18}" type="datetimeFigureOut">
               <a:rPr kumimoji="1" lang="ja-JP" altLang="en-US" smtClean="0"/>
-              <a:t>2024/11/7</a:t>
+              <a:t>2024/11/8</a:t>
             </a:fld>
             <a:endParaRPr kumimoji="1" lang="ja-JP" altLang="en-US"/>
           </a:p>
@@ -2071,7 +2071,7 @@
           <a:p>
             <a:fld id="{5B96D3F8-CD2E-4A0D-AC38-517181EABB18}" type="datetimeFigureOut">
               <a:rPr kumimoji="1" lang="ja-JP" altLang="en-US" smtClean="0"/>
-              <a:t>2024/11/7</a:t>
+              <a:t>2024/11/8</a:t>
             </a:fld>
             <a:endParaRPr kumimoji="1" lang="ja-JP" altLang="en-US"/>
           </a:p>
@@ -2380,7 +2380,7 @@
           <a:p>
             <a:fld id="{5B96D3F8-CD2E-4A0D-AC38-517181EABB18}" type="datetimeFigureOut">
               <a:rPr kumimoji="1" lang="ja-JP" altLang="en-US" smtClean="0"/>
-              <a:t>2024/11/7</a:t>
+              <a:t>2024/11/8</a:t>
             </a:fld>
             <a:endParaRPr kumimoji="1" lang="ja-JP" altLang="en-US"/>
           </a:p>
@@ -2637,7 +2637,7 @@
           <a:p>
             <a:fld id="{5B96D3F8-CD2E-4A0D-AC38-517181EABB18}" type="datetimeFigureOut">
               <a:rPr kumimoji="1" lang="ja-JP" altLang="en-US" smtClean="0"/>
-              <a:t>2024/11/7</a:t>
+              <a:t>2024/11/8</a:t>
             </a:fld>
             <a:endParaRPr kumimoji="1" lang="ja-JP" altLang="en-US"/>
           </a:p>
@@ -2882,7 +2882,7 @@
           <a:p>
             <a:fld id="{5B96D3F8-CD2E-4A0D-AC38-517181EABB18}" type="datetimeFigureOut">
               <a:rPr kumimoji="1" lang="ja-JP" altLang="en-US" smtClean="0"/>
-              <a:t>2024/11/7</a:t>
+              <a:t>2024/11/8</a:t>
             </a:fld>
             <a:endParaRPr kumimoji="1" lang="ja-JP" altLang="en-US"/>
           </a:p>
@@ -13995,7 +13995,7 @@
                 </a:solidFill>
                 <a:ea typeface="ＭＳ ゴシック" panose="020B0609070205080204" pitchFamily="49" charset="-128"/>
               </a:rPr>
-              <a:t>ファイル末尾まで一行ずる読み込み</a:t>
+              <a:t>ファイル末尾まで一行ずつ読み込み</a:t>
             </a:r>
             <a:br>
               <a:rPr lang="en-US" altLang="ja-JP" sz="2400" dirty="0">
@@ -15223,7 +15223,7 @@
                 </a:solidFill>
                 <a:ea typeface="ＭＳ ゴシック" panose="020B0609070205080204" pitchFamily="49" charset="-128"/>
               </a:rPr>
-              <a:t>ファイル末尾まで一行ずる読み込み</a:t>
+              <a:t>ファイル末尾まで一行ずつ読み込み</a:t>
             </a:r>
             <a:br>
               <a:rPr lang="en-US" altLang="ja-JP" sz="2400" dirty="0">
@@ -15580,15 +15580,7 @@
             </a:r>
             <a:r>
               <a:rPr lang="ja-JP" altLang="en-US" dirty="0"/>
-              <a:t>」で分割して、各項目をタブ（</a:t>
-            </a:r>
-            <a:r>
-              <a:rPr lang="en-US" altLang="ja-JP" dirty="0"/>
-              <a:t>\t</a:t>
-            </a:r>
-            <a:r>
-              <a:rPr lang="ja-JP" altLang="en-US" dirty="0"/>
-              <a:t>）</a:t>
+              <a:t>」で分割して、各項目を空白区切りで表示しなさい</a:t>
             </a:r>
             <a:endParaRPr lang="en-US" altLang="ja-JP" sz="4400" dirty="0"/>
           </a:p>
@@ -15596,10 +15588,10 @@
       </p:sp>
       <p:pic>
         <p:nvPicPr>
-          <p:cNvPr id="6" name="図 5">
+          <p:cNvPr id="5" name="図 4">
             <a:extLst>
               <a:ext uri="{FF2B5EF4-FFF2-40B4-BE49-F238E27FC236}">
-                <a16:creationId xmlns:a16="http://schemas.microsoft.com/office/drawing/2014/main" id="{751D2950-AD74-ADE4-F345-9B222F971526}"/>
+                <a16:creationId xmlns:a16="http://schemas.microsoft.com/office/drawing/2014/main" id="{2FDD0676-687E-AF60-8CE1-507A734A0DDC}"/>
               </a:ext>
             </a:extLst>
           </p:cNvPr>
@@ -15610,13 +15602,14 @@
         </p:nvPicPr>
         <p:blipFill>
           <a:blip r:embed="rId2"/>
-          <a:srcRect t="18555"/>
-          <a:stretch/>
+          <a:stretch>
+            <a:fillRect/>
+          </a:stretch>
         </p:blipFill>
         <p:spPr>
           <a:xfrm>
-            <a:off x="2880387" y="3696511"/>
-            <a:ext cx="6039877" cy="1969755"/>
+            <a:off x="3421444" y="3599235"/>
+            <a:ext cx="4886987" cy="1969755"/>
           </a:xfrm>
           <a:prstGeom prst="rect">
             <a:avLst/>

--- a/授業資料/演習課題：CSV.pptx
+++ b/授業資料/演習課題：CSV.pptx
@@ -13,6 +13,10 @@
     <p:sldId id="438" r:id="rId7"/>
     <p:sldId id="439" r:id="rId8"/>
     <p:sldId id="440" r:id="rId9"/>
+    <p:sldId id="441" r:id="rId10"/>
+    <p:sldId id="442" r:id="rId11"/>
+    <p:sldId id="443" r:id="rId12"/>
+    <p:sldId id="444" r:id="rId13"/>
   </p:sldIdLst>
   <p:sldSz cx="12192000" cy="6858000"/>
   <p:notesSz cx="6858000" cy="9144000"/>
@@ -3620,6 +3624,2620 @@
 </p:sld>
 </file>
 
+<file path=ppt/slides/slide10.xml><?xml version="1.0" encoding="utf-8"?>
+<p:sld xmlns:a="http://schemas.openxmlformats.org/drawingml/2006/main" xmlns:r="http://schemas.openxmlformats.org/officeDocument/2006/relationships" xmlns:p="http://schemas.openxmlformats.org/presentationml/2006/main">
+  <p:cSld>
+    <p:spTree>
+      <p:nvGrpSpPr>
+        <p:cNvPr id="1" name="">
+          <a:extLst>
+            <a:ext uri="{FF2B5EF4-FFF2-40B4-BE49-F238E27FC236}">
+              <a16:creationId xmlns:a16="http://schemas.microsoft.com/office/drawing/2014/main" id="{49368786-8BD0-153D-C347-098F387E3CC5}"/>
+            </a:ext>
+          </a:extLst>
+        </p:cNvPr>
+        <p:cNvGrpSpPr/>
+        <p:nvPr/>
+      </p:nvGrpSpPr>
+      <p:grpSpPr>
+        <a:xfrm>
+          <a:off x="0" y="0"/>
+          <a:ext cx="0" cy="0"/>
+          <a:chOff x="0" y="0"/>
+          <a:chExt cx="0" cy="0"/>
+        </a:xfrm>
+      </p:grpSpPr>
+      <p:sp>
+        <p:nvSpPr>
+          <p:cNvPr id="2" name="タイトル 1">
+            <a:extLst>
+              <a:ext uri="{FF2B5EF4-FFF2-40B4-BE49-F238E27FC236}">
+                <a16:creationId xmlns:a16="http://schemas.microsoft.com/office/drawing/2014/main" id="{539CC7DE-5ECD-5127-82B7-846B951112FC}"/>
+              </a:ext>
+            </a:extLst>
+          </p:cNvPr>
+          <p:cNvSpPr>
+            <a:spLocks noGrp="1"/>
+          </p:cNvSpPr>
+          <p:nvPr>
+            <p:ph type="title"/>
+          </p:nvPr>
+        </p:nvSpPr>
+        <p:spPr/>
+        <p:txBody>
+          <a:bodyPr/>
+          <a:lstStyle/>
+          <a:p>
+            <a:r>
+              <a:rPr kumimoji="1" lang="ja-JP" altLang="en-US" dirty="0"/>
+              <a:t>演習：</a:t>
+            </a:r>
+            <a:r>
+              <a:rPr kumimoji="1" lang="en-US" altLang="ja-JP" dirty="0"/>
+              <a:t>CSV</a:t>
+            </a:r>
+            <a:endParaRPr kumimoji="1" lang="ja-JP" altLang="en-US" dirty="0"/>
+          </a:p>
+        </p:txBody>
+      </p:sp>
+      <p:sp>
+        <p:nvSpPr>
+          <p:cNvPr id="3" name="コンテンツ プレースホルダー 2">
+            <a:extLst>
+              <a:ext uri="{FF2B5EF4-FFF2-40B4-BE49-F238E27FC236}">
+                <a16:creationId xmlns:a16="http://schemas.microsoft.com/office/drawing/2014/main" id="{AFD72BC5-5842-32D7-363D-6D04DF7C46B8}"/>
+              </a:ext>
+            </a:extLst>
+          </p:cNvPr>
+          <p:cNvSpPr>
+            <a:spLocks noGrp="1"/>
+          </p:cNvSpPr>
+          <p:nvPr>
+            <p:ph idx="1"/>
+          </p:nvPr>
+        </p:nvSpPr>
+        <p:spPr>
+          <a:xfrm>
+            <a:off x="731195" y="1162976"/>
+            <a:ext cx="11136549" cy="5626930"/>
+          </a:xfrm>
+          <a:solidFill>
+            <a:schemeClr val="bg1"/>
+          </a:solidFill>
+          <a:ln>
+            <a:solidFill>
+              <a:schemeClr val="tx1"/>
+            </a:solidFill>
+          </a:ln>
+        </p:spPr>
+        <p:txBody>
+          <a:bodyPr>
+            <a:noAutofit/>
+          </a:bodyPr>
+          <a:lstStyle/>
+          <a:p>
+            <a:pPr marL="0" indent="0">
+              <a:buNone/>
+            </a:pPr>
+            <a:r>
+              <a:rPr lang="en-US" altLang="ja-JP" sz="2600" dirty="0">
+                <a:solidFill>
+                  <a:srgbClr val="0000FF"/>
+                </a:solidFill>
+                <a:ea typeface="ＭＳ ゴシック" panose="020B0609070205080204" pitchFamily="49" charset="-128"/>
+              </a:rPr>
+              <a:t>class</a:t>
+            </a:r>
+            <a:r>
+              <a:rPr lang="en-US" altLang="ja-JP" sz="2600" dirty="0">
+                <a:solidFill>
+                  <a:srgbClr val="000000"/>
+                </a:solidFill>
+                <a:ea typeface="ＭＳ ゴシック" panose="020B0609070205080204" pitchFamily="49" charset="-128"/>
+              </a:rPr>
+              <a:t> </a:t>
+            </a:r>
+            <a:r>
+              <a:rPr lang="en-US" altLang="ja-JP" sz="2600" dirty="0">
+                <a:solidFill>
+                  <a:srgbClr val="2B91AF"/>
+                </a:solidFill>
+                <a:ea typeface="ＭＳ ゴシック" panose="020B0609070205080204" pitchFamily="49" charset="-128"/>
+              </a:rPr>
+              <a:t>Weapon</a:t>
+            </a:r>
+            <a:r>
+              <a:rPr lang="en-US" altLang="ja-JP" sz="2600" dirty="0">
+                <a:solidFill>
+                  <a:srgbClr val="000000"/>
+                </a:solidFill>
+                <a:ea typeface="ＭＳ ゴシック" panose="020B0609070205080204" pitchFamily="49" charset="-128"/>
+              </a:rPr>
+              <a:t> {</a:t>
+            </a:r>
+            <a:br>
+              <a:rPr lang="en-US" altLang="ja-JP" sz="2600" dirty="0">
+                <a:solidFill>
+                  <a:srgbClr val="000000"/>
+                </a:solidFill>
+                <a:ea typeface="ＭＳ ゴシック" panose="020B0609070205080204" pitchFamily="49" charset="-128"/>
+              </a:rPr>
+            </a:br>
+            <a:r>
+              <a:rPr lang="en-US" altLang="ja-JP" sz="2600" dirty="0">
+                <a:solidFill>
+                  <a:srgbClr val="0000FF"/>
+                </a:solidFill>
+                <a:ea typeface="ＭＳ ゴシック" panose="020B0609070205080204" pitchFamily="49" charset="-128"/>
+              </a:rPr>
+              <a:t>private</a:t>
+            </a:r>
+            <a:r>
+              <a:rPr lang="en-US" altLang="ja-JP" sz="2600" dirty="0">
+                <a:solidFill>
+                  <a:srgbClr val="000000"/>
+                </a:solidFill>
+                <a:ea typeface="ＭＳ ゴシック" panose="020B0609070205080204" pitchFamily="49" charset="-128"/>
+              </a:rPr>
+              <a:t>:</a:t>
+            </a:r>
+            <a:br>
+              <a:rPr lang="en-US" altLang="ja-JP" sz="2600" dirty="0">
+                <a:solidFill>
+                  <a:srgbClr val="000000"/>
+                </a:solidFill>
+                <a:ea typeface="ＭＳ ゴシック" panose="020B0609070205080204" pitchFamily="49" charset="-128"/>
+              </a:rPr>
+            </a:br>
+            <a:r>
+              <a:rPr lang="en-US" altLang="ja-JP" sz="2600" dirty="0">
+                <a:solidFill>
+                  <a:srgbClr val="000000"/>
+                </a:solidFill>
+                <a:ea typeface="ＭＳ ゴシック" panose="020B0609070205080204" pitchFamily="49" charset="-128"/>
+              </a:rPr>
+              <a:t>  </a:t>
+            </a:r>
+            <a:r>
+              <a:rPr lang="en-US" altLang="ja-JP" sz="2600" dirty="0">
+                <a:solidFill>
+                  <a:srgbClr val="2B91AF"/>
+                </a:solidFill>
+                <a:ea typeface="ＭＳ ゴシック" panose="020B0609070205080204" pitchFamily="49" charset="-128"/>
+              </a:rPr>
+              <a:t>string</a:t>
+            </a:r>
+            <a:r>
+              <a:rPr lang="en-US" altLang="ja-JP" sz="2600" dirty="0">
+                <a:solidFill>
+                  <a:srgbClr val="000000"/>
+                </a:solidFill>
+                <a:ea typeface="ＭＳ ゴシック" panose="020B0609070205080204" pitchFamily="49" charset="-128"/>
+              </a:rPr>
+              <a:t> </a:t>
+            </a:r>
+            <a:r>
+              <a:rPr lang="en-US" altLang="ja-JP" sz="2600" dirty="0" err="1">
+                <a:solidFill>
+                  <a:srgbClr val="000000"/>
+                </a:solidFill>
+                <a:ea typeface="ＭＳ ゴシック" panose="020B0609070205080204" pitchFamily="49" charset="-128"/>
+              </a:rPr>
+              <a:t>m_name</a:t>
+            </a:r>
+            <a:r>
+              <a:rPr lang="en-US" altLang="ja-JP" sz="2600" dirty="0">
+                <a:solidFill>
+                  <a:srgbClr val="000000"/>
+                </a:solidFill>
+                <a:ea typeface="ＭＳ ゴシック" panose="020B0609070205080204" pitchFamily="49" charset="-128"/>
+              </a:rPr>
+              <a:t>;</a:t>
+            </a:r>
+            <a:br>
+              <a:rPr lang="en-US" altLang="ja-JP" sz="2600" dirty="0">
+                <a:solidFill>
+                  <a:srgbClr val="000000"/>
+                </a:solidFill>
+                <a:ea typeface="ＭＳ ゴシック" panose="020B0609070205080204" pitchFamily="49" charset="-128"/>
+              </a:rPr>
+            </a:br>
+            <a:r>
+              <a:rPr lang="en-US" altLang="ja-JP" sz="2600" dirty="0">
+                <a:solidFill>
+                  <a:srgbClr val="000000"/>
+                </a:solidFill>
+                <a:ea typeface="ＭＳ ゴシック" panose="020B0609070205080204" pitchFamily="49" charset="-128"/>
+              </a:rPr>
+              <a:t>  </a:t>
+            </a:r>
+            <a:r>
+              <a:rPr lang="en-US" altLang="ja-JP" sz="2600" dirty="0">
+                <a:solidFill>
+                  <a:srgbClr val="0000FF"/>
+                </a:solidFill>
+                <a:ea typeface="ＭＳ ゴシック" panose="020B0609070205080204" pitchFamily="49" charset="-128"/>
+              </a:rPr>
+              <a:t>int</a:t>
+            </a:r>
+            <a:r>
+              <a:rPr lang="en-US" altLang="ja-JP" sz="2600" dirty="0">
+                <a:solidFill>
+                  <a:srgbClr val="000000"/>
+                </a:solidFill>
+                <a:ea typeface="ＭＳ ゴシック" panose="020B0609070205080204" pitchFamily="49" charset="-128"/>
+              </a:rPr>
+              <a:t> </a:t>
+            </a:r>
+            <a:r>
+              <a:rPr lang="en-US" altLang="ja-JP" sz="2600" dirty="0" err="1">
+                <a:solidFill>
+                  <a:srgbClr val="000000"/>
+                </a:solidFill>
+                <a:ea typeface="ＭＳ ゴシック" panose="020B0609070205080204" pitchFamily="49" charset="-128"/>
+              </a:rPr>
+              <a:t>m_atk</a:t>
+            </a:r>
+            <a:r>
+              <a:rPr lang="en-US" altLang="ja-JP" sz="2600" dirty="0">
+                <a:solidFill>
+                  <a:srgbClr val="000000"/>
+                </a:solidFill>
+                <a:ea typeface="ＭＳ ゴシック" panose="020B0609070205080204" pitchFamily="49" charset="-128"/>
+              </a:rPr>
+              <a:t>, </a:t>
+            </a:r>
+            <a:r>
+              <a:rPr lang="en-US" altLang="ja-JP" sz="2600" dirty="0" err="1">
+                <a:solidFill>
+                  <a:srgbClr val="000000"/>
+                </a:solidFill>
+                <a:ea typeface="ＭＳ ゴシック" panose="020B0609070205080204" pitchFamily="49" charset="-128"/>
+              </a:rPr>
+              <a:t>m_price</a:t>
+            </a:r>
+            <a:r>
+              <a:rPr lang="en-US" altLang="ja-JP" sz="2600" dirty="0">
+                <a:solidFill>
+                  <a:srgbClr val="000000"/>
+                </a:solidFill>
+                <a:ea typeface="ＭＳ ゴシック" panose="020B0609070205080204" pitchFamily="49" charset="-128"/>
+              </a:rPr>
+              <a:t>, </a:t>
+            </a:r>
+            <a:r>
+              <a:rPr lang="en-US" altLang="ja-JP" sz="2600" dirty="0" err="1">
+                <a:solidFill>
+                  <a:srgbClr val="000000"/>
+                </a:solidFill>
+                <a:ea typeface="ＭＳ ゴシック" panose="020B0609070205080204" pitchFamily="49" charset="-128"/>
+              </a:rPr>
+              <a:t>m_weight</a:t>
+            </a:r>
+            <a:r>
+              <a:rPr lang="en-US" altLang="ja-JP" sz="2600" dirty="0">
+                <a:solidFill>
+                  <a:srgbClr val="000000"/>
+                </a:solidFill>
+                <a:ea typeface="ＭＳ ゴシック" panose="020B0609070205080204" pitchFamily="49" charset="-128"/>
+              </a:rPr>
+              <a:t>;</a:t>
+            </a:r>
+            <a:br>
+              <a:rPr lang="en-US" altLang="ja-JP" sz="2600" dirty="0">
+                <a:solidFill>
+                  <a:srgbClr val="000000"/>
+                </a:solidFill>
+                <a:ea typeface="ＭＳ ゴシック" panose="020B0609070205080204" pitchFamily="49" charset="-128"/>
+              </a:rPr>
+            </a:br>
+            <a:r>
+              <a:rPr lang="en-US" altLang="ja-JP" sz="2600" dirty="0">
+                <a:solidFill>
+                  <a:srgbClr val="0000FF"/>
+                </a:solidFill>
+                <a:ea typeface="ＭＳ ゴシック" panose="020B0609070205080204" pitchFamily="49" charset="-128"/>
+              </a:rPr>
+              <a:t>public</a:t>
+            </a:r>
+            <a:r>
+              <a:rPr lang="en-US" altLang="ja-JP" sz="2600" dirty="0">
+                <a:solidFill>
+                  <a:srgbClr val="000000"/>
+                </a:solidFill>
+                <a:ea typeface="ＭＳ ゴシック" panose="020B0609070205080204" pitchFamily="49" charset="-128"/>
+              </a:rPr>
+              <a:t>:</a:t>
+            </a:r>
+            <a:br>
+              <a:rPr lang="en-US" altLang="ja-JP" sz="2600" dirty="0">
+                <a:solidFill>
+                  <a:srgbClr val="000000"/>
+                </a:solidFill>
+                <a:ea typeface="ＭＳ ゴシック" panose="020B0609070205080204" pitchFamily="49" charset="-128"/>
+              </a:rPr>
+            </a:br>
+            <a:r>
+              <a:rPr lang="en-US" altLang="ja-JP" sz="2600" dirty="0">
+                <a:solidFill>
+                  <a:srgbClr val="000000"/>
+                </a:solidFill>
+                <a:ea typeface="ＭＳ ゴシック" panose="020B0609070205080204" pitchFamily="49" charset="-128"/>
+              </a:rPr>
+              <a:t>  Weapon() : </a:t>
+            </a:r>
+            <a:r>
+              <a:rPr lang="en-US" altLang="ja-JP" sz="2600" dirty="0" err="1">
+                <a:solidFill>
+                  <a:srgbClr val="000000"/>
+                </a:solidFill>
+                <a:ea typeface="ＭＳ ゴシック" panose="020B0609070205080204" pitchFamily="49" charset="-128"/>
+              </a:rPr>
+              <a:t>m_name</a:t>
+            </a:r>
+            <a:r>
+              <a:rPr lang="en-US" altLang="ja-JP" sz="2600" dirty="0">
+                <a:solidFill>
+                  <a:srgbClr val="000000"/>
+                </a:solidFill>
+                <a:ea typeface="ＭＳ ゴシック" panose="020B0609070205080204" pitchFamily="49" charset="-128"/>
+              </a:rPr>
+              <a:t>(</a:t>
+            </a:r>
+            <a:r>
+              <a:rPr lang="en-US" altLang="ja-JP" sz="2600" dirty="0">
+                <a:solidFill>
+                  <a:srgbClr val="A31515"/>
+                </a:solidFill>
+                <a:ea typeface="ＭＳ ゴシック" panose="020B0609070205080204" pitchFamily="49" charset="-128"/>
+              </a:rPr>
+              <a:t>""</a:t>
+            </a:r>
+            <a:r>
+              <a:rPr lang="en-US" altLang="ja-JP" sz="2600" dirty="0">
+                <a:solidFill>
+                  <a:srgbClr val="000000"/>
+                </a:solidFill>
+                <a:ea typeface="ＭＳ ゴシック" panose="020B0609070205080204" pitchFamily="49" charset="-128"/>
+              </a:rPr>
+              <a:t>), </a:t>
+            </a:r>
+            <a:r>
+              <a:rPr lang="en-US" altLang="ja-JP" sz="2600" dirty="0" err="1">
+                <a:solidFill>
+                  <a:srgbClr val="000000"/>
+                </a:solidFill>
+                <a:ea typeface="ＭＳ ゴシック" panose="020B0609070205080204" pitchFamily="49" charset="-128"/>
+              </a:rPr>
+              <a:t>m_atk</a:t>
+            </a:r>
+            <a:r>
+              <a:rPr lang="en-US" altLang="ja-JP" sz="2600" dirty="0">
+                <a:solidFill>
+                  <a:srgbClr val="000000"/>
+                </a:solidFill>
+                <a:ea typeface="ＭＳ ゴシック" panose="020B0609070205080204" pitchFamily="49" charset="-128"/>
+              </a:rPr>
+              <a:t>(0)</a:t>
+            </a:r>
+            <a:br>
+              <a:rPr lang="en-US" altLang="ja-JP" sz="2600" dirty="0">
+                <a:solidFill>
+                  <a:srgbClr val="000000"/>
+                </a:solidFill>
+                <a:ea typeface="ＭＳ ゴシック" panose="020B0609070205080204" pitchFamily="49" charset="-128"/>
+              </a:rPr>
+            </a:br>
+            <a:r>
+              <a:rPr lang="en-US" altLang="ja-JP" sz="2600" dirty="0">
+                <a:solidFill>
+                  <a:srgbClr val="000000"/>
+                </a:solidFill>
+                <a:ea typeface="ＭＳ ゴシック" panose="020B0609070205080204" pitchFamily="49" charset="-128"/>
+              </a:rPr>
+              <a:t>           , </a:t>
+            </a:r>
+            <a:r>
+              <a:rPr lang="en-US" altLang="ja-JP" sz="2600" dirty="0" err="1">
+                <a:solidFill>
+                  <a:srgbClr val="000000"/>
+                </a:solidFill>
+                <a:ea typeface="ＭＳ ゴシック" panose="020B0609070205080204" pitchFamily="49" charset="-128"/>
+              </a:rPr>
+              <a:t>m_price</a:t>
+            </a:r>
+            <a:r>
+              <a:rPr lang="en-US" altLang="ja-JP" sz="2600" dirty="0">
+                <a:solidFill>
+                  <a:srgbClr val="000000"/>
+                </a:solidFill>
+                <a:ea typeface="ＭＳ ゴシック" panose="020B0609070205080204" pitchFamily="49" charset="-128"/>
+              </a:rPr>
+              <a:t>(0), </a:t>
+            </a:r>
+            <a:r>
+              <a:rPr lang="en-US" altLang="ja-JP" sz="2600" dirty="0" err="1">
+                <a:solidFill>
+                  <a:srgbClr val="000000"/>
+                </a:solidFill>
+                <a:ea typeface="ＭＳ ゴシック" panose="020B0609070205080204" pitchFamily="49" charset="-128"/>
+              </a:rPr>
+              <a:t>m_weight</a:t>
+            </a:r>
+            <a:r>
+              <a:rPr lang="en-US" altLang="ja-JP" sz="2600" dirty="0">
+                <a:solidFill>
+                  <a:srgbClr val="000000"/>
+                </a:solidFill>
+                <a:ea typeface="ＭＳ ゴシック" panose="020B0609070205080204" pitchFamily="49" charset="-128"/>
+              </a:rPr>
+              <a:t>(0) {};</a:t>
+            </a:r>
+            <a:br>
+              <a:rPr lang="en-US" altLang="ja-JP" sz="2600" dirty="0">
+                <a:solidFill>
+                  <a:srgbClr val="000000"/>
+                </a:solidFill>
+                <a:ea typeface="ＭＳ ゴシック" panose="020B0609070205080204" pitchFamily="49" charset="-128"/>
+              </a:rPr>
+            </a:br>
+            <a:r>
+              <a:rPr lang="en-US" altLang="ja-JP" sz="2600" dirty="0">
+                <a:solidFill>
+                  <a:srgbClr val="000000"/>
+                </a:solidFill>
+                <a:ea typeface="ＭＳ ゴシック" panose="020B0609070205080204" pitchFamily="49" charset="-128"/>
+              </a:rPr>
+              <a:t>  Weapon(</a:t>
+            </a:r>
+            <a:r>
+              <a:rPr lang="en-US" altLang="ja-JP" sz="2600" dirty="0">
+                <a:solidFill>
+                  <a:srgbClr val="2B91AF"/>
+                </a:solidFill>
+                <a:ea typeface="ＭＳ ゴシック" panose="020B0609070205080204" pitchFamily="49" charset="-128"/>
+              </a:rPr>
+              <a:t>string</a:t>
+            </a:r>
+            <a:r>
+              <a:rPr lang="en-US" altLang="ja-JP" sz="2600" dirty="0">
+                <a:solidFill>
+                  <a:srgbClr val="000000"/>
+                </a:solidFill>
+                <a:ea typeface="ＭＳ ゴシック" panose="020B0609070205080204" pitchFamily="49" charset="-128"/>
+              </a:rPr>
+              <a:t> </a:t>
+            </a:r>
+            <a:r>
+              <a:rPr lang="en-US" altLang="ja-JP" sz="2600" dirty="0">
+                <a:solidFill>
+                  <a:srgbClr val="808080"/>
+                </a:solidFill>
+                <a:ea typeface="ＭＳ ゴシック" panose="020B0609070205080204" pitchFamily="49" charset="-128"/>
+              </a:rPr>
+              <a:t>name</a:t>
+            </a:r>
+            <a:r>
+              <a:rPr lang="en-US" altLang="ja-JP" sz="2600" dirty="0">
+                <a:solidFill>
+                  <a:srgbClr val="000000"/>
+                </a:solidFill>
+                <a:ea typeface="ＭＳ ゴシック" panose="020B0609070205080204" pitchFamily="49" charset="-128"/>
+              </a:rPr>
+              <a:t>, </a:t>
+            </a:r>
+            <a:r>
+              <a:rPr lang="en-US" altLang="ja-JP" sz="2600" dirty="0">
+                <a:solidFill>
+                  <a:srgbClr val="0000FF"/>
+                </a:solidFill>
+                <a:ea typeface="ＭＳ ゴシック" panose="020B0609070205080204" pitchFamily="49" charset="-128"/>
+              </a:rPr>
+              <a:t>int</a:t>
+            </a:r>
+            <a:r>
+              <a:rPr lang="en-US" altLang="ja-JP" sz="2600" dirty="0">
+                <a:solidFill>
+                  <a:srgbClr val="000000"/>
+                </a:solidFill>
+                <a:ea typeface="ＭＳ ゴシック" panose="020B0609070205080204" pitchFamily="49" charset="-128"/>
+              </a:rPr>
+              <a:t> </a:t>
+            </a:r>
+            <a:r>
+              <a:rPr lang="en-US" altLang="ja-JP" sz="2600" dirty="0" err="1">
+                <a:solidFill>
+                  <a:srgbClr val="808080"/>
+                </a:solidFill>
+                <a:ea typeface="ＭＳ ゴシック" panose="020B0609070205080204" pitchFamily="49" charset="-128"/>
+              </a:rPr>
+              <a:t>atk</a:t>
+            </a:r>
+            <a:r>
+              <a:rPr lang="en-US" altLang="ja-JP" sz="2600" dirty="0">
+                <a:solidFill>
+                  <a:srgbClr val="000000"/>
+                </a:solidFill>
+                <a:ea typeface="ＭＳ ゴシック" panose="020B0609070205080204" pitchFamily="49" charset="-128"/>
+              </a:rPr>
+              <a:t>, </a:t>
+            </a:r>
+            <a:r>
+              <a:rPr lang="en-US" altLang="ja-JP" sz="2600" dirty="0">
+                <a:solidFill>
+                  <a:srgbClr val="0000FF"/>
+                </a:solidFill>
+                <a:ea typeface="ＭＳ ゴシック" panose="020B0609070205080204" pitchFamily="49" charset="-128"/>
+              </a:rPr>
+              <a:t>int</a:t>
+            </a:r>
+            <a:r>
+              <a:rPr lang="en-US" altLang="ja-JP" sz="2600" dirty="0">
+                <a:solidFill>
+                  <a:srgbClr val="000000"/>
+                </a:solidFill>
+                <a:ea typeface="ＭＳ ゴシック" panose="020B0609070205080204" pitchFamily="49" charset="-128"/>
+              </a:rPr>
+              <a:t> </a:t>
+            </a:r>
+            <a:r>
+              <a:rPr lang="en-US" altLang="ja-JP" sz="2600" dirty="0">
+                <a:solidFill>
+                  <a:srgbClr val="808080"/>
+                </a:solidFill>
+                <a:ea typeface="ＭＳ ゴシック" panose="020B0609070205080204" pitchFamily="49" charset="-128"/>
+              </a:rPr>
+              <a:t>price</a:t>
+            </a:r>
+            <a:r>
+              <a:rPr lang="en-US" altLang="ja-JP" sz="2600" dirty="0">
+                <a:solidFill>
+                  <a:srgbClr val="000000"/>
+                </a:solidFill>
+                <a:ea typeface="ＭＳ ゴシック" panose="020B0609070205080204" pitchFamily="49" charset="-128"/>
+              </a:rPr>
+              <a:t>, </a:t>
+            </a:r>
+            <a:r>
+              <a:rPr lang="en-US" altLang="ja-JP" sz="2600" dirty="0">
+                <a:solidFill>
+                  <a:srgbClr val="0000FF"/>
+                </a:solidFill>
+                <a:ea typeface="ＭＳ ゴシック" panose="020B0609070205080204" pitchFamily="49" charset="-128"/>
+              </a:rPr>
+              <a:t>int</a:t>
+            </a:r>
+            <a:r>
+              <a:rPr lang="en-US" altLang="ja-JP" sz="2600" dirty="0">
+                <a:solidFill>
+                  <a:srgbClr val="000000"/>
+                </a:solidFill>
+                <a:ea typeface="ＭＳ ゴシック" panose="020B0609070205080204" pitchFamily="49" charset="-128"/>
+              </a:rPr>
+              <a:t> </a:t>
+            </a:r>
+            <a:r>
+              <a:rPr lang="en-US" altLang="ja-JP" sz="2600" dirty="0">
+                <a:solidFill>
+                  <a:srgbClr val="808080"/>
+                </a:solidFill>
+                <a:ea typeface="ＭＳ ゴシック" panose="020B0609070205080204" pitchFamily="49" charset="-128"/>
+              </a:rPr>
+              <a:t>weight</a:t>
+            </a:r>
+            <a:r>
+              <a:rPr lang="en-US" altLang="ja-JP" sz="2600" dirty="0">
+                <a:solidFill>
+                  <a:srgbClr val="000000"/>
+                </a:solidFill>
+                <a:ea typeface="ＭＳ ゴシック" panose="020B0609070205080204" pitchFamily="49" charset="-128"/>
+              </a:rPr>
+              <a:t>)</a:t>
+            </a:r>
+            <a:br>
+              <a:rPr lang="en-US" altLang="ja-JP" sz="2600" dirty="0">
+                <a:solidFill>
+                  <a:srgbClr val="000000"/>
+                </a:solidFill>
+                <a:ea typeface="ＭＳ ゴシック" panose="020B0609070205080204" pitchFamily="49" charset="-128"/>
+              </a:rPr>
+            </a:br>
+            <a:r>
+              <a:rPr lang="en-US" altLang="ja-JP" sz="2600" dirty="0">
+                <a:solidFill>
+                  <a:srgbClr val="000000"/>
+                </a:solidFill>
+                <a:ea typeface="ＭＳ ゴシック" panose="020B0609070205080204" pitchFamily="49" charset="-128"/>
+              </a:rPr>
+              <a:t>           : </a:t>
+            </a:r>
+            <a:r>
+              <a:rPr lang="en-US" altLang="ja-JP" sz="2600" dirty="0" err="1">
+                <a:solidFill>
+                  <a:srgbClr val="000000"/>
+                </a:solidFill>
+                <a:ea typeface="ＭＳ ゴシック" panose="020B0609070205080204" pitchFamily="49" charset="-128"/>
+              </a:rPr>
+              <a:t>m_name</a:t>
+            </a:r>
+            <a:r>
+              <a:rPr lang="en-US" altLang="ja-JP" sz="2600" dirty="0">
+                <a:solidFill>
+                  <a:srgbClr val="000000"/>
+                </a:solidFill>
+                <a:ea typeface="ＭＳ ゴシック" panose="020B0609070205080204" pitchFamily="49" charset="-128"/>
+              </a:rPr>
+              <a:t>(</a:t>
+            </a:r>
+            <a:r>
+              <a:rPr lang="en-US" altLang="ja-JP" sz="2600" dirty="0">
+                <a:solidFill>
+                  <a:srgbClr val="808080"/>
+                </a:solidFill>
+                <a:ea typeface="ＭＳ ゴシック" panose="020B0609070205080204" pitchFamily="49" charset="-128"/>
+              </a:rPr>
+              <a:t>name</a:t>
+            </a:r>
+            <a:r>
+              <a:rPr lang="en-US" altLang="ja-JP" sz="2600" dirty="0">
+                <a:solidFill>
+                  <a:srgbClr val="000000"/>
+                </a:solidFill>
+                <a:ea typeface="ＭＳ ゴシック" panose="020B0609070205080204" pitchFamily="49" charset="-128"/>
+              </a:rPr>
+              <a:t>), </a:t>
+            </a:r>
+            <a:r>
+              <a:rPr lang="en-US" altLang="ja-JP" sz="2600" dirty="0" err="1">
+                <a:solidFill>
+                  <a:srgbClr val="000000"/>
+                </a:solidFill>
+                <a:ea typeface="ＭＳ ゴシック" panose="020B0609070205080204" pitchFamily="49" charset="-128"/>
+              </a:rPr>
+              <a:t>m_atk</a:t>
+            </a:r>
+            <a:r>
+              <a:rPr lang="en-US" altLang="ja-JP" sz="2600" dirty="0">
+                <a:solidFill>
+                  <a:srgbClr val="000000"/>
+                </a:solidFill>
+                <a:ea typeface="ＭＳ ゴシック" panose="020B0609070205080204" pitchFamily="49" charset="-128"/>
+              </a:rPr>
+              <a:t>(</a:t>
+            </a:r>
+            <a:r>
+              <a:rPr lang="en-US" altLang="ja-JP" sz="2600" dirty="0" err="1">
+                <a:solidFill>
+                  <a:srgbClr val="808080"/>
+                </a:solidFill>
+                <a:ea typeface="ＭＳ ゴシック" panose="020B0609070205080204" pitchFamily="49" charset="-128"/>
+              </a:rPr>
+              <a:t>atk</a:t>
+            </a:r>
+            <a:r>
+              <a:rPr lang="en-US" altLang="ja-JP" sz="2600" dirty="0">
+                <a:solidFill>
+                  <a:srgbClr val="000000"/>
+                </a:solidFill>
+                <a:ea typeface="ＭＳ ゴシック" panose="020B0609070205080204" pitchFamily="49" charset="-128"/>
+              </a:rPr>
+              <a:t>)</a:t>
+            </a:r>
+            <a:br>
+              <a:rPr lang="en-US" altLang="ja-JP" sz="2600" dirty="0">
+                <a:solidFill>
+                  <a:srgbClr val="000000"/>
+                </a:solidFill>
+                <a:ea typeface="ＭＳ ゴシック" panose="020B0609070205080204" pitchFamily="49" charset="-128"/>
+              </a:rPr>
+            </a:br>
+            <a:r>
+              <a:rPr lang="en-US" altLang="ja-JP" sz="2600" dirty="0">
+                <a:solidFill>
+                  <a:srgbClr val="000000"/>
+                </a:solidFill>
+                <a:ea typeface="ＭＳ ゴシック" panose="020B0609070205080204" pitchFamily="49" charset="-128"/>
+              </a:rPr>
+              <a:t>           , </a:t>
+            </a:r>
+            <a:r>
+              <a:rPr lang="en-US" altLang="ja-JP" sz="2600" dirty="0" err="1">
+                <a:solidFill>
+                  <a:srgbClr val="000000"/>
+                </a:solidFill>
+                <a:ea typeface="ＭＳ ゴシック" panose="020B0609070205080204" pitchFamily="49" charset="-128"/>
+              </a:rPr>
+              <a:t>m_price</a:t>
+            </a:r>
+            <a:r>
+              <a:rPr lang="en-US" altLang="ja-JP" sz="2600" dirty="0">
+                <a:solidFill>
+                  <a:srgbClr val="000000"/>
+                </a:solidFill>
+                <a:ea typeface="ＭＳ ゴシック" panose="020B0609070205080204" pitchFamily="49" charset="-128"/>
+              </a:rPr>
+              <a:t>(</a:t>
+            </a:r>
+            <a:r>
+              <a:rPr lang="en-US" altLang="ja-JP" sz="2600" dirty="0">
+                <a:solidFill>
+                  <a:srgbClr val="808080"/>
+                </a:solidFill>
+                <a:ea typeface="ＭＳ ゴシック" panose="020B0609070205080204" pitchFamily="49" charset="-128"/>
+              </a:rPr>
+              <a:t>price</a:t>
+            </a:r>
+            <a:r>
+              <a:rPr lang="en-US" altLang="ja-JP" sz="2600" dirty="0">
+                <a:solidFill>
+                  <a:srgbClr val="000000"/>
+                </a:solidFill>
+                <a:ea typeface="ＭＳ ゴシック" panose="020B0609070205080204" pitchFamily="49" charset="-128"/>
+              </a:rPr>
+              <a:t>), </a:t>
+            </a:r>
+            <a:r>
+              <a:rPr lang="en-US" altLang="ja-JP" sz="2600" dirty="0" err="1">
+                <a:solidFill>
+                  <a:srgbClr val="000000"/>
+                </a:solidFill>
+                <a:ea typeface="ＭＳ ゴシック" panose="020B0609070205080204" pitchFamily="49" charset="-128"/>
+              </a:rPr>
+              <a:t>m_weight</a:t>
+            </a:r>
+            <a:r>
+              <a:rPr lang="en-US" altLang="ja-JP" sz="2600" dirty="0">
+                <a:solidFill>
+                  <a:srgbClr val="000000"/>
+                </a:solidFill>
+                <a:ea typeface="ＭＳ ゴシック" panose="020B0609070205080204" pitchFamily="49" charset="-128"/>
+              </a:rPr>
+              <a:t>(</a:t>
+            </a:r>
+            <a:r>
+              <a:rPr lang="en-US" altLang="ja-JP" sz="2600" dirty="0">
+                <a:solidFill>
+                  <a:srgbClr val="808080"/>
+                </a:solidFill>
+                <a:ea typeface="ＭＳ ゴシック" panose="020B0609070205080204" pitchFamily="49" charset="-128"/>
+              </a:rPr>
+              <a:t>weight</a:t>
+            </a:r>
+            <a:r>
+              <a:rPr lang="en-US" altLang="ja-JP" sz="2600" dirty="0">
+                <a:solidFill>
+                  <a:srgbClr val="000000"/>
+                </a:solidFill>
+                <a:ea typeface="ＭＳ ゴシック" panose="020B0609070205080204" pitchFamily="49" charset="-128"/>
+              </a:rPr>
+              <a:t>) {};</a:t>
+            </a:r>
+            <a:br>
+              <a:rPr lang="en-US" altLang="ja-JP" sz="2600" dirty="0">
+                <a:solidFill>
+                  <a:srgbClr val="000000"/>
+                </a:solidFill>
+                <a:ea typeface="ＭＳ ゴシック" panose="020B0609070205080204" pitchFamily="49" charset="-128"/>
+              </a:rPr>
+            </a:br>
+            <a:r>
+              <a:rPr lang="en-US" altLang="ja-JP" sz="2600" dirty="0">
+                <a:solidFill>
+                  <a:srgbClr val="000000"/>
+                </a:solidFill>
+                <a:ea typeface="ＭＳ ゴシック" panose="020B0609070205080204" pitchFamily="49" charset="-128"/>
+              </a:rPr>
+              <a:t>  </a:t>
+            </a:r>
+            <a:r>
+              <a:rPr lang="en-US" altLang="ja-JP" sz="2600" dirty="0">
+                <a:solidFill>
+                  <a:srgbClr val="2B91AF"/>
+                </a:solidFill>
+                <a:ea typeface="ＭＳ ゴシック" panose="020B0609070205080204" pitchFamily="49" charset="-128"/>
+              </a:rPr>
+              <a:t>string</a:t>
+            </a:r>
+            <a:r>
+              <a:rPr lang="en-US" altLang="ja-JP" sz="2600" dirty="0">
+                <a:solidFill>
+                  <a:srgbClr val="000000"/>
+                </a:solidFill>
+                <a:ea typeface="ＭＳ ゴシック" panose="020B0609070205080204" pitchFamily="49" charset="-128"/>
+              </a:rPr>
+              <a:t> </a:t>
+            </a:r>
+            <a:r>
+              <a:rPr lang="en-US" altLang="ja-JP" sz="2600" dirty="0" err="1">
+                <a:solidFill>
+                  <a:srgbClr val="000000"/>
+                </a:solidFill>
+                <a:ea typeface="ＭＳ ゴシック" panose="020B0609070205080204" pitchFamily="49" charset="-128"/>
+              </a:rPr>
+              <a:t>getName</a:t>
+            </a:r>
+            <a:r>
+              <a:rPr lang="en-US" altLang="ja-JP" sz="2600" dirty="0">
+                <a:solidFill>
+                  <a:srgbClr val="000000"/>
+                </a:solidFill>
+                <a:ea typeface="ＭＳ ゴシック" panose="020B0609070205080204" pitchFamily="49" charset="-128"/>
+              </a:rPr>
+              <a:t>() { </a:t>
+            </a:r>
+            <a:r>
+              <a:rPr lang="en-US" altLang="ja-JP" sz="2600" dirty="0">
+                <a:solidFill>
+                  <a:srgbClr val="0000FF"/>
+                </a:solidFill>
+                <a:ea typeface="ＭＳ ゴシック" panose="020B0609070205080204" pitchFamily="49" charset="-128"/>
+              </a:rPr>
+              <a:t>return</a:t>
+            </a:r>
+            <a:r>
+              <a:rPr lang="en-US" altLang="ja-JP" sz="2600" dirty="0">
+                <a:solidFill>
+                  <a:srgbClr val="000000"/>
+                </a:solidFill>
+                <a:ea typeface="ＭＳ ゴシック" panose="020B0609070205080204" pitchFamily="49" charset="-128"/>
+              </a:rPr>
+              <a:t> </a:t>
+            </a:r>
+            <a:r>
+              <a:rPr lang="en-US" altLang="ja-JP" sz="2600" dirty="0" err="1">
+                <a:solidFill>
+                  <a:srgbClr val="000000"/>
+                </a:solidFill>
+                <a:ea typeface="ＭＳ ゴシック" panose="020B0609070205080204" pitchFamily="49" charset="-128"/>
+              </a:rPr>
+              <a:t>m_name</a:t>
+            </a:r>
+            <a:r>
+              <a:rPr lang="en-US" altLang="ja-JP" sz="2600" dirty="0">
+                <a:solidFill>
+                  <a:srgbClr val="000000"/>
+                </a:solidFill>
+                <a:ea typeface="ＭＳ ゴシック" panose="020B0609070205080204" pitchFamily="49" charset="-128"/>
+              </a:rPr>
+              <a:t>; }</a:t>
+            </a:r>
+            <a:br>
+              <a:rPr lang="en-US" altLang="ja-JP" sz="2600" dirty="0">
+                <a:solidFill>
+                  <a:srgbClr val="000000"/>
+                </a:solidFill>
+                <a:ea typeface="ＭＳ ゴシック" panose="020B0609070205080204" pitchFamily="49" charset="-128"/>
+              </a:rPr>
+            </a:br>
+            <a:r>
+              <a:rPr lang="en-US" altLang="ja-JP" sz="2600" dirty="0">
+                <a:solidFill>
+                  <a:srgbClr val="000000"/>
+                </a:solidFill>
+                <a:ea typeface="ＭＳ ゴシック" panose="020B0609070205080204" pitchFamily="49" charset="-128"/>
+              </a:rPr>
+              <a:t>  </a:t>
+            </a:r>
+            <a:r>
+              <a:rPr lang="en-US" altLang="ja-JP" sz="2600" dirty="0">
+                <a:solidFill>
+                  <a:srgbClr val="0000FF"/>
+                </a:solidFill>
+                <a:ea typeface="ＭＳ ゴシック" panose="020B0609070205080204" pitchFamily="49" charset="-128"/>
+              </a:rPr>
+              <a:t>int</a:t>
+            </a:r>
+            <a:r>
+              <a:rPr lang="en-US" altLang="ja-JP" sz="2600" dirty="0">
+                <a:solidFill>
+                  <a:srgbClr val="000000"/>
+                </a:solidFill>
+                <a:ea typeface="ＭＳ ゴシック" panose="020B0609070205080204" pitchFamily="49" charset="-128"/>
+              </a:rPr>
+              <a:t> </a:t>
+            </a:r>
+            <a:r>
+              <a:rPr lang="en-US" altLang="ja-JP" sz="2600" dirty="0" err="1">
+                <a:solidFill>
+                  <a:srgbClr val="000000"/>
+                </a:solidFill>
+                <a:ea typeface="ＭＳ ゴシック" panose="020B0609070205080204" pitchFamily="49" charset="-128"/>
+              </a:rPr>
+              <a:t>getAtk</a:t>
+            </a:r>
+            <a:r>
+              <a:rPr lang="en-US" altLang="ja-JP" sz="2600" dirty="0">
+                <a:solidFill>
+                  <a:srgbClr val="000000"/>
+                </a:solidFill>
+                <a:ea typeface="ＭＳ ゴシック" panose="020B0609070205080204" pitchFamily="49" charset="-128"/>
+              </a:rPr>
+              <a:t>() { </a:t>
+            </a:r>
+            <a:r>
+              <a:rPr lang="en-US" altLang="ja-JP" sz="2600" dirty="0">
+                <a:solidFill>
+                  <a:srgbClr val="0000FF"/>
+                </a:solidFill>
+                <a:ea typeface="ＭＳ ゴシック" panose="020B0609070205080204" pitchFamily="49" charset="-128"/>
+              </a:rPr>
+              <a:t>return</a:t>
+            </a:r>
+            <a:r>
+              <a:rPr lang="en-US" altLang="ja-JP" sz="2600" dirty="0">
+                <a:solidFill>
+                  <a:srgbClr val="000000"/>
+                </a:solidFill>
+                <a:ea typeface="ＭＳ ゴシック" panose="020B0609070205080204" pitchFamily="49" charset="-128"/>
+              </a:rPr>
+              <a:t> </a:t>
+            </a:r>
+            <a:r>
+              <a:rPr lang="en-US" altLang="ja-JP" sz="2600" dirty="0" err="1">
+                <a:solidFill>
+                  <a:srgbClr val="000000"/>
+                </a:solidFill>
+                <a:ea typeface="ＭＳ ゴシック" panose="020B0609070205080204" pitchFamily="49" charset="-128"/>
+              </a:rPr>
+              <a:t>m_atk</a:t>
+            </a:r>
+            <a:r>
+              <a:rPr lang="en-US" altLang="ja-JP" sz="2600" dirty="0">
+                <a:solidFill>
+                  <a:srgbClr val="000000"/>
+                </a:solidFill>
+                <a:ea typeface="ＭＳ ゴシック" panose="020B0609070205080204" pitchFamily="49" charset="-128"/>
+              </a:rPr>
+              <a:t>; }</a:t>
+            </a:r>
+            <a:br>
+              <a:rPr lang="en-US" altLang="ja-JP" sz="2600" dirty="0">
+                <a:solidFill>
+                  <a:srgbClr val="000000"/>
+                </a:solidFill>
+                <a:ea typeface="ＭＳ ゴシック" panose="020B0609070205080204" pitchFamily="49" charset="-128"/>
+              </a:rPr>
+            </a:br>
+            <a:r>
+              <a:rPr lang="en-US" altLang="ja-JP" sz="2600" dirty="0">
+                <a:solidFill>
+                  <a:srgbClr val="000000"/>
+                </a:solidFill>
+                <a:ea typeface="ＭＳ ゴシック" panose="020B0609070205080204" pitchFamily="49" charset="-128"/>
+              </a:rPr>
+              <a:t>  </a:t>
+            </a:r>
+            <a:r>
+              <a:rPr lang="en-US" altLang="ja-JP" sz="2600" dirty="0">
+                <a:solidFill>
+                  <a:srgbClr val="0000FF"/>
+                </a:solidFill>
+                <a:ea typeface="ＭＳ ゴシック" panose="020B0609070205080204" pitchFamily="49" charset="-128"/>
+              </a:rPr>
+              <a:t>int</a:t>
+            </a:r>
+            <a:r>
+              <a:rPr lang="en-US" altLang="ja-JP" sz="2600" dirty="0">
+                <a:solidFill>
+                  <a:srgbClr val="000000"/>
+                </a:solidFill>
+                <a:ea typeface="ＭＳ ゴシック" panose="020B0609070205080204" pitchFamily="49" charset="-128"/>
+              </a:rPr>
+              <a:t> </a:t>
+            </a:r>
+            <a:r>
+              <a:rPr lang="en-US" altLang="ja-JP" sz="2600" dirty="0" err="1">
+                <a:solidFill>
+                  <a:srgbClr val="000000"/>
+                </a:solidFill>
+                <a:ea typeface="ＭＳ ゴシック" panose="020B0609070205080204" pitchFamily="49" charset="-128"/>
+              </a:rPr>
+              <a:t>getPrice</a:t>
+            </a:r>
+            <a:r>
+              <a:rPr lang="en-US" altLang="ja-JP" sz="2600" dirty="0">
+                <a:solidFill>
+                  <a:srgbClr val="000000"/>
+                </a:solidFill>
+                <a:ea typeface="ＭＳ ゴシック" panose="020B0609070205080204" pitchFamily="49" charset="-128"/>
+              </a:rPr>
+              <a:t>() { </a:t>
+            </a:r>
+            <a:r>
+              <a:rPr lang="en-US" altLang="ja-JP" sz="2600" dirty="0">
+                <a:solidFill>
+                  <a:srgbClr val="0000FF"/>
+                </a:solidFill>
+                <a:ea typeface="ＭＳ ゴシック" panose="020B0609070205080204" pitchFamily="49" charset="-128"/>
+              </a:rPr>
+              <a:t>return</a:t>
+            </a:r>
+            <a:r>
+              <a:rPr lang="en-US" altLang="ja-JP" sz="2600" dirty="0">
+                <a:solidFill>
+                  <a:srgbClr val="000000"/>
+                </a:solidFill>
+                <a:ea typeface="ＭＳ ゴシック" panose="020B0609070205080204" pitchFamily="49" charset="-128"/>
+              </a:rPr>
+              <a:t> </a:t>
+            </a:r>
+            <a:r>
+              <a:rPr lang="en-US" altLang="ja-JP" sz="2600" dirty="0" err="1">
+                <a:solidFill>
+                  <a:srgbClr val="000000"/>
+                </a:solidFill>
+                <a:ea typeface="ＭＳ ゴシック" panose="020B0609070205080204" pitchFamily="49" charset="-128"/>
+              </a:rPr>
+              <a:t>m_price</a:t>
+            </a:r>
+            <a:r>
+              <a:rPr lang="en-US" altLang="ja-JP" sz="2600" dirty="0">
+                <a:solidFill>
+                  <a:srgbClr val="000000"/>
+                </a:solidFill>
+                <a:ea typeface="ＭＳ ゴシック" panose="020B0609070205080204" pitchFamily="49" charset="-128"/>
+              </a:rPr>
+              <a:t>; }</a:t>
+            </a:r>
+            <a:br>
+              <a:rPr lang="en-US" altLang="ja-JP" sz="2600" dirty="0">
+                <a:solidFill>
+                  <a:srgbClr val="000000"/>
+                </a:solidFill>
+                <a:ea typeface="ＭＳ ゴシック" panose="020B0609070205080204" pitchFamily="49" charset="-128"/>
+              </a:rPr>
+            </a:br>
+            <a:r>
+              <a:rPr lang="en-US" altLang="ja-JP" sz="2600" dirty="0">
+                <a:solidFill>
+                  <a:srgbClr val="000000"/>
+                </a:solidFill>
+                <a:ea typeface="ＭＳ ゴシック" panose="020B0609070205080204" pitchFamily="49" charset="-128"/>
+              </a:rPr>
+              <a:t>  </a:t>
+            </a:r>
+            <a:r>
+              <a:rPr lang="en-US" altLang="ja-JP" sz="2600" dirty="0">
+                <a:solidFill>
+                  <a:srgbClr val="0000FF"/>
+                </a:solidFill>
+                <a:ea typeface="ＭＳ ゴシック" panose="020B0609070205080204" pitchFamily="49" charset="-128"/>
+              </a:rPr>
+              <a:t>int</a:t>
+            </a:r>
+            <a:r>
+              <a:rPr lang="en-US" altLang="ja-JP" sz="2600" dirty="0">
+                <a:solidFill>
+                  <a:srgbClr val="000000"/>
+                </a:solidFill>
+                <a:ea typeface="ＭＳ ゴシック" panose="020B0609070205080204" pitchFamily="49" charset="-128"/>
+              </a:rPr>
+              <a:t> </a:t>
+            </a:r>
+            <a:r>
+              <a:rPr lang="en-US" altLang="ja-JP" sz="2600" dirty="0" err="1">
+                <a:solidFill>
+                  <a:srgbClr val="000000"/>
+                </a:solidFill>
+                <a:ea typeface="ＭＳ ゴシック" panose="020B0609070205080204" pitchFamily="49" charset="-128"/>
+              </a:rPr>
+              <a:t>getWeight</a:t>
+            </a:r>
+            <a:r>
+              <a:rPr lang="en-US" altLang="ja-JP" sz="2600" dirty="0">
+                <a:solidFill>
+                  <a:srgbClr val="000000"/>
+                </a:solidFill>
+                <a:ea typeface="ＭＳ ゴシック" panose="020B0609070205080204" pitchFamily="49" charset="-128"/>
+              </a:rPr>
+              <a:t>() { </a:t>
+            </a:r>
+            <a:r>
+              <a:rPr lang="en-US" altLang="ja-JP" sz="2600" dirty="0">
+                <a:solidFill>
+                  <a:srgbClr val="0000FF"/>
+                </a:solidFill>
+                <a:ea typeface="ＭＳ ゴシック" panose="020B0609070205080204" pitchFamily="49" charset="-128"/>
+              </a:rPr>
+              <a:t>return</a:t>
+            </a:r>
+            <a:r>
+              <a:rPr lang="en-US" altLang="ja-JP" sz="2600" dirty="0">
+                <a:solidFill>
+                  <a:srgbClr val="000000"/>
+                </a:solidFill>
+                <a:ea typeface="ＭＳ ゴシック" panose="020B0609070205080204" pitchFamily="49" charset="-128"/>
+              </a:rPr>
+              <a:t> </a:t>
+            </a:r>
+            <a:r>
+              <a:rPr lang="en-US" altLang="ja-JP" sz="2600" dirty="0" err="1">
+                <a:solidFill>
+                  <a:srgbClr val="000000"/>
+                </a:solidFill>
+                <a:ea typeface="ＭＳ ゴシック" panose="020B0609070205080204" pitchFamily="49" charset="-128"/>
+              </a:rPr>
+              <a:t>m_weight</a:t>
+            </a:r>
+            <a:r>
+              <a:rPr lang="en-US" altLang="ja-JP" sz="2600" dirty="0">
+                <a:solidFill>
+                  <a:srgbClr val="000000"/>
+                </a:solidFill>
+                <a:ea typeface="ＭＳ ゴシック" panose="020B0609070205080204" pitchFamily="49" charset="-128"/>
+              </a:rPr>
+              <a:t>; }</a:t>
+            </a:r>
+            <a:br>
+              <a:rPr lang="en-US" altLang="ja-JP" sz="2600" dirty="0">
+                <a:solidFill>
+                  <a:srgbClr val="000000"/>
+                </a:solidFill>
+                <a:ea typeface="ＭＳ ゴシック" panose="020B0609070205080204" pitchFamily="49" charset="-128"/>
+              </a:rPr>
+            </a:br>
+            <a:r>
+              <a:rPr lang="en-US" altLang="ja-JP" sz="2600" dirty="0">
+                <a:solidFill>
+                  <a:srgbClr val="000000"/>
+                </a:solidFill>
+                <a:ea typeface="ＭＳ ゴシック" panose="020B0609070205080204" pitchFamily="49" charset="-128"/>
+              </a:rPr>
+              <a:t>};</a:t>
+            </a:r>
+            <a:endParaRPr lang="en-US" altLang="ja-JP" sz="2600" dirty="0"/>
+          </a:p>
+        </p:txBody>
+      </p:sp>
+      <p:sp>
+        <p:nvSpPr>
+          <p:cNvPr id="4" name="テキスト ボックス 3">
+            <a:extLst>
+              <a:ext uri="{FF2B5EF4-FFF2-40B4-BE49-F238E27FC236}">
+                <a16:creationId xmlns:a16="http://schemas.microsoft.com/office/drawing/2014/main" id="{3F0DEFE8-9AF5-6196-702A-72BCAB21FAC0}"/>
+              </a:ext>
+            </a:extLst>
+          </p:cNvPr>
+          <p:cNvSpPr txBox="1"/>
+          <p:nvPr/>
+        </p:nvSpPr>
+        <p:spPr>
+          <a:xfrm>
+            <a:off x="7104919" y="639756"/>
+            <a:ext cx="3972562" cy="523220"/>
+          </a:xfrm>
+          <a:prstGeom prst="rect">
+            <a:avLst/>
+          </a:prstGeom>
+          <a:noFill/>
+        </p:spPr>
+        <p:txBody>
+          <a:bodyPr wrap="none" rtlCol="0">
+            <a:spAutoFit/>
+          </a:bodyPr>
+          <a:lstStyle/>
+          <a:p>
+            <a:r>
+              <a:rPr kumimoji="1" lang="en-US" altLang="ja-JP" sz="2800" dirty="0" err="1"/>
+              <a:t>PracCSV</a:t>
+            </a:r>
+            <a:r>
+              <a:rPr kumimoji="1" lang="en-US" altLang="ja-JP" sz="2800" dirty="0"/>
+              <a:t>(main.cpp)</a:t>
+            </a:r>
+            <a:endParaRPr kumimoji="1" lang="ja-JP" altLang="en-US" sz="2800" dirty="0"/>
+          </a:p>
+        </p:txBody>
+      </p:sp>
+    </p:spTree>
+    <p:extLst>
+      <p:ext uri="{BB962C8B-B14F-4D97-AF65-F5344CB8AC3E}">
+        <p14:creationId xmlns:p14="http://schemas.microsoft.com/office/powerpoint/2010/main" val="1444519055"/>
+      </p:ext>
+    </p:extLst>
+  </p:cSld>
+  <p:clrMapOvr>
+    <a:masterClrMapping/>
+  </p:clrMapOvr>
+</p:sld>
+</file>
+
+<file path=ppt/slides/slide11.xml><?xml version="1.0" encoding="utf-8"?>
+<p:sld xmlns:a="http://schemas.openxmlformats.org/drawingml/2006/main" xmlns:r="http://schemas.openxmlformats.org/officeDocument/2006/relationships" xmlns:p="http://schemas.openxmlformats.org/presentationml/2006/main">
+  <p:cSld>
+    <p:spTree>
+      <p:nvGrpSpPr>
+        <p:cNvPr id="1" name="">
+          <a:extLst>
+            <a:ext uri="{FF2B5EF4-FFF2-40B4-BE49-F238E27FC236}">
+              <a16:creationId xmlns:a16="http://schemas.microsoft.com/office/drawing/2014/main" id="{EF881767-C37F-EA7A-5483-EDB976E9DDA7}"/>
+            </a:ext>
+          </a:extLst>
+        </p:cNvPr>
+        <p:cNvGrpSpPr/>
+        <p:nvPr/>
+      </p:nvGrpSpPr>
+      <p:grpSpPr>
+        <a:xfrm>
+          <a:off x="0" y="0"/>
+          <a:ext cx="0" cy="0"/>
+          <a:chOff x="0" y="0"/>
+          <a:chExt cx="0" cy="0"/>
+        </a:xfrm>
+      </p:grpSpPr>
+      <p:sp>
+        <p:nvSpPr>
+          <p:cNvPr id="2" name="タイトル 1">
+            <a:extLst>
+              <a:ext uri="{FF2B5EF4-FFF2-40B4-BE49-F238E27FC236}">
+                <a16:creationId xmlns:a16="http://schemas.microsoft.com/office/drawing/2014/main" id="{E2F7339B-56B9-9CEA-6516-EDACB6945007}"/>
+              </a:ext>
+            </a:extLst>
+          </p:cNvPr>
+          <p:cNvSpPr>
+            <a:spLocks noGrp="1"/>
+          </p:cNvSpPr>
+          <p:nvPr>
+            <p:ph type="title"/>
+          </p:nvPr>
+        </p:nvSpPr>
+        <p:spPr/>
+        <p:txBody>
+          <a:bodyPr/>
+          <a:lstStyle/>
+          <a:p>
+            <a:r>
+              <a:rPr kumimoji="1" lang="ja-JP" altLang="en-US" dirty="0"/>
+              <a:t>演習：</a:t>
+            </a:r>
+            <a:r>
+              <a:rPr kumimoji="1" lang="en-US" altLang="ja-JP" dirty="0"/>
+              <a:t>CSV</a:t>
+            </a:r>
+            <a:endParaRPr kumimoji="1" lang="ja-JP" altLang="en-US" dirty="0"/>
+          </a:p>
+        </p:txBody>
+      </p:sp>
+      <p:sp>
+        <p:nvSpPr>
+          <p:cNvPr id="3" name="コンテンツ プレースホルダー 2">
+            <a:extLst>
+              <a:ext uri="{FF2B5EF4-FFF2-40B4-BE49-F238E27FC236}">
+                <a16:creationId xmlns:a16="http://schemas.microsoft.com/office/drawing/2014/main" id="{FC34F0A9-7141-ECAA-36AB-114BA282E49A}"/>
+              </a:ext>
+            </a:extLst>
+          </p:cNvPr>
+          <p:cNvSpPr>
+            <a:spLocks noGrp="1"/>
+          </p:cNvSpPr>
+          <p:nvPr>
+            <p:ph idx="1"/>
+          </p:nvPr>
+        </p:nvSpPr>
+        <p:spPr/>
+        <p:txBody>
+          <a:bodyPr>
+            <a:normAutofit/>
+          </a:bodyPr>
+          <a:lstStyle/>
+          <a:p>
+            <a:r>
+              <a:rPr lang="ja-JP" altLang="en-US" b="1" u="sng" dirty="0"/>
+              <a:t>課題⑥</a:t>
+            </a:r>
+            <a:br>
+              <a:rPr lang="en-US" altLang="ja-JP" dirty="0"/>
+            </a:br>
+            <a:r>
+              <a:rPr lang="en-US" altLang="ja-JP" dirty="0"/>
+              <a:t>weapon_list.csv</a:t>
+            </a:r>
+            <a:r>
+              <a:rPr lang="ja-JP" altLang="en-US" dirty="0"/>
+              <a:t>から武器のデータを読み出し、</a:t>
+            </a:r>
+            <a:br>
+              <a:rPr lang="en-US" altLang="ja-JP" dirty="0"/>
+            </a:br>
+            <a:r>
+              <a:rPr lang="ja-JP" altLang="en-US" dirty="0"/>
+              <a:t>一行ぶんのデータを</a:t>
+            </a:r>
+            <a:r>
+              <a:rPr lang="en-US" altLang="ja-JP" dirty="0"/>
+              <a:t>vector&lt;string&gt; </a:t>
+            </a:r>
+            <a:r>
+              <a:rPr lang="en-US" altLang="ja-JP" dirty="0" err="1"/>
+              <a:t>vec</a:t>
+            </a:r>
+            <a:r>
+              <a:rPr lang="ja-JP" altLang="en-US" dirty="0"/>
+              <a:t>の</a:t>
+            </a:r>
+            <a:br>
+              <a:rPr lang="en-US" altLang="ja-JP" dirty="0"/>
+            </a:br>
+            <a:r>
+              <a:rPr lang="ja-JP" altLang="en-US" dirty="0"/>
+              <a:t>各要素に代入しなさい</a:t>
+            </a:r>
+            <a:br>
+              <a:rPr lang="en-US" altLang="ja-JP" dirty="0"/>
+            </a:br>
+            <a:br>
+              <a:rPr lang="en-US" altLang="ja-JP" dirty="0"/>
+            </a:br>
+            <a:r>
+              <a:rPr lang="ja-JP" altLang="en-US" dirty="0"/>
+              <a:t>さらに武器データは</a:t>
+            </a:r>
+            <a:r>
+              <a:rPr lang="en-US" altLang="ja-JP" dirty="0"/>
+              <a:t>vector&lt;Weapon*&gt; </a:t>
+            </a:r>
+            <a:r>
+              <a:rPr lang="en-US" altLang="ja-JP" dirty="0" err="1"/>
+              <a:t>vWpn</a:t>
+            </a:r>
+            <a:r>
+              <a:rPr lang="ja-JP" altLang="en-US" dirty="0"/>
+              <a:t>に</a:t>
+            </a:r>
+            <a:br>
+              <a:rPr lang="en-US" altLang="ja-JP" dirty="0"/>
+            </a:br>
+            <a:r>
+              <a:rPr lang="en-US" altLang="ja-JP" dirty="0"/>
+              <a:t>Weapon</a:t>
+            </a:r>
+            <a:r>
+              <a:rPr lang="ja-JP" altLang="en-US" dirty="0"/>
+              <a:t>クラスのインスタンスのアドレスを格納することとし、コンストラクタの引数は</a:t>
+            </a:r>
+            <a:r>
+              <a:rPr lang="en-US" altLang="ja-JP" dirty="0" err="1"/>
+              <a:t>vec</a:t>
+            </a:r>
+            <a:r>
+              <a:rPr lang="ja-JP" altLang="en-US" dirty="0"/>
+              <a:t>の各要素の値を用いて指定しなさい</a:t>
+            </a:r>
+            <a:endParaRPr lang="en-US" altLang="ja-JP" sz="4400" dirty="0"/>
+          </a:p>
+        </p:txBody>
+      </p:sp>
+    </p:spTree>
+    <p:extLst>
+      <p:ext uri="{BB962C8B-B14F-4D97-AF65-F5344CB8AC3E}">
+        <p14:creationId xmlns:p14="http://schemas.microsoft.com/office/powerpoint/2010/main" val="1858145056"/>
+      </p:ext>
+    </p:extLst>
+  </p:cSld>
+  <p:clrMapOvr>
+    <a:masterClrMapping/>
+  </p:clrMapOvr>
+</p:sld>
+</file>
+
+<file path=ppt/slides/slide12.xml><?xml version="1.0" encoding="utf-8"?>
+<p:sld xmlns:a="http://schemas.openxmlformats.org/drawingml/2006/main" xmlns:r="http://schemas.openxmlformats.org/officeDocument/2006/relationships" xmlns:p="http://schemas.openxmlformats.org/presentationml/2006/main">
+  <p:cSld>
+    <p:spTree>
+      <p:nvGrpSpPr>
+        <p:cNvPr id="1" name="">
+          <a:extLst>
+            <a:ext uri="{FF2B5EF4-FFF2-40B4-BE49-F238E27FC236}">
+              <a16:creationId xmlns:a16="http://schemas.microsoft.com/office/drawing/2014/main" id="{B4D71D77-A44C-F919-5C27-ACED28784B9D}"/>
+            </a:ext>
+          </a:extLst>
+        </p:cNvPr>
+        <p:cNvGrpSpPr/>
+        <p:nvPr/>
+      </p:nvGrpSpPr>
+      <p:grpSpPr>
+        <a:xfrm>
+          <a:off x="0" y="0"/>
+          <a:ext cx="0" cy="0"/>
+          <a:chOff x="0" y="0"/>
+          <a:chExt cx="0" cy="0"/>
+        </a:xfrm>
+      </p:grpSpPr>
+      <p:sp>
+        <p:nvSpPr>
+          <p:cNvPr id="2" name="タイトル 1">
+            <a:extLst>
+              <a:ext uri="{FF2B5EF4-FFF2-40B4-BE49-F238E27FC236}">
+                <a16:creationId xmlns:a16="http://schemas.microsoft.com/office/drawing/2014/main" id="{DEC7F809-DEB8-172C-186F-7F63AF52EB2F}"/>
+              </a:ext>
+            </a:extLst>
+          </p:cNvPr>
+          <p:cNvSpPr>
+            <a:spLocks noGrp="1"/>
+          </p:cNvSpPr>
+          <p:nvPr>
+            <p:ph type="title"/>
+          </p:nvPr>
+        </p:nvSpPr>
+        <p:spPr/>
+        <p:txBody>
+          <a:bodyPr/>
+          <a:lstStyle/>
+          <a:p>
+            <a:r>
+              <a:rPr kumimoji="1" lang="ja-JP" altLang="en-US" dirty="0"/>
+              <a:t>演習：</a:t>
+            </a:r>
+            <a:r>
+              <a:rPr kumimoji="1" lang="en-US" altLang="ja-JP" dirty="0"/>
+              <a:t>CSV</a:t>
+            </a:r>
+            <a:endParaRPr kumimoji="1" lang="ja-JP" altLang="en-US" dirty="0"/>
+          </a:p>
+        </p:txBody>
+      </p:sp>
+      <p:sp>
+        <p:nvSpPr>
+          <p:cNvPr id="3" name="コンテンツ プレースホルダー 2">
+            <a:extLst>
+              <a:ext uri="{FF2B5EF4-FFF2-40B4-BE49-F238E27FC236}">
+                <a16:creationId xmlns:a16="http://schemas.microsoft.com/office/drawing/2014/main" id="{F31FB317-A61C-6E70-E09F-B79C8BA2B197}"/>
+              </a:ext>
+            </a:extLst>
+          </p:cNvPr>
+          <p:cNvSpPr>
+            <a:spLocks noGrp="1"/>
+          </p:cNvSpPr>
+          <p:nvPr>
+            <p:ph idx="1"/>
+          </p:nvPr>
+        </p:nvSpPr>
+        <p:spPr>
+          <a:xfrm>
+            <a:off x="731195" y="1162976"/>
+            <a:ext cx="11136549" cy="5626930"/>
+          </a:xfrm>
+          <a:solidFill>
+            <a:schemeClr val="bg1"/>
+          </a:solidFill>
+          <a:ln>
+            <a:solidFill>
+              <a:schemeClr val="tx1"/>
+            </a:solidFill>
+          </a:ln>
+        </p:spPr>
+        <p:txBody>
+          <a:bodyPr>
+            <a:noAutofit/>
+          </a:bodyPr>
+          <a:lstStyle/>
+          <a:p>
+            <a:pPr marL="0" indent="0">
+              <a:buNone/>
+            </a:pPr>
+            <a:r>
+              <a:rPr lang="en-US" altLang="ja-JP" sz="2600" dirty="0">
+                <a:solidFill>
+                  <a:srgbClr val="0000FF"/>
+                </a:solidFill>
+                <a:ea typeface="ＭＳ ゴシック" panose="020B0609070205080204" pitchFamily="49" charset="-128"/>
+              </a:rPr>
+              <a:t>class</a:t>
+            </a:r>
+            <a:r>
+              <a:rPr lang="en-US" altLang="ja-JP" sz="2600" dirty="0">
+                <a:solidFill>
+                  <a:srgbClr val="000000"/>
+                </a:solidFill>
+                <a:ea typeface="ＭＳ ゴシック" panose="020B0609070205080204" pitchFamily="49" charset="-128"/>
+              </a:rPr>
+              <a:t> </a:t>
+            </a:r>
+            <a:r>
+              <a:rPr lang="en-US" altLang="ja-JP" sz="2600" dirty="0">
+                <a:solidFill>
+                  <a:srgbClr val="2B91AF"/>
+                </a:solidFill>
+                <a:ea typeface="ＭＳ ゴシック" panose="020B0609070205080204" pitchFamily="49" charset="-128"/>
+              </a:rPr>
+              <a:t>Weapon</a:t>
+            </a:r>
+            <a:r>
+              <a:rPr lang="en-US" altLang="ja-JP" sz="2600" dirty="0">
+                <a:solidFill>
+                  <a:srgbClr val="000000"/>
+                </a:solidFill>
+                <a:ea typeface="ＭＳ ゴシック" panose="020B0609070205080204" pitchFamily="49" charset="-128"/>
+              </a:rPr>
+              <a:t> {</a:t>
+            </a:r>
+            <a:br>
+              <a:rPr lang="en-US" altLang="ja-JP" sz="2600" dirty="0">
+                <a:solidFill>
+                  <a:srgbClr val="000000"/>
+                </a:solidFill>
+                <a:ea typeface="ＭＳ ゴシック" panose="020B0609070205080204" pitchFamily="49" charset="-128"/>
+              </a:rPr>
+            </a:br>
+            <a:r>
+              <a:rPr lang="en-US" altLang="ja-JP" sz="2600" dirty="0">
+                <a:solidFill>
+                  <a:srgbClr val="0000FF"/>
+                </a:solidFill>
+                <a:ea typeface="ＭＳ ゴシック" panose="020B0609070205080204" pitchFamily="49" charset="-128"/>
+              </a:rPr>
+              <a:t>private</a:t>
+            </a:r>
+            <a:r>
+              <a:rPr lang="en-US" altLang="ja-JP" sz="2600" dirty="0">
+                <a:solidFill>
+                  <a:srgbClr val="000000"/>
+                </a:solidFill>
+                <a:ea typeface="ＭＳ ゴシック" panose="020B0609070205080204" pitchFamily="49" charset="-128"/>
+              </a:rPr>
+              <a:t>:</a:t>
+            </a:r>
+            <a:br>
+              <a:rPr lang="en-US" altLang="ja-JP" sz="2600" dirty="0">
+                <a:solidFill>
+                  <a:srgbClr val="000000"/>
+                </a:solidFill>
+                <a:ea typeface="ＭＳ ゴシック" panose="020B0609070205080204" pitchFamily="49" charset="-128"/>
+              </a:rPr>
+            </a:br>
+            <a:r>
+              <a:rPr lang="en-US" altLang="ja-JP" sz="2600" dirty="0">
+                <a:solidFill>
+                  <a:srgbClr val="000000"/>
+                </a:solidFill>
+                <a:ea typeface="ＭＳ ゴシック" panose="020B0609070205080204" pitchFamily="49" charset="-128"/>
+              </a:rPr>
+              <a:t>  </a:t>
+            </a:r>
+            <a:r>
+              <a:rPr lang="en-US" altLang="ja-JP" sz="2600" dirty="0">
+                <a:solidFill>
+                  <a:srgbClr val="2B91AF"/>
+                </a:solidFill>
+                <a:ea typeface="ＭＳ ゴシック" panose="020B0609070205080204" pitchFamily="49" charset="-128"/>
+              </a:rPr>
+              <a:t>string</a:t>
+            </a:r>
+            <a:r>
+              <a:rPr lang="en-US" altLang="ja-JP" sz="2600" dirty="0">
+                <a:solidFill>
+                  <a:srgbClr val="000000"/>
+                </a:solidFill>
+                <a:ea typeface="ＭＳ ゴシック" panose="020B0609070205080204" pitchFamily="49" charset="-128"/>
+              </a:rPr>
+              <a:t> </a:t>
+            </a:r>
+            <a:r>
+              <a:rPr lang="en-US" altLang="ja-JP" sz="2600" dirty="0" err="1">
+                <a:solidFill>
+                  <a:srgbClr val="000000"/>
+                </a:solidFill>
+                <a:ea typeface="ＭＳ ゴシック" panose="020B0609070205080204" pitchFamily="49" charset="-128"/>
+              </a:rPr>
+              <a:t>m_name</a:t>
+            </a:r>
+            <a:r>
+              <a:rPr lang="en-US" altLang="ja-JP" sz="2600" dirty="0">
+                <a:solidFill>
+                  <a:srgbClr val="000000"/>
+                </a:solidFill>
+                <a:ea typeface="ＭＳ ゴシック" panose="020B0609070205080204" pitchFamily="49" charset="-128"/>
+              </a:rPr>
+              <a:t>;</a:t>
+            </a:r>
+            <a:br>
+              <a:rPr lang="en-US" altLang="ja-JP" sz="2600" dirty="0">
+                <a:solidFill>
+                  <a:srgbClr val="000000"/>
+                </a:solidFill>
+                <a:ea typeface="ＭＳ ゴシック" panose="020B0609070205080204" pitchFamily="49" charset="-128"/>
+              </a:rPr>
+            </a:br>
+            <a:r>
+              <a:rPr lang="en-US" altLang="ja-JP" sz="2600" dirty="0">
+                <a:solidFill>
+                  <a:srgbClr val="000000"/>
+                </a:solidFill>
+                <a:ea typeface="ＭＳ ゴシック" panose="020B0609070205080204" pitchFamily="49" charset="-128"/>
+              </a:rPr>
+              <a:t>  </a:t>
+            </a:r>
+            <a:r>
+              <a:rPr lang="en-US" altLang="ja-JP" sz="2600" dirty="0">
+                <a:solidFill>
+                  <a:srgbClr val="0000FF"/>
+                </a:solidFill>
+                <a:ea typeface="ＭＳ ゴシック" panose="020B0609070205080204" pitchFamily="49" charset="-128"/>
+              </a:rPr>
+              <a:t>int</a:t>
+            </a:r>
+            <a:r>
+              <a:rPr lang="en-US" altLang="ja-JP" sz="2600" dirty="0">
+                <a:solidFill>
+                  <a:srgbClr val="000000"/>
+                </a:solidFill>
+                <a:ea typeface="ＭＳ ゴシック" panose="020B0609070205080204" pitchFamily="49" charset="-128"/>
+              </a:rPr>
+              <a:t> </a:t>
+            </a:r>
+            <a:r>
+              <a:rPr lang="en-US" altLang="ja-JP" sz="2600" dirty="0" err="1">
+                <a:solidFill>
+                  <a:srgbClr val="000000"/>
+                </a:solidFill>
+                <a:ea typeface="ＭＳ ゴシック" panose="020B0609070205080204" pitchFamily="49" charset="-128"/>
+              </a:rPr>
+              <a:t>m_atk</a:t>
+            </a:r>
+            <a:r>
+              <a:rPr lang="en-US" altLang="ja-JP" sz="2600" dirty="0">
+                <a:solidFill>
+                  <a:srgbClr val="000000"/>
+                </a:solidFill>
+                <a:ea typeface="ＭＳ ゴシック" panose="020B0609070205080204" pitchFamily="49" charset="-128"/>
+              </a:rPr>
+              <a:t>, </a:t>
+            </a:r>
+            <a:r>
+              <a:rPr lang="en-US" altLang="ja-JP" sz="2600" dirty="0" err="1">
+                <a:solidFill>
+                  <a:srgbClr val="000000"/>
+                </a:solidFill>
+                <a:ea typeface="ＭＳ ゴシック" panose="020B0609070205080204" pitchFamily="49" charset="-128"/>
+              </a:rPr>
+              <a:t>m_price</a:t>
+            </a:r>
+            <a:r>
+              <a:rPr lang="en-US" altLang="ja-JP" sz="2600" dirty="0">
+                <a:solidFill>
+                  <a:srgbClr val="000000"/>
+                </a:solidFill>
+                <a:ea typeface="ＭＳ ゴシック" panose="020B0609070205080204" pitchFamily="49" charset="-128"/>
+              </a:rPr>
+              <a:t>, </a:t>
+            </a:r>
+            <a:r>
+              <a:rPr lang="en-US" altLang="ja-JP" sz="2600" dirty="0" err="1">
+                <a:solidFill>
+                  <a:srgbClr val="000000"/>
+                </a:solidFill>
+                <a:ea typeface="ＭＳ ゴシック" panose="020B0609070205080204" pitchFamily="49" charset="-128"/>
+              </a:rPr>
+              <a:t>m_weight</a:t>
+            </a:r>
+            <a:r>
+              <a:rPr lang="en-US" altLang="ja-JP" sz="2600" dirty="0">
+                <a:solidFill>
+                  <a:srgbClr val="000000"/>
+                </a:solidFill>
+                <a:ea typeface="ＭＳ ゴシック" panose="020B0609070205080204" pitchFamily="49" charset="-128"/>
+              </a:rPr>
+              <a:t>;</a:t>
+            </a:r>
+            <a:br>
+              <a:rPr lang="en-US" altLang="ja-JP" sz="2600" dirty="0">
+                <a:solidFill>
+                  <a:srgbClr val="000000"/>
+                </a:solidFill>
+                <a:ea typeface="ＭＳ ゴシック" panose="020B0609070205080204" pitchFamily="49" charset="-128"/>
+              </a:rPr>
+            </a:br>
+            <a:r>
+              <a:rPr lang="en-US" altLang="ja-JP" sz="2600" dirty="0">
+                <a:solidFill>
+                  <a:srgbClr val="0000FF"/>
+                </a:solidFill>
+                <a:ea typeface="ＭＳ ゴシック" panose="020B0609070205080204" pitchFamily="49" charset="-128"/>
+              </a:rPr>
+              <a:t>public</a:t>
+            </a:r>
+            <a:r>
+              <a:rPr lang="en-US" altLang="ja-JP" sz="2600" dirty="0">
+                <a:solidFill>
+                  <a:srgbClr val="000000"/>
+                </a:solidFill>
+                <a:ea typeface="ＭＳ ゴシック" panose="020B0609070205080204" pitchFamily="49" charset="-128"/>
+              </a:rPr>
+              <a:t>:</a:t>
+            </a:r>
+            <a:br>
+              <a:rPr lang="en-US" altLang="ja-JP" sz="2600" dirty="0">
+                <a:solidFill>
+                  <a:srgbClr val="000000"/>
+                </a:solidFill>
+                <a:ea typeface="ＭＳ ゴシック" panose="020B0609070205080204" pitchFamily="49" charset="-128"/>
+              </a:rPr>
+            </a:br>
+            <a:r>
+              <a:rPr lang="en-US" altLang="ja-JP" sz="2600" dirty="0">
+                <a:solidFill>
+                  <a:srgbClr val="000000"/>
+                </a:solidFill>
+                <a:ea typeface="ＭＳ ゴシック" panose="020B0609070205080204" pitchFamily="49" charset="-128"/>
+              </a:rPr>
+              <a:t>  Weapon() : </a:t>
+            </a:r>
+            <a:r>
+              <a:rPr lang="en-US" altLang="ja-JP" sz="2600" dirty="0" err="1">
+                <a:solidFill>
+                  <a:srgbClr val="000000"/>
+                </a:solidFill>
+                <a:ea typeface="ＭＳ ゴシック" panose="020B0609070205080204" pitchFamily="49" charset="-128"/>
+              </a:rPr>
+              <a:t>m_name</a:t>
+            </a:r>
+            <a:r>
+              <a:rPr lang="en-US" altLang="ja-JP" sz="2600" dirty="0">
+                <a:solidFill>
+                  <a:srgbClr val="000000"/>
+                </a:solidFill>
+                <a:ea typeface="ＭＳ ゴシック" panose="020B0609070205080204" pitchFamily="49" charset="-128"/>
+              </a:rPr>
+              <a:t>(</a:t>
+            </a:r>
+            <a:r>
+              <a:rPr lang="en-US" altLang="ja-JP" sz="2600" dirty="0">
+                <a:solidFill>
+                  <a:srgbClr val="A31515"/>
+                </a:solidFill>
+                <a:ea typeface="ＭＳ ゴシック" panose="020B0609070205080204" pitchFamily="49" charset="-128"/>
+              </a:rPr>
+              <a:t>""</a:t>
+            </a:r>
+            <a:r>
+              <a:rPr lang="en-US" altLang="ja-JP" sz="2600" dirty="0">
+                <a:solidFill>
+                  <a:srgbClr val="000000"/>
+                </a:solidFill>
+                <a:ea typeface="ＭＳ ゴシック" panose="020B0609070205080204" pitchFamily="49" charset="-128"/>
+              </a:rPr>
+              <a:t>), </a:t>
+            </a:r>
+            <a:r>
+              <a:rPr lang="en-US" altLang="ja-JP" sz="2600" dirty="0" err="1">
+                <a:solidFill>
+                  <a:srgbClr val="000000"/>
+                </a:solidFill>
+                <a:ea typeface="ＭＳ ゴシック" panose="020B0609070205080204" pitchFamily="49" charset="-128"/>
+              </a:rPr>
+              <a:t>m_atk</a:t>
+            </a:r>
+            <a:r>
+              <a:rPr lang="en-US" altLang="ja-JP" sz="2600" dirty="0">
+                <a:solidFill>
+                  <a:srgbClr val="000000"/>
+                </a:solidFill>
+                <a:ea typeface="ＭＳ ゴシック" panose="020B0609070205080204" pitchFamily="49" charset="-128"/>
+              </a:rPr>
+              <a:t>(0)</a:t>
+            </a:r>
+            <a:br>
+              <a:rPr lang="en-US" altLang="ja-JP" sz="2600" dirty="0">
+                <a:solidFill>
+                  <a:srgbClr val="000000"/>
+                </a:solidFill>
+                <a:ea typeface="ＭＳ ゴシック" panose="020B0609070205080204" pitchFamily="49" charset="-128"/>
+              </a:rPr>
+            </a:br>
+            <a:r>
+              <a:rPr lang="en-US" altLang="ja-JP" sz="2600" dirty="0">
+                <a:solidFill>
+                  <a:srgbClr val="000000"/>
+                </a:solidFill>
+                <a:ea typeface="ＭＳ ゴシック" panose="020B0609070205080204" pitchFamily="49" charset="-128"/>
+              </a:rPr>
+              <a:t>           , </a:t>
+            </a:r>
+            <a:r>
+              <a:rPr lang="en-US" altLang="ja-JP" sz="2600" dirty="0" err="1">
+                <a:solidFill>
+                  <a:srgbClr val="000000"/>
+                </a:solidFill>
+                <a:ea typeface="ＭＳ ゴシック" panose="020B0609070205080204" pitchFamily="49" charset="-128"/>
+              </a:rPr>
+              <a:t>m_price</a:t>
+            </a:r>
+            <a:r>
+              <a:rPr lang="en-US" altLang="ja-JP" sz="2600" dirty="0">
+                <a:solidFill>
+                  <a:srgbClr val="000000"/>
+                </a:solidFill>
+                <a:ea typeface="ＭＳ ゴシック" panose="020B0609070205080204" pitchFamily="49" charset="-128"/>
+              </a:rPr>
+              <a:t>(0), </a:t>
+            </a:r>
+            <a:r>
+              <a:rPr lang="en-US" altLang="ja-JP" sz="2600" dirty="0" err="1">
+                <a:solidFill>
+                  <a:srgbClr val="000000"/>
+                </a:solidFill>
+                <a:ea typeface="ＭＳ ゴシック" panose="020B0609070205080204" pitchFamily="49" charset="-128"/>
+              </a:rPr>
+              <a:t>m_weight</a:t>
+            </a:r>
+            <a:r>
+              <a:rPr lang="en-US" altLang="ja-JP" sz="2600" dirty="0">
+                <a:solidFill>
+                  <a:srgbClr val="000000"/>
+                </a:solidFill>
+                <a:ea typeface="ＭＳ ゴシック" panose="020B0609070205080204" pitchFamily="49" charset="-128"/>
+              </a:rPr>
+              <a:t>(0) {};</a:t>
+            </a:r>
+            <a:br>
+              <a:rPr lang="en-US" altLang="ja-JP" sz="2600" dirty="0">
+                <a:solidFill>
+                  <a:srgbClr val="000000"/>
+                </a:solidFill>
+                <a:ea typeface="ＭＳ ゴシック" panose="020B0609070205080204" pitchFamily="49" charset="-128"/>
+              </a:rPr>
+            </a:br>
+            <a:r>
+              <a:rPr lang="en-US" altLang="ja-JP" sz="2600" dirty="0">
+                <a:solidFill>
+                  <a:srgbClr val="000000"/>
+                </a:solidFill>
+                <a:ea typeface="ＭＳ ゴシック" panose="020B0609070205080204" pitchFamily="49" charset="-128"/>
+              </a:rPr>
+              <a:t>  Weapon(</a:t>
+            </a:r>
+            <a:r>
+              <a:rPr lang="en-US" altLang="ja-JP" sz="2600" dirty="0">
+                <a:solidFill>
+                  <a:srgbClr val="2B91AF"/>
+                </a:solidFill>
+                <a:ea typeface="ＭＳ ゴシック" panose="020B0609070205080204" pitchFamily="49" charset="-128"/>
+              </a:rPr>
+              <a:t>string</a:t>
+            </a:r>
+            <a:r>
+              <a:rPr lang="en-US" altLang="ja-JP" sz="2600" dirty="0">
+                <a:solidFill>
+                  <a:srgbClr val="000000"/>
+                </a:solidFill>
+                <a:ea typeface="ＭＳ ゴシック" panose="020B0609070205080204" pitchFamily="49" charset="-128"/>
+              </a:rPr>
+              <a:t> </a:t>
+            </a:r>
+            <a:r>
+              <a:rPr lang="en-US" altLang="ja-JP" sz="2600" dirty="0">
+                <a:solidFill>
+                  <a:srgbClr val="808080"/>
+                </a:solidFill>
+                <a:ea typeface="ＭＳ ゴシック" panose="020B0609070205080204" pitchFamily="49" charset="-128"/>
+              </a:rPr>
+              <a:t>name</a:t>
+            </a:r>
+            <a:r>
+              <a:rPr lang="en-US" altLang="ja-JP" sz="2600" dirty="0">
+                <a:solidFill>
+                  <a:srgbClr val="000000"/>
+                </a:solidFill>
+                <a:ea typeface="ＭＳ ゴシック" panose="020B0609070205080204" pitchFamily="49" charset="-128"/>
+              </a:rPr>
+              <a:t>, </a:t>
+            </a:r>
+            <a:r>
+              <a:rPr lang="en-US" altLang="ja-JP" sz="2600" dirty="0">
+                <a:solidFill>
+                  <a:srgbClr val="0000FF"/>
+                </a:solidFill>
+                <a:ea typeface="ＭＳ ゴシック" panose="020B0609070205080204" pitchFamily="49" charset="-128"/>
+              </a:rPr>
+              <a:t>int</a:t>
+            </a:r>
+            <a:r>
+              <a:rPr lang="en-US" altLang="ja-JP" sz="2600" dirty="0">
+                <a:solidFill>
+                  <a:srgbClr val="000000"/>
+                </a:solidFill>
+                <a:ea typeface="ＭＳ ゴシック" panose="020B0609070205080204" pitchFamily="49" charset="-128"/>
+              </a:rPr>
+              <a:t> </a:t>
+            </a:r>
+            <a:r>
+              <a:rPr lang="en-US" altLang="ja-JP" sz="2600" dirty="0" err="1">
+                <a:solidFill>
+                  <a:srgbClr val="808080"/>
+                </a:solidFill>
+                <a:ea typeface="ＭＳ ゴシック" panose="020B0609070205080204" pitchFamily="49" charset="-128"/>
+              </a:rPr>
+              <a:t>atk</a:t>
+            </a:r>
+            <a:r>
+              <a:rPr lang="en-US" altLang="ja-JP" sz="2600" dirty="0">
+                <a:solidFill>
+                  <a:srgbClr val="000000"/>
+                </a:solidFill>
+                <a:ea typeface="ＭＳ ゴシック" panose="020B0609070205080204" pitchFamily="49" charset="-128"/>
+              </a:rPr>
+              <a:t>, </a:t>
+            </a:r>
+            <a:r>
+              <a:rPr lang="en-US" altLang="ja-JP" sz="2600" dirty="0">
+                <a:solidFill>
+                  <a:srgbClr val="0000FF"/>
+                </a:solidFill>
+                <a:ea typeface="ＭＳ ゴシック" panose="020B0609070205080204" pitchFamily="49" charset="-128"/>
+              </a:rPr>
+              <a:t>int</a:t>
+            </a:r>
+            <a:r>
+              <a:rPr lang="en-US" altLang="ja-JP" sz="2600" dirty="0">
+                <a:solidFill>
+                  <a:srgbClr val="000000"/>
+                </a:solidFill>
+                <a:ea typeface="ＭＳ ゴシック" panose="020B0609070205080204" pitchFamily="49" charset="-128"/>
+              </a:rPr>
+              <a:t> </a:t>
+            </a:r>
+            <a:r>
+              <a:rPr lang="en-US" altLang="ja-JP" sz="2600" dirty="0">
+                <a:solidFill>
+                  <a:srgbClr val="808080"/>
+                </a:solidFill>
+                <a:ea typeface="ＭＳ ゴシック" panose="020B0609070205080204" pitchFamily="49" charset="-128"/>
+              </a:rPr>
+              <a:t>price</a:t>
+            </a:r>
+            <a:r>
+              <a:rPr lang="en-US" altLang="ja-JP" sz="2600" dirty="0">
+                <a:solidFill>
+                  <a:srgbClr val="000000"/>
+                </a:solidFill>
+                <a:ea typeface="ＭＳ ゴシック" panose="020B0609070205080204" pitchFamily="49" charset="-128"/>
+              </a:rPr>
+              <a:t>, </a:t>
+            </a:r>
+            <a:r>
+              <a:rPr lang="en-US" altLang="ja-JP" sz="2600" dirty="0">
+                <a:solidFill>
+                  <a:srgbClr val="0000FF"/>
+                </a:solidFill>
+                <a:ea typeface="ＭＳ ゴシック" panose="020B0609070205080204" pitchFamily="49" charset="-128"/>
+              </a:rPr>
+              <a:t>int</a:t>
+            </a:r>
+            <a:r>
+              <a:rPr lang="en-US" altLang="ja-JP" sz="2600" dirty="0">
+                <a:solidFill>
+                  <a:srgbClr val="000000"/>
+                </a:solidFill>
+                <a:ea typeface="ＭＳ ゴシック" panose="020B0609070205080204" pitchFamily="49" charset="-128"/>
+              </a:rPr>
+              <a:t> </a:t>
+            </a:r>
+            <a:r>
+              <a:rPr lang="en-US" altLang="ja-JP" sz="2600" dirty="0">
+                <a:solidFill>
+                  <a:srgbClr val="808080"/>
+                </a:solidFill>
+                <a:ea typeface="ＭＳ ゴシック" panose="020B0609070205080204" pitchFamily="49" charset="-128"/>
+              </a:rPr>
+              <a:t>weight</a:t>
+            </a:r>
+            <a:r>
+              <a:rPr lang="en-US" altLang="ja-JP" sz="2600" dirty="0">
+                <a:solidFill>
+                  <a:srgbClr val="000000"/>
+                </a:solidFill>
+                <a:ea typeface="ＭＳ ゴシック" panose="020B0609070205080204" pitchFamily="49" charset="-128"/>
+              </a:rPr>
+              <a:t>)</a:t>
+            </a:r>
+            <a:br>
+              <a:rPr lang="en-US" altLang="ja-JP" sz="2600" dirty="0">
+                <a:solidFill>
+                  <a:srgbClr val="000000"/>
+                </a:solidFill>
+                <a:ea typeface="ＭＳ ゴシック" panose="020B0609070205080204" pitchFamily="49" charset="-128"/>
+              </a:rPr>
+            </a:br>
+            <a:r>
+              <a:rPr lang="en-US" altLang="ja-JP" sz="2600" dirty="0">
+                <a:solidFill>
+                  <a:srgbClr val="000000"/>
+                </a:solidFill>
+                <a:ea typeface="ＭＳ ゴシック" panose="020B0609070205080204" pitchFamily="49" charset="-128"/>
+              </a:rPr>
+              <a:t>           : </a:t>
+            </a:r>
+            <a:r>
+              <a:rPr lang="en-US" altLang="ja-JP" sz="2600" dirty="0" err="1">
+                <a:solidFill>
+                  <a:srgbClr val="000000"/>
+                </a:solidFill>
+                <a:ea typeface="ＭＳ ゴシック" panose="020B0609070205080204" pitchFamily="49" charset="-128"/>
+              </a:rPr>
+              <a:t>m_name</a:t>
+            </a:r>
+            <a:r>
+              <a:rPr lang="en-US" altLang="ja-JP" sz="2600" dirty="0">
+                <a:solidFill>
+                  <a:srgbClr val="000000"/>
+                </a:solidFill>
+                <a:ea typeface="ＭＳ ゴシック" panose="020B0609070205080204" pitchFamily="49" charset="-128"/>
+              </a:rPr>
+              <a:t>(</a:t>
+            </a:r>
+            <a:r>
+              <a:rPr lang="en-US" altLang="ja-JP" sz="2600" dirty="0">
+                <a:solidFill>
+                  <a:srgbClr val="808080"/>
+                </a:solidFill>
+                <a:ea typeface="ＭＳ ゴシック" panose="020B0609070205080204" pitchFamily="49" charset="-128"/>
+              </a:rPr>
+              <a:t>name</a:t>
+            </a:r>
+            <a:r>
+              <a:rPr lang="en-US" altLang="ja-JP" sz="2600" dirty="0">
+                <a:solidFill>
+                  <a:srgbClr val="000000"/>
+                </a:solidFill>
+                <a:ea typeface="ＭＳ ゴシック" panose="020B0609070205080204" pitchFamily="49" charset="-128"/>
+              </a:rPr>
+              <a:t>), </a:t>
+            </a:r>
+            <a:r>
+              <a:rPr lang="en-US" altLang="ja-JP" sz="2600" dirty="0" err="1">
+                <a:solidFill>
+                  <a:srgbClr val="000000"/>
+                </a:solidFill>
+                <a:ea typeface="ＭＳ ゴシック" panose="020B0609070205080204" pitchFamily="49" charset="-128"/>
+              </a:rPr>
+              <a:t>m_atk</a:t>
+            </a:r>
+            <a:r>
+              <a:rPr lang="en-US" altLang="ja-JP" sz="2600" dirty="0">
+                <a:solidFill>
+                  <a:srgbClr val="000000"/>
+                </a:solidFill>
+                <a:ea typeface="ＭＳ ゴシック" panose="020B0609070205080204" pitchFamily="49" charset="-128"/>
+              </a:rPr>
+              <a:t>(</a:t>
+            </a:r>
+            <a:r>
+              <a:rPr lang="en-US" altLang="ja-JP" sz="2600" dirty="0" err="1">
+                <a:solidFill>
+                  <a:srgbClr val="808080"/>
+                </a:solidFill>
+                <a:ea typeface="ＭＳ ゴシック" panose="020B0609070205080204" pitchFamily="49" charset="-128"/>
+              </a:rPr>
+              <a:t>atk</a:t>
+            </a:r>
+            <a:r>
+              <a:rPr lang="en-US" altLang="ja-JP" sz="2600" dirty="0">
+                <a:solidFill>
+                  <a:srgbClr val="000000"/>
+                </a:solidFill>
+                <a:ea typeface="ＭＳ ゴシック" panose="020B0609070205080204" pitchFamily="49" charset="-128"/>
+              </a:rPr>
+              <a:t>)</a:t>
+            </a:r>
+            <a:br>
+              <a:rPr lang="en-US" altLang="ja-JP" sz="2600" dirty="0">
+                <a:solidFill>
+                  <a:srgbClr val="000000"/>
+                </a:solidFill>
+                <a:ea typeface="ＭＳ ゴシック" panose="020B0609070205080204" pitchFamily="49" charset="-128"/>
+              </a:rPr>
+            </a:br>
+            <a:r>
+              <a:rPr lang="en-US" altLang="ja-JP" sz="2600" dirty="0">
+                <a:solidFill>
+                  <a:srgbClr val="000000"/>
+                </a:solidFill>
+                <a:ea typeface="ＭＳ ゴシック" panose="020B0609070205080204" pitchFamily="49" charset="-128"/>
+              </a:rPr>
+              <a:t>           , </a:t>
+            </a:r>
+            <a:r>
+              <a:rPr lang="en-US" altLang="ja-JP" sz="2600" dirty="0" err="1">
+                <a:solidFill>
+                  <a:srgbClr val="000000"/>
+                </a:solidFill>
+                <a:ea typeface="ＭＳ ゴシック" panose="020B0609070205080204" pitchFamily="49" charset="-128"/>
+              </a:rPr>
+              <a:t>m_price</a:t>
+            </a:r>
+            <a:r>
+              <a:rPr lang="en-US" altLang="ja-JP" sz="2600" dirty="0">
+                <a:solidFill>
+                  <a:srgbClr val="000000"/>
+                </a:solidFill>
+                <a:ea typeface="ＭＳ ゴシック" panose="020B0609070205080204" pitchFamily="49" charset="-128"/>
+              </a:rPr>
+              <a:t>(</a:t>
+            </a:r>
+            <a:r>
+              <a:rPr lang="en-US" altLang="ja-JP" sz="2600" dirty="0">
+                <a:solidFill>
+                  <a:srgbClr val="808080"/>
+                </a:solidFill>
+                <a:ea typeface="ＭＳ ゴシック" panose="020B0609070205080204" pitchFamily="49" charset="-128"/>
+              </a:rPr>
+              <a:t>price</a:t>
+            </a:r>
+            <a:r>
+              <a:rPr lang="en-US" altLang="ja-JP" sz="2600" dirty="0">
+                <a:solidFill>
+                  <a:srgbClr val="000000"/>
+                </a:solidFill>
+                <a:ea typeface="ＭＳ ゴシック" panose="020B0609070205080204" pitchFamily="49" charset="-128"/>
+              </a:rPr>
+              <a:t>), </a:t>
+            </a:r>
+            <a:r>
+              <a:rPr lang="en-US" altLang="ja-JP" sz="2600" dirty="0" err="1">
+                <a:solidFill>
+                  <a:srgbClr val="000000"/>
+                </a:solidFill>
+                <a:ea typeface="ＭＳ ゴシック" panose="020B0609070205080204" pitchFamily="49" charset="-128"/>
+              </a:rPr>
+              <a:t>m_weight</a:t>
+            </a:r>
+            <a:r>
+              <a:rPr lang="en-US" altLang="ja-JP" sz="2600" dirty="0">
+                <a:solidFill>
+                  <a:srgbClr val="000000"/>
+                </a:solidFill>
+                <a:ea typeface="ＭＳ ゴシック" panose="020B0609070205080204" pitchFamily="49" charset="-128"/>
+              </a:rPr>
+              <a:t>(</a:t>
+            </a:r>
+            <a:r>
+              <a:rPr lang="en-US" altLang="ja-JP" sz="2600" dirty="0">
+                <a:solidFill>
+                  <a:srgbClr val="808080"/>
+                </a:solidFill>
+                <a:ea typeface="ＭＳ ゴシック" panose="020B0609070205080204" pitchFamily="49" charset="-128"/>
+              </a:rPr>
+              <a:t>weight</a:t>
+            </a:r>
+            <a:r>
+              <a:rPr lang="en-US" altLang="ja-JP" sz="2600" dirty="0">
+                <a:solidFill>
+                  <a:srgbClr val="000000"/>
+                </a:solidFill>
+                <a:ea typeface="ＭＳ ゴシック" panose="020B0609070205080204" pitchFamily="49" charset="-128"/>
+              </a:rPr>
+              <a:t>) {};</a:t>
+            </a:r>
+            <a:br>
+              <a:rPr lang="en-US" altLang="ja-JP" sz="2600" dirty="0">
+                <a:solidFill>
+                  <a:srgbClr val="000000"/>
+                </a:solidFill>
+                <a:ea typeface="ＭＳ ゴシック" panose="020B0609070205080204" pitchFamily="49" charset="-128"/>
+              </a:rPr>
+            </a:br>
+            <a:r>
+              <a:rPr lang="en-US" altLang="ja-JP" sz="2600" dirty="0">
+                <a:solidFill>
+                  <a:srgbClr val="000000"/>
+                </a:solidFill>
+                <a:ea typeface="ＭＳ ゴシック" panose="020B0609070205080204" pitchFamily="49" charset="-128"/>
+              </a:rPr>
+              <a:t>  </a:t>
+            </a:r>
+            <a:r>
+              <a:rPr lang="en-US" altLang="ja-JP" sz="2600" dirty="0">
+                <a:solidFill>
+                  <a:srgbClr val="2B91AF"/>
+                </a:solidFill>
+                <a:ea typeface="ＭＳ ゴシック" panose="020B0609070205080204" pitchFamily="49" charset="-128"/>
+              </a:rPr>
+              <a:t>string</a:t>
+            </a:r>
+            <a:r>
+              <a:rPr lang="en-US" altLang="ja-JP" sz="2600" dirty="0">
+                <a:solidFill>
+                  <a:srgbClr val="000000"/>
+                </a:solidFill>
+                <a:ea typeface="ＭＳ ゴシック" panose="020B0609070205080204" pitchFamily="49" charset="-128"/>
+              </a:rPr>
+              <a:t> </a:t>
+            </a:r>
+            <a:r>
+              <a:rPr lang="en-US" altLang="ja-JP" sz="2600" dirty="0" err="1">
+                <a:solidFill>
+                  <a:srgbClr val="000000"/>
+                </a:solidFill>
+                <a:ea typeface="ＭＳ ゴシック" panose="020B0609070205080204" pitchFamily="49" charset="-128"/>
+              </a:rPr>
+              <a:t>getName</a:t>
+            </a:r>
+            <a:r>
+              <a:rPr lang="en-US" altLang="ja-JP" sz="2600" dirty="0">
+                <a:solidFill>
+                  <a:srgbClr val="000000"/>
+                </a:solidFill>
+                <a:ea typeface="ＭＳ ゴシック" panose="020B0609070205080204" pitchFamily="49" charset="-128"/>
+              </a:rPr>
+              <a:t>() { </a:t>
+            </a:r>
+            <a:r>
+              <a:rPr lang="en-US" altLang="ja-JP" sz="2600" dirty="0">
+                <a:solidFill>
+                  <a:srgbClr val="0000FF"/>
+                </a:solidFill>
+                <a:ea typeface="ＭＳ ゴシック" panose="020B0609070205080204" pitchFamily="49" charset="-128"/>
+              </a:rPr>
+              <a:t>return</a:t>
+            </a:r>
+            <a:r>
+              <a:rPr lang="en-US" altLang="ja-JP" sz="2600" dirty="0">
+                <a:solidFill>
+                  <a:srgbClr val="000000"/>
+                </a:solidFill>
+                <a:ea typeface="ＭＳ ゴシック" panose="020B0609070205080204" pitchFamily="49" charset="-128"/>
+              </a:rPr>
+              <a:t> </a:t>
+            </a:r>
+            <a:r>
+              <a:rPr lang="en-US" altLang="ja-JP" sz="2600" dirty="0" err="1">
+                <a:solidFill>
+                  <a:srgbClr val="000000"/>
+                </a:solidFill>
+                <a:ea typeface="ＭＳ ゴシック" panose="020B0609070205080204" pitchFamily="49" charset="-128"/>
+              </a:rPr>
+              <a:t>m_name</a:t>
+            </a:r>
+            <a:r>
+              <a:rPr lang="en-US" altLang="ja-JP" sz="2600" dirty="0">
+                <a:solidFill>
+                  <a:srgbClr val="000000"/>
+                </a:solidFill>
+                <a:ea typeface="ＭＳ ゴシック" panose="020B0609070205080204" pitchFamily="49" charset="-128"/>
+              </a:rPr>
+              <a:t>; }</a:t>
+            </a:r>
+            <a:br>
+              <a:rPr lang="en-US" altLang="ja-JP" sz="2600" dirty="0">
+                <a:solidFill>
+                  <a:srgbClr val="000000"/>
+                </a:solidFill>
+                <a:ea typeface="ＭＳ ゴシック" panose="020B0609070205080204" pitchFamily="49" charset="-128"/>
+              </a:rPr>
+            </a:br>
+            <a:r>
+              <a:rPr lang="en-US" altLang="ja-JP" sz="2600" dirty="0">
+                <a:solidFill>
+                  <a:srgbClr val="000000"/>
+                </a:solidFill>
+                <a:ea typeface="ＭＳ ゴシック" panose="020B0609070205080204" pitchFamily="49" charset="-128"/>
+              </a:rPr>
+              <a:t>  </a:t>
+            </a:r>
+            <a:r>
+              <a:rPr lang="en-US" altLang="ja-JP" sz="2600" dirty="0">
+                <a:solidFill>
+                  <a:srgbClr val="0000FF"/>
+                </a:solidFill>
+                <a:ea typeface="ＭＳ ゴシック" panose="020B0609070205080204" pitchFamily="49" charset="-128"/>
+              </a:rPr>
+              <a:t>int</a:t>
+            </a:r>
+            <a:r>
+              <a:rPr lang="en-US" altLang="ja-JP" sz="2600" dirty="0">
+                <a:solidFill>
+                  <a:srgbClr val="000000"/>
+                </a:solidFill>
+                <a:ea typeface="ＭＳ ゴシック" panose="020B0609070205080204" pitchFamily="49" charset="-128"/>
+              </a:rPr>
+              <a:t> </a:t>
+            </a:r>
+            <a:r>
+              <a:rPr lang="en-US" altLang="ja-JP" sz="2600" dirty="0" err="1">
+                <a:solidFill>
+                  <a:srgbClr val="000000"/>
+                </a:solidFill>
+                <a:ea typeface="ＭＳ ゴシック" panose="020B0609070205080204" pitchFamily="49" charset="-128"/>
+              </a:rPr>
+              <a:t>getAtk</a:t>
+            </a:r>
+            <a:r>
+              <a:rPr lang="en-US" altLang="ja-JP" sz="2600" dirty="0">
+                <a:solidFill>
+                  <a:srgbClr val="000000"/>
+                </a:solidFill>
+                <a:ea typeface="ＭＳ ゴシック" panose="020B0609070205080204" pitchFamily="49" charset="-128"/>
+              </a:rPr>
+              <a:t>() { </a:t>
+            </a:r>
+            <a:r>
+              <a:rPr lang="en-US" altLang="ja-JP" sz="2600" dirty="0">
+                <a:solidFill>
+                  <a:srgbClr val="0000FF"/>
+                </a:solidFill>
+                <a:ea typeface="ＭＳ ゴシック" panose="020B0609070205080204" pitchFamily="49" charset="-128"/>
+              </a:rPr>
+              <a:t>return</a:t>
+            </a:r>
+            <a:r>
+              <a:rPr lang="en-US" altLang="ja-JP" sz="2600" dirty="0">
+                <a:solidFill>
+                  <a:srgbClr val="000000"/>
+                </a:solidFill>
+                <a:ea typeface="ＭＳ ゴシック" panose="020B0609070205080204" pitchFamily="49" charset="-128"/>
+              </a:rPr>
+              <a:t> </a:t>
+            </a:r>
+            <a:r>
+              <a:rPr lang="en-US" altLang="ja-JP" sz="2600" dirty="0" err="1">
+                <a:solidFill>
+                  <a:srgbClr val="000000"/>
+                </a:solidFill>
+                <a:ea typeface="ＭＳ ゴシック" panose="020B0609070205080204" pitchFamily="49" charset="-128"/>
+              </a:rPr>
+              <a:t>m_atk</a:t>
+            </a:r>
+            <a:r>
+              <a:rPr lang="en-US" altLang="ja-JP" sz="2600" dirty="0">
+                <a:solidFill>
+                  <a:srgbClr val="000000"/>
+                </a:solidFill>
+                <a:ea typeface="ＭＳ ゴシック" panose="020B0609070205080204" pitchFamily="49" charset="-128"/>
+              </a:rPr>
+              <a:t>; }</a:t>
+            </a:r>
+            <a:br>
+              <a:rPr lang="en-US" altLang="ja-JP" sz="2600" dirty="0">
+                <a:solidFill>
+                  <a:srgbClr val="000000"/>
+                </a:solidFill>
+                <a:ea typeface="ＭＳ ゴシック" panose="020B0609070205080204" pitchFamily="49" charset="-128"/>
+              </a:rPr>
+            </a:br>
+            <a:r>
+              <a:rPr lang="en-US" altLang="ja-JP" sz="2600" dirty="0">
+                <a:solidFill>
+                  <a:srgbClr val="000000"/>
+                </a:solidFill>
+                <a:ea typeface="ＭＳ ゴシック" panose="020B0609070205080204" pitchFamily="49" charset="-128"/>
+              </a:rPr>
+              <a:t>  </a:t>
+            </a:r>
+            <a:r>
+              <a:rPr lang="en-US" altLang="ja-JP" sz="2600" dirty="0">
+                <a:solidFill>
+                  <a:srgbClr val="0000FF"/>
+                </a:solidFill>
+                <a:ea typeface="ＭＳ ゴシック" panose="020B0609070205080204" pitchFamily="49" charset="-128"/>
+              </a:rPr>
+              <a:t>int</a:t>
+            </a:r>
+            <a:r>
+              <a:rPr lang="en-US" altLang="ja-JP" sz="2600" dirty="0">
+                <a:solidFill>
+                  <a:srgbClr val="000000"/>
+                </a:solidFill>
+                <a:ea typeface="ＭＳ ゴシック" panose="020B0609070205080204" pitchFamily="49" charset="-128"/>
+              </a:rPr>
+              <a:t> </a:t>
+            </a:r>
+            <a:r>
+              <a:rPr lang="en-US" altLang="ja-JP" sz="2600" dirty="0" err="1">
+                <a:solidFill>
+                  <a:srgbClr val="000000"/>
+                </a:solidFill>
+                <a:ea typeface="ＭＳ ゴシック" panose="020B0609070205080204" pitchFamily="49" charset="-128"/>
+              </a:rPr>
+              <a:t>getPrice</a:t>
+            </a:r>
+            <a:r>
+              <a:rPr lang="en-US" altLang="ja-JP" sz="2600" dirty="0">
+                <a:solidFill>
+                  <a:srgbClr val="000000"/>
+                </a:solidFill>
+                <a:ea typeface="ＭＳ ゴシック" panose="020B0609070205080204" pitchFamily="49" charset="-128"/>
+              </a:rPr>
+              <a:t>() { </a:t>
+            </a:r>
+            <a:r>
+              <a:rPr lang="en-US" altLang="ja-JP" sz="2600" dirty="0">
+                <a:solidFill>
+                  <a:srgbClr val="0000FF"/>
+                </a:solidFill>
+                <a:ea typeface="ＭＳ ゴシック" panose="020B0609070205080204" pitchFamily="49" charset="-128"/>
+              </a:rPr>
+              <a:t>return</a:t>
+            </a:r>
+            <a:r>
+              <a:rPr lang="en-US" altLang="ja-JP" sz="2600" dirty="0">
+                <a:solidFill>
+                  <a:srgbClr val="000000"/>
+                </a:solidFill>
+                <a:ea typeface="ＭＳ ゴシック" panose="020B0609070205080204" pitchFamily="49" charset="-128"/>
+              </a:rPr>
+              <a:t> </a:t>
+            </a:r>
+            <a:r>
+              <a:rPr lang="en-US" altLang="ja-JP" sz="2600" dirty="0" err="1">
+                <a:solidFill>
+                  <a:srgbClr val="000000"/>
+                </a:solidFill>
+                <a:ea typeface="ＭＳ ゴシック" panose="020B0609070205080204" pitchFamily="49" charset="-128"/>
+              </a:rPr>
+              <a:t>m_price</a:t>
+            </a:r>
+            <a:r>
+              <a:rPr lang="en-US" altLang="ja-JP" sz="2600" dirty="0">
+                <a:solidFill>
+                  <a:srgbClr val="000000"/>
+                </a:solidFill>
+                <a:ea typeface="ＭＳ ゴシック" panose="020B0609070205080204" pitchFamily="49" charset="-128"/>
+              </a:rPr>
+              <a:t>; }</a:t>
+            </a:r>
+            <a:br>
+              <a:rPr lang="en-US" altLang="ja-JP" sz="2600" dirty="0">
+                <a:solidFill>
+                  <a:srgbClr val="000000"/>
+                </a:solidFill>
+                <a:ea typeface="ＭＳ ゴシック" panose="020B0609070205080204" pitchFamily="49" charset="-128"/>
+              </a:rPr>
+            </a:br>
+            <a:r>
+              <a:rPr lang="en-US" altLang="ja-JP" sz="2600" dirty="0">
+                <a:solidFill>
+                  <a:srgbClr val="000000"/>
+                </a:solidFill>
+                <a:ea typeface="ＭＳ ゴシック" panose="020B0609070205080204" pitchFamily="49" charset="-128"/>
+              </a:rPr>
+              <a:t>  </a:t>
+            </a:r>
+            <a:r>
+              <a:rPr lang="en-US" altLang="ja-JP" sz="2600" dirty="0">
+                <a:solidFill>
+                  <a:srgbClr val="0000FF"/>
+                </a:solidFill>
+                <a:ea typeface="ＭＳ ゴシック" panose="020B0609070205080204" pitchFamily="49" charset="-128"/>
+              </a:rPr>
+              <a:t>int</a:t>
+            </a:r>
+            <a:r>
+              <a:rPr lang="en-US" altLang="ja-JP" sz="2600" dirty="0">
+                <a:solidFill>
+                  <a:srgbClr val="000000"/>
+                </a:solidFill>
+                <a:ea typeface="ＭＳ ゴシック" panose="020B0609070205080204" pitchFamily="49" charset="-128"/>
+              </a:rPr>
+              <a:t> </a:t>
+            </a:r>
+            <a:r>
+              <a:rPr lang="en-US" altLang="ja-JP" sz="2600" dirty="0" err="1">
+                <a:solidFill>
+                  <a:srgbClr val="000000"/>
+                </a:solidFill>
+                <a:ea typeface="ＭＳ ゴシック" panose="020B0609070205080204" pitchFamily="49" charset="-128"/>
+              </a:rPr>
+              <a:t>getWeight</a:t>
+            </a:r>
+            <a:r>
+              <a:rPr lang="en-US" altLang="ja-JP" sz="2600" dirty="0">
+                <a:solidFill>
+                  <a:srgbClr val="000000"/>
+                </a:solidFill>
+                <a:ea typeface="ＭＳ ゴシック" panose="020B0609070205080204" pitchFamily="49" charset="-128"/>
+              </a:rPr>
+              <a:t>() { </a:t>
+            </a:r>
+            <a:r>
+              <a:rPr lang="en-US" altLang="ja-JP" sz="2600" dirty="0">
+                <a:solidFill>
+                  <a:srgbClr val="0000FF"/>
+                </a:solidFill>
+                <a:ea typeface="ＭＳ ゴシック" panose="020B0609070205080204" pitchFamily="49" charset="-128"/>
+              </a:rPr>
+              <a:t>return</a:t>
+            </a:r>
+            <a:r>
+              <a:rPr lang="en-US" altLang="ja-JP" sz="2600" dirty="0">
+                <a:solidFill>
+                  <a:srgbClr val="000000"/>
+                </a:solidFill>
+                <a:ea typeface="ＭＳ ゴシック" panose="020B0609070205080204" pitchFamily="49" charset="-128"/>
+              </a:rPr>
+              <a:t> </a:t>
+            </a:r>
+            <a:r>
+              <a:rPr lang="en-US" altLang="ja-JP" sz="2600" dirty="0" err="1">
+                <a:solidFill>
+                  <a:srgbClr val="000000"/>
+                </a:solidFill>
+                <a:ea typeface="ＭＳ ゴシック" panose="020B0609070205080204" pitchFamily="49" charset="-128"/>
+              </a:rPr>
+              <a:t>m_weight</a:t>
+            </a:r>
+            <a:r>
+              <a:rPr lang="en-US" altLang="ja-JP" sz="2600" dirty="0">
+                <a:solidFill>
+                  <a:srgbClr val="000000"/>
+                </a:solidFill>
+                <a:ea typeface="ＭＳ ゴシック" panose="020B0609070205080204" pitchFamily="49" charset="-128"/>
+              </a:rPr>
+              <a:t>; }</a:t>
+            </a:r>
+            <a:br>
+              <a:rPr lang="en-US" altLang="ja-JP" sz="2600" dirty="0">
+                <a:solidFill>
+                  <a:srgbClr val="000000"/>
+                </a:solidFill>
+                <a:ea typeface="ＭＳ ゴシック" panose="020B0609070205080204" pitchFamily="49" charset="-128"/>
+              </a:rPr>
+            </a:br>
+            <a:r>
+              <a:rPr lang="en-US" altLang="ja-JP" sz="2600" dirty="0">
+                <a:solidFill>
+                  <a:srgbClr val="000000"/>
+                </a:solidFill>
+                <a:ea typeface="ＭＳ ゴシック" panose="020B0609070205080204" pitchFamily="49" charset="-128"/>
+              </a:rPr>
+              <a:t>};</a:t>
+            </a:r>
+            <a:endParaRPr lang="en-US" altLang="ja-JP" sz="2600" dirty="0"/>
+          </a:p>
+        </p:txBody>
+      </p:sp>
+      <p:sp>
+        <p:nvSpPr>
+          <p:cNvPr id="4" name="テキスト ボックス 3">
+            <a:extLst>
+              <a:ext uri="{FF2B5EF4-FFF2-40B4-BE49-F238E27FC236}">
+                <a16:creationId xmlns:a16="http://schemas.microsoft.com/office/drawing/2014/main" id="{35C4C866-8D78-3278-DC2A-33449A90A192}"/>
+              </a:ext>
+            </a:extLst>
+          </p:cNvPr>
+          <p:cNvSpPr txBox="1"/>
+          <p:nvPr/>
+        </p:nvSpPr>
+        <p:spPr>
+          <a:xfrm>
+            <a:off x="7104919" y="639756"/>
+            <a:ext cx="3972562" cy="523220"/>
+          </a:xfrm>
+          <a:prstGeom prst="rect">
+            <a:avLst/>
+          </a:prstGeom>
+          <a:noFill/>
+        </p:spPr>
+        <p:txBody>
+          <a:bodyPr wrap="none" rtlCol="0">
+            <a:spAutoFit/>
+          </a:bodyPr>
+          <a:lstStyle/>
+          <a:p>
+            <a:r>
+              <a:rPr kumimoji="1" lang="en-US" altLang="ja-JP" sz="2800" dirty="0" err="1"/>
+              <a:t>PracCSV</a:t>
+            </a:r>
+            <a:r>
+              <a:rPr kumimoji="1" lang="en-US" altLang="ja-JP" sz="2800" dirty="0"/>
+              <a:t>(main.cpp)</a:t>
+            </a:r>
+            <a:endParaRPr kumimoji="1" lang="ja-JP" altLang="en-US" sz="2800" dirty="0"/>
+          </a:p>
+        </p:txBody>
+      </p:sp>
+    </p:spTree>
+    <p:extLst>
+      <p:ext uri="{BB962C8B-B14F-4D97-AF65-F5344CB8AC3E}">
+        <p14:creationId xmlns:p14="http://schemas.microsoft.com/office/powerpoint/2010/main" val="807813458"/>
+      </p:ext>
+    </p:extLst>
+  </p:cSld>
+  <p:clrMapOvr>
+    <a:masterClrMapping/>
+  </p:clrMapOvr>
+</p:sld>
+</file>
+
 <file path=ppt/slides/slide2.xml><?xml version="1.0" encoding="utf-8"?>
 <p:sld xmlns:a="http://schemas.openxmlformats.org/drawingml/2006/main" xmlns:r="http://schemas.openxmlformats.org/officeDocument/2006/relationships" xmlns:p="http://schemas.openxmlformats.org/presentationml/2006/main">
   <p:cSld>
@@ -7753,6 +10371,256 @@
     <p:extLst>
       <p:ext uri="{BB962C8B-B14F-4D97-AF65-F5344CB8AC3E}">
         <p14:creationId xmlns:p14="http://schemas.microsoft.com/office/powerpoint/2010/main" val="1964116829"/>
+      </p:ext>
+    </p:extLst>
+  </p:cSld>
+  <p:clrMapOvr>
+    <a:masterClrMapping/>
+  </p:clrMapOvr>
+</p:sld>
+</file>
+
+<file path=ppt/slides/slide9.xml><?xml version="1.0" encoding="utf-8"?>
+<p:sld xmlns:a="http://schemas.openxmlformats.org/drawingml/2006/main" xmlns:r="http://schemas.openxmlformats.org/officeDocument/2006/relationships" xmlns:p="http://schemas.openxmlformats.org/presentationml/2006/main">
+  <p:cSld>
+    <p:spTree>
+      <p:nvGrpSpPr>
+        <p:cNvPr id="1" name="">
+          <a:extLst>
+            <a:ext uri="{FF2B5EF4-FFF2-40B4-BE49-F238E27FC236}">
+              <a16:creationId xmlns:a16="http://schemas.microsoft.com/office/drawing/2014/main" id="{5E6CA33C-5C9E-FBC5-CDD7-A764ECF1C120}"/>
+            </a:ext>
+          </a:extLst>
+        </p:cNvPr>
+        <p:cNvGrpSpPr/>
+        <p:nvPr/>
+      </p:nvGrpSpPr>
+      <p:grpSpPr>
+        <a:xfrm>
+          <a:off x="0" y="0"/>
+          <a:ext cx="0" cy="0"/>
+          <a:chOff x="0" y="0"/>
+          <a:chExt cx="0" cy="0"/>
+        </a:xfrm>
+      </p:grpSpPr>
+      <p:sp>
+        <p:nvSpPr>
+          <p:cNvPr id="2" name="タイトル 1">
+            <a:extLst>
+              <a:ext uri="{FF2B5EF4-FFF2-40B4-BE49-F238E27FC236}">
+                <a16:creationId xmlns:a16="http://schemas.microsoft.com/office/drawing/2014/main" id="{2E190F80-7B9B-49BA-DCEE-464D4AD73690}"/>
+              </a:ext>
+            </a:extLst>
+          </p:cNvPr>
+          <p:cNvSpPr>
+            <a:spLocks noGrp="1"/>
+          </p:cNvSpPr>
+          <p:nvPr>
+            <p:ph type="title"/>
+          </p:nvPr>
+        </p:nvSpPr>
+        <p:spPr/>
+        <p:txBody>
+          <a:bodyPr/>
+          <a:lstStyle/>
+          <a:p>
+            <a:r>
+              <a:rPr kumimoji="1" lang="ja-JP" altLang="en-US" dirty="0"/>
+              <a:t>演習：</a:t>
+            </a:r>
+            <a:r>
+              <a:rPr kumimoji="1" lang="en-US" altLang="ja-JP" dirty="0"/>
+              <a:t>CSV</a:t>
+            </a:r>
+            <a:endParaRPr kumimoji="1" lang="ja-JP" altLang="en-US" dirty="0"/>
+          </a:p>
+        </p:txBody>
+      </p:sp>
+      <p:sp>
+        <p:nvSpPr>
+          <p:cNvPr id="3" name="コンテンツ プレースホルダー 2">
+            <a:extLst>
+              <a:ext uri="{FF2B5EF4-FFF2-40B4-BE49-F238E27FC236}">
+                <a16:creationId xmlns:a16="http://schemas.microsoft.com/office/drawing/2014/main" id="{62A9049C-3119-1BFE-8975-C78D82F94008}"/>
+              </a:ext>
+            </a:extLst>
+          </p:cNvPr>
+          <p:cNvSpPr>
+            <a:spLocks noGrp="1"/>
+          </p:cNvSpPr>
+          <p:nvPr>
+            <p:ph idx="1"/>
+          </p:nvPr>
+        </p:nvSpPr>
+        <p:spPr/>
+        <p:txBody>
+          <a:bodyPr>
+            <a:normAutofit/>
+          </a:bodyPr>
+          <a:lstStyle/>
+          <a:p>
+            <a:r>
+              <a:rPr lang="ja-JP" altLang="en-US" b="1" u="sng" dirty="0"/>
+              <a:t>課題⑤</a:t>
+            </a:r>
+            <a:br>
+              <a:rPr lang="en-US" altLang="ja-JP" dirty="0"/>
+            </a:br>
+            <a:r>
+              <a:rPr lang="en-US" altLang="ja-JP" dirty="0"/>
+              <a:t>Weapon</a:t>
+            </a:r>
+            <a:r>
+              <a:rPr lang="ja-JP" altLang="en-US" dirty="0"/>
+              <a:t>クラスを定義しなさい。</a:t>
+            </a:r>
+            <a:br>
+              <a:rPr lang="en-US" altLang="ja-JP" dirty="0"/>
+            </a:br>
+            <a:r>
+              <a:rPr lang="en-US" altLang="ja-JP" dirty="0"/>
+              <a:t>private</a:t>
+            </a:r>
+            <a:r>
+              <a:rPr lang="ja-JP" altLang="en-US" dirty="0"/>
+              <a:t>なメンバ変数　</a:t>
+            </a:r>
+            <a:r>
+              <a:rPr lang="en-US" altLang="ja-JP" b="1" dirty="0" err="1"/>
+              <a:t>m_name</a:t>
+            </a:r>
+            <a:r>
+              <a:rPr lang="en-US" altLang="ja-JP" dirty="0"/>
+              <a:t>(</a:t>
+            </a:r>
+            <a:r>
+              <a:rPr lang="en-US" altLang="ja-JP" dirty="0">
+                <a:solidFill>
+                  <a:srgbClr val="0066FF"/>
+                </a:solidFill>
+              </a:rPr>
+              <a:t>string</a:t>
+            </a:r>
+            <a:r>
+              <a:rPr lang="en-US" altLang="ja-JP" dirty="0"/>
+              <a:t>),</a:t>
+            </a:r>
+            <a:br>
+              <a:rPr lang="en-US" altLang="ja-JP" dirty="0"/>
+            </a:br>
+            <a:r>
+              <a:rPr lang="en-US" altLang="ja-JP" b="1" dirty="0" err="1"/>
+              <a:t>m_atk</a:t>
+            </a:r>
+            <a:r>
+              <a:rPr lang="en-US" altLang="ja-JP" dirty="0"/>
+              <a:t>,</a:t>
+            </a:r>
+            <a:r>
+              <a:rPr lang="ja-JP" altLang="en-US" b="1" dirty="0"/>
+              <a:t> </a:t>
+            </a:r>
+            <a:r>
+              <a:rPr lang="en-US" altLang="ja-JP" b="1" dirty="0" err="1"/>
+              <a:t>m_price</a:t>
+            </a:r>
+            <a:r>
+              <a:rPr lang="en-US" altLang="ja-JP" dirty="0"/>
+              <a:t>,</a:t>
+            </a:r>
+            <a:r>
+              <a:rPr lang="ja-JP" altLang="en-US" b="1" dirty="0"/>
+              <a:t>　</a:t>
+            </a:r>
+            <a:r>
+              <a:rPr lang="en-US" altLang="ja-JP" b="1" dirty="0" err="1"/>
+              <a:t>m_weight</a:t>
+            </a:r>
+            <a:r>
+              <a:rPr lang="en-US" altLang="ja-JP" dirty="0"/>
+              <a:t>(</a:t>
+            </a:r>
+            <a:r>
+              <a:rPr lang="en-US" altLang="ja-JP" dirty="0">
+                <a:solidFill>
+                  <a:srgbClr val="0066FF"/>
+                </a:solidFill>
+              </a:rPr>
+              <a:t>int</a:t>
+            </a:r>
+            <a:r>
+              <a:rPr lang="en-US" altLang="ja-JP" dirty="0"/>
+              <a:t>)</a:t>
+            </a:r>
+            <a:br>
+              <a:rPr lang="en-US" altLang="ja-JP" dirty="0"/>
+            </a:br>
+            <a:br>
+              <a:rPr lang="en-US" altLang="ja-JP" dirty="0"/>
+            </a:br>
+            <a:r>
+              <a:rPr lang="en-US" altLang="ja-JP" dirty="0"/>
+              <a:t>public</a:t>
+            </a:r>
+            <a:r>
+              <a:rPr lang="ja-JP" altLang="en-US" dirty="0"/>
+              <a:t>なメンバ関数として</a:t>
+            </a:r>
+            <a:r>
+              <a:rPr lang="ja-JP" altLang="en-US" dirty="0">
+                <a:solidFill>
+                  <a:srgbClr val="FF0000"/>
+                </a:solidFill>
+              </a:rPr>
+              <a:t>引数なし</a:t>
+            </a:r>
+            <a:r>
+              <a:rPr lang="ja-JP" altLang="en-US" dirty="0"/>
+              <a:t>のコンストラクタ（初期値</a:t>
+            </a:r>
+            <a:r>
+              <a:rPr lang="en-US" altLang="ja-JP" dirty="0"/>
+              <a:t>0</a:t>
+            </a:r>
+            <a:r>
+              <a:rPr lang="ja-JP" altLang="en-US" dirty="0"/>
+              <a:t>もしくは</a:t>
+            </a:r>
+            <a:r>
+              <a:rPr lang="en-US" altLang="ja-JP" dirty="0"/>
+              <a:t>NULL</a:t>
+            </a:r>
+            <a:r>
+              <a:rPr lang="ja-JP" altLang="en-US" dirty="0"/>
+              <a:t>をセット）と、</a:t>
+            </a:r>
+            <a:r>
+              <a:rPr lang="ja-JP" altLang="en-US" dirty="0">
+                <a:solidFill>
+                  <a:srgbClr val="00B050"/>
+                </a:solidFill>
+              </a:rPr>
+              <a:t>引数あり</a:t>
+            </a:r>
+            <a:r>
+              <a:rPr lang="ja-JP" altLang="en-US" dirty="0"/>
+              <a:t>コンストラクタ（メンバ変数の初期化用）</a:t>
+            </a:r>
+            <a:br>
+              <a:rPr lang="en-US" altLang="ja-JP" dirty="0"/>
+            </a:br>
+            <a:r>
+              <a:rPr lang="ja-JP" altLang="en-US" dirty="0"/>
+              <a:t>そして、各メンバ変数のゲッターとする。</a:t>
+            </a:r>
+            <a:endParaRPr lang="en-US" altLang="ja-JP" sz="4400" dirty="0"/>
+          </a:p>
+        </p:txBody>
+      </p:sp>
+    </p:spTree>
+    <p:extLst>
+      <p:ext uri="{BB962C8B-B14F-4D97-AF65-F5344CB8AC3E}">
+        <p14:creationId xmlns:p14="http://schemas.microsoft.com/office/powerpoint/2010/main" val="121755721"/>
       </p:ext>
     </p:extLst>
   </p:cSld>

--- a/授業資料/演習課題：CSV.pptx
+++ b/授業資料/演習課題：CSV.pptx
@@ -17,6 +17,10 @@
     <p:sldId id="442" r:id="rId11"/>
     <p:sldId id="443" r:id="rId12"/>
     <p:sldId id="444" r:id="rId13"/>
+    <p:sldId id="445" r:id="rId14"/>
+    <p:sldId id="446" r:id="rId15"/>
+    <p:sldId id="447" r:id="rId16"/>
+    <p:sldId id="448" r:id="rId17"/>
   </p:sldIdLst>
   <p:sldSz cx="12192000" cy="6858000"/>
   <p:notesSz cx="6858000" cy="9144000"/>
@@ -254,7 +258,7 @@
           <a:p>
             <a:fld id="{5B96D3F8-CD2E-4A0D-AC38-517181EABB18}" type="datetimeFigureOut">
               <a:rPr kumimoji="1" lang="ja-JP" altLang="en-US" smtClean="0"/>
-              <a:t>2024/11/11</a:t>
+              <a:t>2024/11/12</a:t>
             </a:fld>
             <a:endParaRPr kumimoji="1" lang="ja-JP" altLang="en-US"/>
           </a:p>
@@ -456,7 +460,7 @@
           <a:p>
             <a:fld id="{5B96D3F8-CD2E-4A0D-AC38-517181EABB18}" type="datetimeFigureOut">
               <a:rPr kumimoji="1" lang="ja-JP" altLang="en-US" smtClean="0"/>
-              <a:t>2024/11/11</a:t>
+              <a:t>2024/11/12</a:t>
             </a:fld>
             <a:endParaRPr kumimoji="1" lang="ja-JP" altLang="en-US"/>
           </a:p>
@@ -668,7 +672,7 @@
           <a:p>
             <a:fld id="{5B96D3F8-CD2E-4A0D-AC38-517181EABB18}" type="datetimeFigureOut">
               <a:rPr kumimoji="1" lang="ja-JP" altLang="en-US" smtClean="0"/>
-              <a:t>2024/11/11</a:t>
+              <a:t>2024/11/12</a:t>
             </a:fld>
             <a:endParaRPr kumimoji="1" lang="ja-JP" altLang="en-US"/>
           </a:p>
@@ -870,7 +874,7 @@
           <a:p>
             <a:fld id="{5B96D3F8-CD2E-4A0D-AC38-517181EABB18}" type="datetimeFigureOut">
               <a:rPr kumimoji="1" lang="ja-JP" altLang="en-US" smtClean="0"/>
-              <a:t>2024/11/11</a:t>
+              <a:t>2024/11/12</a:t>
             </a:fld>
             <a:endParaRPr kumimoji="1" lang="ja-JP" altLang="en-US"/>
           </a:p>
@@ -1116,7 +1120,7 @@
           <a:p>
             <a:fld id="{5B96D3F8-CD2E-4A0D-AC38-517181EABB18}" type="datetimeFigureOut">
               <a:rPr kumimoji="1" lang="ja-JP" altLang="en-US" smtClean="0"/>
-              <a:t>2024/11/11</a:t>
+              <a:t>2024/11/12</a:t>
             </a:fld>
             <a:endParaRPr kumimoji="1" lang="ja-JP" altLang="en-US"/>
           </a:p>
@@ -1412,7 +1416,7 @@
           <a:p>
             <a:fld id="{5B96D3F8-CD2E-4A0D-AC38-517181EABB18}" type="datetimeFigureOut">
               <a:rPr kumimoji="1" lang="ja-JP" altLang="en-US" smtClean="0"/>
-              <a:t>2024/11/11</a:t>
+              <a:t>2024/11/12</a:t>
             </a:fld>
             <a:endParaRPr kumimoji="1" lang="ja-JP" altLang="en-US"/>
           </a:p>
@@ -1843,7 +1847,7 @@
           <a:p>
             <a:fld id="{5B96D3F8-CD2E-4A0D-AC38-517181EABB18}" type="datetimeFigureOut">
               <a:rPr kumimoji="1" lang="ja-JP" altLang="en-US" smtClean="0"/>
-              <a:t>2024/11/11</a:t>
+              <a:t>2024/11/12</a:t>
             </a:fld>
             <a:endParaRPr kumimoji="1" lang="ja-JP" altLang="en-US"/>
           </a:p>
@@ -1961,7 +1965,7 @@
           <a:p>
             <a:fld id="{5B96D3F8-CD2E-4A0D-AC38-517181EABB18}" type="datetimeFigureOut">
               <a:rPr kumimoji="1" lang="ja-JP" altLang="en-US" smtClean="0"/>
-              <a:t>2024/11/11</a:t>
+              <a:t>2024/11/12</a:t>
             </a:fld>
             <a:endParaRPr kumimoji="1" lang="ja-JP" altLang="en-US"/>
           </a:p>
@@ -2056,7 +2060,7 @@
           <a:p>
             <a:fld id="{5B96D3F8-CD2E-4A0D-AC38-517181EABB18}" type="datetimeFigureOut">
               <a:rPr kumimoji="1" lang="ja-JP" altLang="en-US" smtClean="0"/>
-              <a:t>2024/11/11</a:t>
+              <a:t>2024/11/12</a:t>
             </a:fld>
             <a:endParaRPr kumimoji="1" lang="ja-JP" altLang="en-US"/>
           </a:p>
@@ -2365,7 +2369,7 @@
           <a:p>
             <a:fld id="{5B96D3F8-CD2E-4A0D-AC38-517181EABB18}" type="datetimeFigureOut">
               <a:rPr kumimoji="1" lang="ja-JP" altLang="en-US" smtClean="0"/>
-              <a:t>2024/11/11</a:t>
+              <a:t>2024/11/12</a:t>
             </a:fld>
             <a:endParaRPr kumimoji="1" lang="ja-JP" altLang="en-US"/>
           </a:p>
@@ -2622,7 +2626,7 @@
           <a:p>
             <a:fld id="{5B96D3F8-CD2E-4A0D-AC38-517181EABB18}" type="datetimeFigureOut">
               <a:rPr kumimoji="1" lang="ja-JP" altLang="en-US" smtClean="0"/>
-              <a:t>2024/11/11</a:t>
+              <a:t>2024/11/12</a:t>
             </a:fld>
             <a:endParaRPr kumimoji="1" lang="ja-JP" altLang="en-US"/>
           </a:p>
@@ -2867,7 +2871,7 @@
           <a:p>
             <a:fld id="{5B96D3F8-CD2E-4A0D-AC38-517181EABB18}" type="datetimeFigureOut">
               <a:rPr kumimoji="1" lang="ja-JP" altLang="en-US" smtClean="0"/>
-              <a:t>2024/11/11</a:t>
+              <a:t>2024/11/12</a:t>
             </a:fld>
             <a:endParaRPr kumimoji="1" lang="ja-JP" altLang="en-US"/>
           </a:p>
@@ -4940,15 +4944,31 @@
               <a:rPr lang="en-US" altLang="ja-JP" dirty="0"/>
             </a:br>
             <a:r>
+              <a:rPr lang="ja-JP" altLang="en-US" dirty="0">
+                <a:solidFill>
+                  <a:srgbClr val="00B050"/>
+                </a:solidFill>
+              </a:rPr>
+              <a:t>一行ぶん</a:t>
+            </a:r>
+            <a:r>
               <a:rPr lang="ja-JP" altLang="en-US" dirty="0"/>
-              <a:t>一行ぶんのデータを</a:t>
-            </a:r>
-            <a:r>
-              <a:rPr lang="en-US" altLang="ja-JP" dirty="0"/>
+              <a:t>のデータを</a:t>
+            </a:r>
+            <a:r>
+              <a:rPr lang="en-US" altLang="ja-JP" dirty="0">
+                <a:solidFill>
+                  <a:srgbClr val="FF0000"/>
+                </a:solidFill>
+              </a:rPr>
               <a:t>vector&lt;string&gt; </a:t>
             </a:r>
             <a:r>
-              <a:rPr lang="en-US" altLang="ja-JP" dirty="0" err="1"/>
+              <a:rPr lang="en-US" altLang="ja-JP" dirty="0" err="1">
+                <a:solidFill>
+                  <a:srgbClr val="FF0000"/>
+                </a:solidFill>
+              </a:rPr>
               <a:t>vec</a:t>
             </a:r>
             <a:r>
@@ -4973,20 +4993,32 @@
               <a:t>さらに武器データは</a:t>
             </a:r>
             <a:r>
-              <a:rPr lang="en-US" altLang="ja-JP" dirty="0"/>
+              <a:rPr lang="en-US" altLang="ja-JP" dirty="0">
+                <a:solidFill>
+                  <a:srgbClr val="00B0F0"/>
+                </a:solidFill>
+              </a:rPr>
               <a:t>vector&lt;Weapon*&gt; </a:t>
             </a:r>
             <a:r>
-              <a:rPr lang="en-US" altLang="ja-JP" dirty="0" err="1"/>
+              <a:rPr lang="en-US" altLang="ja-JP" dirty="0" err="1">
+                <a:solidFill>
+                  <a:srgbClr val="00B0F0"/>
+                </a:solidFill>
+              </a:rPr>
               <a:t>vWpn</a:t>
             </a:r>
+            <a:br>
+              <a:rPr lang="en-US" altLang="ja-JP" dirty="0">
+                <a:solidFill>
+                  <a:srgbClr val="00B0F0"/>
+                </a:solidFill>
+              </a:rPr>
+            </a:br>
             <a:r>
               <a:rPr lang="ja-JP" altLang="en-US" dirty="0"/>
               <a:t>に</a:t>
             </a:r>
-            <a:br>
-              <a:rPr lang="en-US" altLang="ja-JP" dirty="0"/>
-            </a:br>
             <a:r>
               <a:rPr lang="en-US" altLang="ja-JP" dirty="0"/>
               <a:t>Weapon</a:t>
@@ -4996,12 +5028,16 @@
               <a:t>クラスのインスタンスのアドレスを格納することとし、コンストラクタの引数は</a:t>
             </a:r>
             <a:r>
-              <a:rPr lang="en-US" altLang="ja-JP" dirty="0" err="1"/>
+              <a:rPr lang="en-US" altLang="ja-JP" dirty="0" err="1">
+                <a:solidFill>
+                  <a:srgbClr val="FF0000"/>
+                </a:solidFill>
+              </a:rPr>
               <a:t>vec</a:t>
             </a:r>
             <a:r>
               <a:rPr lang="ja-JP" altLang="en-US" dirty="0"/>
-              <a:t>の各要素の値を用いて指定しなさい</a:t>
+              <a:t>の各要素の値を指定しなさい</a:t>
             </a:r>
             <a:endParaRPr lang="en-US" altLang="ja-JP" sz="4400" dirty="0"/>
           </a:p>
@@ -5116,13 +5152,411 @@
               <a:buNone/>
             </a:pPr>
             <a:r>
+              <a:rPr lang="ja-JP" altLang="en-US" sz="2600" dirty="0">
+                <a:solidFill>
+                  <a:srgbClr val="2B91AF"/>
+                </a:solidFill>
+                <a:ea typeface="ＭＳ ゴシック" panose="020B0609070205080204" pitchFamily="49" charset="-128"/>
+              </a:rPr>
+              <a:t>  </a:t>
+            </a:r>
+            <a:r>
+              <a:rPr lang="en-US" altLang="ja-JP" sz="2600" dirty="0">
+                <a:solidFill>
+                  <a:srgbClr val="2B91AF"/>
+                </a:solidFill>
+                <a:ea typeface="ＭＳ ゴシック" panose="020B0609070205080204" pitchFamily="49" charset="-128"/>
+              </a:rPr>
+              <a:t>vector</a:t>
+            </a:r>
+            <a:r>
+              <a:rPr lang="en-US" altLang="ja-JP" sz="2600" dirty="0">
+                <a:solidFill>
+                  <a:srgbClr val="000000"/>
+                </a:solidFill>
+                <a:ea typeface="ＭＳ ゴシック" panose="020B0609070205080204" pitchFamily="49" charset="-128"/>
+              </a:rPr>
+              <a:t>&lt;</a:t>
+            </a:r>
+            <a:r>
+              <a:rPr lang="en-US" altLang="ja-JP" sz="2600" dirty="0">
+                <a:solidFill>
+                  <a:srgbClr val="2B91AF"/>
+                </a:solidFill>
+                <a:ea typeface="ＭＳ ゴシック" panose="020B0609070205080204" pitchFamily="49" charset="-128"/>
+              </a:rPr>
+              <a:t>Weapon</a:t>
+            </a:r>
+            <a:r>
+              <a:rPr lang="en-US" altLang="ja-JP" sz="2600" dirty="0">
+                <a:solidFill>
+                  <a:srgbClr val="000000"/>
+                </a:solidFill>
+                <a:ea typeface="ＭＳ ゴシック" panose="020B0609070205080204" pitchFamily="49" charset="-128"/>
+              </a:rPr>
+              <a:t>*&gt; </a:t>
+            </a:r>
+            <a:r>
+              <a:rPr lang="en-US" altLang="ja-JP" sz="2600" dirty="0" err="1">
+                <a:solidFill>
+                  <a:srgbClr val="FF0000"/>
+                </a:solidFill>
+                <a:ea typeface="ＭＳ ゴシック" panose="020B0609070205080204" pitchFamily="49" charset="-128"/>
+              </a:rPr>
+              <a:t>vWpn</a:t>
+            </a:r>
+            <a:r>
+              <a:rPr lang="en-US" altLang="ja-JP" sz="2600" dirty="0">
+                <a:solidFill>
+                  <a:srgbClr val="000000"/>
+                </a:solidFill>
+                <a:ea typeface="ＭＳ ゴシック" panose="020B0609070205080204" pitchFamily="49" charset="-128"/>
+              </a:rPr>
+              <a:t>{};    </a:t>
+            </a:r>
+            <a:r>
+              <a:rPr lang="en-US" altLang="ja-JP" sz="2600" dirty="0">
+                <a:solidFill>
+                  <a:schemeClr val="accent6">
+                    <a:lumMod val="75000"/>
+                  </a:schemeClr>
+                </a:solidFill>
+                <a:ea typeface="ＭＳ ゴシック" panose="020B0609070205080204" pitchFamily="49" charset="-128"/>
+              </a:rPr>
+              <a:t>//Weapon</a:t>
+            </a:r>
+            <a:r>
+              <a:rPr lang="ja-JP" altLang="en-US" sz="2600" dirty="0">
+                <a:solidFill>
+                  <a:schemeClr val="accent6">
+                    <a:lumMod val="75000"/>
+                  </a:schemeClr>
+                </a:solidFill>
+                <a:ea typeface="ＭＳ ゴシック" panose="020B0609070205080204" pitchFamily="49" charset="-128"/>
+              </a:rPr>
+              <a:t>クラスの</a:t>
+            </a:r>
+            <a:r>
+              <a:rPr lang="en-US" altLang="ja-JP" sz="2600" dirty="0">
+                <a:solidFill>
+                  <a:schemeClr val="accent6">
+                    <a:lumMod val="75000"/>
+                  </a:schemeClr>
+                </a:solidFill>
+                <a:ea typeface="ＭＳ ゴシック" panose="020B0609070205080204" pitchFamily="49" charset="-128"/>
+              </a:rPr>
+              <a:t>vector</a:t>
+            </a:r>
+            <a:r>
+              <a:rPr lang="ja-JP" altLang="en-US" sz="2600" dirty="0">
+                <a:solidFill>
+                  <a:schemeClr val="accent6">
+                    <a:lumMod val="75000"/>
+                  </a:schemeClr>
+                </a:solidFill>
+                <a:ea typeface="ＭＳ ゴシック" panose="020B0609070205080204" pitchFamily="49" charset="-128"/>
+              </a:rPr>
+              <a:t>配列</a:t>
+            </a:r>
+            <a:br>
+              <a:rPr lang="en-US" altLang="ja-JP" sz="2600" dirty="0">
+                <a:solidFill>
+                  <a:srgbClr val="000000"/>
+                </a:solidFill>
+                <a:ea typeface="ＭＳ ゴシック" panose="020B0609070205080204" pitchFamily="49" charset="-128"/>
+              </a:rPr>
+            </a:br>
+            <a:r>
+              <a:rPr lang="en-US" altLang="ja-JP" sz="2600" dirty="0">
+                <a:solidFill>
+                  <a:srgbClr val="000000"/>
+                </a:solidFill>
+                <a:ea typeface="ＭＳ ゴシック" panose="020B0609070205080204" pitchFamily="49" charset="-128"/>
+              </a:rPr>
+              <a:t>  </a:t>
+            </a:r>
+            <a:r>
+              <a:rPr lang="en-US" altLang="ja-JP" sz="2600" dirty="0">
+                <a:solidFill>
+                  <a:srgbClr val="2B91AF"/>
+                </a:solidFill>
+                <a:ea typeface="ＭＳ ゴシック" panose="020B0609070205080204" pitchFamily="49" charset="-128"/>
+              </a:rPr>
+              <a:t>vector</a:t>
+            </a:r>
+            <a:r>
+              <a:rPr lang="en-US" altLang="ja-JP" sz="2600" dirty="0">
+                <a:solidFill>
+                  <a:srgbClr val="000000"/>
+                </a:solidFill>
+                <a:ea typeface="ＭＳ ゴシック" panose="020B0609070205080204" pitchFamily="49" charset="-128"/>
+              </a:rPr>
+              <a:t>&lt;</a:t>
+            </a:r>
+            <a:r>
+              <a:rPr lang="en-US" altLang="ja-JP" sz="2600" dirty="0">
+                <a:solidFill>
+                  <a:srgbClr val="2B91AF"/>
+                </a:solidFill>
+                <a:ea typeface="ＭＳ ゴシック" panose="020B0609070205080204" pitchFamily="49" charset="-128"/>
+              </a:rPr>
+              <a:t>string</a:t>
+            </a:r>
+            <a:r>
+              <a:rPr lang="en-US" altLang="ja-JP" sz="2600" dirty="0">
+                <a:solidFill>
+                  <a:srgbClr val="000000"/>
+                </a:solidFill>
+                <a:ea typeface="ＭＳ ゴシック" panose="020B0609070205080204" pitchFamily="49" charset="-128"/>
+              </a:rPr>
+              <a:t>&gt; </a:t>
+            </a:r>
+            <a:r>
+              <a:rPr lang="en-US" altLang="ja-JP" sz="2600" dirty="0" err="1">
+                <a:solidFill>
+                  <a:srgbClr val="FF00FF"/>
+                </a:solidFill>
+                <a:ea typeface="ＭＳ ゴシック" panose="020B0609070205080204" pitchFamily="49" charset="-128"/>
+              </a:rPr>
+              <a:t>vec</a:t>
+            </a:r>
+            <a:r>
+              <a:rPr lang="en-US" altLang="ja-JP" sz="2600" dirty="0">
+                <a:solidFill>
+                  <a:srgbClr val="000000"/>
+                </a:solidFill>
+                <a:ea typeface="ＭＳ ゴシック" panose="020B0609070205080204" pitchFamily="49" charset="-128"/>
+              </a:rPr>
+              <a:t>{};      </a:t>
+            </a:r>
+            <a:r>
+              <a:rPr lang="en-US" altLang="ja-JP" sz="2600" dirty="0">
+                <a:solidFill>
+                  <a:schemeClr val="accent6">
+                    <a:lumMod val="75000"/>
+                  </a:schemeClr>
+                </a:solidFill>
+                <a:ea typeface="ＭＳ ゴシック" panose="020B0609070205080204" pitchFamily="49" charset="-128"/>
+              </a:rPr>
+              <a:t>//</a:t>
+            </a:r>
+            <a:r>
+              <a:rPr lang="ja-JP" altLang="en-US" sz="2600" dirty="0">
+                <a:solidFill>
+                  <a:schemeClr val="accent6">
+                    <a:lumMod val="75000"/>
+                  </a:schemeClr>
+                </a:solidFill>
+                <a:ea typeface="ＭＳ ゴシック" panose="020B0609070205080204" pitchFamily="49" charset="-128"/>
+              </a:rPr>
+              <a:t>文字列格納用</a:t>
+            </a:r>
+            <a:r>
+              <a:rPr lang="en-US" altLang="ja-JP" sz="2600" dirty="0">
+                <a:solidFill>
+                  <a:schemeClr val="accent6">
+                    <a:lumMod val="75000"/>
+                  </a:schemeClr>
+                </a:solidFill>
+                <a:ea typeface="ＭＳ ゴシック" panose="020B0609070205080204" pitchFamily="49" charset="-128"/>
+              </a:rPr>
+              <a:t>vector</a:t>
+            </a:r>
+            <a:r>
+              <a:rPr lang="ja-JP" altLang="en-US" sz="2600" dirty="0">
+                <a:solidFill>
+                  <a:schemeClr val="accent6">
+                    <a:lumMod val="75000"/>
+                  </a:schemeClr>
+                </a:solidFill>
+                <a:ea typeface="ＭＳ ゴシック" panose="020B0609070205080204" pitchFamily="49" charset="-128"/>
+              </a:rPr>
+              <a:t>配列</a:t>
+            </a:r>
+            <a:br>
+              <a:rPr lang="en-US" altLang="ja-JP" sz="2600" dirty="0">
+                <a:solidFill>
+                  <a:srgbClr val="000000"/>
+                </a:solidFill>
+                <a:ea typeface="ＭＳ ゴシック" panose="020B0609070205080204" pitchFamily="49" charset="-128"/>
+              </a:rPr>
+            </a:br>
+            <a:r>
+              <a:rPr lang="en-US" altLang="ja-JP" sz="2600" dirty="0">
+                <a:solidFill>
+                  <a:srgbClr val="000000"/>
+                </a:solidFill>
+                <a:ea typeface="ＭＳ ゴシック" panose="020B0609070205080204" pitchFamily="49" charset="-128"/>
+              </a:rPr>
+              <a:t>  </a:t>
+            </a:r>
+            <a:r>
+              <a:rPr lang="en-US" altLang="ja-JP" sz="2600" dirty="0">
+                <a:solidFill>
+                  <a:srgbClr val="2B91AF"/>
+                </a:solidFill>
+                <a:ea typeface="ＭＳ ゴシック" panose="020B0609070205080204" pitchFamily="49" charset="-128"/>
+              </a:rPr>
+              <a:t>string</a:t>
+            </a:r>
+            <a:r>
+              <a:rPr lang="en-US" altLang="ja-JP" sz="2600" dirty="0">
+                <a:solidFill>
+                  <a:srgbClr val="000000"/>
+                </a:solidFill>
+                <a:ea typeface="ＭＳ ゴシック" panose="020B0609070205080204" pitchFamily="49" charset="-128"/>
+              </a:rPr>
+              <a:t> text;</a:t>
+            </a:r>
+            <a:br>
+              <a:rPr lang="en-US" altLang="ja-JP" sz="2600" dirty="0">
+                <a:solidFill>
+                  <a:srgbClr val="000000"/>
+                </a:solidFill>
+                <a:ea typeface="ＭＳ ゴシック" panose="020B0609070205080204" pitchFamily="49" charset="-128"/>
+              </a:rPr>
+            </a:br>
+            <a:r>
+              <a:rPr lang="en-US" altLang="ja-JP" sz="2600" dirty="0">
+                <a:solidFill>
+                  <a:srgbClr val="000000"/>
+                </a:solidFill>
+                <a:ea typeface="ＭＳ ゴシック" panose="020B0609070205080204" pitchFamily="49" charset="-128"/>
+              </a:rPr>
+              <a:t>  </a:t>
+            </a:r>
+            <a:r>
+              <a:rPr lang="en-US" altLang="ja-JP" sz="2600" dirty="0" err="1">
+                <a:solidFill>
+                  <a:srgbClr val="000000"/>
+                </a:solidFill>
+                <a:ea typeface="ＭＳ ゴシック" panose="020B0609070205080204" pitchFamily="49" charset="-128"/>
+              </a:rPr>
+              <a:t>getline</a:t>
+            </a:r>
+            <a:r>
+              <a:rPr lang="en-US" altLang="ja-JP" sz="2600" dirty="0">
+                <a:solidFill>
+                  <a:srgbClr val="000000"/>
+                </a:solidFill>
+                <a:ea typeface="ＭＳ ゴシック" panose="020B0609070205080204" pitchFamily="49" charset="-128"/>
+              </a:rPr>
+              <a:t>(ifs, text);         </a:t>
+            </a:r>
+            <a:r>
+              <a:rPr lang="en-US" altLang="ja-JP" sz="2600" dirty="0">
+                <a:solidFill>
+                  <a:srgbClr val="008000"/>
+                </a:solidFill>
+                <a:ea typeface="ＭＳ ゴシック" panose="020B0609070205080204" pitchFamily="49" charset="-128"/>
+              </a:rPr>
+              <a:t>//</a:t>
+            </a:r>
+            <a:r>
+              <a:rPr lang="ja-JP" altLang="en-US" sz="2600" dirty="0">
+                <a:solidFill>
+                  <a:srgbClr val="008000"/>
+                </a:solidFill>
+                <a:ea typeface="ＭＳ ゴシック" panose="020B0609070205080204" pitchFamily="49" charset="-128"/>
+              </a:rPr>
+              <a:t>先頭行を読み飛ばし</a:t>
+            </a:r>
+            <a:br>
+              <a:rPr lang="en-US" altLang="ja-JP" sz="2600" dirty="0">
+                <a:solidFill>
+                  <a:srgbClr val="008000"/>
+                </a:solidFill>
+                <a:ea typeface="ＭＳ ゴシック" panose="020B0609070205080204" pitchFamily="49" charset="-128"/>
+              </a:rPr>
+            </a:br>
+            <a:r>
+              <a:rPr lang="en-US" altLang="ja-JP" sz="2600" dirty="0">
+                <a:solidFill>
+                  <a:srgbClr val="008000"/>
+                </a:solidFill>
+                <a:ea typeface="ＭＳ ゴシック" panose="020B0609070205080204" pitchFamily="49" charset="-128"/>
+              </a:rPr>
+              <a:t>  </a:t>
+            </a:r>
+            <a:r>
               <a:rPr lang="en-US" altLang="ja-JP" sz="2600" dirty="0">
                 <a:solidFill>
                   <a:srgbClr val="0000FF"/>
                 </a:solidFill>
                 <a:ea typeface="ＭＳ ゴシック" panose="020B0609070205080204" pitchFamily="49" charset="-128"/>
               </a:rPr>
-              <a:t>class</a:t>
+              <a:t>while</a:t>
+            </a:r>
+            <a:r>
+              <a:rPr lang="en-US" altLang="ja-JP" sz="2600" dirty="0">
+                <a:solidFill>
+                  <a:srgbClr val="000000"/>
+                </a:solidFill>
+                <a:ea typeface="ＭＳ ゴシック" panose="020B0609070205080204" pitchFamily="49" charset="-128"/>
+              </a:rPr>
+              <a:t> (</a:t>
+            </a:r>
+            <a:r>
+              <a:rPr lang="en-US" altLang="ja-JP" sz="2600" dirty="0" err="1">
+                <a:solidFill>
+                  <a:srgbClr val="000000"/>
+                </a:solidFill>
+                <a:ea typeface="ＭＳ ゴシック" panose="020B0609070205080204" pitchFamily="49" charset="-128"/>
+              </a:rPr>
+              <a:t>getline</a:t>
+            </a:r>
+            <a:r>
+              <a:rPr lang="en-US" altLang="ja-JP" sz="2600" dirty="0">
+                <a:solidFill>
+                  <a:srgbClr val="000000"/>
+                </a:solidFill>
+                <a:ea typeface="ＭＳ ゴシック" panose="020B0609070205080204" pitchFamily="49" charset="-128"/>
+              </a:rPr>
+              <a:t>(ifs, text)) {</a:t>
+            </a:r>
+            <a:r>
+              <a:rPr lang="en-US" altLang="ja-JP" sz="2600" dirty="0">
+                <a:solidFill>
+                  <a:srgbClr val="008000"/>
+                </a:solidFill>
+                <a:ea typeface="ＭＳ ゴシック" panose="020B0609070205080204" pitchFamily="49" charset="-128"/>
+              </a:rPr>
+              <a:t>//</a:t>
+            </a:r>
+            <a:r>
+              <a:rPr lang="ja-JP" altLang="en-US" sz="2600" dirty="0">
+                <a:solidFill>
+                  <a:srgbClr val="008000"/>
+                </a:solidFill>
+                <a:ea typeface="ＭＳ ゴシック" panose="020B0609070205080204" pitchFamily="49" charset="-128"/>
+              </a:rPr>
+              <a:t>一行ずつ読み込む</a:t>
+            </a:r>
+            <a:br>
+              <a:rPr lang="en-US" altLang="ja-JP" sz="2600" dirty="0">
+                <a:solidFill>
+                  <a:srgbClr val="008000"/>
+                </a:solidFill>
+                <a:ea typeface="ＭＳ ゴシック" panose="020B0609070205080204" pitchFamily="49" charset="-128"/>
+              </a:rPr>
+            </a:br>
+            <a:r>
+              <a:rPr lang="en-US" altLang="ja-JP" sz="2600" dirty="0">
+                <a:solidFill>
+                  <a:srgbClr val="008000"/>
+                </a:solidFill>
+                <a:ea typeface="ＭＳ ゴシック" panose="020B0609070205080204" pitchFamily="49" charset="-128"/>
+              </a:rPr>
+              <a:t>    </a:t>
+            </a:r>
+            <a:r>
+              <a:rPr lang="en-US" altLang="ja-JP" sz="2600" dirty="0" err="1">
+                <a:solidFill>
+                  <a:srgbClr val="2B91AF"/>
+                </a:solidFill>
+                <a:ea typeface="ＭＳ ゴシック" panose="020B0609070205080204" pitchFamily="49" charset="-128"/>
+              </a:rPr>
+              <a:t>istringstream</a:t>
             </a:r>
             <a:r>
               <a:rPr lang="en-US" altLang="ja-JP" sz="2600" dirty="0">
@@ -5134,6 +5568,379 @@
               <a:t> </a:t>
             </a:r>
             <a:r>
+              <a:rPr lang="en-US" altLang="ja-JP" sz="2600" dirty="0" err="1">
+                <a:solidFill>
+                  <a:srgbClr val="000000"/>
+                </a:solidFill>
+                <a:ea typeface="ＭＳ ゴシック" panose="020B0609070205080204" pitchFamily="49" charset="-128"/>
+              </a:rPr>
+              <a:t>iss</a:t>
+            </a:r>
+            <a:r>
+              <a:rPr lang="en-US" altLang="ja-JP" sz="2600" dirty="0">
+                <a:solidFill>
+                  <a:srgbClr val="000000"/>
+                </a:solidFill>
+                <a:ea typeface="ＭＳ ゴシック" panose="020B0609070205080204" pitchFamily="49" charset="-128"/>
+              </a:rPr>
+              <a:t>(text);  </a:t>
+            </a:r>
+            <a:r>
+              <a:rPr lang="en-US" altLang="ja-JP" sz="2600" dirty="0">
+                <a:solidFill>
+                  <a:srgbClr val="008000"/>
+                </a:solidFill>
+                <a:ea typeface="ＭＳ ゴシック" panose="020B0609070205080204" pitchFamily="49" charset="-128"/>
+              </a:rPr>
+              <a:t>//</a:t>
+            </a:r>
+            <a:r>
+              <a:rPr lang="ja-JP" altLang="en-US" sz="2600" dirty="0">
+                <a:solidFill>
+                  <a:srgbClr val="008000"/>
+                </a:solidFill>
+                <a:ea typeface="ＭＳ ゴシック" panose="020B0609070205080204" pitchFamily="49" charset="-128"/>
+              </a:rPr>
+              <a:t>文字列ストリームに変換</a:t>
+            </a:r>
+            <a:br>
+              <a:rPr lang="en-US" altLang="ja-JP" sz="2600" dirty="0">
+                <a:solidFill>
+                  <a:srgbClr val="008000"/>
+                </a:solidFill>
+                <a:ea typeface="ＭＳ ゴシック" panose="020B0609070205080204" pitchFamily="49" charset="-128"/>
+              </a:rPr>
+            </a:br>
+            <a:r>
+              <a:rPr lang="en-US" altLang="ja-JP" sz="2600" dirty="0">
+                <a:solidFill>
+                  <a:srgbClr val="008000"/>
+                </a:solidFill>
+                <a:ea typeface="ＭＳ ゴシック" panose="020B0609070205080204" pitchFamily="49" charset="-128"/>
+              </a:rPr>
+              <a:t>    </a:t>
+            </a:r>
+            <a:r>
+              <a:rPr lang="en-US" altLang="ja-JP" sz="2600" dirty="0">
+                <a:solidFill>
+                  <a:srgbClr val="0000FF"/>
+                </a:solidFill>
+                <a:ea typeface="ＭＳ ゴシック" panose="020B0609070205080204" pitchFamily="49" charset="-128"/>
+              </a:rPr>
+              <a:t>while</a:t>
+            </a:r>
+            <a:r>
+              <a:rPr lang="en-US" altLang="ja-JP" sz="2600" dirty="0">
+                <a:solidFill>
+                  <a:srgbClr val="000000"/>
+                </a:solidFill>
+                <a:ea typeface="ＭＳ ゴシック" panose="020B0609070205080204" pitchFamily="49" charset="-128"/>
+              </a:rPr>
+              <a:t>(</a:t>
+            </a:r>
+            <a:r>
+              <a:rPr lang="en-US" altLang="ja-JP" sz="2600" dirty="0" err="1">
+                <a:solidFill>
+                  <a:srgbClr val="000000"/>
+                </a:solidFill>
+                <a:ea typeface="ＭＳ ゴシック" panose="020B0609070205080204" pitchFamily="49" charset="-128"/>
+              </a:rPr>
+              <a:t>getline</a:t>
+            </a:r>
+            <a:r>
+              <a:rPr lang="en-US" altLang="ja-JP" sz="2600" dirty="0">
+                <a:solidFill>
+                  <a:srgbClr val="000000"/>
+                </a:solidFill>
+                <a:ea typeface="ＭＳ ゴシック" panose="020B0609070205080204" pitchFamily="49" charset="-128"/>
+              </a:rPr>
+              <a:t>(</a:t>
+            </a:r>
+            <a:r>
+              <a:rPr lang="en-US" altLang="ja-JP" sz="2600" dirty="0" err="1">
+                <a:solidFill>
+                  <a:srgbClr val="000000"/>
+                </a:solidFill>
+                <a:ea typeface="ＭＳ ゴシック" panose="020B0609070205080204" pitchFamily="49" charset="-128"/>
+              </a:rPr>
+              <a:t>iss</a:t>
+            </a:r>
+            <a:r>
+              <a:rPr lang="en-US" altLang="ja-JP" sz="2600" dirty="0">
+                <a:solidFill>
+                  <a:srgbClr val="000000"/>
+                </a:solidFill>
+                <a:ea typeface="ＭＳ ゴシック" panose="020B0609070205080204" pitchFamily="49" charset="-128"/>
+              </a:rPr>
+              <a:t>, text, </a:t>
+            </a:r>
+            <a:r>
+              <a:rPr lang="en-US" altLang="ja-JP" sz="2600" dirty="0">
+                <a:solidFill>
+                  <a:srgbClr val="A31515"/>
+                </a:solidFill>
+                <a:ea typeface="ＭＳ ゴシック" panose="020B0609070205080204" pitchFamily="49" charset="-128"/>
+              </a:rPr>
+              <a:t>‘,’</a:t>
+            </a:r>
+            <a:r>
+              <a:rPr lang="en-US" altLang="ja-JP" sz="2600" dirty="0">
+                <a:solidFill>
+                  <a:srgbClr val="000000"/>
+                </a:solidFill>
+                <a:ea typeface="ＭＳ ゴシック" panose="020B0609070205080204" pitchFamily="49" charset="-128"/>
+              </a:rPr>
+              <a:t>)) {</a:t>
+            </a:r>
+            <a:r>
+              <a:rPr lang="en-US" altLang="ja-JP" sz="2600" dirty="0">
+                <a:solidFill>
+                  <a:srgbClr val="008000"/>
+                </a:solidFill>
+                <a:ea typeface="ＭＳ ゴシック" panose="020B0609070205080204" pitchFamily="49" charset="-128"/>
+              </a:rPr>
+              <a:t>//</a:t>
+            </a:r>
+            <a:r>
+              <a:rPr lang="ja-JP" altLang="en-US" sz="2600" dirty="0">
+                <a:solidFill>
+                  <a:srgbClr val="008000"/>
+                </a:solidFill>
+                <a:ea typeface="ＭＳ ゴシック" panose="020B0609070205080204" pitchFamily="49" charset="-128"/>
+              </a:rPr>
+              <a:t>「</a:t>
+            </a:r>
+            <a:r>
+              <a:rPr lang="en-US" altLang="ja-JP" sz="2600" dirty="0">
+                <a:solidFill>
+                  <a:srgbClr val="008000"/>
+                </a:solidFill>
+                <a:ea typeface="ＭＳ ゴシック" panose="020B0609070205080204" pitchFamily="49" charset="-128"/>
+              </a:rPr>
+              <a:t>,</a:t>
+            </a:r>
+            <a:r>
+              <a:rPr lang="ja-JP" altLang="en-US" sz="2600" dirty="0">
+                <a:solidFill>
+                  <a:srgbClr val="008000"/>
+                </a:solidFill>
+                <a:ea typeface="ＭＳ ゴシック" panose="020B0609070205080204" pitchFamily="49" charset="-128"/>
+              </a:rPr>
+              <a:t>」で分割</a:t>
+            </a:r>
+            <a:br>
+              <a:rPr lang="en-US" altLang="ja-JP" sz="2600" dirty="0">
+                <a:solidFill>
+                  <a:srgbClr val="008000"/>
+                </a:solidFill>
+                <a:ea typeface="ＭＳ ゴシック" panose="020B0609070205080204" pitchFamily="49" charset="-128"/>
+              </a:rPr>
+            </a:br>
+            <a:r>
+              <a:rPr lang="ja-JP" altLang="en-US" sz="2600" dirty="0">
+                <a:solidFill>
+                  <a:srgbClr val="008000"/>
+                </a:solidFill>
+                <a:ea typeface="ＭＳ ゴシック" panose="020B0609070205080204" pitchFamily="49" charset="-128"/>
+              </a:rPr>
+              <a:t>      </a:t>
+            </a:r>
+            <a:r>
+              <a:rPr lang="en-US" altLang="ja-JP" sz="2600" dirty="0" err="1">
+                <a:solidFill>
+                  <a:srgbClr val="FF00FF"/>
+                </a:solidFill>
+                <a:ea typeface="ＭＳ ゴシック" panose="020B0609070205080204" pitchFamily="49" charset="-128"/>
+              </a:rPr>
+              <a:t>vec</a:t>
+            </a:r>
+            <a:r>
+              <a:rPr lang="en-US" altLang="ja-JP" sz="2600" dirty="0" err="1">
+                <a:solidFill>
+                  <a:srgbClr val="000000"/>
+                </a:solidFill>
+                <a:ea typeface="ＭＳ ゴシック" panose="020B0609070205080204" pitchFamily="49" charset="-128"/>
+              </a:rPr>
+              <a:t>.push_back</a:t>
+            </a:r>
+            <a:r>
+              <a:rPr lang="en-US" altLang="ja-JP" sz="2600" dirty="0">
+                <a:solidFill>
+                  <a:srgbClr val="000000"/>
+                </a:solidFill>
+                <a:ea typeface="ＭＳ ゴシック" panose="020B0609070205080204" pitchFamily="49" charset="-128"/>
+              </a:rPr>
+              <a:t>(text);</a:t>
+            </a:r>
+            <a:r>
+              <a:rPr lang="en-US" altLang="ja-JP" sz="2600" dirty="0">
+                <a:solidFill>
+                  <a:srgbClr val="008000"/>
+                </a:solidFill>
+                <a:ea typeface="ＭＳ ゴシック" panose="020B0609070205080204" pitchFamily="49" charset="-128"/>
+              </a:rPr>
+              <a:t>    //</a:t>
+            </a:r>
+            <a:r>
+              <a:rPr lang="ja-JP" altLang="en-US" sz="2600" dirty="0">
+                <a:solidFill>
+                  <a:srgbClr val="008000"/>
+                </a:solidFill>
+                <a:ea typeface="ＭＳ ゴシック" panose="020B0609070205080204" pitchFamily="49" charset="-128"/>
+              </a:rPr>
+              <a:t>分割した項目を</a:t>
+            </a:r>
+            <a:r>
+              <a:rPr lang="en-US" altLang="ja-JP" sz="2600" dirty="0" err="1">
+                <a:solidFill>
+                  <a:srgbClr val="008000"/>
+                </a:solidFill>
+                <a:ea typeface="ＭＳ ゴシック" panose="020B0609070205080204" pitchFamily="49" charset="-128"/>
+              </a:rPr>
+              <a:t>vec</a:t>
+            </a:r>
+            <a:r>
+              <a:rPr lang="ja-JP" altLang="en-US" sz="2600" dirty="0">
+                <a:solidFill>
+                  <a:srgbClr val="008000"/>
+                </a:solidFill>
+                <a:ea typeface="ＭＳ ゴシック" panose="020B0609070205080204" pitchFamily="49" charset="-128"/>
+              </a:rPr>
+              <a:t>に格納</a:t>
+            </a:r>
+            <a:br>
+              <a:rPr lang="en-US" altLang="ja-JP" sz="2600" dirty="0">
+                <a:solidFill>
+                  <a:srgbClr val="000000"/>
+                </a:solidFill>
+                <a:ea typeface="ＭＳ ゴシック" panose="020B0609070205080204" pitchFamily="49" charset="-128"/>
+              </a:rPr>
+            </a:br>
+            <a:r>
+              <a:rPr lang="en-US" altLang="ja-JP" sz="2600" dirty="0">
+                <a:solidFill>
+                  <a:srgbClr val="000000"/>
+                </a:solidFill>
+                <a:ea typeface="ＭＳ ゴシック" panose="020B0609070205080204" pitchFamily="49" charset="-128"/>
+              </a:rPr>
+              <a:t>    }</a:t>
+            </a:r>
+            <a:br>
+              <a:rPr lang="en-US" altLang="ja-JP" sz="2600" dirty="0">
+                <a:solidFill>
+                  <a:srgbClr val="000000"/>
+                </a:solidFill>
+                <a:ea typeface="ＭＳ ゴシック" panose="020B0609070205080204" pitchFamily="49" charset="-128"/>
+              </a:rPr>
+            </a:br>
+            <a:r>
+              <a:rPr lang="en-US" altLang="ja-JP" sz="2600" dirty="0">
+                <a:solidFill>
+                  <a:srgbClr val="000000"/>
+                </a:solidFill>
+                <a:ea typeface="ＭＳ ゴシック" panose="020B0609070205080204" pitchFamily="49" charset="-128"/>
+              </a:rPr>
+              <a:t>    </a:t>
+            </a:r>
+            <a:r>
+              <a:rPr lang="en-US" altLang="ja-JP" sz="2800" dirty="0">
+                <a:solidFill>
+                  <a:srgbClr val="008000"/>
+                </a:solidFill>
+                <a:ea typeface="ＭＳ ゴシック" panose="020B0609070205080204" pitchFamily="49" charset="-128"/>
+              </a:rPr>
+              <a:t>//Weapon</a:t>
+            </a:r>
+            <a:r>
+              <a:rPr lang="ja-JP" altLang="en-US" sz="2800" dirty="0">
+                <a:solidFill>
+                  <a:srgbClr val="008000"/>
+                </a:solidFill>
+                <a:ea typeface="ＭＳ ゴシック" panose="020B0609070205080204" pitchFamily="49" charset="-128"/>
+              </a:rPr>
+              <a:t>クラスのインスタンス生成（引数は</a:t>
+            </a:r>
+            <a:r>
+              <a:rPr lang="en-US" altLang="ja-JP" sz="2800" dirty="0" err="1">
+                <a:solidFill>
+                  <a:srgbClr val="008000"/>
+                </a:solidFill>
+                <a:ea typeface="ＭＳ ゴシック" panose="020B0609070205080204" pitchFamily="49" charset="-128"/>
+              </a:rPr>
+              <a:t>vec</a:t>
+            </a:r>
+            <a:r>
+              <a:rPr lang="ja-JP" altLang="en-US" sz="2800" dirty="0">
+                <a:solidFill>
+                  <a:srgbClr val="008000"/>
+                </a:solidFill>
+                <a:ea typeface="ＭＳ ゴシック" panose="020B0609070205080204" pitchFamily="49" charset="-128"/>
+              </a:rPr>
+              <a:t>の各要素）</a:t>
+            </a:r>
+            <a:br>
+              <a:rPr lang="en-US" altLang="ja-JP" sz="2600" dirty="0">
+                <a:solidFill>
+                  <a:srgbClr val="000000"/>
+                </a:solidFill>
+                <a:ea typeface="ＭＳ ゴシック" panose="020B0609070205080204" pitchFamily="49" charset="-128"/>
+              </a:rPr>
+            </a:br>
+            <a:r>
+              <a:rPr lang="en-US" altLang="ja-JP" sz="2600" dirty="0">
+                <a:solidFill>
+                  <a:srgbClr val="000000"/>
+                </a:solidFill>
+                <a:ea typeface="ＭＳ ゴシック" panose="020B0609070205080204" pitchFamily="49" charset="-128"/>
+              </a:rPr>
+              <a:t>    </a:t>
+            </a:r>
+            <a:r>
+              <a:rPr lang="en-US" altLang="ja-JP" sz="2600" dirty="0" err="1">
+                <a:solidFill>
+                  <a:srgbClr val="FF0000"/>
+                </a:solidFill>
+                <a:ea typeface="ＭＳ ゴシック" panose="020B0609070205080204" pitchFamily="49" charset="-128"/>
+              </a:rPr>
+              <a:t>vWpn</a:t>
+            </a:r>
+            <a:r>
+              <a:rPr lang="en-US" altLang="ja-JP" sz="2600" dirty="0" err="1">
+                <a:solidFill>
+                  <a:srgbClr val="000000"/>
+                </a:solidFill>
+                <a:ea typeface="ＭＳ ゴシック" panose="020B0609070205080204" pitchFamily="49" charset="-128"/>
+              </a:rPr>
+              <a:t>.push_back</a:t>
+            </a:r>
+            <a:r>
+              <a:rPr lang="en-US" altLang="ja-JP" sz="2600" dirty="0">
+                <a:solidFill>
+                  <a:srgbClr val="000000"/>
+                </a:solidFill>
+                <a:ea typeface="ＭＳ ゴシック" panose="020B0609070205080204" pitchFamily="49" charset="-128"/>
+              </a:rPr>
+              <a:t>(</a:t>
+            </a:r>
+            <a:r>
+              <a:rPr lang="en-US" altLang="ja-JP" sz="2600" dirty="0">
+                <a:solidFill>
+                  <a:srgbClr val="0000FF"/>
+                </a:solidFill>
+                <a:ea typeface="ＭＳ ゴシック" panose="020B0609070205080204" pitchFamily="49" charset="-128"/>
+              </a:rPr>
+              <a:t>new</a:t>
+            </a:r>
+            <a:r>
+              <a:rPr lang="en-US" altLang="ja-JP" sz="2600" dirty="0">
+                <a:solidFill>
+                  <a:srgbClr val="000000"/>
+                </a:solidFill>
+                <a:ea typeface="ＭＳ ゴシック" panose="020B0609070205080204" pitchFamily="49" charset="-128"/>
+              </a:rPr>
+              <a:t> </a:t>
+            </a:r>
+            <a:r>
               <a:rPr lang="en-US" altLang="ja-JP" sz="2600" dirty="0">
                 <a:solidFill>
                   <a:srgbClr val="2B91AF"/>
@@ -5149,7 +5956,115 @@
                 </a:solidFill>
                 <a:ea typeface="ＭＳ ゴシック" panose="020B0609070205080204" pitchFamily="49" charset="-128"/>
               </a:rPr>
-              <a:t> {</a:t>
+              <a:t>(</a:t>
+            </a:r>
+            <a:r>
+              <a:rPr lang="en-US" altLang="ja-JP" sz="2600" dirty="0" err="1">
+                <a:solidFill>
+                  <a:srgbClr val="FF00FF"/>
+                </a:solidFill>
+                <a:ea typeface="ＭＳ ゴシック" panose="020B0609070205080204" pitchFamily="49" charset="-128"/>
+              </a:rPr>
+              <a:t>vec</a:t>
+            </a:r>
+            <a:r>
+              <a:rPr lang="en-US" altLang="ja-JP" sz="2600" dirty="0">
+                <a:solidFill>
+                  <a:srgbClr val="008080"/>
+                </a:solidFill>
+                <a:ea typeface="ＭＳ ゴシック" panose="020B0609070205080204" pitchFamily="49" charset="-128"/>
+              </a:rPr>
+              <a:t>[</a:t>
+            </a:r>
+            <a:r>
+              <a:rPr lang="en-US" altLang="ja-JP" sz="2600" dirty="0">
+                <a:solidFill>
+                  <a:srgbClr val="000000"/>
+                </a:solidFill>
+                <a:ea typeface="ＭＳ ゴシック" panose="020B0609070205080204" pitchFamily="49" charset="-128"/>
+              </a:rPr>
+              <a:t>0</a:t>
+            </a:r>
+            <a:r>
+              <a:rPr lang="en-US" altLang="ja-JP" sz="2600" dirty="0">
+                <a:solidFill>
+                  <a:srgbClr val="008080"/>
+                </a:solidFill>
+                <a:ea typeface="ＭＳ ゴシック" panose="020B0609070205080204" pitchFamily="49" charset="-128"/>
+              </a:rPr>
+              <a:t>]</a:t>
+            </a:r>
+            <a:r>
+              <a:rPr lang="en-US" altLang="ja-JP" sz="2600" dirty="0">
+                <a:solidFill>
+                  <a:srgbClr val="000000"/>
+                </a:solidFill>
+                <a:ea typeface="ＭＳ ゴシック" panose="020B0609070205080204" pitchFamily="49" charset="-128"/>
+              </a:rPr>
+              <a:t>, </a:t>
+            </a:r>
+            <a:r>
+              <a:rPr lang="en-US" altLang="ja-JP" sz="2600" dirty="0" err="1">
+                <a:solidFill>
+                  <a:srgbClr val="000000"/>
+                </a:solidFill>
+                <a:ea typeface="ＭＳ ゴシック" panose="020B0609070205080204" pitchFamily="49" charset="-128"/>
+              </a:rPr>
+              <a:t>stoi</a:t>
+            </a:r>
+            <a:r>
+              <a:rPr lang="en-US" altLang="ja-JP" sz="2600" dirty="0">
+                <a:solidFill>
+                  <a:srgbClr val="000000"/>
+                </a:solidFill>
+                <a:ea typeface="ＭＳ ゴシック" panose="020B0609070205080204" pitchFamily="49" charset="-128"/>
+              </a:rPr>
+              <a:t>(</a:t>
+            </a:r>
+            <a:r>
+              <a:rPr lang="en-US" altLang="ja-JP" sz="2600" dirty="0" err="1">
+                <a:solidFill>
+                  <a:srgbClr val="FF00FF"/>
+                </a:solidFill>
+                <a:ea typeface="ＭＳ ゴシック" panose="020B0609070205080204" pitchFamily="49" charset="-128"/>
+              </a:rPr>
+              <a:t>vec</a:t>
+            </a:r>
+            <a:r>
+              <a:rPr lang="en-US" altLang="ja-JP" sz="2600" dirty="0">
+                <a:solidFill>
+                  <a:srgbClr val="008080"/>
+                </a:solidFill>
+                <a:ea typeface="ＭＳ ゴシック" panose="020B0609070205080204" pitchFamily="49" charset="-128"/>
+              </a:rPr>
+              <a:t>[</a:t>
+            </a:r>
+            <a:r>
+              <a:rPr lang="en-US" altLang="ja-JP" sz="2600" dirty="0">
+                <a:solidFill>
+                  <a:srgbClr val="000000"/>
+                </a:solidFill>
+                <a:ea typeface="ＭＳ ゴシック" panose="020B0609070205080204" pitchFamily="49" charset="-128"/>
+              </a:rPr>
+              <a:t>1</a:t>
+            </a:r>
+            <a:r>
+              <a:rPr lang="en-US" altLang="ja-JP" sz="2600" dirty="0">
+                <a:solidFill>
+                  <a:srgbClr val="008080"/>
+                </a:solidFill>
+                <a:ea typeface="ＭＳ ゴシック" panose="020B0609070205080204" pitchFamily="49" charset="-128"/>
+              </a:rPr>
+              <a:t>]</a:t>
+            </a:r>
+            <a:r>
+              <a:rPr lang="en-US" altLang="ja-JP" sz="2600" dirty="0">
+                <a:solidFill>
+                  <a:srgbClr val="000000"/>
+                </a:solidFill>
+                <a:ea typeface="ＭＳ ゴシック" panose="020B0609070205080204" pitchFamily="49" charset="-128"/>
+              </a:rPr>
+              <a:t>)</a:t>
             </a:r>
             <a:br>
               <a:rPr lang="en-US" altLang="ja-JP" sz="2600" dirty="0">
@@ -5162,20 +6077,137 @@
             <a:r>
               <a:rPr lang="en-US" altLang="ja-JP" sz="2600" dirty="0">
                 <a:solidFill>
-                  <a:srgbClr val="0000FF"/>
-                </a:solidFill>
-                <a:ea typeface="ＭＳ ゴシック" panose="020B0609070205080204" pitchFamily="49" charset="-128"/>
-              </a:rPr>
-              <a:t>private</a:t>
-            </a:r>
-            <a:r>
-              <a:rPr lang="en-US" altLang="ja-JP" sz="2600" dirty="0">
-                <a:solidFill>
-                  <a:srgbClr val="000000"/>
-                </a:solidFill>
-                <a:ea typeface="ＭＳ ゴシック" panose="020B0609070205080204" pitchFamily="49" charset="-128"/>
-              </a:rPr>
-              <a:t>:</a:t>
+                  <a:srgbClr val="000000"/>
+                </a:solidFill>
+                <a:ea typeface="ＭＳ ゴシック" panose="020B0609070205080204" pitchFamily="49" charset="-128"/>
+              </a:rPr>
+              <a:t>                 , </a:t>
+            </a:r>
+            <a:r>
+              <a:rPr lang="en-US" altLang="ja-JP" sz="2600" dirty="0" err="1">
+                <a:solidFill>
+                  <a:srgbClr val="000000"/>
+                </a:solidFill>
+                <a:ea typeface="ＭＳ ゴシック" panose="020B0609070205080204" pitchFamily="49" charset="-128"/>
+              </a:rPr>
+              <a:t>stoi</a:t>
+            </a:r>
+            <a:r>
+              <a:rPr lang="en-US" altLang="ja-JP" sz="2600" dirty="0">
+                <a:solidFill>
+                  <a:srgbClr val="000000"/>
+                </a:solidFill>
+                <a:ea typeface="ＭＳ ゴシック" panose="020B0609070205080204" pitchFamily="49" charset="-128"/>
+              </a:rPr>
+              <a:t>(</a:t>
+            </a:r>
+            <a:r>
+              <a:rPr lang="en-US" altLang="ja-JP" sz="2600" dirty="0" err="1">
+                <a:solidFill>
+                  <a:srgbClr val="FF00FF"/>
+                </a:solidFill>
+                <a:ea typeface="ＭＳ ゴシック" panose="020B0609070205080204" pitchFamily="49" charset="-128"/>
+              </a:rPr>
+              <a:t>vec</a:t>
+            </a:r>
+            <a:r>
+              <a:rPr lang="en-US" altLang="ja-JP" sz="2600" dirty="0">
+                <a:solidFill>
+                  <a:srgbClr val="008080"/>
+                </a:solidFill>
+                <a:ea typeface="ＭＳ ゴシック" panose="020B0609070205080204" pitchFamily="49" charset="-128"/>
+              </a:rPr>
+              <a:t>[</a:t>
+            </a:r>
+            <a:r>
+              <a:rPr lang="en-US" altLang="ja-JP" sz="2600" dirty="0">
+                <a:solidFill>
+                  <a:srgbClr val="000000"/>
+                </a:solidFill>
+                <a:ea typeface="ＭＳ ゴシック" panose="020B0609070205080204" pitchFamily="49" charset="-128"/>
+              </a:rPr>
+              <a:t>2</a:t>
+            </a:r>
+            <a:r>
+              <a:rPr lang="en-US" altLang="ja-JP" sz="2600" dirty="0">
+                <a:solidFill>
+                  <a:srgbClr val="008080"/>
+                </a:solidFill>
+                <a:ea typeface="ＭＳ ゴシック" panose="020B0609070205080204" pitchFamily="49" charset="-128"/>
+              </a:rPr>
+              <a:t>]</a:t>
+            </a:r>
+            <a:r>
+              <a:rPr lang="en-US" altLang="ja-JP" sz="2600" dirty="0">
+                <a:solidFill>
+                  <a:srgbClr val="000000"/>
+                </a:solidFill>
+                <a:ea typeface="ＭＳ ゴシック" panose="020B0609070205080204" pitchFamily="49" charset="-128"/>
+              </a:rPr>
+              <a:t>), </a:t>
+            </a:r>
+            <a:r>
+              <a:rPr lang="en-US" altLang="ja-JP" sz="2600" dirty="0" err="1">
+                <a:solidFill>
+                  <a:srgbClr val="000000"/>
+                </a:solidFill>
+                <a:ea typeface="ＭＳ ゴシック" panose="020B0609070205080204" pitchFamily="49" charset="-128"/>
+              </a:rPr>
+              <a:t>stoi</a:t>
+            </a:r>
+            <a:r>
+              <a:rPr lang="en-US" altLang="ja-JP" sz="2600" dirty="0">
+                <a:solidFill>
+                  <a:srgbClr val="000000"/>
+                </a:solidFill>
+                <a:ea typeface="ＭＳ ゴシック" panose="020B0609070205080204" pitchFamily="49" charset="-128"/>
+              </a:rPr>
+              <a:t>(</a:t>
+            </a:r>
+            <a:r>
+              <a:rPr lang="en-US" altLang="ja-JP" sz="2600" dirty="0" err="1">
+                <a:solidFill>
+                  <a:srgbClr val="FF00FF"/>
+                </a:solidFill>
+                <a:ea typeface="ＭＳ ゴシック" panose="020B0609070205080204" pitchFamily="49" charset="-128"/>
+              </a:rPr>
+              <a:t>vec</a:t>
+            </a:r>
+            <a:r>
+              <a:rPr lang="en-US" altLang="ja-JP" sz="2600" dirty="0">
+                <a:solidFill>
+                  <a:srgbClr val="008080"/>
+                </a:solidFill>
+                <a:ea typeface="ＭＳ ゴシック" panose="020B0609070205080204" pitchFamily="49" charset="-128"/>
+              </a:rPr>
+              <a:t>[</a:t>
+            </a:r>
+            <a:r>
+              <a:rPr lang="en-US" altLang="ja-JP" sz="2600" dirty="0">
+                <a:solidFill>
+                  <a:srgbClr val="000000"/>
+                </a:solidFill>
+                <a:ea typeface="ＭＳ ゴシック" panose="020B0609070205080204" pitchFamily="49" charset="-128"/>
+              </a:rPr>
+              <a:t>3</a:t>
+            </a:r>
+            <a:r>
+              <a:rPr lang="en-US" altLang="ja-JP" sz="2600" dirty="0">
+                <a:solidFill>
+                  <a:srgbClr val="008080"/>
+                </a:solidFill>
+                <a:ea typeface="ＭＳ ゴシック" panose="020B0609070205080204" pitchFamily="49" charset="-128"/>
+              </a:rPr>
+              <a:t>]</a:t>
+            </a:r>
+            <a:r>
+              <a:rPr lang="en-US" altLang="ja-JP" sz="2600" dirty="0">
+                <a:solidFill>
+                  <a:srgbClr val="000000"/>
+                </a:solidFill>
+                <a:ea typeface="ＭＳ ゴシック" panose="020B0609070205080204" pitchFamily="49" charset="-128"/>
+              </a:rPr>
+              <a:t>)));</a:t>
             </a:r>
             <a:br>
               <a:rPr lang="en-US" altLang="ja-JP" sz="2600" dirty="0">
@@ -5192,994 +6224,122 @@
                 </a:solidFill>
                 <a:ea typeface="ＭＳ ゴシック" panose="020B0609070205080204" pitchFamily="49" charset="-128"/>
               </a:rPr>
+              <a:t>    </a:t>
+            </a:r>
+            <a:r>
+              <a:rPr lang="en-US" altLang="ja-JP" sz="2600" dirty="0" err="1">
+                <a:solidFill>
+                  <a:srgbClr val="FF00FF"/>
+                </a:solidFill>
+                <a:ea typeface="ＭＳ ゴシック" panose="020B0609070205080204" pitchFamily="49" charset="-128"/>
+              </a:rPr>
+              <a:t>vec</a:t>
+            </a:r>
+            <a:r>
+              <a:rPr lang="en-US" altLang="ja-JP" sz="2600" dirty="0" err="1">
+                <a:solidFill>
+                  <a:srgbClr val="000000"/>
+                </a:solidFill>
+                <a:ea typeface="ＭＳ ゴシック" panose="020B0609070205080204" pitchFamily="49" charset="-128"/>
+              </a:rPr>
+              <a:t>.clear</a:t>
+            </a:r>
+            <a:r>
+              <a:rPr lang="en-US" altLang="ja-JP" sz="2600" dirty="0">
+                <a:solidFill>
+                  <a:srgbClr val="000000"/>
+                </a:solidFill>
+                <a:ea typeface="ＭＳ ゴシック" panose="020B0609070205080204" pitchFamily="49" charset="-128"/>
+              </a:rPr>
+              <a:t>();</a:t>
+            </a:r>
+            <a:r>
+              <a:rPr lang="en-US" altLang="ja-JP" sz="2600" dirty="0">
+                <a:solidFill>
+                  <a:srgbClr val="008000"/>
+                </a:solidFill>
+                <a:ea typeface="ＭＳ ゴシック" panose="020B0609070205080204" pitchFamily="49" charset="-128"/>
+              </a:rPr>
+              <a:t> //</a:t>
+            </a:r>
+            <a:r>
+              <a:rPr lang="ja-JP" altLang="en-US" sz="2600" dirty="0">
+                <a:solidFill>
+                  <a:srgbClr val="008000"/>
+                </a:solidFill>
+                <a:ea typeface="ＭＳ ゴシック" panose="020B0609070205080204" pitchFamily="49" charset="-128"/>
+              </a:rPr>
+              <a:t>一行読み終わったら</a:t>
+            </a:r>
+            <a:r>
+              <a:rPr lang="en-US" altLang="ja-JP" sz="2600" dirty="0" err="1">
+                <a:solidFill>
+                  <a:srgbClr val="008000"/>
+                </a:solidFill>
+                <a:ea typeface="ＭＳ ゴシック" panose="020B0609070205080204" pitchFamily="49" charset="-128"/>
+              </a:rPr>
+              <a:t>vec</a:t>
+            </a:r>
+            <a:r>
+              <a:rPr lang="ja-JP" altLang="en-US" sz="2600" dirty="0">
+                <a:solidFill>
+                  <a:srgbClr val="008000"/>
+                </a:solidFill>
+                <a:ea typeface="ＭＳ ゴシック" panose="020B0609070205080204" pitchFamily="49" charset="-128"/>
+              </a:rPr>
+              <a:t>の全要素を削除</a:t>
+            </a:r>
+            <a:br>
+              <a:rPr lang="en-US" altLang="ja-JP" sz="2600" dirty="0">
+                <a:solidFill>
+                  <a:srgbClr val="000000"/>
+                </a:solidFill>
+                <a:ea typeface="ＭＳ ゴシック" panose="020B0609070205080204" pitchFamily="49" charset="-128"/>
+              </a:rPr>
+            </a:br>
+            <a:r>
+              <a:rPr lang="en-US" altLang="ja-JP" sz="2600" dirty="0">
+                <a:solidFill>
+                  <a:srgbClr val="000000"/>
+                </a:solidFill>
+                <a:ea typeface="ＭＳ ゴシック" panose="020B0609070205080204" pitchFamily="49" charset="-128"/>
+              </a:rPr>
+              <a:t>  }</a:t>
+            </a:r>
+            <a:br>
+              <a:rPr lang="en-US" altLang="ja-JP" sz="2600" dirty="0">
+                <a:solidFill>
+                  <a:srgbClr val="000000"/>
+                </a:solidFill>
+                <a:ea typeface="ＭＳ ゴシック" panose="020B0609070205080204" pitchFamily="49" charset="-128"/>
+              </a:rPr>
+            </a:br>
+            <a:r>
+              <a:rPr lang="en-US" altLang="ja-JP" sz="2600" dirty="0">
+                <a:solidFill>
+                  <a:srgbClr val="000000"/>
+                </a:solidFill>
+                <a:ea typeface="ＭＳ ゴシック" panose="020B0609070205080204" pitchFamily="49" charset="-128"/>
+              </a:rPr>
               <a:t>  </a:t>
             </a:r>
             <a:r>
-              <a:rPr lang="en-US" altLang="ja-JP" sz="2600" dirty="0">
-                <a:solidFill>
-                  <a:srgbClr val="2B91AF"/>
-                </a:solidFill>
-                <a:ea typeface="ＭＳ ゴシック" panose="020B0609070205080204" pitchFamily="49" charset="-128"/>
-              </a:rPr>
-              <a:t>string</a:t>
-            </a:r>
-            <a:r>
-              <a:rPr lang="en-US" altLang="ja-JP" sz="2600" dirty="0">
-                <a:solidFill>
-                  <a:srgbClr val="000000"/>
-                </a:solidFill>
-                <a:ea typeface="ＭＳ ゴシック" panose="020B0609070205080204" pitchFamily="49" charset="-128"/>
-              </a:rPr>
-              <a:t> </a:t>
-            </a:r>
-            <a:r>
               <a:rPr lang="en-US" altLang="ja-JP" sz="2600" dirty="0" err="1">
                 <a:solidFill>
                   <a:srgbClr val="000000"/>
                 </a:solidFill>
                 <a:ea typeface="ＭＳ ゴシック" panose="020B0609070205080204" pitchFamily="49" charset="-128"/>
               </a:rPr>
-              <a:t>m_name</a:t>
-            </a:r>
-            <a:r>
-              <a:rPr lang="en-US" altLang="ja-JP" sz="2600" dirty="0">
-                <a:solidFill>
-                  <a:srgbClr val="000000"/>
-                </a:solidFill>
-                <a:ea typeface="ＭＳ ゴシック" panose="020B0609070205080204" pitchFamily="49" charset="-128"/>
-              </a:rPr>
-              <a:t>;</a:t>
-            </a:r>
-            <a:br>
-              <a:rPr lang="en-US" altLang="ja-JP" sz="2600" dirty="0">
-                <a:solidFill>
-                  <a:srgbClr val="000000"/>
-                </a:solidFill>
-                <a:ea typeface="ＭＳ ゴシック" panose="020B0609070205080204" pitchFamily="49" charset="-128"/>
-              </a:rPr>
-            </a:br>
-            <a:r>
-              <a:rPr lang="en-US" altLang="ja-JP" sz="2600" dirty="0">
-                <a:solidFill>
-                  <a:srgbClr val="000000"/>
-                </a:solidFill>
-                <a:ea typeface="ＭＳ ゴシック" panose="020B0609070205080204" pitchFamily="49" charset="-128"/>
-              </a:rPr>
-              <a:t>  </a:t>
-            </a:r>
-            <a:r>
-              <a:rPr lang="en-US" altLang="ja-JP" sz="2600" dirty="0">
-                <a:solidFill>
-                  <a:srgbClr val="0000FF"/>
-                </a:solidFill>
-                <a:ea typeface="ＭＳ ゴシック" panose="020B0609070205080204" pitchFamily="49" charset="-128"/>
-              </a:rPr>
-              <a:t>int</a:t>
-            </a:r>
-            <a:r>
-              <a:rPr lang="en-US" altLang="ja-JP" sz="2600" dirty="0">
-                <a:solidFill>
-                  <a:srgbClr val="000000"/>
-                </a:solidFill>
-                <a:ea typeface="ＭＳ ゴシック" panose="020B0609070205080204" pitchFamily="49" charset="-128"/>
-              </a:rPr>
-              <a:t> </a:t>
-            </a:r>
-            <a:r>
-              <a:rPr lang="en-US" altLang="ja-JP" sz="2600" dirty="0" err="1">
-                <a:solidFill>
-                  <a:srgbClr val="000000"/>
-                </a:solidFill>
-                <a:ea typeface="ＭＳ ゴシック" panose="020B0609070205080204" pitchFamily="49" charset="-128"/>
-              </a:rPr>
-              <a:t>m_atk</a:t>
-            </a:r>
-            <a:r>
-              <a:rPr lang="en-US" altLang="ja-JP" sz="2600" dirty="0">
-                <a:solidFill>
-                  <a:srgbClr val="000000"/>
-                </a:solidFill>
-                <a:ea typeface="ＭＳ ゴシック" panose="020B0609070205080204" pitchFamily="49" charset="-128"/>
-              </a:rPr>
-              <a:t>, </a:t>
-            </a:r>
-            <a:r>
-              <a:rPr lang="en-US" altLang="ja-JP" sz="2600" dirty="0" err="1">
-                <a:solidFill>
-                  <a:srgbClr val="000000"/>
-                </a:solidFill>
-                <a:ea typeface="ＭＳ ゴシック" panose="020B0609070205080204" pitchFamily="49" charset="-128"/>
-              </a:rPr>
-              <a:t>m_price</a:t>
-            </a:r>
-            <a:r>
-              <a:rPr lang="en-US" altLang="ja-JP" sz="2600" dirty="0">
-                <a:solidFill>
-                  <a:srgbClr val="000000"/>
-                </a:solidFill>
-                <a:ea typeface="ＭＳ ゴシック" panose="020B0609070205080204" pitchFamily="49" charset="-128"/>
-              </a:rPr>
-              <a:t>, </a:t>
-            </a:r>
-            <a:r>
-              <a:rPr lang="en-US" altLang="ja-JP" sz="2600" dirty="0" err="1">
-                <a:solidFill>
-                  <a:srgbClr val="000000"/>
-                </a:solidFill>
-                <a:ea typeface="ＭＳ ゴシック" panose="020B0609070205080204" pitchFamily="49" charset="-128"/>
-              </a:rPr>
-              <a:t>m_weight</a:t>
-            </a:r>
-            <a:r>
-              <a:rPr lang="en-US" altLang="ja-JP" sz="2600" dirty="0">
-                <a:solidFill>
-                  <a:srgbClr val="000000"/>
-                </a:solidFill>
-                <a:ea typeface="ＭＳ ゴシック" panose="020B0609070205080204" pitchFamily="49" charset="-128"/>
-              </a:rPr>
-              <a:t>;</a:t>
-            </a:r>
-            <a:br>
-              <a:rPr lang="en-US" altLang="ja-JP" sz="2600" dirty="0">
-                <a:solidFill>
-                  <a:srgbClr val="000000"/>
-                </a:solidFill>
-                <a:ea typeface="ＭＳ ゴシック" panose="020B0609070205080204" pitchFamily="49" charset="-128"/>
-              </a:rPr>
-            </a:br>
-            <a:r>
-              <a:rPr lang="en-US" altLang="ja-JP" sz="2600" dirty="0">
-                <a:solidFill>
-                  <a:srgbClr val="0000FF"/>
-                </a:solidFill>
-                <a:ea typeface="ＭＳ ゴシック" panose="020B0609070205080204" pitchFamily="49" charset="-128"/>
-              </a:rPr>
-              <a:t>public</a:t>
-            </a:r>
-            <a:r>
-              <a:rPr lang="en-US" altLang="ja-JP" sz="2600" dirty="0">
-                <a:solidFill>
-                  <a:srgbClr val="000000"/>
-                </a:solidFill>
-                <a:ea typeface="ＭＳ ゴシック" panose="020B0609070205080204" pitchFamily="49" charset="-128"/>
-              </a:rPr>
-              <a:t>:</a:t>
-            </a:r>
-            <a:br>
-              <a:rPr lang="en-US" altLang="ja-JP" sz="2600" dirty="0">
-                <a:solidFill>
-                  <a:srgbClr val="000000"/>
-                </a:solidFill>
-                <a:ea typeface="ＭＳ ゴシック" panose="020B0609070205080204" pitchFamily="49" charset="-128"/>
-              </a:rPr>
-            </a:br>
-            <a:r>
-              <a:rPr lang="en-US" altLang="ja-JP" sz="2600" dirty="0">
-                <a:solidFill>
-                  <a:srgbClr val="000000"/>
-                </a:solidFill>
-                <a:ea typeface="ＭＳ ゴシック" panose="020B0609070205080204" pitchFamily="49" charset="-128"/>
-              </a:rPr>
-              <a:t>  Weapon() : </a:t>
-            </a:r>
-            <a:r>
-              <a:rPr lang="en-US" altLang="ja-JP" sz="2600" dirty="0" err="1">
-                <a:solidFill>
-                  <a:srgbClr val="000000"/>
-                </a:solidFill>
-                <a:ea typeface="ＭＳ ゴシック" panose="020B0609070205080204" pitchFamily="49" charset="-128"/>
-              </a:rPr>
-              <a:t>m_name</a:t>
-            </a:r>
-            <a:r>
-              <a:rPr lang="en-US" altLang="ja-JP" sz="2600" dirty="0">
-                <a:solidFill>
-                  <a:srgbClr val="000000"/>
-                </a:solidFill>
-                <a:ea typeface="ＭＳ ゴシック" panose="020B0609070205080204" pitchFamily="49" charset="-128"/>
-              </a:rPr>
-              <a:t>(</a:t>
-            </a:r>
-            <a:r>
-              <a:rPr lang="en-US" altLang="ja-JP" sz="2600" dirty="0">
-                <a:solidFill>
-                  <a:srgbClr val="A31515"/>
-                </a:solidFill>
-                <a:ea typeface="ＭＳ ゴシック" panose="020B0609070205080204" pitchFamily="49" charset="-128"/>
-              </a:rPr>
-              <a:t>""</a:t>
-            </a:r>
-            <a:r>
-              <a:rPr lang="en-US" altLang="ja-JP" sz="2600" dirty="0">
-                <a:solidFill>
-                  <a:srgbClr val="000000"/>
-                </a:solidFill>
-                <a:ea typeface="ＭＳ ゴシック" panose="020B0609070205080204" pitchFamily="49" charset="-128"/>
-              </a:rPr>
-              <a:t>), </a:t>
-            </a:r>
-            <a:r>
-              <a:rPr lang="en-US" altLang="ja-JP" sz="2600" dirty="0" err="1">
-                <a:solidFill>
-                  <a:srgbClr val="000000"/>
-                </a:solidFill>
-                <a:ea typeface="ＭＳ ゴシック" panose="020B0609070205080204" pitchFamily="49" charset="-128"/>
-              </a:rPr>
-              <a:t>m_atk</a:t>
-            </a:r>
-            <a:r>
-              <a:rPr lang="en-US" altLang="ja-JP" sz="2600" dirty="0">
-                <a:solidFill>
-                  <a:srgbClr val="000000"/>
-                </a:solidFill>
-                <a:ea typeface="ＭＳ ゴシック" panose="020B0609070205080204" pitchFamily="49" charset="-128"/>
-              </a:rPr>
-              <a:t>(0)</a:t>
-            </a:r>
-            <a:br>
-              <a:rPr lang="en-US" altLang="ja-JP" sz="2600" dirty="0">
-                <a:solidFill>
-                  <a:srgbClr val="000000"/>
-                </a:solidFill>
-                <a:ea typeface="ＭＳ ゴシック" panose="020B0609070205080204" pitchFamily="49" charset="-128"/>
-              </a:rPr>
-            </a:br>
-            <a:r>
-              <a:rPr lang="en-US" altLang="ja-JP" sz="2600" dirty="0">
-                <a:solidFill>
-                  <a:srgbClr val="000000"/>
-                </a:solidFill>
-                <a:ea typeface="ＭＳ ゴシック" panose="020B0609070205080204" pitchFamily="49" charset="-128"/>
-              </a:rPr>
-              <a:t>           , </a:t>
-            </a:r>
-            <a:r>
-              <a:rPr lang="en-US" altLang="ja-JP" sz="2600" dirty="0" err="1">
-                <a:solidFill>
-                  <a:srgbClr val="000000"/>
-                </a:solidFill>
-                <a:ea typeface="ＭＳ ゴシック" panose="020B0609070205080204" pitchFamily="49" charset="-128"/>
-              </a:rPr>
-              <a:t>m_price</a:t>
-            </a:r>
-            <a:r>
-              <a:rPr lang="en-US" altLang="ja-JP" sz="2600" dirty="0">
-                <a:solidFill>
-                  <a:srgbClr val="000000"/>
-                </a:solidFill>
-                <a:ea typeface="ＭＳ ゴシック" panose="020B0609070205080204" pitchFamily="49" charset="-128"/>
-              </a:rPr>
-              <a:t>(0), </a:t>
-            </a:r>
-            <a:r>
-              <a:rPr lang="en-US" altLang="ja-JP" sz="2600" dirty="0" err="1">
-                <a:solidFill>
-                  <a:srgbClr val="000000"/>
-                </a:solidFill>
-                <a:ea typeface="ＭＳ ゴシック" panose="020B0609070205080204" pitchFamily="49" charset="-128"/>
-              </a:rPr>
-              <a:t>m_weight</a:t>
-            </a:r>
-            <a:r>
-              <a:rPr lang="en-US" altLang="ja-JP" sz="2600" dirty="0">
-                <a:solidFill>
-                  <a:srgbClr val="000000"/>
-                </a:solidFill>
-                <a:ea typeface="ＭＳ ゴシック" panose="020B0609070205080204" pitchFamily="49" charset="-128"/>
-              </a:rPr>
-              <a:t>(0) {};</a:t>
-            </a:r>
-            <a:br>
-              <a:rPr lang="en-US" altLang="ja-JP" sz="2600" dirty="0">
-                <a:solidFill>
-                  <a:srgbClr val="000000"/>
-                </a:solidFill>
-                <a:ea typeface="ＭＳ ゴシック" panose="020B0609070205080204" pitchFamily="49" charset="-128"/>
-              </a:rPr>
-            </a:br>
-            <a:r>
-              <a:rPr lang="en-US" altLang="ja-JP" sz="2600" dirty="0">
-                <a:solidFill>
-                  <a:srgbClr val="000000"/>
-                </a:solidFill>
-                <a:ea typeface="ＭＳ ゴシック" panose="020B0609070205080204" pitchFamily="49" charset="-128"/>
-              </a:rPr>
-              <a:t>  Weapon(</a:t>
-            </a:r>
-            <a:r>
-              <a:rPr lang="en-US" altLang="ja-JP" sz="2600" dirty="0">
-                <a:solidFill>
-                  <a:srgbClr val="2B91AF"/>
-                </a:solidFill>
-                <a:ea typeface="ＭＳ ゴシック" panose="020B0609070205080204" pitchFamily="49" charset="-128"/>
-              </a:rPr>
-              <a:t>string</a:t>
-            </a:r>
-            <a:r>
-              <a:rPr lang="en-US" altLang="ja-JP" sz="2600" dirty="0">
-                <a:solidFill>
-                  <a:srgbClr val="000000"/>
-                </a:solidFill>
-                <a:ea typeface="ＭＳ ゴシック" panose="020B0609070205080204" pitchFamily="49" charset="-128"/>
-              </a:rPr>
-              <a:t> </a:t>
-            </a:r>
-            <a:r>
-              <a:rPr lang="en-US" altLang="ja-JP" sz="2600" dirty="0">
-                <a:solidFill>
-                  <a:srgbClr val="808080"/>
-                </a:solidFill>
-                <a:ea typeface="ＭＳ ゴシック" panose="020B0609070205080204" pitchFamily="49" charset="-128"/>
-              </a:rPr>
-              <a:t>name</a:t>
-            </a:r>
-            <a:r>
-              <a:rPr lang="en-US" altLang="ja-JP" sz="2600" dirty="0">
-                <a:solidFill>
-                  <a:srgbClr val="000000"/>
-                </a:solidFill>
-                <a:ea typeface="ＭＳ ゴシック" panose="020B0609070205080204" pitchFamily="49" charset="-128"/>
-              </a:rPr>
-              <a:t>, </a:t>
-            </a:r>
-            <a:r>
-              <a:rPr lang="en-US" altLang="ja-JP" sz="2600" dirty="0">
-                <a:solidFill>
-                  <a:srgbClr val="0000FF"/>
-                </a:solidFill>
-                <a:ea typeface="ＭＳ ゴシック" panose="020B0609070205080204" pitchFamily="49" charset="-128"/>
-              </a:rPr>
-              <a:t>int</a:t>
-            </a:r>
-            <a:r>
-              <a:rPr lang="en-US" altLang="ja-JP" sz="2600" dirty="0">
-                <a:solidFill>
-                  <a:srgbClr val="000000"/>
-                </a:solidFill>
-                <a:ea typeface="ＭＳ ゴシック" panose="020B0609070205080204" pitchFamily="49" charset="-128"/>
-              </a:rPr>
-              <a:t> </a:t>
-            </a:r>
-            <a:r>
-              <a:rPr lang="en-US" altLang="ja-JP" sz="2600" dirty="0" err="1">
-                <a:solidFill>
-                  <a:srgbClr val="808080"/>
-                </a:solidFill>
-                <a:ea typeface="ＭＳ ゴシック" panose="020B0609070205080204" pitchFamily="49" charset="-128"/>
-              </a:rPr>
-              <a:t>atk</a:t>
-            </a:r>
-            <a:r>
-              <a:rPr lang="en-US" altLang="ja-JP" sz="2600" dirty="0">
-                <a:solidFill>
-                  <a:srgbClr val="000000"/>
-                </a:solidFill>
-                <a:ea typeface="ＭＳ ゴシック" panose="020B0609070205080204" pitchFamily="49" charset="-128"/>
-              </a:rPr>
-              <a:t>, </a:t>
-            </a:r>
-            <a:r>
-              <a:rPr lang="en-US" altLang="ja-JP" sz="2600" dirty="0">
-                <a:solidFill>
-                  <a:srgbClr val="0000FF"/>
-                </a:solidFill>
-                <a:ea typeface="ＭＳ ゴシック" panose="020B0609070205080204" pitchFamily="49" charset="-128"/>
-              </a:rPr>
-              <a:t>int</a:t>
-            </a:r>
-            <a:r>
-              <a:rPr lang="en-US" altLang="ja-JP" sz="2600" dirty="0">
-                <a:solidFill>
-                  <a:srgbClr val="000000"/>
-                </a:solidFill>
-                <a:ea typeface="ＭＳ ゴシック" panose="020B0609070205080204" pitchFamily="49" charset="-128"/>
-              </a:rPr>
-              <a:t> </a:t>
-            </a:r>
-            <a:r>
-              <a:rPr lang="en-US" altLang="ja-JP" sz="2600" dirty="0">
-                <a:solidFill>
-                  <a:srgbClr val="808080"/>
-                </a:solidFill>
-                <a:ea typeface="ＭＳ ゴシック" panose="020B0609070205080204" pitchFamily="49" charset="-128"/>
-              </a:rPr>
-              <a:t>price</a:t>
-            </a:r>
-            <a:r>
-              <a:rPr lang="en-US" altLang="ja-JP" sz="2600" dirty="0">
-                <a:solidFill>
-                  <a:srgbClr val="000000"/>
-                </a:solidFill>
-                <a:ea typeface="ＭＳ ゴシック" panose="020B0609070205080204" pitchFamily="49" charset="-128"/>
-              </a:rPr>
-              <a:t>, </a:t>
-            </a:r>
-            <a:r>
-              <a:rPr lang="en-US" altLang="ja-JP" sz="2600" dirty="0">
-                <a:solidFill>
-                  <a:srgbClr val="0000FF"/>
-                </a:solidFill>
-                <a:ea typeface="ＭＳ ゴシック" panose="020B0609070205080204" pitchFamily="49" charset="-128"/>
-              </a:rPr>
-              <a:t>int</a:t>
-            </a:r>
-            <a:r>
-              <a:rPr lang="en-US" altLang="ja-JP" sz="2600" dirty="0">
-                <a:solidFill>
-                  <a:srgbClr val="000000"/>
-                </a:solidFill>
-                <a:ea typeface="ＭＳ ゴシック" panose="020B0609070205080204" pitchFamily="49" charset="-128"/>
-              </a:rPr>
-              <a:t> </a:t>
-            </a:r>
-            <a:r>
-              <a:rPr lang="en-US" altLang="ja-JP" sz="2600" dirty="0">
-                <a:solidFill>
-                  <a:srgbClr val="808080"/>
-                </a:solidFill>
-                <a:ea typeface="ＭＳ ゴシック" panose="020B0609070205080204" pitchFamily="49" charset="-128"/>
-              </a:rPr>
-              <a:t>weight</a:t>
-            </a:r>
-            <a:r>
-              <a:rPr lang="en-US" altLang="ja-JP" sz="2600" dirty="0">
-                <a:solidFill>
-                  <a:srgbClr val="000000"/>
-                </a:solidFill>
-                <a:ea typeface="ＭＳ ゴシック" panose="020B0609070205080204" pitchFamily="49" charset="-128"/>
-              </a:rPr>
-              <a:t>)</a:t>
-            </a:r>
-            <a:br>
-              <a:rPr lang="en-US" altLang="ja-JP" sz="2600" dirty="0">
-                <a:solidFill>
-                  <a:srgbClr val="000000"/>
-                </a:solidFill>
-                <a:ea typeface="ＭＳ ゴシック" panose="020B0609070205080204" pitchFamily="49" charset="-128"/>
-              </a:rPr>
-            </a:br>
-            <a:r>
-              <a:rPr lang="en-US" altLang="ja-JP" sz="2600" dirty="0">
-                <a:solidFill>
-                  <a:srgbClr val="000000"/>
-                </a:solidFill>
-                <a:ea typeface="ＭＳ ゴシック" panose="020B0609070205080204" pitchFamily="49" charset="-128"/>
-              </a:rPr>
-              <a:t>           : </a:t>
-            </a:r>
-            <a:r>
-              <a:rPr lang="en-US" altLang="ja-JP" sz="2600" dirty="0" err="1">
-                <a:solidFill>
-                  <a:srgbClr val="000000"/>
-                </a:solidFill>
-                <a:ea typeface="ＭＳ ゴシック" panose="020B0609070205080204" pitchFamily="49" charset="-128"/>
-              </a:rPr>
-              <a:t>m_name</a:t>
-            </a:r>
-            <a:r>
-              <a:rPr lang="en-US" altLang="ja-JP" sz="2600" dirty="0">
-                <a:solidFill>
-                  <a:srgbClr val="000000"/>
-                </a:solidFill>
-                <a:ea typeface="ＭＳ ゴシック" panose="020B0609070205080204" pitchFamily="49" charset="-128"/>
-              </a:rPr>
-              <a:t>(</a:t>
-            </a:r>
-            <a:r>
-              <a:rPr lang="en-US" altLang="ja-JP" sz="2600" dirty="0">
-                <a:solidFill>
-                  <a:srgbClr val="808080"/>
-                </a:solidFill>
-                <a:ea typeface="ＭＳ ゴシック" panose="020B0609070205080204" pitchFamily="49" charset="-128"/>
-              </a:rPr>
-              <a:t>name</a:t>
-            </a:r>
-            <a:r>
-              <a:rPr lang="en-US" altLang="ja-JP" sz="2600" dirty="0">
-                <a:solidFill>
-                  <a:srgbClr val="000000"/>
-                </a:solidFill>
-                <a:ea typeface="ＭＳ ゴシック" panose="020B0609070205080204" pitchFamily="49" charset="-128"/>
-              </a:rPr>
-              <a:t>), </a:t>
-            </a:r>
-            <a:r>
-              <a:rPr lang="en-US" altLang="ja-JP" sz="2600" dirty="0" err="1">
-                <a:solidFill>
-                  <a:srgbClr val="000000"/>
-                </a:solidFill>
-                <a:ea typeface="ＭＳ ゴシック" panose="020B0609070205080204" pitchFamily="49" charset="-128"/>
-              </a:rPr>
-              <a:t>m_atk</a:t>
-            </a:r>
-            <a:r>
-              <a:rPr lang="en-US" altLang="ja-JP" sz="2600" dirty="0">
-                <a:solidFill>
-                  <a:srgbClr val="000000"/>
-                </a:solidFill>
-                <a:ea typeface="ＭＳ ゴシック" panose="020B0609070205080204" pitchFamily="49" charset="-128"/>
-              </a:rPr>
-              <a:t>(</a:t>
-            </a:r>
-            <a:r>
-              <a:rPr lang="en-US" altLang="ja-JP" sz="2600" dirty="0" err="1">
-                <a:solidFill>
-                  <a:srgbClr val="808080"/>
-                </a:solidFill>
-                <a:ea typeface="ＭＳ ゴシック" panose="020B0609070205080204" pitchFamily="49" charset="-128"/>
-              </a:rPr>
-              <a:t>atk</a:t>
-            </a:r>
-            <a:r>
-              <a:rPr lang="en-US" altLang="ja-JP" sz="2600" dirty="0">
-                <a:solidFill>
-                  <a:srgbClr val="000000"/>
-                </a:solidFill>
-                <a:ea typeface="ＭＳ ゴシック" panose="020B0609070205080204" pitchFamily="49" charset="-128"/>
-              </a:rPr>
-              <a:t>)</a:t>
-            </a:r>
-            <a:br>
-              <a:rPr lang="en-US" altLang="ja-JP" sz="2600" dirty="0">
-                <a:solidFill>
-                  <a:srgbClr val="000000"/>
-                </a:solidFill>
-                <a:ea typeface="ＭＳ ゴシック" panose="020B0609070205080204" pitchFamily="49" charset="-128"/>
-              </a:rPr>
-            </a:br>
-            <a:r>
-              <a:rPr lang="en-US" altLang="ja-JP" sz="2600" dirty="0">
-                <a:solidFill>
-                  <a:srgbClr val="000000"/>
-                </a:solidFill>
-                <a:ea typeface="ＭＳ ゴシック" panose="020B0609070205080204" pitchFamily="49" charset="-128"/>
-              </a:rPr>
-              <a:t>           , </a:t>
-            </a:r>
-            <a:r>
-              <a:rPr lang="en-US" altLang="ja-JP" sz="2600" dirty="0" err="1">
-                <a:solidFill>
-                  <a:srgbClr val="000000"/>
-                </a:solidFill>
-                <a:ea typeface="ＭＳ ゴシック" panose="020B0609070205080204" pitchFamily="49" charset="-128"/>
-              </a:rPr>
-              <a:t>m_price</a:t>
-            </a:r>
-            <a:r>
-              <a:rPr lang="en-US" altLang="ja-JP" sz="2600" dirty="0">
-                <a:solidFill>
-                  <a:srgbClr val="000000"/>
-                </a:solidFill>
-                <a:ea typeface="ＭＳ ゴシック" panose="020B0609070205080204" pitchFamily="49" charset="-128"/>
-              </a:rPr>
-              <a:t>(</a:t>
-            </a:r>
-            <a:r>
-              <a:rPr lang="en-US" altLang="ja-JP" sz="2600" dirty="0">
-                <a:solidFill>
-                  <a:srgbClr val="808080"/>
-                </a:solidFill>
-                <a:ea typeface="ＭＳ ゴシック" panose="020B0609070205080204" pitchFamily="49" charset="-128"/>
-              </a:rPr>
-              <a:t>price</a:t>
-            </a:r>
-            <a:r>
-              <a:rPr lang="en-US" altLang="ja-JP" sz="2600" dirty="0">
-                <a:solidFill>
-                  <a:srgbClr val="000000"/>
-                </a:solidFill>
-                <a:ea typeface="ＭＳ ゴシック" panose="020B0609070205080204" pitchFamily="49" charset="-128"/>
-              </a:rPr>
-              <a:t>), </a:t>
-            </a:r>
-            <a:r>
-              <a:rPr lang="en-US" altLang="ja-JP" sz="2600" dirty="0" err="1">
-                <a:solidFill>
-                  <a:srgbClr val="000000"/>
-                </a:solidFill>
-                <a:ea typeface="ＭＳ ゴシック" panose="020B0609070205080204" pitchFamily="49" charset="-128"/>
-              </a:rPr>
-              <a:t>m_weight</a:t>
-            </a:r>
-            <a:r>
-              <a:rPr lang="en-US" altLang="ja-JP" sz="2600" dirty="0">
-                <a:solidFill>
-                  <a:srgbClr val="000000"/>
-                </a:solidFill>
-                <a:ea typeface="ＭＳ ゴシック" panose="020B0609070205080204" pitchFamily="49" charset="-128"/>
-              </a:rPr>
-              <a:t>(</a:t>
-            </a:r>
-            <a:r>
-              <a:rPr lang="en-US" altLang="ja-JP" sz="2600" dirty="0">
-                <a:solidFill>
-                  <a:srgbClr val="808080"/>
-                </a:solidFill>
-                <a:ea typeface="ＭＳ ゴシック" panose="020B0609070205080204" pitchFamily="49" charset="-128"/>
-              </a:rPr>
-              <a:t>weight</a:t>
-            </a:r>
-            <a:r>
-              <a:rPr lang="en-US" altLang="ja-JP" sz="2600" dirty="0">
-                <a:solidFill>
-                  <a:srgbClr val="000000"/>
-                </a:solidFill>
-                <a:ea typeface="ＭＳ ゴシック" panose="020B0609070205080204" pitchFamily="49" charset="-128"/>
-              </a:rPr>
-              <a:t>) {};</a:t>
-            </a:r>
-            <a:br>
-              <a:rPr lang="en-US" altLang="ja-JP" sz="2600" dirty="0">
-                <a:solidFill>
-                  <a:srgbClr val="000000"/>
-                </a:solidFill>
-                <a:ea typeface="ＭＳ ゴシック" panose="020B0609070205080204" pitchFamily="49" charset="-128"/>
-              </a:rPr>
-            </a:br>
-            <a:r>
-              <a:rPr lang="en-US" altLang="ja-JP" sz="2600" dirty="0">
-                <a:solidFill>
-                  <a:srgbClr val="000000"/>
-                </a:solidFill>
-                <a:ea typeface="ＭＳ ゴシック" panose="020B0609070205080204" pitchFamily="49" charset="-128"/>
-              </a:rPr>
-              <a:t>  </a:t>
-            </a:r>
-            <a:r>
-              <a:rPr lang="en-US" altLang="ja-JP" sz="2600" dirty="0">
-                <a:solidFill>
-                  <a:srgbClr val="2B91AF"/>
-                </a:solidFill>
-                <a:ea typeface="ＭＳ ゴシック" panose="020B0609070205080204" pitchFamily="49" charset="-128"/>
-              </a:rPr>
-              <a:t>string</a:t>
-            </a:r>
-            <a:r>
-              <a:rPr lang="en-US" altLang="ja-JP" sz="2600" dirty="0">
-                <a:solidFill>
-                  <a:srgbClr val="000000"/>
-                </a:solidFill>
-                <a:ea typeface="ＭＳ ゴシック" panose="020B0609070205080204" pitchFamily="49" charset="-128"/>
-              </a:rPr>
-              <a:t> </a:t>
-            </a:r>
-            <a:r>
-              <a:rPr lang="en-US" altLang="ja-JP" sz="2600" dirty="0" err="1">
-                <a:solidFill>
-                  <a:srgbClr val="000000"/>
-                </a:solidFill>
-                <a:ea typeface="ＭＳ ゴシック" panose="020B0609070205080204" pitchFamily="49" charset="-128"/>
-              </a:rPr>
-              <a:t>getName</a:t>
-            </a:r>
-            <a:r>
-              <a:rPr lang="en-US" altLang="ja-JP" sz="2600" dirty="0">
-                <a:solidFill>
-                  <a:srgbClr val="000000"/>
-                </a:solidFill>
-                <a:ea typeface="ＭＳ ゴシック" panose="020B0609070205080204" pitchFamily="49" charset="-128"/>
-              </a:rPr>
-              <a:t>() { </a:t>
-            </a:r>
-            <a:r>
-              <a:rPr lang="en-US" altLang="ja-JP" sz="2600" dirty="0">
-                <a:solidFill>
-                  <a:srgbClr val="0000FF"/>
-                </a:solidFill>
-                <a:ea typeface="ＭＳ ゴシック" panose="020B0609070205080204" pitchFamily="49" charset="-128"/>
-              </a:rPr>
-              <a:t>return</a:t>
-            </a:r>
-            <a:r>
-              <a:rPr lang="en-US" altLang="ja-JP" sz="2600" dirty="0">
-                <a:solidFill>
-                  <a:srgbClr val="000000"/>
-                </a:solidFill>
-                <a:ea typeface="ＭＳ ゴシック" panose="020B0609070205080204" pitchFamily="49" charset="-128"/>
-              </a:rPr>
-              <a:t> </a:t>
-            </a:r>
-            <a:r>
-              <a:rPr lang="en-US" altLang="ja-JP" sz="2600" dirty="0" err="1">
-                <a:solidFill>
-                  <a:srgbClr val="000000"/>
-                </a:solidFill>
-                <a:ea typeface="ＭＳ ゴシック" panose="020B0609070205080204" pitchFamily="49" charset="-128"/>
-              </a:rPr>
-              <a:t>m_name</a:t>
-            </a:r>
-            <a:r>
-              <a:rPr lang="en-US" altLang="ja-JP" sz="2600" dirty="0">
-                <a:solidFill>
-                  <a:srgbClr val="000000"/>
-                </a:solidFill>
-                <a:ea typeface="ＭＳ ゴシック" panose="020B0609070205080204" pitchFamily="49" charset="-128"/>
-              </a:rPr>
-              <a:t>; }</a:t>
-            </a:r>
-            <a:br>
-              <a:rPr lang="en-US" altLang="ja-JP" sz="2600" dirty="0">
-                <a:solidFill>
-                  <a:srgbClr val="000000"/>
-                </a:solidFill>
-                <a:ea typeface="ＭＳ ゴシック" panose="020B0609070205080204" pitchFamily="49" charset="-128"/>
-              </a:rPr>
-            </a:br>
-            <a:r>
-              <a:rPr lang="en-US" altLang="ja-JP" sz="2600" dirty="0">
-                <a:solidFill>
-                  <a:srgbClr val="000000"/>
-                </a:solidFill>
-                <a:ea typeface="ＭＳ ゴシック" panose="020B0609070205080204" pitchFamily="49" charset="-128"/>
-              </a:rPr>
-              <a:t>  </a:t>
-            </a:r>
-            <a:r>
-              <a:rPr lang="en-US" altLang="ja-JP" sz="2600" dirty="0">
-                <a:solidFill>
-                  <a:srgbClr val="0000FF"/>
-                </a:solidFill>
-                <a:ea typeface="ＭＳ ゴシック" panose="020B0609070205080204" pitchFamily="49" charset="-128"/>
-              </a:rPr>
-              <a:t>int</a:t>
-            </a:r>
-            <a:r>
-              <a:rPr lang="en-US" altLang="ja-JP" sz="2600" dirty="0">
-                <a:solidFill>
-                  <a:srgbClr val="000000"/>
-                </a:solidFill>
-                <a:ea typeface="ＭＳ ゴシック" panose="020B0609070205080204" pitchFamily="49" charset="-128"/>
-              </a:rPr>
-              <a:t> </a:t>
-            </a:r>
-            <a:r>
-              <a:rPr lang="en-US" altLang="ja-JP" sz="2600" dirty="0" err="1">
-                <a:solidFill>
-                  <a:srgbClr val="000000"/>
-                </a:solidFill>
-                <a:ea typeface="ＭＳ ゴシック" panose="020B0609070205080204" pitchFamily="49" charset="-128"/>
-              </a:rPr>
-              <a:t>getAtk</a:t>
-            </a:r>
-            <a:r>
-              <a:rPr lang="en-US" altLang="ja-JP" sz="2600" dirty="0">
-                <a:solidFill>
-                  <a:srgbClr val="000000"/>
-                </a:solidFill>
-                <a:ea typeface="ＭＳ ゴシック" panose="020B0609070205080204" pitchFamily="49" charset="-128"/>
-              </a:rPr>
-              <a:t>() { </a:t>
-            </a:r>
-            <a:r>
-              <a:rPr lang="en-US" altLang="ja-JP" sz="2600" dirty="0">
-                <a:solidFill>
-                  <a:srgbClr val="0000FF"/>
-                </a:solidFill>
-                <a:ea typeface="ＭＳ ゴシック" panose="020B0609070205080204" pitchFamily="49" charset="-128"/>
-              </a:rPr>
-              <a:t>return</a:t>
-            </a:r>
-            <a:r>
-              <a:rPr lang="en-US" altLang="ja-JP" sz="2600" dirty="0">
-                <a:solidFill>
-                  <a:srgbClr val="000000"/>
-                </a:solidFill>
-                <a:ea typeface="ＭＳ ゴシック" panose="020B0609070205080204" pitchFamily="49" charset="-128"/>
-              </a:rPr>
-              <a:t> </a:t>
-            </a:r>
-            <a:r>
-              <a:rPr lang="en-US" altLang="ja-JP" sz="2600" dirty="0" err="1">
-                <a:solidFill>
-                  <a:srgbClr val="000000"/>
-                </a:solidFill>
-                <a:ea typeface="ＭＳ ゴシック" panose="020B0609070205080204" pitchFamily="49" charset="-128"/>
-              </a:rPr>
-              <a:t>m_atk</a:t>
-            </a:r>
-            <a:r>
-              <a:rPr lang="en-US" altLang="ja-JP" sz="2600" dirty="0">
-                <a:solidFill>
-                  <a:srgbClr val="000000"/>
-                </a:solidFill>
-                <a:ea typeface="ＭＳ ゴシック" panose="020B0609070205080204" pitchFamily="49" charset="-128"/>
-              </a:rPr>
-              <a:t>; }</a:t>
-            </a:r>
-            <a:br>
-              <a:rPr lang="en-US" altLang="ja-JP" sz="2600" dirty="0">
-                <a:solidFill>
-                  <a:srgbClr val="000000"/>
-                </a:solidFill>
-                <a:ea typeface="ＭＳ ゴシック" panose="020B0609070205080204" pitchFamily="49" charset="-128"/>
-              </a:rPr>
-            </a:br>
-            <a:r>
-              <a:rPr lang="en-US" altLang="ja-JP" sz="2600" dirty="0">
-                <a:solidFill>
-                  <a:srgbClr val="000000"/>
-                </a:solidFill>
-                <a:ea typeface="ＭＳ ゴシック" panose="020B0609070205080204" pitchFamily="49" charset="-128"/>
-              </a:rPr>
-              <a:t>  </a:t>
-            </a:r>
-            <a:r>
-              <a:rPr lang="en-US" altLang="ja-JP" sz="2600" dirty="0">
-                <a:solidFill>
-                  <a:srgbClr val="0000FF"/>
-                </a:solidFill>
-                <a:ea typeface="ＭＳ ゴシック" panose="020B0609070205080204" pitchFamily="49" charset="-128"/>
-              </a:rPr>
-              <a:t>int</a:t>
-            </a:r>
-            <a:r>
-              <a:rPr lang="en-US" altLang="ja-JP" sz="2600" dirty="0">
-                <a:solidFill>
-                  <a:srgbClr val="000000"/>
-                </a:solidFill>
-                <a:ea typeface="ＭＳ ゴシック" panose="020B0609070205080204" pitchFamily="49" charset="-128"/>
-              </a:rPr>
-              <a:t> </a:t>
-            </a:r>
-            <a:r>
-              <a:rPr lang="en-US" altLang="ja-JP" sz="2600" dirty="0" err="1">
-                <a:solidFill>
-                  <a:srgbClr val="000000"/>
-                </a:solidFill>
-                <a:ea typeface="ＭＳ ゴシック" panose="020B0609070205080204" pitchFamily="49" charset="-128"/>
-              </a:rPr>
-              <a:t>getPrice</a:t>
-            </a:r>
-            <a:r>
-              <a:rPr lang="en-US" altLang="ja-JP" sz="2600" dirty="0">
-                <a:solidFill>
-                  <a:srgbClr val="000000"/>
-                </a:solidFill>
-                <a:ea typeface="ＭＳ ゴシック" panose="020B0609070205080204" pitchFamily="49" charset="-128"/>
-              </a:rPr>
-              <a:t>() { </a:t>
-            </a:r>
-            <a:r>
-              <a:rPr lang="en-US" altLang="ja-JP" sz="2600" dirty="0">
-                <a:solidFill>
-                  <a:srgbClr val="0000FF"/>
-                </a:solidFill>
-                <a:ea typeface="ＭＳ ゴシック" panose="020B0609070205080204" pitchFamily="49" charset="-128"/>
-              </a:rPr>
-              <a:t>return</a:t>
-            </a:r>
-            <a:r>
-              <a:rPr lang="en-US" altLang="ja-JP" sz="2600" dirty="0">
-                <a:solidFill>
-                  <a:srgbClr val="000000"/>
-                </a:solidFill>
-                <a:ea typeface="ＭＳ ゴシック" panose="020B0609070205080204" pitchFamily="49" charset="-128"/>
-              </a:rPr>
-              <a:t> </a:t>
-            </a:r>
-            <a:r>
-              <a:rPr lang="en-US" altLang="ja-JP" sz="2600" dirty="0" err="1">
-                <a:solidFill>
-                  <a:srgbClr val="000000"/>
-                </a:solidFill>
-                <a:ea typeface="ＭＳ ゴシック" panose="020B0609070205080204" pitchFamily="49" charset="-128"/>
-              </a:rPr>
-              <a:t>m_price</a:t>
-            </a:r>
-            <a:r>
-              <a:rPr lang="en-US" altLang="ja-JP" sz="2600" dirty="0">
-                <a:solidFill>
-                  <a:srgbClr val="000000"/>
-                </a:solidFill>
-                <a:ea typeface="ＭＳ ゴシック" panose="020B0609070205080204" pitchFamily="49" charset="-128"/>
-              </a:rPr>
-              <a:t>; }</a:t>
-            </a:r>
-            <a:br>
-              <a:rPr lang="en-US" altLang="ja-JP" sz="2600" dirty="0">
-                <a:solidFill>
-                  <a:srgbClr val="000000"/>
-                </a:solidFill>
-                <a:ea typeface="ＭＳ ゴシック" panose="020B0609070205080204" pitchFamily="49" charset="-128"/>
-              </a:rPr>
-            </a:br>
-            <a:r>
-              <a:rPr lang="en-US" altLang="ja-JP" sz="2600" dirty="0">
-                <a:solidFill>
-                  <a:srgbClr val="000000"/>
-                </a:solidFill>
-                <a:ea typeface="ＭＳ ゴシック" panose="020B0609070205080204" pitchFamily="49" charset="-128"/>
-              </a:rPr>
-              <a:t>  </a:t>
-            </a:r>
-            <a:r>
-              <a:rPr lang="en-US" altLang="ja-JP" sz="2600" dirty="0">
-                <a:solidFill>
-                  <a:srgbClr val="0000FF"/>
-                </a:solidFill>
-                <a:ea typeface="ＭＳ ゴシック" panose="020B0609070205080204" pitchFamily="49" charset="-128"/>
-              </a:rPr>
-              <a:t>int</a:t>
-            </a:r>
-            <a:r>
-              <a:rPr lang="en-US" altLang="ja-JP" sz="2600" dirty="0">
-                <a:solidFill>
-                  <a:srgbClr val="000000"/>
-                </a:solidFill>
-                <a:ea typeface="ＭＳ ゴシック" panose="020B0609070205080204" pitchFamily="49" charset="-128"/>
-              </a:rPr>
-              <a:t> </a:t>
-            </a:r>
-            <a:r>
-              <a:rPr lang="en-US" altLang="ja-JP" sz="2600" dirty="0" err="1">
-                <a:solidFill>
-                  <a:srgbClr val="000000"/>
-                </a:solidFill>
-                <a:ea typeface="ＭＳ ゴシック" panose="020B0609070205080204" pitchFamily="49" charset="-128"/>
-              </a:rPr>
-              <a:t>getWeight</a:t>
-            </a:r>
-            <a:r>
-              <a:rPr lang="en-US" altLang="ja-JP" sz="2600" dirty="0">
-                <a:solidFill>
-                  <a:srgbClr val="000000"/>
-                </a:solidFill>
-                <a:ea typeface="ＭＳ ゴシック" panose="020B0609070205080204" pitchFamily="49" charset="-128"/>
-              </a:rPr>
-              <a:t>() { </a:t>
-            </a:r>
-            <a:r>
-              <a:rPr lang="en-US" altLang="ja-JP" sz="2600" dirty="0">
-                <a:solidFill>
-                  <a:srgbClr val="0000FF"/>
-                </a:solidFill>
-                <a:ea typeface="ＭＳ ゴシック" panose="020B0609070205080204" pitchFamily="49" charset="-128"/>
-              </a:rPr>
-              <a:t>return</a:t>
-            </a:r>
-            <a:r>
-              <a:rPr lang="en-US" altLang="ja-JP" sz="2600" dirty="0">
-                <a:solidFill>
-                  <a:srgbClr val="000000"/>
-                </a:solidFill>
-                <a:ea typeface="ＭＳ ゴシック" panose="020B0609070205080204" pitchFamily="49" charset="-128"/>
-              </a:rPr>
-              <a:t> </a:t>
-            </a:r>
-            <a:r>
-              <a:rPr lang="en-US" altLang="ja-JP" sz="2600" dirty="0" err="1">
-                <a:solidFill>
-                  <a:srgbClr val="000000"/>
-                </a:solidFill>
-                <a:ea typeface="ＭＳ ゴシック" panose="020B0609070205080204" pitchFamily="49" charset="-128"/>
-              </a:rPr>
-              <a:t>m_weight</a:t>
-            </a:r>
-            <a:r>
-              <a:rPr lang="en-US" altLang="ja-JP" sz="2600" dirty="0">
-                <a:solidFill>
-                  <a:srgbClr val="000000"/>
-                </a:solidFill>
-                <a:ea typeface="ＭＳ ゴシック" panose="020B0609070205080204" pitchFamily="49" charset="-128"/>
-              </a:rPr>
-              <a:t>; }</a:t>
-            </a:r>
-            <a:br>
-              <a:rPr lang="en-US" altLang="ja-JP" sz="2600" dirty="0">
-                <a:solidFill>
-                  <a:srgbClr val="000000"/>
-                </a:solidFill>
-                <a:ea typeface="ＭＳ ゴシック" panose="020B0609070205080204" pitchFamily="49" charset="-128"/>
-              </a:rPr>
-            </a:br>
-            <a:r>
-              <a:rPr lang="en-US" altLang="ja-JP" sz="2600" dirty="0">
-                <a:solidFill>
-                  <a:srgbClr val="000000"/>
-                </a:solidFill>
-                <a:ea typeface="ＭＳ ゴシック" panose="020B0609070205080204" pitchFamily="49" charset="-128"/>
-              </a:rPr>
-              <a:t>};</a:t>
+              <a:t>ifs.close</a:t>
+            </a:r>
+            <a:r>
+              <a:rPr lang="en-US" altLang="ja-JP" sz="2600" dirty="0">
+                <a:solidFill>
+                  <a:srgbClr val="000000"/>
+                </a:solidFill>
+                <a:ea typeface="ＭＳ ゴシック" panose="020B0609070205080204" pitchFamily="49" charset="-128"/>
+              </a:rPr>
+              <a:t>();</a:t>
             </a:r>
             <a:endParaRPr lang="en-US" altLang="ja-JP" sz="2600" dirty="0"/>
           </a:p>
@@ -6229,6 +6389,3633 @@
     <p:extLst>
       <p:ext uri="{BB962C8B-B14F-4D97-AF65-F5344CB8AC3E}">
         <p14:creationId xmlns:p14="http://schemas.microsoft.com/office/powerpoint/2010/main" val="807813458"/>
+      </p:ext>
+    </p:extLst>
+  </p:cSld>
+  <p:clrMapOvr>
+    <a:masterClrMapping/>
+  </p:clrMapOvr>
+</p:sld>
+</file>
+
+<file path=ppt/slides/slide13.xml><?xml version="1.0" encoding="utf-8"?>
+<p:sld xmlns:a="http://schemas.openxmlformats.org/drawingml/2006/main" xmlns:r="http://schemas.openxmlformats.org/officeDocument/2006/relationships" xmlns:p="http://schemas.openxmlformats.org/presentationml/2006/main">
+  <p:cSld>
+    <p:spTree>
+      <p:nvGrpSpPr>
+        <p:cNvPr id="1" name="">
+          <a:extLst>
+            <a:ext uri="{FF2B5EF4-FFF2-40B4-BE49-F238E27FC236}">
+              <a16:creationId xmlns:a16="http://schemas.microsoft.com/office/drawing/2014/main" id="{781EFBE4-BB4F-9847-625E-F4D5CB3B3BE8}"/>
+            </a:ext>
+          </a:extLst>
+        </p:cNvPr>
+        <p:cNvGrpSpPr/>
+        <p:nvPr/>
+      </p:nvGrpSpPr>
+      <p:grpSpPr>
+        <a:xfrm>
+          <a:off x="0" y="0"/>
+          <a:ext cx="0" cy="0"/>
+          <a:chOff x="0" y="0"/>
+          <a:chExt cx="0" cy="0"/>
+        </a:xfrm>
+      </p:grpSpPr>
+      <p:sp>
+        <p:nvSpPr>
+          <p:cNvPr id="2" name="タイトル 1">
+            <a:extLst>
+              <a:ext uri="{FF2B5EF4-FFF2-40B4-BE49-F238E27FC236}">
+                <a16:creationId xmlns:a16="http://schemas.microsoft.com/office/drawing/2014/main" id="{DBEE8CB9-8844-B9B9-9EC5-03CC42381977}"/>
+              </a:ext>
+            </a:extLst>
+          </p:cNvPr>
+          <p:cNvSpPr>
+            <a:spLocks noGrp="1"/>
+          </p:cNvSpPr>
+          <p:nvPr>
+            <p:ph type="title"/>
+          </p:nvPr>
+        </p:nvSpPr>
+        <p:spPr/>
+        <p:txBody>
+          <a:bodyPr/>
+          <a:lstStyle/>
+          <a:p>
+            <a:r>
+              <a:rPr kumimoji="1" lang="ja-JP" altLang="en-US" dirty="0"/>
+              <a:t>演習：</a:t>
+            </a:r>
+            <a:r>
+              <a:rPr kumimoji="1" lang="en-US" altLang="ja-JP" dirty="0"/>
+              <a:t>CSV</a:t>
+            </a:r>
+            <a:endParaRPr kumimoji="1" lang="ja-JP" altLang="en-US" dirty="0"/>
+          </a:p>
+        </p:txBody>
+      </p:sp>
+      <p:sp>
+        <p:nvSpPr>
+          <p:cNvPr id="3" name="コンテンツ プレースホルダー 2">
+            <a:extLst>
+              <a:ext uri="{FF2B5EF4-FFF2-40B4-BE49-F238E27FC236}">
+                <a16:creationId xmlns:a16="http://schemas.microsoft.com/office/drawing/2014/main" id="{75E97E32-EB57-E0BE-D7A6-0D8229FAC427}"/>
+              </a:ext>
+            </a:extLst>
+          </p:cNvPr>
+          <p:cNvSpPr>
+            <a:spLocks noGrp="1"/>
+          </p:cNvSpPr>
+          <p:nvPr>
+            <p:ph idx="1"/>
+          </p:nvPr>
+        </p:nvSpPr>
+        <p:spPr/>
+        <p:txBody>
+          <a:bodyPr>
+            <a:normAutofit/>
+          </a:bodyPr>
+          <a:lstStyle/>
+          <a:p>
+            <a:r>
+              <a:rPr lang="ja-JP" altLang="en-US" b="1" u="sng" dirty="0"/>
+              <a:t>課題⑦</a:t>
+            </a:r>
+            <a:br>
+              <a:rPr lang="en-US" altLang="ja-JP" dirty="0"/>
+            </a:br>
+            <a:r>
+              <a:rPr lang="en-US" altLang="ja-JP" dirty="0">
+                <a:solidFill>
+                  <a:srgbClr val="00B0F0"/>
+                </a:solidFill>
+              </a:rPr>
+              <a:t>vector&lt;Weapon*&gt; </a:t>
+            </a:r>
+            <a:r>
+              <a:rPr lang="en-US" altLang="ja-JP" dirty="0" err="1">
+                <a:solidFill>
+                  <a:srgbClr val="00B0F0"/>
+                </a:solidFill>
+              </a:rPr>
+              <a:t>vWpn</a:t>
+            </a:r>
+            <a:br>
+              <a:rPr lang="en-US" altLang="ja-JP" dirty="0">
+                <a:solidFill>
+                  <a:srgbClr val="00B0F0"/>
+                </a:solidFill>
+              </a:rPr>
+            </a:br>
+            <a:r>
+              <a:rPr lang="ja-JP" altLang="en-US" dirty="0"/>
+              <a:t>に格納された各武器の情報のうち、武器名と価格情報を、通し番号</a:t>
+            </a:r>
+            <a:r>
+              <a:rPr lang="en-US" altLang="ja-JP" dirty="0"/>
+              <a:t>(0~3)</a:t>
+            </a:r>
+            <a:r>
+              <a:rPr lang="ja-JP" altLang="en-US" dirty="0"/>
+              <a:t>をつけて表示しなさい</a:t>
+            </a:r>
+            <a:br>
+              <a:rPr lang="en-US" altLang="ja-JP" dirty="0"/>
+            </a:br>
+            <a:r>
+              <a:rPr lang="ja-JP" altLang="en-US" dirty="0"/>
+              <a:t>ただし、価格の単位は「</a:t>
+            </a:r>
+            <a:r>
+              <a:rPr lang="en-US" altLang="ja-JP" dirty="0"/>
+              <a:t>G</a:t>
+            </a:r>
+            <a:r>
+              <a:rPr lang="ja-JP" altLang="en-US" dirty="0"/>
+              <a:t>」とし、価格がマイナスのものは「非売品」と表示する</a:t>
+            </a:r>
+            <a:endParaRPr lang="en-US" altLang="ja-JP" sz="4400" dirty="0"/>
+          </a:p>
+        </p:txBody>
+      </p:sp>
+      <p:pic>
+        <p:nvPicPr>
+          <p:cNvPr id="5" name="図 4">
+            <a:extLst>
+              <a:ext uri="{FF2B5EF4-FFF2-40B4-BE49-F238E27FC236}">
+                <a16:creationId xmlns:a16="http://schemas.microsoft.com/office/drawing/2014/main" id="{66B7AE9B-626E-4CB0-3588-135C8DB7CF09}"/>
+              </a:ext>
+            </a:extLst>
+          </p:cNvPr>
+          <p:cNvPicPr>
+            <a:picLocks noChangeAspect="1"/>
+          </p:cNvPicPr>
+          <p:nvPr/>
+        </p:nvPicPr>
+        <p:blipFill>
+          <a:blip r:embed="rId2"/>
+          <a:stretch>
+            <a:fillRect/>
+          </a:stretch>
+        </p:blipFill>
+        <p:spPr>
+          <a:xfrm>
+            <a:off x="2679987" y="4419685"/>
+            <a:ext cx="6779031" cy="2149726"/>
+          </a:xfrm>
+          <a:prstGeom prst="rect">
+            <a:avLst/>
+          </a:prstGeom>
+        </p:spPr>
+      </p:pic>
+    </p:spTree>
+    <p:extLst>
+      <p:ext uri="{BB962C8B-B14F-4D97-AF65-F5344CB8AC3E}">
+        <p14:creationId xmlns:p14="http://schemas.microsoft.com/office/powerpoint/2010/main" val="2083152467"/>
+      </p:ext>
+    </p:extLst>
+  </p:cSld>
+  <p:clrMapOvr>
+    <a:masterClrMapping/>
+  </p:clrMapOvr>
+</p:sld>
+</file>
+
+<file path=ppt/slides/slide14.xml><?xml version="1.0" encoding="utf-8"?>
+<p:sld xmlns:a="http://schemas.openxmlformats.org/drawingml/2006/main" xmlns:r="http://schemas.openxmlformats.org/officeDocument/2006/relationships" xmlns:p="http://schemas.openxmlformats.org/presentationml/2006/main">
+  <p:cSld>
+    <p:spTree>
+      <p:nvGrpSpPr>
+        <p:cNvPr id="1" name="">
+          <a:extLst>
+            <a:ext uri="{FF2B5EF4-FFF2-40B4-BE49-F238E27FC236}">
+              <a16:creationId xmlns:a16="http://schemas.microsoft.com/office/drawing/2014/main" id="{A1643D12-11B6-7C27-C8E0-A5B02AA6729A}"/>
+            </a:ext>
+          </a:extLst>
+        </p:cNvPr>
+        <p:cNvGrpSpPr/>
+        <p:nvPr/>
+      </p:nvGrpSpPr>
+      <p:grpSpPr>
+        <a:xfrm>
+          <a:off x="0" y="0"/>
+          <a:ext cx="0" cy="0"/>
+          <a:chOff x="0" y="0"/>
+          <a:chExt cx="0" cy="0"/>
+        </a:xfrm>
+      </p:grpSpPr>
+      <p:sp>
+        <p:nvSpPr>
+          <p:cNvPr id="2" name="タイトル 1">
+            <a:extLst>
+              <a:ext uri="{FF2B5EF4-FFF2-40B4-BE49-F238E27FC236}">
+                <a16:creationId xmlns:a16="http://schemas.microsoft.com/office/drawing/2014/main" id="{7EB02CD7-0D2A-871B-3D1C-EF7E5C3D49D3}"/>
+              </a:ext>
+            </a:extLst>
+          </p:cNvPr>
+          <p:cNvSpPr>
+            <a:spLocks noGrp="1"/>
+          </p:cNvSpPr>
+          <p:nvPr>
+            <p:ph type="title"/>
+          </p:nvPr>
+        </p:nvSpPr>
+        <p:spPr/>
+        <p:txBody>
+          <a:bodyPr/>
+          <a:lstStyle/>
+          <a:p>
+            <a:r>
+              <a:rPr kumimoji="1" lang="ja-JP" altLang="en-US" dirty="0"/>
+              <a:t>演習：</a:t>
+            </a:r>
+            <a:r>
+              <a:rPr kumimoji="1" lang="en-US" altLang="ja-JP" dirty="0"/>
+              <a:t>CSV</a:t>
+            </a:r>
+            <a:endParaRPr kumimoji="1" lang="ja-JP" altLang="en-US" dirty="0"/>
+          </a:p>
+        </p:txBody>
+      </p:sp>
+      <p:sp>
+        <p:nvSpPr>
+          <p:cNvPr id="3" name="コンテンツ プレースホルダー 2">
+            <a:extLst>
+              <a:ext uri="{FF2B5EF4-FFF2-40B4-BE49-F238E27FC236}">
+                <a16:creationId xmlns:a16="http://schemas.microsoft.com/office/drawing/2014/main" id="{6C0378C2-0FBD-B3BE-6D4D-A8B02FE51197}"/>
+              </a:ext>
+            </a:extLst>
+          </p:cNvPr>
+          <p:cNvSpPr>
+            <a:spLocks noGrp="1"/>
+          </p:cNvSpPr>
+          <p:nvPr>
+            <p:ph idx="1"/>
+          </p:nvPr>
+        </p:nvSpPr>
+        <p:spPr>
+          <a:xfrm>
+            <a:off x="731195" y="1162976"/>
+            <a:ext cx="11136549" cy="5626930"/>
+          </a:xfrm>
+          <a:solidFill>
+            <a:schemeClr val="bg1"/>
+          </a:solidFill>
+          <a:ln>
+            <a:solidFill>
+              <a:schemeClr val="tx1"/>
+            </a:solidFill>
+          </a:ln>
+        </p:spPr>
+        <p:txBody>
+          <a:bodyPr>
+            <a:noAutofit/>
+          </a:bodyPr>
+          <a:lstStyle/>
+          <a:p>
+            <a:pPr marL="0" indent="0">
+              <a:buNone/>
+            </a:pPr>
+            <a:r>
+              <a:rPr lang="en-US" altLang="ja-JP" sz="2600" dirty="0">
+                <a:solidFill>
+                  <a:srgbClr val="FF0000"/>
+                </a:solidFill>
+                <a:ea typeface="ＭＳ ゴシック" panose="020B0609070205080204" pitchFamily="49" charset="-128"/>
+              </a:rPr>
+              <a:t>    </a:t>
+            </a:r>
+            <a:r>
+              <a:rPr lang="en-US" altLang="ja-JP" sz="2600" dirty="0" err="1">
+                <a:solidFill>
+                  <a:srgbClr val="FF0000"/>
+                </a:solidFill>
+                <a:ea typeface="ＭＳ ゴシック" panose="020B0609070205080204" pitchFamily="49" charset="-128"/>
+              </a:rPr>
+              <a:t>vWpn</a:t>
+            </a:r>
+            <a:r>
+              <a:rPr lang="en-US" altLang="ja-JP" sz="2600" dirty="0" err="1">
+                <a:solidFill>
+                  <a:srgbClr val="000000"/>
+                </a:solidFill>
+                <a:ea typeface="ＭＳ ゴシック" panose="020B0609070205080204" pitchFamily="49" charset="-128"/>
+              </a:rPr>
+              <a:t>.push_back</a:t>
+            </a:r>
+            <a:r>
+              <a:rPr lang="en-US" altLang="ja-JP" sz="2600" dirty="0">
+                <a:solidFill>
+                  <a:srgbClr val="000000"/>
+                </a:solidFill>
+                <a:ea typeface="ＭＳ ゴシック" panose="020B0609070205080204" pitchFamily="49" charset="-128"/>
+              </a:rPr>
+              <a:t>(</a:t>
+            </a:r>
+            <a:r>
+              <a:rPr lang="en-US" altLang="ja-JP" sz="2600" dirty="0">
+                <a:solidFill>
+                  <a:srgbClr val="0000FF"/>
+                </a:solidFill>
+                <a:ea typeface="ＭＳ ゴシック" panose="020B0609070205080204" pitchFamily="49" charset="-128"/>
+              </a:rPr>
+              <a:t>new</a:t>
+            </a:r>
+            <a:r>
+              <a:rPr lang="en-US" altLang="ja-JP" sz="2600" dirty="0">
+                <a:solidFill>
+                  <a:srgbClr val="000000"/>
+                </a:solidFill>
+                <a:ea typeface="ＭＳ ゴシック" panose="020B0609070205080204" pitchFamily="49" charset="-128"/>
+              </a:rPr>
+              <a:t> </a:t>
+            </a:r>
+            <a:r>
+              <a:rPr lang="en-US" altLang="ja-JP" sz="2600" dirty="0">
+                <a:solidFill>
+                  <a:srgbClr val="2B91AF"/>
+                </a:solidFill>
+                <a:ea typeface="ＭＳ ゴシック" panose="020B0609070205080204" pitchFamily="49" charset="-128"/>
+              </a:rPr>
+              <a:t>Weapon</a:t>
+            </a:r>
+            <a:r>
+              <a:rPr lang="en-US" altLang="ja-JP" sz="2600" dirty="0">
+                <a:solidFill>
+                  <a:srgbClr val="000000"/>
+                </a:solidFill>
+                <a:ea typeface="ＭＳ ゴシック" panose="020B0609070205080204" pitchFamily="49" charset="-128"/>
+              </a:rPr>
+              <a:t>(</a:t>
+            </a:r>
+            <a:r>
+              <a:rPr lang="en-US" altLang="ja-JP" sz="2600" dirty="0" err="1">
+                <a:solidFill>
+                  <a:srgbClr val="FF00FF"/>
+                </a:solidFill>
+                <a:ea typeface="ＭＳ ゴシック" panose="020B0609070205080204" pitchFamily="49" charset="-128"/>
+              </a:rPr>
+              <a:t>vec</a:t>
+            </a:r>
+            <a:r>
+              <a:rPr lang="en-US" altLang="ja-JP" sz="2600" dirty="0">
+                <a:solidFill>
+                  <a:srgbClr val="008080"/>
+                </a:solidFill>
+                <a:ea typeface="ＭＳ ゴシック" panose="020B0609070205080204" pitchFamily="49" charset="-128"/>
+              </a:rPr>
+              <a:t>[</a:t>
+            </a:r>
+            <a:r>
+              <a:rPr lang="en-US" altLang="ja-JP" sz="2600" dirty="0">
+                <a:solidFill>
+                  <a:srgbClr val="000000"/>
+                </a:solidFill>
+                <a:ea typeface="ＭＳ ゴシック" panose="020B0609070205080204" pitchFamily="49" charset="-128"/>
+              </a:rPr>
+              <a:t>0</a:t>
+            </a:r>
+            <a:r>
+              <a:rPr lang="en-US" altLang="ja-JP" sz="2600" dirty="0">
+                <a:solidFill>
+                  <a:srgbClr val="008080"/>
+                </a:solidFill>
+                <a:ea typeface="ＭＳ ゴシック" panose="020B0609070205080204" pitchFamily="49" charset="-128"/>
+              </a:rPr>
+              <a:t>]</a:t>
+            </a:r>
+            <a:r>
+              <a:rPr lang="en-US" altLang="ja-JP" sz="2600" dirty="0">
+                <a:solidFill>
+                  <a:srgbClr val="000000"/>
+                </a:solidFill>
+                <a:ea typeface="ＭＳ ゴシック" panose="020B0609070205080204" pitchFamily="49" charset="-128"/>
+              </a:rPr>
+              <a:t>, </a:t>
+            </a:r>
+            <a:r>
+              <a:rPr lang="en-US" altLang="ja-JP" sz="2600" dirty="0" err="1">
+                <a:solidFill>
+                  <a:srgbClr val="000000"/>
+                </a:solidFill>
+                <a:ea typeface="ＭＳ ゴシック" panose="020B0609070205080204" pitchFamily="49" charset="-128"/>
+              </a:rPr>
+              <a:t>stoi</a:t>
+            </a:r>
+            <a:r>
+              <a:rPr lang="en-US" altLang="ja-JP" sz="2600" dirty="0">
+                <a:solidFill>
+                  <a:srgbClr val="000000"/>
+                </a:solidFill>
+                <a:ea typeface="ＭＳ ゴシック" panose="020B0609070205080204" pitchFamily="49" charset="-128"/>
+              </a:rPr>
+              <a:t>(</a:t>
+            </a:r>
+            <a:r>
+              <a:rPr lang="en-US" altLang="ja-JP" sz="2600" dirty="0" err="1">
+                <a:solidFill>
+                  <a:srgbClr val="FF00FF"/>
+                </a:solidFill>
+                <a:ea typeface="ＭＳ ゴシック" panose="020B0609070205080204" pitchFamily="49" charset="-128"/>
+              </a:rPr>
+              <a:t>vec</a:t>
+            </a:r>
+            <a:r>
+              <a:rPr lang="en-US" altLang="ja-JP" sz="2600" dirty="0">
+                <a:solidFill>
+                  <a:srgbClr val="008080"/>
+                </a:solidFill>
+                <a:ea typeface="ＭＳ ゴシック" panose="020B0609070205080204" pitchFamily="49" charset="-128"/>
+              </a:rPr>
+              <a:t>[</a:t>
+            </a:r>
+            <a:r>
+              <a:rPr lang="en-US" altLang="ja-JP" sz="2600" dirty="0">
+                <a:solidFill>
+                  <a:srgbClr val="000000"/>
+                </a:solidFill>
+                <a:ea typeface="ＭＳ ゴシック" panose="020B0609070205080204" pitchFamily="49" charset="-128"/>
+              </a:rPr>
+              <a:t>1</a:t>
+            </a:r>
+            <a:r>
+              <a:rPr lang="en-US" altLang="ja-JP" sz="2600" dirty="0">
+                <a:solidFill>
+                  <a:srgbClr val="008080"/>
+                </a:solidFill>
+                <a:ea typeface="ＭＳ ゴシック" panose="020B0609070205080204" pitchFamily="49" charset="-128"/>
+              </a:rPr>
+              <a:t>]</a:t>
+            </a:r>
+            <a:r>
+              <a:rPr lang="en-US" altLang="ja-JP" sz="2600" dirty="0">
+                <a:solidFill>
+                  <a:srgbClr val="000000"/>
+                </a:solidFill>
+                <a:ea typeface="ＭＳ ゴシック" panose="020B0609070205080204" pitchFamily="49" charset="-128"/>
+              </a:rPr>
+              <a:t>)</a:t>
+            </a:r>
+            <a:br>
+              <a:rPr lang="en-US" altLang="ja-JP" sz="2600" dirty="0">
+                <a:solidFill>
+                  <a:srgbClr val="000000"/>
+                </a:solidFill>
+                <a:ea typeface="ＭＳ ゴシック" panose="020B0609070205080204" pitchFamily="49" charset="-128"/>
+              </a:rPr>
+            </a:br>
+            <a:r>
+              <a:rPr lang="en-US" altLang="ja-JP" sz="2600" dirty="0">
+                <a:solidFill>
+                  <a:srgbClr val="000000"/>
+                </a:solidFill>
+                <a:ea typeface="ＭＳ ゴシック" panose="020B0609070205080204" pitchFamily="49" charset="-128"/>
+              </a:rPr>
+              <a:t>                 , </a:t>
+            </a:r>
+            <a:r>
+              <a:rPr lang="en-US" altLang="ja-JP" sz="2600" dirty="0" err="1">
+                <a:solidFill>
+                  <a:srgbClr val="000000"/>
+                </a:solidFill>
+                <a:ea typeface="ＭＳ ゴシック" panose="020B0609070205080204" pitchFamily="49" charset="-128"/>
+              </a:rPr>
+              <a:t>stoi</a:t>
+            </a:r>
+            <a:r>
+              <a:rPr lang="en-US" altLang="ja-JP" sz="2600" dirty="0">
+                <a:solidFill>
+                  <a:srgbClr val="000000"/>
+                </a:solidFill>
+                <a:ea typeface="ＭＳ ゴシック" panose="020B0609070205080204" pitchFamily="49" charset="-128"/>
+              </a:rPr>
+              <a:t>(</a:t>
+            </a:r>
+            <a:r>
+              <a:rPr lang="en-US" altLang="ja-JP" sz="2600" dirty="0" err="1">
+                <a:solidFill>
+                  <a:srgbClr val="FF00FF"/>
+                </a:solidFill>
+                <a:ea typeface="ＭＳ ゴシック" panose="020B0609070205080204" pitchFamily="49" charset="-128"/>
+              </a:rPr>
+              <a:t>vec</a:t>
+            </a:r>
+            <a:r>
+              <a:rPr lang="en-US" altLang="ja-JP" sz="2600" dirty="0">
+                <a:solidFill>
+                  <a:srgbClr val="008080"/>
+                </a:solidFill>
+                <a:ea typeface="ＭＳ ゴシック" panose="020B0609070205080204" pitchFamily="49" charset="-128"/>
+              </a:rPr>
+              <a:t>[</a:t>
+            </a:r>
+            <a:r>
+              <a:rPr lang="en-US" altLang="ja-JP" sz="2600" dirty="0">
+                <a:solidFill>
+                  <a:srgbClr val="000000"/>
+                </a:solidFill>
+                <a:ea typeface="ＭＳ ゴシック" panose="020B0609070205080204" pitchFamily="49" charset="-128"/>
+              </a:rPr>
+              <a:t>2</a:t>
+            </a:r>
+            <a:r>
+              <a:rPr lang="en-US" altLang="ja-JP" sz="2600" dirty="0">
+                <a:solidFill>
+                  <a:srgbClr val="008080"/>
+                </a:solidFill>
+                <a:ea typeface="ＭＳ ゴシック" panose="020B0609070205080204" pitchFamily="49" charset="-128"/>
+              </a:rPr>
+              <a:t>]</a:t>
+            </a:r>
+            <a:r>
+              <a:rPr lang="en-US" altLang="ja-JP" sz="2600" dirty="0">
+                <a:solidFill>
+                  <a:srgbClr val="000000"/>
+                </a:solidFill>
+                <a:ea typeface="ＭＳ ゴシック" panose="020B0609070205080204" pitchFamily="49" charset="-128"/>
+              </a:rPr>
+              <a:t>), </a:t>
+            </a:r>
+            <a:r>
+              <a:rPr lang="en-US" altLang="ja-JP" sz="2600" dirty="0" err="1">
+                <a:solidFill>
+                  <a:srgbClr val="000000"/>
+                </a:solidFill>
+                <a:ea typeface="ＭＳ ゴシック" panose="020B0609070205080204" pitchFamily="49" charset="-128"/>
+              </a:rPr>
+              <a:t>stoi</a:t>
+            </a:r>
+            <a:r>
+              <a:rPr lang="en-US" altLang="ja-JP" sz="2600" dirty="0">
+                <a:solidFill>
+                  <a:srgbClr val="000000"/>
+                </a:solidFill>
+                <a:ea typeface="ＭＳ ゴシック" panose="020B0609070205080204" pitchFamily="49" charset="-128"/>
+              </a:rPr>
+              <a:t>(</a:t>
+            </a:r>
+            <a:r>
+              <a:rPr lang="en-US" altLang="ja-JP" sz="2600" dirty="0" err="1">
+                <a:solidFill>
+                  <a:srgbClr val="FF00FF"/>
+                </a:solidFill>
+                <a:ea typeface="ＭＳ ゴシック" panose="020B0609070205080204" pitchFamily="49" charset="-128"/>
+              </a:rPr>
+              <a:t>vec</a:t>
+            </a:r>
+            <a:r>
+              <a:rPr lang="en-US" altLang="ja-JP" sz="2600" dirty="0">
+                <a:solidFill>
+                  <a:srgbClr val="008080"/>
+                </a:solidFill>
+                <a:ea typeface="ＭＳ ゴシック" panose="020B0609070205080204" pitchFamily="49" charset="-128"/>
+              </a:rPr>
+              <a:t>[</a:t>
+            </a:r>
+            <a:r>
+              <a:rPr lang="en-US" altLang="ja-JP" sz="2600" dirty="0">
+                <a:solidFill>
+                  <a:srgbClr val="000000"/>
+                </a:solidFill>
+                <a:ea typeface="ＭＳ ゴシック" panose="020B0609070205080204" pitchFamily="49" charset="-128"/>
+              </a:rPr>
+              <a:t>3</a:t>
+            </a:r>
+            <a:r>
+              <a:rPr lang="en-US" altLang="ja-JP" sz="2600" dirty="0">
+                <a:solidFill>
+                  <a:srgbClr val="008080"/>
+                </a:solidFill>
+                <a:ea typeface="ＭＳ ゴシック" panose="020B0609070205080204" pitchFamily="49" charset="-128"/>
+              </a:rPr>
+              <a:t>]</a:t>
+            </a:r>
+            <a:r>
+              <a:rPr lang="en-US" altLang="ja-JP" sz="2600" dirty="0">
+                <a:solidFill>
+                  <a:srgbClr val="000000"/>
+                </a:solidFill>
+                <a:ea typeface="ＭＳ ゴシック" panose="020B0609070205080204" pitchFamily="49" charset="-128"/>
+              </a:rPr>
+              <a:t>)));</a:t>
+            </a:r>
+            <a:br>
+              <a:rPr lang="en-US" altLang="ja-JP" sz="2600" dirty="0">
+                <a:solidFill>
+                  <a:srgbClr val="000000"/>
+                </a:solidFill>
+                <a:ea typeface="ＭＳ ゴシック" panose="020B0609070205080204" pitchFamily="49" charset="-128"/>
+              </a:rPr>
+            </a:br>
+            <a:r>
+              <a:rPr lang="en-US" altLang="ja-JP" sz="2600" dirty="0">
+                <a:solidFill>
+                  <a:srgbClr val="000000"/>
+                </a:solidFill>
+                <a:ea typeface="ＭＳ ゴシック" panose="020B0609070205080204" pitchFamily="49" charset="-128"/>
+              </a:rPr>
+              <a:t>    </a:t>
+            </a:r>
+            <a:r>
+              <a:rPr lang="en-US" altLang="ja-JP" sz="2600" dirty="0" err="1">
+                <a:solidFill>
+                  <a:srgbClr val="FF00FF"/>
+                </a:solidFill>
+                <a:ea typeface="ＭＳ ゴシック" panose="020B0609070205080204" pitchFamily="49" charset="-128"/>
+              </a:rPr>
+              <a:t>vec</a:t>
+            </a:r>
+            <a:r>
+              <a:rPr lang="en-US" altLang="ja-JP" sz="2600" dirty="0" err="1">
+                <a:solidFill>
+                  <a:srgbClr val="000000"/>
+                </a:solidFill>
+                <a:ea typeface="ＭＳ ゴシック" panose="020B0609070205080204" pitchFamily="49" charset="-128"/>
+              </a:rPr>
+              <a:t>.clear</a:t>
+            </a:r>
+            <a:r>
+              <a:rPr lang="en-US" altLang="ja-JP" sz="2600" dirty="0">
+                <a:solidFill>
+                  <a:srgbClr val="000000"/>
+                </a:solidFill>
+                <a:ea typeface="ＭＳ ゴシック" panose="020B0609070205080204" pitchFamily="49" charset="-128"/>
+              </a:rPr>
+              <a:t>();</a:t>
+            </a:r>
+            <a:r>
+              <a:rPr lang="en-US" altLang="ja-JP" sz="2600" dirty="0">
+                <a:solidFill>
+                  <a:srgbClr val="008000"/>
+                </a:solidFill>
+                <a:ea typeface="ＭＳ ゴシック" panose="020B0609070205080204" pitchFamily="49" charset="-128"/>
+              </a:rPr>
+              <a:t> //</a:t>
+            </a:r>
+            <a:r>
+              <a:rPr lang="ja-JP" altLang="en-US" sz="2600" dirty="0">
+                <a:solidFill>
+                  <a:srgbClr val="008000"/>
+                </a:solidFill>
+                <a:ea typeface="ＭＳ ゴシック" panose="020B0609070205080204" pitchFamily="49" charset="-128"/>
+              </a:rPr>
+              <a:t>一行読み終わったら</a:t>
+            </a:r>
+            <a:r>
+              <a:rPr lang="en-US" altLang="ja-JP" sz="2600" dirty="0" err="1">
+                <a:solidFill>
+                  <a:srgbClr val="008000"/>
+                </a:solidFill>
+                <a:ea typeface="ＭＳ ゴシック" panose="020B0609070205080204" pitchFamily="49" charset="-128"/>
+              </a:rPr>
+              <a:t>vec</a:t>
+            </a:r>
+            <a:r>
+              <a:rPr lang="ja-JP" altLang="en-US" sz="2600" dirty="0">
+                <a:solidFill>
+                  <a:srgbClr val="008000"/>
+                </a:solidFill>
+                <a:ea typeface="ＭＳ ゴシック" panose="020B0609070205080204" pitchFamily="49" charset="-128"/>
+              </a:rPr>
+              <a:t>の全要素を削除</a:t>
+            </a:r>
+            <a:br>
+              <a:rPr lang="en-US" altLang="ja-JP" sz="2600" dirty="0">
+                <a:solidFill>
+                  <a:srgbClr val="000000"/>
+                </a:solidFill>
+                <a:ea typeface="ＭＳ ゴシック" panose="020B0609070205080204" pitchFamily="49" charset="-128"/>
+              </a:rPr>
+            </a:br>
+            <a:r>
+              <a:rPr lang="en-US" altLang="ja-JP" sz="2600" dirty="0">
+                <a:solidFill>
+                  <a:srgbClr val="000000"/>
+                </a:solidFill>
+                <a:ea typeface="ＭＳ ゴシック" panose="020B0609070205080204" pitchFamily="49" charset="-128"/>
+              </a:rPr>
+              <a:t>  }</a:t>
+            </a:r>
+            <a:br>
+              <a:rPr lang="en-US" altLang="ja-JP" sz="2600" dirty="0">
+                <a:solidFill>
+                  <a:srgbClr val="000000"/>
+                </a:solidFill>
+                <a:ea typeface="ＭＳ ゴシック" panose="020B0609070205080204" pitchFamily="49" charset="-128"/>
+              </a:rPr>
+            </a:br>
+            <a:r>
+              <a:rPr lang="en-US" altLang="ja-JP" sz="2600" dirty="0">
+                <a:solidFill>
+                  <a:srgbClr val="000000"/>
+                </a:solidFill>
+                <a:ea typeface="ＭＳ ゴシック" panose="020B0609070205080204" pitchFamily="49" charset="-128"/>
+              </a:rPr>
+              <a:t>  </a:t>
+            </a:r>
+            <a:r>
+              <a:rPr lang="en-US" altLang="ja-JP" sz="2600" dirty="0" err="1">
+                <a:solidFill>
+                  <a:srgbClr val="000000"/>
+                </a:solidFill>
+                <a:ea typeface="ＭＳ ゴシック" panose="020B0609070205080204" pitchFamily="49" charset="-128"/>
+              </a:rPr>
+              <a:t>ifs.close</a:t>
+            </a:r>
+            <a:r>
+              <a:rPr lang="en-US" altLang="ja-JP" sz="2600" dirty="0">
+                <a:solidFill>
+                  <a:srgbClr val="000000"/>
+                </a:solidFill>
+                <a:ea typeface="ＭＳ ゴシック" panose="020B0609070205080204" pitchFamily="49" charset="-128"/>
+              </a:rPr>
+              <a:t>();</a:t>
+            </a:r>
+            <a:br>
+              <a:rPr lang="en-US" altLang="ja-JP" sz="2600" dirty="0">
+                <a:solidFill>
+                  <a:srgbClr val="000000"/>
+                </a:solidFill>
+                <a:ea typeface="ＭＳ ゴシック" panose="020B0609070205080204" pitchFamily="49" charset="-128"/>
+              </a:rPr>
+            </a:br>
+            <a:r>
+              <a:rPr lang="en-US" altLang="ja-JP" sz="2600" dirty="0">
+                <a:solidFill>
+                  <a:srgbClr val="000000"/>
+                </a:solidFill>
+                <a:ea typeface="ＭＳ ゴシック" panose="020B0609070205080204" pitchFamily="49" charset="-128"/>
+              </a:rPr>
+              <a:t>  </a:t>
+            </a:r>
+            <a:r>
+              <a:rPr lang="nn-NO" altLang="ja-JP" sz="2600" dirty="0">
+                <a:solidFill>
+                  <a:srgbClr val="0000FF"/>
+                </a:solidFill>
+                <a:ea typeface="ＭＳ ゴシック" panose="020B0609070205080204" pitchFamily="49" charset="-128"/>
+              </a:rPr>
+              <a:t>for</a:t>
+            </a:r>
+            <a:r>
+              <a:rPr lang="nn-NO" altLang="ja-JP" sz="2600" dirty="0">
+                <a:solidFill>
+                  <a:srgbClr val="000000"/>
+                </a:solidFill>
+                <a:ea typeface="ＭＳ ゴシック" panose="020B0609070205080204" pitchFamily="49" charset="-128"/>
+              </a:rPr>
+              <a:t> (</a:t>
+            </a:r>
+            <a:r>
+              <a:rPr lang="nn-NO" altLang="ja-JP" sz="2600" dirty="0">
+                <a:solidFill>
+                  <a:srgbClr val="0000FF"/>
+                </a:solidFill>
+                <a:ea typeface="ＭＳ ゴシック" panose="020B0609070205080204" pitchFamily="49" charset="-128"/>
+              </a:rPr>
+              <a:t>int</a:t>
+            </a:r>
+            <a:r>
+              <a:rPr lang="nn-NO" altLang="ja-JP" sz="2600" dirty="0">
+                <a:solidFill>
+                  <a:srgbClr val="000000"/>
+                </a:solidFill>
+                <a:ea typeface="ＭＳ ゴシック" panose="020B0609070205080204" pitchFamily="49" charset="-128"/>
+              </a:rPr>
+              <a:t> i = 0; i &lt; vWpn.size(); i++) {</a:t>
+            </a:r>
+            <a:br>
+              <a:rPr lang="nn-NO" altLang="ja-JP" sz="2600" dirty="0">
+                <a:solidFill>
+                  <a:srgbClr val="000000"/>
+                </a:solidFill>
+                <a:ea typeface="ＭＳ ゴシック" panose="020B0609070205080204" pitchFamily="49" charset="-128"/>
+              </a:rPr>
+            </a:br>
+            <a:r>
+              <a:rPr lang="nn-NO" altLang="ja-JP" sz="2600" dirty="0">
+                <a:solidFill>
+                  <a:srgbClr val="000000"/>
+                </a:solidFill>
+                <a:ea typeface="ＭＳ ゴシック" panose="020B0609070205080204" pitchFamily="49" charset="-128"/>
+              </a:rPr>
+              <a:t>    cout </a:t>
+            </a:r>
+            <a:r>
+              <a:rPr lang="nn-NO" altLang="ja-JP" sz="2600" dirty="0">
+                <a:solidFill>
+                  <a:srgbClr val="008080"/>
+                </a:solidFill>
+                <a:ea typeface="ＭＳ ゴシック" panose="020B0609070205080204" pitchFamily="49" charset="-128"/>
+              </a:rPr>
+              <a:t>&lt;&lt;</a:t>
+            </a:r>
+            <a:r>
+              <a:rPr lang="nn-NO" altLang="ja-JP" sz="2600" dirty="0">
+                <a:solidFill>
+                  <a:srgbClr val="000000"/>
+                </a:solidFill>
+                <a:ea typeface="ＭＳ ゴシック" panose="020B0609070205080204" pitchFamily="49" charset="-128"/>
+              </a:rPr>
+              <a:t> i </a:t>
+            </a:r>
+            <a:r>
+              <a:rPr lang="nn-NO" altLang="ja-JP" sz="2600" dirty="0">
+                <a:solidFill>
+                  <a:srgbClr val="008080"/>
+                </a:solidFill>
+                <a:ea typeface="ＭＳ ゴシック" panose="020B0609070205080204" pitchFamily="49" charset="-128"/>
+              </a:rPr>
+              <a:t>&lt;&lt;</a:t>
+            </a:r>
+            <a:r>
+              <a:rPr lang="nn-NO" altLang="ja-JP" sz="2600" dirty="0">
+                <a:solidFill>
+                  <a:srgbClr val="000000"/>
+                </a:solidFill>
+                <a:ea typeface="ＭＳ ゴシック" panose="020B0609070205080204" pitchFamily="49" charset="-128"/>
+              </a:rPr>
+              <a:t> </a:t>
+            </a:r>
+            <a:r>
+              <a:rPr lang="nn-NO" altLang="ja-JP" sz="2600" dirty="0">
+                <a:solidFill>
+                  <a:srgbClr val="A31515"/>
+                </a:solidFill>
+                <a:ea typeface="ＭＳ ゴシック" panose="020B0609070205080204" pitchFamily="49" charset="-128"/>
+              </a:rPr>
+              <a:t>":"</a:t>
+            </a:r>
+            <a:r>
+              <a:rPr lang="nn-NO" altLang="ja-JP" sz="2600" dirty="0">
+                <a:solidFill>
+                  <a:srgbClr val="000000"/>
+                </a:solidFill>
+                <a:ea typeface="ＭＳ ゴシック" panose="020B0609070205080204" pitchFamily="49" charset="-128"/>
+              </a:rPr>
+              <a:t> </a:t>
+            </a:r>
+            <a:r>
+              <a:rPr lang="nn-NO" altLang="ja-JP" sz="2600" dirty="0">
+                <a:solidFill>
+                  <a:srgbClr val="008080"/>
+                </a:solidFill>
+                <a:ea typeface="ＭＳ ゴシック" panose="020B0609070205080204" pitchFamily="49" charset="-128"/>
+              </a:rPr>
+              <a:t>&lt;&lt;</a:t>
+            </a:r>
+            <a:r>
+              <a:rPr lang="nn-NO" altLang="ja-JP" sz="2600" dirty="0">
+                <a:solidFill>
+                  <a:srgbClr val="000000"/>
+                </a:solidFill>
+                <a:ea typeface="ＭＳ ゴシック" panose="020B0609070205080204" pitchFamily="49" charset="-128"/>
+              </a:rPr>
+              <a:t> vWpn</a:t>
+            </a:r>
+            <a:r>
+              <a:rPr lang="nn-NO" altLang="ja-JP" sz="2600" dirty="0">
+                <a:solidFill>
+                  <a:srgbClr val="008080"/>
+                </a:solidFill>
+                <a:ea typeface="ＭＳ ゴシック" panose="020B0609070205080204" pitchFamily="49" charset="-128"/>
+              </a:rPr>
+              <a:t>[</a:t>
+            </a:r>
+            <a:r>
+              <a:rPr lang="nn-NO" altLang="ja-JP" sz="2600" dirty="0">
+                <a:solidFill>
+                  <a:srgbClr val="000000"/>
+                </a:solidFill>
+                <a:ea typeface="ＭＳ ゴシック" panose="020B0609070205080204" pitchFamily="49" charset="-128"/>
+              </a:rPr>
+              <a:t>i</a:t>
+            </a:r>
+            <a:r>
+              <a:rPr lang="nn-NO" altLang="ja-JP" sz="2600" dirty="0">
+                <a:solidFill>
+                  <a:srgbClr val="008080"/>
+                </a:solidFill>
+                <a:ea typeface="ＭＳ ゴシック" panose="020B0609070205080204" pitchFamily="49" charset="-128"/>
+              </a:rPr>
+              <a:t>]</a:t>
+            </a:r>
+            <a:r>
+              <a:rPr lang="nn-NO" altLang="ja-JP" sz="2600" dirty="0">
+                <a:solidFill>
+                  <a:srgbClr val="000000"/>
+                </a:solidFill>
+                <a:ea typeface="ＭＳ ゴシック" panose="020B0609070205080204" pitchFamily="49" charset="-128"/>
+              </a:rPr>
+              <a:t>-&gt;getName() </a:t>
+            </a:r>
+            <a:r>
+              <a:rPr lang="nn-NO" altLang="ja-JP" sz="2600" dirty="0">
+                <a:solidFill>
+                  <a:srgbClr val="008080"/>
+                </a:solidFill>
+                <a:ea typeface="ＭＳ ゴシック" panose="020B0609070205080204" pitchFamily="49" charset="-128"/>
+              </a:rPr>
+              <a:t>&lt;&lt;</a:t>
+            </a:r>
+            <a:r>
+              <a:rPr lang="nn-NO" altLang="ja-JP" sz="2600" dirty="0">
+                <a:solidFill>
+                  <a:srgbClr val="000000"/>
+                </a:solidFill>
+                <a:ea typeface="ＭＳ ゴシック" panose="020B0609070205080204" pitchFamily="49" charset="-128"/>
+              </a:rPr>
+              <a:t> </a:t>
+            </a:r>
+            <a:r>
+              <a:rPr lang="nn-NO" altLang="ja-JP" sz="2600" dirty="0">
+                <a:solidFill>
+                  <a:srgbClr val="A31515"/>
+                </a:solidFill>
+                <a:ea typeface="ＭＳ ゴシック" panose="020B0609070205080204" pitchFamily="49" charset="-128"/>
+              </a:rPr>
+              <a:t>"\t"</a:t>
+            </a:r>
+            <a:r>
+              <a:rPr lang="nn-NO" altLang="ja-JP" sz="2600" dirty="0">
+                <a:solidFill>
+                  <a:srgbClr val="000000"/>
+                </a:solidFill>
+                <a:ea typeface="ＭＳ ゴシック" panose="020B0609070205080204" pitchFamily="49" charset="-128"/>
+              </a:rPr>
+              <a:t>;</a:t>
+            </a:r>
+            <a:br>
+              <a:rPr lang="nn-NO" altLang="ja-JP" sz="2600" dirty="0">
+                <a:solidFill>
+                  <a:srgbClr val="000000"/>
+                </a:solidFill>
+                <a:ea typeface="ＭＳ ゴシック" panose="020B0609070205080204" pitchFamily="49" charset="-128"/>
+              </a:rPr>
+            </a:br>
+            <a:r>
+              <a:rPr lang="nn-NO" altLang="ja-JP" sz="2600" dirty="0">
+                <a:solidFill>
+                  <a:srgbClr val="000000"/>
+                </a:solidFill>
+                <a:ea typeface="ＭＳ ゴシック" panose="020B0609070205080204" pitchFamily="49" charset="-128"/>
+              </a:rPr>
+              <a:t>    </a:t>
+            </a:r>
+            <a:r>
+              <a:rPr lang="en-US" altLang="ja-JP" sz="2600" dirty="0">
+                <a:solidFill>
+                  <a:srgbClr val="0000FF"/>
+                </a:solidFill>
+                <a:ea typeface="ＭＳ ゴシック" panose="020B0609070205080204" pitchFamily="49" charset="-128"/>
+              </a:rPr>
+              <a:t>if</a:t>
+            </a:r>
+            <a:r>
+              <a:rPr lang="en-US" altLang="ja-JP" sz="2600" dirty="0">
+                <a:solidFill>
+                  <a:srgbClr val="000000"/>
+                </a:solidFill>
+                <a:ea typeface="ＭＳ ゴシック" panose="020B0609070205080204" pitchFamily="49" charset="-128"/>
+              </a:rPr>
+              <a:t> (</a:t>
+            </a:r>
+            <a:r>
+              <a:rPr lang="en-US" altLang="ja-JP" sz="2600" dirty="0" err="1">
+                <a:solidFill>
+                  <a:srgbClr val="000000"/>
+                </a:solidFill>
+                <a:ea typeface="ＭＳ ゴシック" panose="020B0609070205080204" pitchFamily="49" charset="-128"/>
+              </a:rPr>
+              <a:t>vWpn</a:t>
+            </a:r>
+            <a:r>
+              <a:rPr lang="en-US" altLang="ja-JP" sz="2600" dirty="0">
+                <a:solidFill>
+                  <a:srgbClr val="008080"/>
+                </a:solidFill>
+                <a:ea typeface="ＭＳ ゴシック" panose="020B0609070205080204" pitchFamily="49" charset="-128"/>
+              </a:rPr>
+              <a:t>[</a:t>
+            </a:r>
+            <a:r>
+              <a:rPr lang="en-US" altLang="ja-JP" sz="2600" dirty="0" err="1">
+                <a:solidFill>
+                  <a:srgbClr val="000000"/>
+                </a:solidFill>
+                <a:ea typeface="ＭＳ ゴシック" panose="020B0609070205080204" pitchFamily="49" charset="-128"/>
+              </a:rPr>
+              <a:t>i</a:t>
+            </a:r>
+            <a:r>
+              <a:rPr lang="en-US" altLang="ja-JP" sz="2600" dirty="0">
+                <a:solidFill>
+                  <a:srgbClr val="008080"/>
+                </a:solidFill>
+                <a:ea typeface="ＭＳ ゴシック" panose="020B0609070205080204" pitchFamily="49" charset="-128"/>
+              </a:rPr>
+              <a:t>]</a:t>
+            </a:r>
+            <a:r>
+              <a:rPr lang="en-US" altLang="ja-JP" sz="2600" dirty="0">
+                <a:solidFill>
+                  <a:srgbClr val="000000"/>
+                </a:solidFill>
+                <a:ea typeface="ＭＳ ゴシック" panose="020B0609070205080204" pitchFamily="49" charset="-128"/>
+              </a:rPr>
+              <a:t>-&gt;</a:t>
+            </a:r>
+            <a:r>
+              <a:rPr lang="en-US" altLang="ja-JP" sz="2600" dirty="0" err="1">
+                <a:solidFill>
+                  <a:srgbClr val="000000"/>
+                </a:solidFill>
+                <a:ea typeface="ＭＳ ゴシック" panose="020B0609070205080204" pitchFamily="49" charset="-128"/>
+              </a:rPr>
+              <a:t>getPrice</a:t>
+            </a:r>
+            <a:r>
+              <a:rPr lang="en-US" altLang="ja-JP" sz="2600" dirty="0">
+                <a:solidFill>
+                  <a:srgbClr val="000000"/>
+                </a:solidFill>
+                <a:ea typeface="ＭＳ ゴシック" panose="020B0609070205080204" pitchFamily="49" charset="-128"/>
+              </a:rPr>
+              <a:t>() &lt; 0) {</a:t>
+            </a:r>
+            <a:br>
+              <a:rPr lang="en-US" altLang="ja-JP" sz="2600" dirty="0">
+                <a:solidFill>
+                  <a:srgbClr val="000000"/>
+                </a:solidFill>
+                <a:ea typeface="ＭＳ ゴシック" panose="020B0609070205080204" pitchFamily="49" charset="-128"/>
+              </a:rPr>
+            </a:br>
+            <a:r>
+              <a:rPr lang="en-US" altLang="ja-JP" sz="2600" dirty="0">
+                <a:solidFill>
+                  <a:srgbClr val="000000"/>
+                </a:solidFill>
+                <a:ea typeface="ＭＳ ゴシック" panose="020B0609070205080204" pitchFamily="49" charset="-128"/>
+              </a:rPr>
+              <a:t>      </a:t>
+            </a:r>
+            <a:r>
+              <a:rPr lang="en-US" altLang="ja-JP" sz="2600" dirty="0" err="1">
+                <a:solidFill>
+                  <a:srgbClr val="000000"/>
+                </a:solidFill>
+                <a:ea typeface="ＭＳ ゴシック" panose="020B0609070205080204" pitchFamily="49" charset="-128"/>
+              </a:rPr>
+              <a:t>cout</a:t>
+            </a:r>
+            <a:r>
+              <a:rPr lang="en-US" altLang="ja-JP" sz="2600" dirty="0">
+                <a:solidFill>
+                  <a:srgbClr val="000000"/>
+                </a:solidFill>
+                <a:ea typeface="ＭＳ ゴシック" panose="020B0609070205080204" pitchFamily="49" charset="-128"/>
+              </a:rPr>
+              <a:t> </a:t>
+            </a:r>
+            <a:r>
+              <a:rPr lang="en-US" altLang="ja-JP" sz="2600" dirty="0">
+                <a:solidFill>
+                  <a:srgbClr val="008080"/>
+                </a:solidFill>
+                <a:ea typeface="ＭＳ ゴシック" panose="020B0609070205080204" pitchFamily="49" charset="-128"/>
+              </a:rPr>
+              <a:t>&lt;&lt;</a:t>
+            </a:r>
+            <a:r>
+              <a:rPr lang="en-US" altLang="ja-JP" sz="2600" dirty="0">
+                <a:solidFill>
+                  <a:srgbClr val="000000"/>
+                </a:solidFill>
+                <a:ea typeface="ＭＳ ゴシック" panose="020B0609070205080204" pitchFamily="49" charset="-128"/>
+              </a:rPr>
+              <a:t> right </a:t>
+            </a:r>
+            <a:r>
+              <a:rPr lang="en-US" altLang="ja-JP" sz="2600" dirty="0">
+                <a:solidFill>
+                  <a:srgbClr val="008080"/>
+                </a:solidFill>
+                <a:ea typeface="ＭＳ ゴシック" panose="020B0609070205080204" pitchFamily="49" charset="-128"/>
+              </a:rPr>
+              <a:t>&lt;&lt;</a:t>
+            </a:r>
+            <a:r>
+              <a:rPr lang="en-US" altLang="ja-JP" sz="2600" dirty="0">
+                <a:solidFill>
+                  <a:srgbClr val="000000"/>
+                </a:solidFill>
+                <a:ea typeface="ＭＳ ゴシック" panose="020B0609070205080204" pitchFamily="49" charset="-128"/>
+              </a:rPr>
+              <a:t> </a:t>
+            </a:r>
+            <a:r>
+              <a:rPr lang="en-US" altLang="ja-JP" sz="2600" dirty="0" err="1">
+                <a:solidFill>
+                  <a:srgbClr val="000000"/>
+                </a:solidFill>
+                <a:ea typeface="ＭＳ ゴシック" panose="020B0609070205080204" pitchFamily="49" charset="-128"/>
+              </a:rPr>
+              <a:t>setw</a:t>
+            </a:r>
+            <a:r>
+              <a:rPr lang="en-US" altLang="ja-JP" sz="2600" dirty="0">
+                <a:solidFill>
+                  <a:srgbClr val="000000"/>
+                </a:solidFill>
+                <a:ea typeface="ＭＳ ゴシック" panose="020B0609070205080204" pitchFamily="49" charset="-128"/>
+              </a:rPr>
+              <a:t>(9) </a:t>
+            </a:r>
+            <a:r>
+              <a:rPr lang="en-US" altLang="ja-JP" sz="2600" dirty="0">
+                <a:solidFill>
+                  <a:srgbClr val="008080"/>
+                </a:solidFill>
+                <a:ea typeface="ＭＳ ゴシック" panose="020B0609070205080204" pitchFamily="49" charset="-128"/>
+              </a:rPr>
+              <a:t>&lt;&lt;</a:t>
+            </a:r>
+            <a:r>
+              <a:rPr lang="en-US" altLang="ja-JP" sz="2600" dirty="0">
+                <a:solidFill>
+                  <a:srgbClr val="000000"/>
+                </a:solidFill>
+                <a:ea typeface="ＭＳ ゴシック" panose="020B0609070205080204" pitchFamily="49" charset="-128"/>
+              </a:rPr>
+              <a:t> </a:t>
+            </a:r>
+            <a:r>
+              <a:rPr lang="en-US" altLang="ja-JP" sz="2600" dirty="0">
+                <a:solidFill>
+                  <a:srgbClr val="A31515"/>
+                </a:solidFill>
+                <a:ea typeface="ＭＳ ゴシック" panose="020B0609070205080204" pitchFamily="49" charset="-128"/>
+              </a:rPr>
+              <a:t>"-</a:t>
+            </a:r>
+            <a:r>
+              <a:rPr lang="ja-JP" altLang="en-US" sz="2600" dirty="0">
+                <a:solidFill>
+                  <a:srgbClr val="A31515"/>
+                </a:solidFill>
+                <a:ea typeface="ＭＳ ゴシック" panose="020B0609070205080204" pitchFamily="49" charset="-128"/>
+              </a:rPr>
+              <a:t>非売品</a:t>
+            </a:r>
+            <a:r>
+              <a:rPr lang="en-US" altLang="ja-JP" sz="2600" dirty="0">
+                <a:solidFill>
+                  <a:srgbClr val="A31515"/>
+                </a:solidFill>
+                <a:ea typeface="ＭＳ ゴシック" panose="020B0609070205080204" pitchFamily="49" charset="-128"/>
+              </a:rPr>
+              <a:t>-"</a:t>
+            </a:r>
+            <a:r>
+              <a:rPr lang="en-US" altLang="ja-JP" sz="2600" dirty="0">
+                <a:solidFill>
+                  <a:srgbClr val="000000"/>
+                </a:solidFill>
+                <a:ea typeface="ＭＳ ゴシック" panose="020B0609070205080204" pitchFamily="49" charset="-128"/>
+              </a:rPr>
+              <a:t> </a:t>
+            </a:r>
+            <a:r>
+              <a:rPr lang="en-US" altLang="ja-JP" sz="2600" dirty="0">
+                <a:solidFill>
+                  <a:srgbClr val="008080"/>
+                </a:solidFill>
+                <a:ea typeface="ＭＳ ゴシック" panose="020B0609070205080204" pitchFamily="49" charset="-128"/>
+              </a:rPr>
+              <a:t>&lt;&lt;</a:t>
+            </a:r>
+            <a:r>
+              <a:rPr lang="en-US" altLang="ja-JP" sz="2600" dirty="0">
+                <a:solidFill>
+                  <a:srgbClr val="000000"/>
+                </a:solidFill>
+                <a:ea typeface="ＭＳ ゴシック" panose="020B0609070205080204" pitchFamily="49" charset="-128"/>
+              </a:rPr>
+              <a:t> </a:t>
+            </a:r>
+            <a:r>
+              <a:rPr lang="en-US" altLang="ja-JP" sz="2600" dirty="0" err="1">
+                <a:solidFill>
+                  <a:srgbClr val="000000"/>
+                </a:solidFill>
+                <a:ea typeface="ＭＳ ゴシック" panose="020B0609070205080204" pitchFamily="49" charset="-128"/>
+              </a:rPr>
+              <a:t>endl</a:t>
+            </a:r>
+            <a:r>
+              <a:rPr lang="en-US" altLang="ja-JP" sz="2600" dirty="0">
+                <a:solidFill>
+                  <a:srgbClr val="000000"/>
+                </a:solidFill>
+                <a:ea typeface="ＭＳ ゴシック" panose="020B0609070205080204" pitchFamily="49" charset="-128"/>
+              </a:rPr>
+              <a:t>;</a:t>
+            </a:r>
+            <a:br>
+              <a:rPr lang="en-US" altLang="ja-JP" sz="2600" dirty="0">
+                <a:solidFill>
+                  <a:srgbClr val="000000"/>
+                </a:solidFill>
+                <a:ea typeface="ＭＳ ゴシック" panose="020B0609070205080204" pitchFamily="49" charset="-128"/>
+              </a:rPr>
+            </a:br>
+            <a:r>
+              <a:rPr lang="en-US" altLang="ja-JP" sz="2600" dirty="0">
+                <a:solidFill>
+                  <a:srgbClr val="000000"/>
+                </a:solidFill>
+                <a:ea typeface="ＭＳ ゴシック" panose="020B0609070205080204" pitchFamily="49" charset="-128"/>
+              </a:rPr>
+              <a:t>    }</a:t>
+            </a:r>
+            <a:r>
+              <a:rPr lang="en-US" altLang="ja-JP" sz="2600" dirty="0">
+                <a:solidFill>
+                  <a:srgbClr val="008000"/>
+                </a:solidFill>
+                <a:ea typeface="ＭＳ ゴシック" panose="020B0609070205080204" pitchFamily="49" charset="-128"/>
+              </a:rPr>
+              <a:t>//right </a:t>
+            </a:r>
+            <a:r>
+              <a:rPr lang="ja-JP" altLang="en-US" sz="2600" dirty="0">
+                <a:solidFill>
+                  <a:srgbClr val="008000"/>
+                </a:solidFill>
+                <a:ea typeface="ＭＳ ゴシック" panose="020B0609070205080204" pitchFamily="49" charset="-128"/>
+              </a:rPr>
+              <a:t>は右揃え </a:t>
+            </a:r>
+            <a:r>
+              <a:rPr lang="en-US" altLang="ja-JP" sz="2600" dirty="0" err="1">
+                <a:solidFill>
+                  <a:srgbClr val="008000"/>
+                </a:solidFill>
+                <a:ea typeface="ＭＳ ゴシック" panose="020B0609070205080204" pitchFamily="49" charset="-128"/>
+              </a:rPr>
+              <a:t>setw</a:t>
+            </a:r>
+            <a:r>
+              <a:rPr lang="en-US" altLang="ja-JP" sz="2600" dirty="0">
+                <a:solidFill>
+                  <a:srgbClr val="008000"/>
+                </a:solidFill>
+                <a:ea typeface="ＭＳ ゴシック" panose="020B0609070205080204" pitchFamily="49" charset="-128"/>
+              </a:rPr>
+              <a:t>(</a:t>
+            </a:r>
+            <a:r>
+              <a:rPr lang="ja-JP" altLang="en-US" sz="2600" dirty="0">
+                <a:solidFill>
+                  <a:srgbClr val="008000"/>
+                </a:solidFill>
+                <a:ea typeface="ＭＳ ゴシック" panose="020B0609070205080204" pitchFamily="49" charset="-128"/>
+              </a:rPr>
+              <a:t>数値</a:t>
+            </a:r>
+            <a:r>
+              <a:rPr lang="en-US" altLang="ja-JP" sz="2600" dirty="0">
+                <a:solidFill>
+                  <a:srgbClr val="008000"/>
+                </a:solidFill>
+                <a:ea typeface="ＭＳ ゴシック" panose="020B0609070205080204" pitchFamily="49" charset="-128"/>
+              </a:rPr>
+              <a:t>)</a:t>
+            </a:r>
+            <a:r>
+              <a:rPr lang="ja-JP" altLang="en-US" sz="2600" dirty="0">
+                <a:solidFill>
+                  <a:srgbClr val="008000"/>
+                </a:solidFill>
+                <a:ea typeface="ＭＳ ゴシック" panose="020B0609070205080204" pitchFamily="49" charset="-128"/>
+              </a:rPr>
+              <a:t>は表示桁数</a:t>
+            </a:r>
+            <a:br>
+              <a:rPr lang="en-US" altLang="ja-JP" sz="2600" dirty="0">
+                <a:solidFill>
+                  <a:srgbClr val="008000"/>
+                </a:solidFill>
+                <a:ea typeface="ＭＳ ゴシック" panose="020B0609070205080204" pitchFamily="49" charset="-128"/>
+              </a:rPr>
+            </a:br>
+            <a:r>
+              <a:rPr lang="en-US" altLang="ja-JP" sz="2600" dirty="0">
+                <a:solidFill>
+                  <a:srgbClr val="008000"/>
+                </a:solidFill>
+                <a:ea typeface="ＭＳ ゴシック" panose="020B0609070205080204" pitchFamily="49" charset="-128"/>
+              </a:rPr>
+              <a:t>    </a:t>
+            </a:r>
+            <a:r>
+              <a:rPr lang="en-US" altLang="ja-JP" sz="2600" dirty="0">
+                <a:solidFill>
+                  <a:srgbClr val="0000FF"/>
+                </a:solidFill>
+                <a:ea typeface="ＭＳ ゴシック" panose="020B0609070205080204" pitchFamily="49" charset="-128"/>
+              </a:rPr>
+              <a:t>else</a:t>
+            </a:r>
+            <a:r>
+              <a:rPr lang="en-US" altLang="ja-JP" sz="2600" dirty="0">
+                <a:solidFill>
+                  <a:srgbClr val="000000"/>
+                </a:solidFill>
+                <a:ea typeface="ＭＳ ゴシック" panose="020B0609070205080204" pitchFamily="49" charset="-128"/>
+              </a:rPr>
+              <a:t> {</a:t>
+            </a:r>
+            <a:br>
+              <a:rPr lang="en-US" altLang="ja-JP" sz="2600" dirty="0">
+                <a:solidFill>
+                  <a:srgbClr val="000000"/>
+                </a:solidFill>
+                <a:ea typeface="ＭＳ ゴシック" panose="020B0609070205080204" pitchFamily="49" charset="-128"/>
+              </a:rPr>
+            </a:br>
+            <a:r>
+              <a:rPr lang="en-US" altLang="ja-JP" sz="2600" dirty="0">
+                <a:solidFill>
+                  <a:srgbClr val="000000"/>
+                </a:solidFill>
+                <a:ea typeface="ＭＳ ゴシック" panose="020B0609070205080204" pitchFamily="49" charset="-128"/>
+              </a:rPr>
+              <a:t>      </a:t>
+            </a:r>
+            <a:r>
+              <a:rPr lang="en-US" altLang="ja-JP" sz="2600" dirty="0" err="1">
+                <a:solidFill>
+                  <a:srgbClr val="000000"/>
+                </a:solidFill>
+                <a:ea typeface="ＭＳ ゴシック" panose="020B0609070205080204" pitchFamily="49" charset="-128"/>
+              </a:rPr>
+              <a:t>cout</a:t>
+            </a:r>
+            <a:r>
+              <a:rPr lang="en-US" altLang="ja-JP" sz="2600" dirty="0">
+                <a:solidFill>
+                  <a:srgbClr val="000000"/>
+                </a:solidFill>
+                <a:ea typeface="ＭＳ ゴシック" panose="020B0609070205080204" pitchFamily="49" charset="-128"/>
+              </a:rPr>
+              <a:t> </a:t>
+            </a:r>
+            <a:r>
+              <a:rPr lang="en-US" altLang="ja-JP" sz="2600" dirty="0">
+                <a:solidFill>
+                  <a:srgbClr val="008080"/>
+                </a:solidFill>
+                <a:ea typeface="ＭＳ ゴシック" panose="020B0609070205080204" pitchFamily="49" charset="-128"/>
+              </a:rPr>
+              <a:t>&lt;&lt;</a:t>
+            </a:r>
+            <a:r>
+              <a:rPr lang="en-US" altLang="ja-JP" sz="2600" dirty="0">
+                <a:solidFill>
+                  <a:srgbClr val="000000"/>
+                </a:solidFill>
+                <a:ea typeface="ＭＳ ゴシック" panose="020B0609070205080204" pitchFamily="49" charset="-128"/>
+              </a:rPr>
+              <a:t> right </a:t>
+            </a:r>
+            <a:r>
+              <a:rPr lang="en-US" altLang="ja-JP" sz="2600" dirty="0">
+                <a:solidFill>
+                  <a:srgbClr val="008080"/>
+                </a:solidFill>
+                <a:ea typeface="ＭＳ ゴシック" panose="020B0609070205080204" pitchFamily="49" charset="-128"/>
+              </a:rPr>
+              <a:t>&lt;&lt;</a:t>
+            </a:r>
+            <a:r>
+              <a:rPr lang="en-US" altLang="ja-JP" sz="2600" dirty="0">
+                <a:solidFill>
+                  <a:srgbClr val="000000"/>
+                </a:solidFill>
+                <a:ea typeface="ＭＳ ゴシック" panose="020B0609070205080204" pitchFamily="49" charset="-128"/>
+              </a:rPr>
+              <a:t> </a:t>
+            </a:r>
+            <a:r>
+              <a:rPr lang="en-US" altLang="ja-JP" sz="2600" dirty="0" err="1">
+                <a:solidFill>
+                  <a:srgbClr val="000000"/>
+                </a:solidFill>
+                <a:ea typeface="ＭＳ ゴシック" panose="020B0609070205080204" pitchFamily="49" charset="-128"/>
+              </a:rPr>
+              <a:t>setw</a:t>
+            </a:r>
+            <a:r>
+              <a:rPr lang="en-US" altLang="ja-JP" sz="2600" dirty="0">
+                <a:solidFill>
+                  <a:srgbClr val="000000"/>
+                </a:solidFill>
+                <a:ea typeface="ＭＳ ゴシック" panose="020B0609070205080204" pitchFamily="49" charset="-128"/>
+              </a:rPr>
+              <a:t>(8) </a:t>
+            </a:r>
+            <a:br>
+              <a:rPr lang="en-US" altLang="ja-JP" sz="2600" dirty="0">
+                <a:solidFill>
+                  <a:srgbClr val="000000"/>
+                </a:solidFill>
+                <a:ea typeface="ＭＳ ゴシック" panose="020B0609070205080204" pitchFamily="49" charset="-128"/>
+              </a:rPr>
+            </a:br>
+            <a:r>
+              <a:rPr lang="en-US" altLang="ja-JP" sz="2600" dirty="0">
+                <a:solidFill>
+                  <a:srgbClr val="000000"/>
+                </a:solidFill>
+                <a:ea typeface="ＭＳ ゴシック" panose="020B0609070205080204" pitchFamily="49" charset="-128"/>
+              </a:rPr>
+              <a:t>           </a:t>
+            </a:r>
+            <a:r>
+              <a:rPr lang="en-US" altLang="ja-JP" sz="2600" dirty="0">
+                <a:solidFill>
+                  <a:srgbClr val="008080"/>
+                </a:solidFill>
+                <a:ea typeface="ＭＳ ゴシック" panose="020B0609070205080204" pitchFamily="49" charset="-128"/>
+              </a:rPr>
+              <a:t>&lt;&lt;</a:t>
+            </a:r>
+            <a:r>
+              <a:rPr lang="en-US" altLang="ja-JP" sz="2600" dirty="0">
+                <a:solidFill>
+                  <a:srgbClr val="000000"/>
+                </a:solidFill>
+                <a:ea typeface="ＭＳ ゴシック" panose="020B0609070205080204" pitchFamily="49" charset="-128"/>
+              </a:rPr>
+              <a:t> </a:t>
+            </a:r>
+            <a:r>
+              <a:rPr lang="en-US" altLang="ja-JP" sz="2600" dirty="0" err="1">
+                <a:solidFill>
+                  <a:srgbClr val="000000"/>
+                </a:solidFill>
+                <a:ea typeface="ＭＳ ゴシック" panose="020B0609070205080204" pitchFamily="49" charset="-128"/>
+              </a:rPr>
+              <a:t>vWpn</a:t>
+            </a:r>
+            <a:r>
+              <a:rPr lang="en-US" altLang="ja-JP" sz="2600" dirty="0">
+                <a:solidFill>
+                  <a:srgbClr val="008080"/>
+                </a:solidFill>
+                <a:ea typeface="ＭＳ ゴシック" panose="020B0609070205080204" pitchFamily="49" charset="-128"/>
+              </a:rPr>
+              <a:t>[</a:t>
+            </a:r>
+            <a:r>
+              <a:rPr lang="en-US" altLang="ja-JP" sz="2600" dirty="0" err="1">
+                <a:solidFill>
+                  <a:srgbClr val="000000"/>
+                </a:solidFill>
+                <a:ea typeface="ＭＳ ゴシック" panose="020B0609070205080204" pitchFamily="49" charset="-128"/>
+              </a:rPr>
+              <a:t>i</a:t>
+            </a:r>
+            <a:r>
+              <a:rPr lang="en-US" altLang="ja-JP" sz="2600" dirty="0">
+                <a:solidFill>
+                  <a:srgbClr val="008080"/>
+                </a:solidFill>
+                <a:ea typeface="ＭＳ ゴシック" panose="020B0609070205080204" pitchFamily="49" charset="-128"/>
+              </a:rPr>
+              <a:t>]</a:t>
+            </a:r>
+            <a:r>
+              <a:rPr lang="en-US" altLang="ja-JP" sz="2600" dirty="0">
+                <a:solidFill>
+                  <a:srgbClr val="000000"/>
+                </a:solidFill>
+                <a:ea typeface="ＭＳ ゴシック" panose="020B0609070205080204" pitchFamily="49" charset="-128"/>
+              </a:rPr>
+              <a:t>-&gt;</a:t>
+            </a:r>
+            <a:r>
+              <a:rPr lang="en-US" altLang="ja-JP" sz="2600" dirty="0" err="1">
+                <a:solidFill>
+                  <a:srgbClr val="000000"/>
+                </a:solidFill>
+                <a:ea typeface="ＭＳ ゴシック" panose="020B0609070205080204" pitchFamily="49" charset="-128"/>
+              </a:rPr>
+              <a:t>getPrice</a:t>
+            </a:r>
+            <a:r>
+              <a:rPr lang="en-US" altLang="ja-JP" sz="2600" dirty="0">
+                <a:solidFill>
+                  <a:srgbClr val="000000"/>
+                </a:solidFill>
+                <a:ea typeface="ＭＳ ゴシック" panose="020B0609070205080204" pitchFamily="49" charset="-128"/>
+              </a:rPr>
+              <a:t>() </a:t>
+            </a:r>
+            <a:r>
+              <a:rPr lang="en-US" altLang="ja-JP" sz="2600" dirty="0">
+                <a:solidFill>
+                  <a:srgbClr val="008080"/>
+                </a:solidFill>
+                <a:ea typeface="ＭＳ ゴシック" panose="020B0609070205080204" pitchFamily="49" charset="-128"/>
+              </a:rPr>
+              <a:t>&lt;&lt;</a:t>
+            </a:r>
+            <a:r>
+              <a:rPr lang="en-US" altLang="ja-JP" sz="2600" dirty="0">
+                <a:solidFill>
+                  <a:srgbClr val="000000"/>
+                </a:solidFill>
+                <a:ea typeface="ＭＳ ゴシック" panose="020B0609070205080204" pitchFamily="49" charset="-128"/>
+              </a:rPr>
+              <a:t> </a:t>
+            </a:r>
+            <a:r>
+              <a:rPr lang="en-US" altLang="ja-JP" sz="2600" dirty="0">
+                <a:solidFill>
+                  <a:srgbClr val="A31515"/>
+                </a:solidFill>
+                <a:ea typeface="ＭＳ ゴシック" panose="020B0609070205080204" pitchFamily="49" charset="-128"/>
+              </a:rPr>
+              <a:t>"G"</a:t>
+            </a:r>
+            <a:r>
+              <a:rPr lang="en-US" altLang="ja-JP" sz="2600" dirty="0">
+                <a:solidFill>
+                  <a:srgbClr val="000000"/>
+                </a:solidFill>
+                <a:ea typeface="ＭＳ ゴシック" panose="020B0609070205080204" pitchFamily="49" charset="-128"/>
+              </a:rPr>
+              <a:t> </a:t>
+            </a:r>
+            <a:r>
+              <a:rPr lang="en-US" altLang="ja-JP" sz="2600" dirty="0">
+                <a:solidFill>
+                  <a:srgbClr val="008080"/>
+                </a:solidFill>
+                <a:ea typeface="ＭＳ ゴシック" panose="020B0609070205080204" pitchFamily="49" charset="-128"/>
+              </a:rPr>
+              <a:t>&lt;&lt;</a:t>
+            </a:r>
+            <a:r>
+              <a:rPr lang="en-US" altLang="ja-JP" sz="2600" dirty="0">
+                <a:solidFill>
+                  <a:srgbClr val="000000"/>
+                </a:solidFill>
+                <a:ea typeface="ＭＳ ゴシック" panose="020B0609070205080204" pitchFamily="49" charset="-128"/>
+              </a:rPr>
+              <a:t> </a:t>
+            </a:r>
+            <a:r>
+              <a:rPr lang="en-US" altLang="ja-JP" sz="2600" dirty="0" err="1">
+                <a:solidFill>
+                  <a:srgbClr val="000000"/>
+                </a:solidFill>
+                <a:ea typeface="ＭＳ ゴシック" panose="020B0609070205080204" pitchFamily="49" charset="-128"/>
+              </a:rPr>
+              <a:t>endl</a:t>
+            </a:r>
+            <a:r>
+              <a:rPr lang="en-US" altLang="ja-JP" sz="2600" dirty="0">
+                <a:solidFill>
+                  <a:srgbClr val="000000"/>
+                </a:solidFill>
+                <a:ea typeface="ＭＳ ゴシック" panose="020B0609070205080204" pitchFamily="49" charset="-128"/>
+              </a:rPr>
+              <a:t>;</a:t>
+            </a:r>
+            <a:br>
+              <a:rPr lang="en-US" altLang="ja-JP" sz="2600" dirty="0">
+                <a:solidFill>
+                  <a:srgbClr val="000000"/>
+                </a:solidFill>
+                <a:ea typeface="ＭＳ ゴシック" panose="020B0609070205080204" pitchFamily="49" charset="-128"/>
+              </a:rPr>
+            </a:br>
+            <a:r>
+              <a:rPr lang="en-US" altLang="ja-JP" sz="2600" dirty="0">
+                <a:solidFill>
+                  <a:srgbClr val="000000"/>
+                </a:solidFill>
+                <a:ea typeface="ＭＳ ゴシック" panose="020B0609070205080204" pitchFamily="49" charset="-128"/>
+              </a:rPr>
+              <a:t>    }</a:t>
+            </a:r>
+            <a:br>
+              <a:rPr lang="en-US" altLang="ja-JP" sz="2600" dirty="0">
+                <a:solidFill>
+                  <a:srgbClr val="000000"/>
+                </a:solidFill>
+                <a:ea typeface="ＭＳ ゴシック" panose="020B0609070205080204" pitchFamily="49" charset="-128"/>
+              </a:rPr>
+            </a:br>
+            <a:r>
+              <a:rPr lang="en-US" altLang="ja-JP" sz="2600" dirty="0">
+                <a:solidFill>
+                  <a:srgbClr val="000000"/>
+                </a:solidFill>
+                <a:ea typeface="ＭＳ ゴシック" panose="020B0609070205080204" pitchFamily="49" charset="-128"/>
+              </a:rPr>
+              <a:t>  }</a:t>
+            </a:r>
+            <a:endParaRPr lang="en-US" altLang="ja-JP" sz="2600" dirty="0"/>
+          </a:p>
+        </p:txBody>
+      </p:sp>
+      <p:sp>
+        <p:nvSpPr>
+          <p:cNvPr id="4" name="テキスト ボックス 3">
+            <a:extLst>
+              <a:ext uri="{FF2B5EF4-FFF2-40B4-BE49-F238E27FC236}">
+                <a16:creationId xmlns:a16="http://schemas.microsoft.com/office/drawing/2014/main" id="{79DC56B4-EE07-24CC-97B8-7E6257262EF2}"/>
+              </a:ext>
+            </a:extLst>
+          </p:cNvPr>
+          <p:cNvSpPr txBox="1"/>
+          <p:nvPr/>
+        </p:nvSpPr>
+        <p:spPr>
+          <a:xfrm>
+            <a:off x="7104919" y="639756"/>
+            <a:ext cx="3972562" cy="523220"/>
+          </a:xfrm>
+          <a:prstGeom prst="rect">
+            <a:avLst/>
+          </a:prstGeom>
+          <a:noFill/>
+        </p:spPr>
+        <p:txBody>
+          <a:bodyPr wrap="none" rtlCol="0">
+            <a:spAutoFit/>
+          </a:bodyPr>
+          <a:lstStyle/>
+          <a:p>
+            <a:r>
+              <a:rPr kumimoji="1" lang="en-US" altLang="ja-JP" sz="2800" dirty="0" err="1"/>
+              <a:t>PracCSV</a:t>
+            </a:r>
+            <a:r>
+              <a:rPr kumimoji="1" lang="en-US" altLang="ja-JP" sz="2800" dirty="0"/>
+              <a:t>(main.cpp)</a:t>
+            </a:r>
+            <a:endParaRPr kumimoji="1" lang="ja-JP" altLang="en-US" sz="2800" dirty="0"/>
+          </a:p>
+        </p:txBody>
+      </p:sp>
+    </p:spTree>
+    <p:extLst>
+      <p:ext uri="{BB962C8B-B14F-4D97-AF65-F5344CB8AC3E}">
+        <p14:creationId xmlns:p14="http://schemas.microsoft.com/office/powerpoint/2010/main" val="949764044"/>
+      </p:ext>
+    </p:extLst>
+  </p:cSld>
+  <p:clrMapOvr>
+    <a:masterClrMapping/>
+  </p:clrMapOvr>
+</p:sld>
+</file>
+
+<file path=ppt/slides/slide15.xml><?xml version="1.0" encoding="utf-8"?>
+<p:sld xmlns:a="http://schemas.openxmlformats.org/drawingml/2006/main" xmlns:r="http://schemas.openxmlformats.org/officeDocument/2006/relationships" xmlns:p="http://schemas.openxmlformats.org/presentationml/2006/main">
+  <p:cSld>
+    <p:spTree>
+      <p:nvGrpSpPr>
+        <p:cNvPr id="1" name="">
+          <a:extLst>
+            <a:ext uri="{FF2B5EF4-FFF2-40B4-BE49-F238E27FC236}">
+              <a16:creationId xmlns:a16="http://schemas.microsoft.com/office/drawing/2014/main" id="{4E4F6FC8-5AD4-BB84-E5D0-B57B2EF273DA}"/>
+            </a:ext>
+          </a:extLst>
+        </p:cNvPr>
+        <p:cNvGrpSpPr/>
+        <p:nvPr/>
+      </p:nvGrpSpPr>
+      <p:grpSpPr>
+        <a:xfrm>
+          <a:off x="0" y="0"/>
+          <a:ext cx="0" cy="0"/>
+          <a:chOff x="0" y="0"/>
+          <a:chExt cx="0" cy="0"/>
+        </a:xfrm>
+      </p:grpSpPr>
+      <p:sp>
+        <p:nvSpPr>
+          <p:cNvPr id="2" name="タイトル 1">
+            <a:extLst>
+              <a:ext uri="{FF2B5EF4-FFF2-40B4-BE49-F238E27FC236}">
+                <a16:creationId xmlns:a16="http://schemas.microsoft.com/office/drawing/2014/main" id="{3D16C0F0-7D64-80CC-962F-F4289987F2AC}"/>
+              </a:ext>
+            </a:extLst>
+          </p:cNvPr>
+          <p:cNvSpPr>
+            <a:spLocks noGrp="1"/>
+          </p:cNvSpPr>
+          <p:nvPr>
+            <p:ph type="title"/>
+          </p:nvPr>
+        </p:nvSpPr>
+        <p:spPr/>
+        <p:txBody>
+          <a:bodyPr/>
+          <a:lstStyle/>
+          <a:p>
+            <a:r>
+              <a:rPr kumimoji="1" lang="ja-JP" altLang="en-US" dirty="0"/>
+              <a:t>演習：</a:t>
+            </a:r>
+            <a:r>
+              <a:rPr kumimoji="1" lang="en-US" altLang="ja-JP" dirty="0"/>
+              <a:t>CSV</a:t>
+            </a:r>
+            <a:endParaRPr kumimoji="1" lang="ja-JP" altLang="en-US" dirty="0"/>
+          </a:p>
+        </p:txBody>
+      </p:sp>
+      <p:sp>
+        <p:nvSpPr>
+          <p:cNvPr id="3" name="コンテンツ プレースホルダー 2">
+            <a:extLst>
+              <a:ext uri="{FF2B5EF4-FFF2-40B4-BE49-F238E27FC236}">
+                <a16:creationId xmlns:a16="http://schemas.microsoft.com/office/drawing/2014/main" id="{A11511B0-609F-2583-9D15-4A291281E9BD}"/>
+              </a:ext>
+            </a:extLst>
+          </p:cNvPr>
+          <p:cNvSpPr>
+            <a:spLocks noGrp="1"/>
+          </p:cNvSpPr>
+          <p:nvPr>
+            <p:ph idx="1"/>
+          </p:nvPr>
+        </p:nvSpPr>
+        <p:spPr>
+          <a:xfrm>
+            <a:off x="838200" y="1376038"/>
+            <a:ext cx="10515600" cy="5384685"/>
+          </a:xfrm>
+        </p:spPr>
+        <p:txBody>
+          <a:bodyPr>
+            <a:normAutofit/>
+          </a:bodyPr>
+          <a:lstStyle/>
+          <a:p>
+            <a:r>
+              <a:rPr lang="ja-JP" altLang="en-US" b="1" u="sng" dirty="0"/>
+              <a:t>課題⑧</a:t>
+            </a:r>
+            <a:br>
+              <a:rPr lang="en-US" altLang="ja-JP" dirty="0"/>
+            </a:br>
+            <a:r>
+              <a:rPr lang="ja-JP" altLang="en-US" dirty="0"/>
+              <a:t>武器一覧を表示したあと、どの番号の武器を購入するかを入力させ、</a:t>
+            </a:r>
+            <a:br>
+              <a:rPr lang="en-US" altLang="ja-JP" dirty="0"/>
+            </a:br>
+            <a:r>
+              <a:rPr lang="ja-JP" altLang="en-US" dirty="0"/>
+              <a:t>その武器を購入した旨</a:t>
+            </a:r>
+            <a:br>
+              <a:rPr lang="en-US" altLang="ja-JP" dirty="0"/>
+            </a:br>
+            <a:r>
+              <a:rPr lang="ja-JP" altLang="en-US" dirty="0"/>
+              <a:t>のメッセージを表示し、</a:t>
+            </a:r>
+            <a:br>
+              <a:rPr lang="en-US" altLang="ja-JP" dirty="0"/>
+            </a:br>
+            <a:r>
+              <a:rPr lang="ja-JP" altLang="en-US" dirty="0"/>
+              <a:t>攻撃力と重量がどれ</a:t>
+            </a:r>
+            <a:br>
+              <a:rPr lang="en-US" altLang="ja-JP" dirty="0"/>
+            </a:br>
+            <a:r>
+              <a:rPr lang="ja-JP" altLang="en-US" dirty="0"/>
+              <a:t>だけ増えたかを表示</a:t>
+            </a:r>
+            <a:br>
+              <a:rPr lang="en-US" altLang="ja-JP" dirty="0"/>
+            </a:br>
+            <a:r>
+              <a:rPr lang="ja-JP" altLang="en-US" dirty="0"/>
+              <a:t>しなさい</a:t>
+            </a:r>
+            <a:br>
+              <a:rPr lang="en-US" altLang="ja-JP" dirty="0"/>
+            </a:br>
+            <a:r>
+              <a:rPr lang="ja-JP" altLang="en-US" dirty="0"/>
+              <a:t>ただし、非売品は購入</a:t>
+            </a:r>
+            <a:br>
+              <a:rPr lang="en-US" altLang="ja-JP" dirty="0"/>
+            </a:br>
+            <a:r>
+              <a:rPr lang="ja-JP" altLang="en-US" dirty="0"/>
+              <a:t>できないようにする</a:t>
+            </a:r>
+            <a:endParaRPr lang="en-US" altLang="ja-JP" sz="4400" dirty="0"/>
+          </a:p>
+        </p:txBody>
+      </p:sp>
+      <p:pic>
+        <p:nvPicPr>
+          <p:cNvPr id="6" name="図 5">
+            <a:extLst>
+              <a:ext uri="{FF2B5EF4-FFF2-40B4-BE49-F238E27FC236}">
+                <a16:creationId xmlns:a16="http://schemas.microsoft.com/office/drawing/2014/main" id="{64BB3258-B73D-333F-63B2-39A603EFB4FC}"/>
+              </a:ext>
+            </a:extLst>
+          </p:cNvPr>
+          <p:cNvPicPr>
+            <a:picLocks noChangeAspect="1"/>
+          </p:cNvPicPr>
+          <p:nvPr/>
+        </p:nvPicPr>
+        <p:blipFill>
+          <a:blip r:embed="rId2"/>
+          <a:stretch>
+            <a:fillRect/>
+          </a:stretch>
+        </p:blipFill>
+        <p:spPr>
+          <a:xfrm>
+            <a:off x="5921392" y="2589281"/>
+            <a:ext cx="6030167" cy="3610479"/>
+          </a:xfrm>
+          <a:prstGeom prst="rect">
+            <a:avLst/>
+          </a:prstGeom>
+        </p:spPr>
+      </p:pic>
+    </p:spTree>
+    <p:extLst>
+      <p:ext uri="{BB962C8B-B14F-4D97-AF65-F5344CB8AC3E}">
+        <p14:creationId xmlns:p14="http://schemas.microsoft.com/office/powerpoint/2010/main" val="647229904"/>
+      </p:ext>
+    </p:extLst>
+  </p:cSld>
+  <p:clrMapOvr>
+    <a:masterClrMapping/>
+  </p:clrMapOvr>
+</p:sld>
+</file>
+
+<file path=ppt/slides/slide16.xml><?xml version="1.0" encoding="utf-8"?>
+<p:sld xmlns:a="http://schemas.openxmlformats.org/drawingml/2006/main" xmlns:r="http://schemas.openxmlformats.org/officeDocument/2006/relationships" xmlns:p="http://schemas.openxmlformats.org/presentationml/2006/main">
+  <p:cSld>
+    <p:spTree>
+      <p:nvGrpSpPr>
+        <p:cNvPr id="1" name="">
+          <a:extLst>
+            <a:ext uri="{FF2B5EF4-FFF2-40B4-BE49-F238E27FC236}">
+              <a16:creationId xmlns:a16="http://schemas.microsoft.com/office/drawing/2014/main" id="{56BDA079-1297-7450-2A5E-6D86ACBF0621}"/>
+            </a:ext>
+          </a:extLst>
+        </p:cNvPr>
+        <p:cNvGrpSpPr/>
+        <p:nvPr/>
+      </p:nvGrpSpPr>
+      <p:grpSpPr>
+        <a:xfrm>
+          <a:off x="0" y="0"/>
+          <a:ext cx="0" cy="0"/>
+          <a:chOff x="0" y="0"/>
+          <a:chExt cx="0" cy="0"/>
+        </a:xfrm>
+      </p:grpSpPr>
+      <p:sp>
+        <p:nvSpPr>
+          <p:cNvPr id="2" name="タイトル 1">
+            <a:extLst>
+              <a:ext uri="{FF2B5EF4-FFF2-40B4-BE49-F238E27FC236}">
+                <a16:creationId xmlns:a16="http://schemas.microsoft.com/office/drawing/2014/main" id="{176DC71B-3698-0D3E-4ADD-B5F95BE1168D}"/>
+              </a:ext>
+            </a:extLst>
+          </p:cNvPr>
+          <p:cNvSpPr>
+            <a:spLocks noGrp="1"/>
+          </p:cNvSpPr>
+          <p:nvPr>
+            <p:ph type="title"/>
+          </p:nvPr>
+        </p:nvSpPr>
+        <p:spPr/>
+        <p:txBody>
+          <a:bodyPr/>
+          <a:lstStyle/>
+          <a:p>
+            <a:r>
+              <a:rPr kumimoji="1" lang="ja-JP" altLang="en-US" dirty="0"/>
+              <a:t>演習：</a:t>
+            </a:r>
+            <a:r>
+              <a:rPr kumimoji="1" lang="en-US" altLang="ja-JP" dirty="0"/>
+              <a:t>CSV</a:t>
+            </a:r>
+            <a:endParaRPr kumimoji="1" lang="ja-JP" altLang="en-US" dirty="0"/>
+          </a:p>
+        </p:txBody>
+      </p:sp>
+      <p:sp>
+        <p:nvSpPr>
+          <p:cNvPr id="3" name="コンテンツ プレースホルダー 2">
+            <a:extLst>
+              <a:ext uri="{FF2B5EF4-FFF2-40B4-BE49-F238E27FC236}">
+                <a16:creationId xmlns:a16="http://schemas.microsoft.com/office/drawing/2014/main" id="{DAF25DC0-BEC4-A28F-F585-FCEFA5E85B12}"/>
+              </a:ext>
+            </a:extLst>
+          </p:cNvPr>
+          <p:cNvSpPr>
+            <a:spLocks noGrp="1"/>
+          </p:cNvSpPr>
+          <p:nvPr>
+            <p:ph idx="1"/>
+          </p:nvPr>
+        </p:nvSpPr>
+        <p:spPr>
+          <a:xfrm>
+            <a:off x="731195" y="1162976"/>
+            <a:ext cx="11136549" cy="5626930"/>
+          </a:xfrm>
+          <a:solidFill>
+            <a:schemeClr val="bg1"/>
+          </a:solidFill>
+          <a:ln>
+            <a:solidFill>
+              <a:schemeClr val="tx1"/>
+            </a:solidFill>
+          </a:ln>
+        </p:spPr>
+        <p:txBody>
+          <a:bodyPr>
+            <a:noAutofit/>
+          </a:bodyPr>
+          <a:lstStyle/>
+          <a:p>
+            <a:pPr marL="0" indent="0">
+              <a:buNone/>
+            </a:pPr>
+            <a:r>
+              <a:rPr lang="en-US" altLang="ja-JP" sz="2400" dirty="0">
+                <a:solidFill>
+                  <a:srgbClr val="000000"/>
+                </a:solidFill>
+                <a:ea typeface="ＭＳ ゴシック" panose="020B0609070205080204" pitchFamily="49" charset="-128"/>
+              </a:rPr>
+              <a:t>  </a:t>
+            </a:r>
+            <a:r>
+              <a:rPr lang="en-US" altLang="ja-JP" sz="2400" dirty="0" err="1">
+                <a:solidFill>
+                  <a:srgbClr val="000000"/>
+                </a:solidFill>
+                <a:ea typeface="ＭＳ ゴシック" panose="020B0609070205080204" pitchFamily="49" charset="-128"/>
+              </a:rPr>
+              <a:t>cout</a:t>
+            </a:r>
+            <a:r>
+              <a:rPr lang="en-US" altLang="ja-JP" sz="2400" dirty="0">
+                <a:solidFill>
+                  <a:srgbClr val="000000"/>
+                </a:solidFill>
+                <a:ea typeface="ＭＳ ゴシック" panose="020B0609070205080204" pitchFamily="49" charset="-128"/>
+              </a:rPr>
+              <a:t> </a:t>
+            </a:r>
+            <a:r>
+              <a:rPr lang="en-US" altLang="ja-JP" sz="2400" dirty="0">
+                <a:solidFill>
+                  <a:srgbClr val="008080"/>
+                </a:solidFill>
+                <a:ea typeface="ＭＳ ゴシック" panose="020B0609070205080204" pitchFamily="49" charset="-128"/>
+              </a:rPr>
+              <a:t>&lt;&lt;</a:t>
+            </a:r>
+            <a:r>
+              <a:rPr lang="ja-JP" altLang="en-US" sz="2400" dirty="0">
+                <a:solidFill>
+                  <a:srgbClr val="000000"/>
+                </a:solidFill>
+                <a:ea typeface="ＭＳ ゴシック" panose="020B0609070205080204" pitchFamily="49" charset="-128"/>
+              </a:rPr>
+              <a:t> </a:t>
+            </a:r>
+            <a:r>
+              <a:rPr lang="en-US" altLang="ja-JP" sz="2400" dirty="0">
+                <a:solidFill>
+                  <a:srgbClr val="A31515"/>
+                </a:solidFill>
+                <a:ea typeface="ＭＳ ゴシック" panose="020B0609070205080204" pitchFamily="49" charset="-128"/>
+              </a:rPr>
+              <a:t>"</a:t>
+            </a:r>
+            <a:r>
+              <a:rPr lang="ja-JP" altLang="en-US" sz="2400" dirty="0">
+                <a:solidFill>
+                  <a:srgbClr val="A31515"/>
+                </a:solidFill>
+                <a:ea typeface="ＭＳ ゴシック" panose="020B0609070205080204" pitchFamily="49" charset="-128"/>
+              </a:rPr>
+              <a:t>どの武器を購入しますか？＞</a:t>
+            </a:r>
+            <a:r>
+              <a:rPr lang="en-US" altLang="ja-JP" sz="2400" dirty="0">
+                <a:solidFill>
+                  <a:srgbClr val="A31515"/>
+                </a:solidFill>
+                <a:ea typeface="ＭＳ ゴシック" panose="020B0609070205080204" pitchFamily="49" charset="-128"/>
+              </a:rPr>
+              <a:t>"</a:t>
+            </a:r>
+            <a:r>
+              <a:rPr lang="en-US" altLang="ja-JP" sz="2400" dirty="0">
+                <a:solidFill>
+                  <a:srgbClr val="000000"/>
+                </a:solidFill>
+                <a:ea typeface="ＭＳ ゴシック" panose="020B0609070205080204" pitchFamily="49" charset="-128"/>
+              </a:rPr>
+              <a:t>;</a:t>
+            </a:r>
+            <a:br>
+              <a:rPr lang="en-US" altLang="ja-JP" sz="2400" dirty="0">
+                <a:solidFill>
+                  <a:srgbClr val="000000"/>
+                </a:solidFill>
+                <a:ea typeface="ＭＳ ゴシック" panose="020B0609070205080204" pitchFamily="49" charset="-128"/>
+              </a:rPr>
+            </a:br>
+            <a:r>
+              <a:rPr lang="en-US" altLang="ja-JP" sz="2400" dirty="0">
+                <a:solidFill>
+                  <a:srgbClr val="000000"/>
+                </a:solidFill>
+                <a:ea typeface="ＭＳ ゴシック" panose="020B0609070205080204" pitchFamily="49" charset="-128"/>
+              </a:rPr>
+              <a:t>  </a:t>
+            </a:r>
+            <a:r>
+              <a:rPr lang="en-US" altLang="ja-JP" sz="2400" dirty="0" err="1">
+                <a:solidFill>
+                  <a:srgbClr val="000000"/>
+                </a:solidFill>
+                <a:ea typeface="ＭＳ ゴシック" panose="020B0609070205080204" pitchFamily="49" charset="-128"/>
+              </a:rPr>
+              <a:t>cin</a:t>
+            </a:r>
+            <a:r>
+              <a:rPr lang="en-US" altLang="ja-JP" sz="2400" dirty="0">
+                <a:solidFill>
+                  <a:srgbClr val="000000"/>
+                </a:solidFill>
+                <a:ea typeface="ＭＳ ゴシック" panose="020B0609070205080204" pitchFamily="49" charset="-128"/>
+              </a:rPr>
+              <a:t> </a:t>
+            </a:r>
+            <a:r>
+              <a:rPr lang="en-US" altLang="ja-JP" sz="2400" dirty="0">
+                <a:solidFill>
+                  <a:srgbClr val="008080"/>
+                </a:solidFill>
+                <a:ea typeface="ＭＳ ゴシック" panose="020B0609070205080204" pitchFamily="49" charset="-128"/>
+              </a:rPr>
+              <a:t>&gt;&gt;</a:t>
+            </a:r>
+            <a:r>
+              <a:rPr lang="ja-JP" altLang="en-US" sz="2400" dirty="0">
+                <a:solidFill>
+                  <a:srgbClr val="000000"/>
+                </a:solidFill>
+                <a:ea typeface="ＭＳ ゴシック" panose="020B0609070205080204" pitchFamily="49" charset="-128"/>
+              </a:rPr>
+              <a:t> </a:t>
+            </a:r>
+            <a:r>
+              <a:rPr lang="en-US" altLang="ja-JP" sz="2400" dirty="0">
+                <a:solidFill>
+                  <a:srgbClr val="000000"/>
+                </a:solidFill>
+                <a:ea typeface="ＭＳ ゴシック" panose="020B0609070205080204" pitchFamily="49" charset="-128"/>
+              </a:rPr>
+              <a:t>text;</a:t>
+            </a:r>
+            <a:r>
+              <a:rPr lang="en-US" altLang="ja-JP" sz="2400" dirty="0">
+                <a:solidFill>
+                  <a:srgbClr val="008000"/>
+                </a:solidFill>
+                <a:ea typeface="ＭＳ ゴシック" panose="020B0609070205080204" pitchFamily="49" charset="-128"/>
+              </a:rPr>
+              <a:t>//</a:t>
+            </a:r>
+            <a:r>
+              <a:rPr lang="ja-JP" altLang="en-US" sz="2400" dirty="0">
+                <a:solidFill>
+                  <a:srgbClr val="008000"/>
+                </a:solidFill>
+                <a:ea typeface="ＭＳ ゴシック" panose="020B0609070205080204" pitchFamily="49" charset="-128"/>
+              </a:rPr>
+              <a:t>キーボードから入力</a:t>
+            </a:r>
+            <a:br>
+              <a:rPr lang="en-US" altLang="ja-JP" sz="2400" dirty="0">
+                <a:solidFill>
+                  <a:srgbClr val="000000"/>
+                </a:solidFill>
+                <a:ea typeface="ＭＳ ゴシック" panose="020B0609070205080204" pitchFamily="49" charset="-128"/>
+              </a:rPr>
+            </a:br>
+            <a:r>
+              <a:rPr lang="en-US" altLang="ja-JP" sz="2400" dirty="0">
+                <a:solidFill>
+                  <a:srgbClr val="000000"/>
+                </a:solidFill>
+                <a:ea typeface="ＭＳ ゴシック" panose="020B0609070205080204" pitchFamily="49" charset="-128"/>
+              </a:rPr>
+              <a:t>  </a:t>
+            </a:r>
+            <a:r>
+              <a:rPr lang="en-US" altLang="ja-JP" sz="2400" dirty="0">
+                <a:solidFill>
+                  <a:srgbClr val="0000FF"/>
+                </a:solidFill>
+                <a:ea typeface="ＭＳ ゴシック" panose="020B0609070205080204" pitchFamily="49" charset="-128"/>
+              </a:rPr>
+              <a:t>int</a:t>
+            </a:r>
+            <a:r>
+              <a:rPr lang="en-US" altLang="ja-JP" sz="2400" dirty="0">
+                <a:solidFill>
+                  <a:srgbClr val="000000"/>
+                </a:solidFill>
+                <a:ea typeface="ＭＳ ゴシック" panose="020B0609070205080204" pitchFamily="49" charset="-128"/>
+              </a:rPr>
+              <a:t> </a:t>
+            </a:r>
+            <a:r>
+              <a:rPr lang="en-US" altLang="ja-JP" sz="2400" dirty="0" err="1">
+                <a:solidFill>
+                  <a:srgbClr val="000000"/>
+                </a:solidFill>
+                <a:ea typeface="ＭＳ ゴシック" panose="020B0609070205080204" pitchFamily="49" charset="-128"/>
+              </a:rPr>
+              <a:t>sel</a:t>
+            </a:r>
+            <a:r>
+              <a:rPr lang="en-US" altLang="ja-JP" sz="2400" dirty="0">
+                <a:solidFill>
+                  <a:srgbClr val="000000"/>
+                </a:solidFill>
+                <a:ea typeface="ＭＳ ゴシック" panose="020B0609070205080204" pitchFamily="49" charset="-128"/>
+              </a:rPr>
+              <a:t> = </a:t>
+            </a:r>
+            <a:r>
+              <a:rPr lang="en-US" altLang="ja-JP" sz="2400" dirty="0" err="1">
+                <a:solidFill>
+                  <a:srgbClr val="000000"/>
+                </a:solidFill>
+                <a:ea typeface="ＭＳ ゴシック" panose="020B0609070205080204" pitchFamily="49" charset="-128"/>
+              </a:rPr>
+              <a:t>stoi</a:t>
+            </a:r>
+            <a:r>
+              <a:rPr lang="en-US" altLang="ja-JP" sz="2400" dirty="0">
+                <a:solidFill>
+                  <a:srgbClr val="000000"/>
+                </a:solidFill>
+                <a:ea typeface="ＭＳ ゴシック" panose="020B0609070205080204" pitchFamily="49" charset="-128"/>
+              </a:rPr>
+              <a:t>(text);</a:t>
+            </a:r>
+            <a:r>
+              <a:rPr lang="en-US" altLang="ja-JP" sz="2400" dirty="0">
+                <a:solidFill>
+                  <a:srgbClr val="008000"/>
+                </a:solidFill>
+                <a:ea typeface="ＭＳ ゴシック" panose="020B0609070205080204" pitchFamily="49" charset="-128"/>
+              </a:rPr>
+              <a:t>//</a:t>
+            </a:r>
+            <a:r>
+              <a:rPr lang="ja-JP" altLang="en-US" sz="2400" dirty="0">
+                <a:solidFill>
+                  <a:srgbClr val="008000"/>
+                </a:solidFill>
+                <a:ea typeface="ＭＳ ゴシック" panose="020B0609070205080204" pitchFamily="49" charset="-128"/>
+              </a:rPr>
+              <a:t>文字を数値に変換</a:t>
+            </a:r>
+            <a:br>
+              <a:rPr lang="en-US" altLang="ja-JP" sz="2400" dirty="0">
+                <a:solidFill>
+                  <a:srgbClr val="000000"/>
+                </a:solidFill>
+                <a:ea typeface="ＭＳ ゴシック" panose="020B0609070205080204" pitchFamily="49" charset="-128"/>
+              </a:rPr>
+            </a:br>
+            <a:r>
+              <a:rPr lang="en-US" altLang="ja-JP" sz="2400" dirty="0">
+                <a:solidFill>
+                  <a:srgbClr val="000000"/>
+                </a:solidFill>
+                <a:ea typeface="ＭＳ ゴシック" panose="020B0609070205080204" pitchFamily="49" charset="-128"/>
+              </a:rPr>
+              <a:t>  </a:t>
+            </a:r>
+            <a:r>
+              <a:rPr lang="en-US" altLang="ja-JP" sz="2400" dirty="0">
+                <a:solidFill>
+                  <a:srgbClr val="0000FF"/>
+                </a:solidFill>
+                <a:ea typeface="ＭＳ ゴシック" panose="020B0609070205080204" pitchFamily="49" charset="-128"/>
+              </a:rPr>
+              <a:t>if</a:t>
+            </a:r>
+            <a:r>
+              <a:rPr lang="en-US" altLang="ja-JP" sz="2400" dirty="0">
+                <a:solidFill>
+                  <a:srgbClr val="000000"/>
+                </a:solidFill>
+                <a:ea typeface="ＭＳ ゴシック" panose="020B0609070205080204" pitchFamily="49" charset="-128"/>
+              </a:rPr>
+              <a:t> (</a:t>
+            </a:r>
+            <a:r>
+              <a:rPr lang="en-US" altLang="ja-JP" sz="2400" dirty="0" err="1">
+                <a:solidFill>
+                  <a:srgbClr val="000000"/>
+                </a:solidFill>
+                <a:ea typeface="ＭＳ ゴシック" panose="020B0609070205080204" pitchFamily="49" charset="-128"/>
+              </a:rPr>
+              <a:t>sel</a:t>
+            </a:r>
+            <a:r>
+              <a:rPr lang="en-US" altLang="ja-JP" sz="2400" dirty="0">
+                <a:solidFill>
+                  <a:srgbClr val="000000"/>
+                </a:solidFill>
+                <a:ea typeface="ＭＳ ゴシック" panose="020B0609070205080204" pitchFamily="49" charset="-128"/>
+              </a:rPr>
+              <a:t> &gt;= 0 &amp;&amp; </a:t>
+            </a:r>
+            <a:r>
+              <a:rPr lang="en-US" altLang="ja-JP" sz="2400" dirty="0" err="1">
+                <a:solidFill>
+                  <a:srgbClr val="000000"/>
+                </a:solidFill>
+                <a:ea typeface="ＭＳ ゴシック" panose="020B0609070205080204" pitchFamily="49" charset="-128"/>
+              </a:rPr>
+              <a:t>sel</a:t>
+            </a:r>
+            <a:r>
+              <a:rPr lang="en-US" altLang="ja-JP" sz="2400" dirty="0">
+                <a:solidFill>
+                  <a:srgbClr val="000000"/>
+                </a:solidFill>
+                <a:ea typeface="ＭＳ ゴシック" panose="020B0609070205080204" pitchFamily="49" charset="-128"/>
+              </a:rPr>
+              <a:t> &lt; </a:t>
+            </a:r>
+            <a:r>
+              <a:rPr lang="en-US" altLang="ja-JP" sz="2400" dirty="0" err="1">
+                <a:solidFill>
+                  <a:srgbClr val="000000"/>
+                </a:solidFill>
+                <a:ea typeface="ＭＳ ゴシック" panose="020B0609070205080204" pitchFamily="49" charset="-128"/>
+              </a:rPr>
+              <a:t>vWpn.size</a:t>
+            </a:r>
+            <a:r>
+              <a:rPr lang="en-US" altLang="ja-JP" sz="2400" dirty="0">
+                <a:solidFill>
+                  <a:srgbClr val="000000"/>
+                </a:solidFill>
+                <a:ea typeface="ＭＳ ゴシック" panose="020B0609070205080204" pitchFamily="49" charset="-128"/>
+              </a:rPr>
+              <a:t>()) {</a:t>
+            </a:r>
+            <a:r>
+              <a:rPr lang="en-US" altLang="ja-JP" sz="2400" dirty="0">
+                <a:solidFill>
+                  <a:srgbClr val="008000"/>
+                </a:solidFill>
+                <a:ea typeface="ＭＳ ゴシック" panose="020B0609070205080204" pitchFamily="49" charset="-128"/>
+              </a:rPr>
+              <a:t>//</a:t>
+            </a:r>
+            <a:r>
+              <a:rPr lang="ja-JP" altLang="en-US" sz="2400" dirty="0">
+                <a:solidFill>
+                  <a:srgbClr val="008000"/>
+                </a:solidFill>
+                <a:ea typeface="ＭＳ ゴシック" panose="020B0609070205080204" pitchFamily="49" charset="-128"/>
+              </a:rPr>
+              <a:t>選択肢の範囲チェック</a:t>
+            </a:r>
+            <a:br>
+              <a:rPr lang="en-US" altLang="ja-JP" sz="2400" dirty="0">
+                <a:solidFill>
+                  <a:srgbClr val="000000"/>
+                </a:solidFill>
+                <a:ea typeface="ＭＳ ゴシック" panose="020B0609070205080204" pitchFamily="49" charset="-128"/>
+              </a:rPr>
+            </a:br>
+            <a:r>
+              <a:rPr lang="en-US" altLang="ja-JP" sz="2400" dirty="0">
+                <a:solidFill>
+                  <a:srgbClr val="000000"/>
+                </a:solidFill>
+                <a:ea typeface="ＭＳ ゴシック" panose="020B0609070205080204" pitchFamily="49" charset="-128"/>
+              </a:rPr>
+              <a:t>    </a:t>
+            </a:r>
+            <a:r>
+              <a:rPr lang="en-US" altLang="ja-JP" sz="2400" dirty="0">
+                <a:solidFill>
+                  <a:srgbClr val="0000FF"/>
+                </a:solidFill>
+                <a:ea typeface="ＭＳ ゴシック" panose="020B0609070205080204" pitchFamily="49" charset="-128"/>
+              </a:rPr>
+              <a:t>if</a:t>
+            </a:r>
+            <a:r>
+              <a:rPr lang="en-US" altLang="ja-JP" sz="2400" dirty="0">
+                <a:solidFill>
+                  <a:srgbClr val="000000"/>
+                </a:solidFill>
+                <a:ea typeface="ＭＳ ゴシック" panose="020B0609070205080204" pitchFamily="49" charset="-128"/>
+              </a:rPr>
+              <a:t>(</a:t>
+            </a:r>
+            <a:r>
+              <a:rPr lang="en-US" altLang="ja-JP" sz="2400" dirty="0" err="1">
+                <a:solidFill>
+                  <a:srgbClr val="000000"/>
+                </a:solidFill>
+                <a:ea typeface="ＭＳ ゴシック" panose="020B0609070205080204" pitchFamily="49" charset="-128"/>
+              </a:rPr>
+              <a:t>vWpn</a:t>
+            </a:r>
+            <a:r>
+              <a:rPr lang="en-US" altLang="ja-JP" sz="2400" dirty="0">
+                <a:solidFill>
+                  <a:srgbClr val="008080"/>
+                </a:solidFill>
+                <a:ea typeface="ＭＳ ゴシック" panose="020B0609070205080204" pitchFamily="49" charset="-128"/>
+              </a:rPr>
+              <a:t>[</a:t>
+            </a:r>
+            <a:r>
+              <a:rPr lang="en-US" altLang="ja-JP" sz="2400" dirty="0" err="1">
+                <a:solidFill>
+                  <a:srgbClr val="000000"/>
+                </a:solidFill>
+                <a:ea typeface="ＭＳ ゴシック" panose="020B0609070205080204" pitchFamily="49" charset="-128"/>
+              </a:rPr>
+              <a:t>sel</a:t>
+            </a:r>
+            <a:r>
+              <a:rPr lang="en-US" altLang="ja-JP" sz="2400" dirty="0">
+                <a:solidFill>
+                  <a:srgbClr val="008080"/>
+                </a:solidFill>
+                <a:ea typeface="ＭＳ ゴシック" panose="020B0609070205080204" pitchFamily="49" charset="-128"/>
+              </a:rPr>
+              <a:t>]</a:t>
+            </a:r>
+            <a:r>
+              <a:rPr lang="en-US" altLang="ja-JP" sz="2400" dirty="0">
+                <a:solidFill>
+                  <a:srgbClr val="000000"/>
+                </a:solidFill>
+                <a:ea typeface="ＭＳ ゴシック" panose="020B0609070205080204" pitchFamily="49" charset="-128"/>
+              </a:rPr>
+              <a:t>-&gt;</a:t>
+            </a:r>
+            <a:r>
+              <a:rPr lang="en-US" altLang="ja-JP" sz="2400" dirty="0" err="1">
+                <a:solidFill>
+                  <a:srgbClr val="000000"/>
+                </a:solidFill>
+                <a:ea typeface="ＭＳ ゴシック" panose="020B0609070205080204" pitchFamily="49" charset="-128"/>
+              </a:rPr>
+              <a:t>getPrice</a:t>
+            </a:r>
+            <a:r>
+              <a:rPr lang="en-US" altLang="ja-JP" sz="2400" dirty="0">
+                <a:solidFill>
+                  <a:srgbClr val="000000"/>
+                </a:solidFill>
+                <a:ea typeface="ＭＳ ゴシック" panose="020B0609070205080204" pitchFamily="49" charset="-128"/>
+              </a:rPr>
+              <a:t>() &gt;= 0){</a:t>
+            </a:r>
+            <a:r>
+              <a:rPr lang="en-US" altLang="ja-JP" sz="2400" dirty="0">
+                <a:solidFill>
+                  <a:srgbClr val="008000"/>
+                </a:solidFill>
+                <a:ea typeface="ＭＳ ゴシック" panose="020B0609070205080204" pitchFamily="49" charset="-128"/>
+              </a:rPr>
+              <a:t>//</a:t>
+            </a:r>
+            <a:r>
+              <a:rPr lang="ja-JP" altLang="en-US" sz="2400" dirty="0">
+                <a:solidFill>
+                  <a:srgbClr val="008000"/>
+                </a:solidFill>
+                <a:ea typeface="ＭＳ ゴシック" panose="020B0609070205080204" pitchFamily="49" charset="-128"/>
+              </a:rPr>
+              <a:t>非売品でなければ</a:t>
+            </a:r>
+            <a:br>
+              <a:rPr lang="en-US" altLang="ja-JP" sz="2400" dirty="0">
+                <a:solidFill>
+                  <a:srgbClr val="000000"/>
+                </a:solidFill>
+                <a:ea typeface="ＭＳ ゴシック" panose="020B0609070205080204" pitchFamily="49" charset="-128"/>
+              </a:rPr>
+            </a:br>
+            <a:r>
+              <a:rPr lang="en-US" altLang="ja-JP" sz="2400" dirty="0">
+                <a:solidFill>
+                  <a:srgbClr val="000000"/>
+                </a:solidFill>
+                <a:ea typeface="ＭＳ ゴシック" panose="020B0609070205080204" pitchFamily="49" charset="-128"/>
+              </a:rPr>
+              <a:t>      </a:t>
+            </a:r>
+            <a:r>
+              <a:rPr lang="en-US" altLang="ja-JP" sz="2400" dirty="0" err="1">
+                <a:solidFill>
+                  <a:srgbClr val="000000"/>
+                </a:solidFill>
+                <a:ea typeface="ＭＳ ゴシック" panose="020B0609070205080204" pitchFamily="49" charset="-128"/>
+              </a:rPr>
+              <a:t>cout</a:t>
+            </a:r>
+            <a:r>
+              <a:rPr lang="en-US" altLang="ja-JP" sz="2400" dirty="0">
+                <a:solidFill>
+                  <a:srgbClr val="000000"/>
+                </a:solidFill>
+                <a:ea typeface="ＭＳ ゴシック" panose="020B0609070205080204" pitchFamily="49" charset="-128"/>
+              </a:rPr>
+              <a:t> </a:t>
+            </a:r>
+            <a:r>
+              <a:rPr lang="en-US" altLang="ja-JP" sz="2400" dirty="0">
+                <a:solidFill>
+                  <a:srgbClr val="008080"/>
+                </a:solidFill>
+                <a:ea typeface="ＭＳ ゴシック" panose="020B0609070205080204" pitchFamily="49" charset="-128"/>
+              </a:rPr>
+              <a:t>&lt;&lt;</a:t>
+            </a:r>
+            <a:r>
+              <a:rPr lang="en-US" altLang="ja-JP" sz="2400" dirty="0">
+                <a:solidFill>
+                  <a:srgbClr val="000000"/>
+                </a:solidFill>
+                <a:ea typeface="ＭＳ ゴシック" panose="020B0609070205080204" pitchFamily="49" charset="-128"/>
+              </a:rPr>
+              <a:t> </a:t>
+            </a:r>
+            <a:r>
+              <a:rPr lang="en-US" altLang="ja-JP" sz="2400" dirty="0" err="1">
+                <a:solidFill>
+                  <a:srgbClr val="000000"/>
+                </a:solidFill>
+                <a:ea typeface="ＭＳ ゴシック" panose="020B0609070205080204" pitchFamily="49" charset="-128"/>
+              </a:rPr>
+              <a:t>vWpn</a:t>
+            </a:r>
+            <a:r>
+              <a:rPr lang="en-US" altLang="ja-JP" sz="2400" dirty="0">
+                <a:solidFill>
+                  <a:srgbClr val="008080"/>
+                </a:solidFill>
+                <a:ea typeface="ＭＳ ゴシック" panose="020B0609070205080204" pitchFamily="49" charset="-128"/>
+              </a:rPr>
+              <a:t>[</a:t>
+            </a:r>
+            <a:r>
+              <a:rPr lang="en-US" altLang="ja-JP" sz="2400" dirty="0" err="1">
+                <a:solidFill>
+                  <a:srgbClr val="000000"/>
+                </a:solidFill>
+                <a:ea typeface="ＭＳ ゴシック" panose="020B0609070205080204" pitchFamily="49" charset="-128"/>
+              </a:rPr>
+              <a:t>sel</a:t>
+            </a:r>
+            <a:r>
+              <a:rPr lang="en-US" altLang="ja-JP" sz="2400" dirty="0">
+                <a:solidFill>
+                  <a:srgbClr val="008080"/>
+                </a:solidFill>
+                <a:ea typeface="ＭＳ ゴシック" panose="020B0609070205080204" pitchFamily="49" charset="-128"/>
+              </a:rPr>
+              <a:t>]</a:t>
+            </a:r>
+            <a:r>
+              <a:rPr lang="en-US" altLang="ja-JP" sz="2400" dirty="0">
+                <a:solidFill>
+                  <a:srgbClr val="000000"/>
+                </a:solidFill>
+                <a:ea typeface="ＭＳ ゴシック" panose="020B0609070205080204" pitchFamily="49" charset="-128"/>
+              </a:rPr>
+              <a:t>-&gt;</a:t>
+            </a:r>
+            <a:r>
+              <a:rPr lang="en-US" altLang="ja-JP" sz="2400" dirty="0" err="1">
+                <a:solidFill>
+                  <a:srgbClr val="000000"/>
+                </a:solidFill>
+                <a:ea typeface="ＭＳ ゴシック" panose="020B0609070205080204" pitchFamily="49" charset="-128"/>
+              </a:rPr>
+              <a:t>getName</a:t>
+            </a:r>
+            <a:r>
+              <a:rPr lang="en-US" altLang="ja-JP" sz="2400" dirty="0">
+                <a:solidFill>
+                  <a:srgbClr val="000000"/>
+                </a:solidFill>
+                <a:ea typeface="ＭＳ ゴシック" panose="020B0609070205080204" pitchFamily="49" charset="-128"/>
+              </a:rPr>
+              <a:t>() </a:t>
+            </a:r>
+            <a:r>
+              <a:rPr lang="en-US" altLang="ja-JP" sz="2400" dirty="0">
+                <a:solidFill>
+                  <a:srgbClr val="008080"/>
+                </a:solidFill>
+                <a:ea typeface="ＭＳ ゴシック" panose="020B0609070205080204" pitchFamily="49" charset="-128"/>
+              </a:rPr>
+              <a:t>&lt;&lt;</a:t>
+            </a:r>
+            <a:r>
+              <a:rPr lang="en-US" altLang="ja-JP" sz="2400" dirty="0">
+                <a:solidFill>
+                  <a:srgbClr val="000000"/>
+                </a:solidFill>
+                <a:ea typeface="ＭＳ ゴシック" panose="020B0609070205080204" pitchFamily="49" charset="-128"/>
+              </a:rPr>
+              <a:t> </a:t>
+            </a:r>
+            <a:r>
+              <a:rPr lang="en-US" altLang="ja-JP" sz="2400" dirty="0">
+                <a:solidFill>
+                  <a:srgbClr val="A31515"/>
+                </a:solidFill>
+                <a:ea typeface="ＭＳ ゴシック" panose="020B0609070205080204" pitchFamily="49" charset="-128"/>
+              </a:rPr>
+              <a:t>"</a:t>
+            </a:r>
+            <a:r>
+              <a:rPr lang="ja-JP" altLang="en-US" sz="2400" dirty="0">
+                <a:solidFill>
+                  <a:srgbClr val="A31515"/>
+                </a:solidFill>
+                <a:ea typeface="ＭＳ ゴシック" panose="020B0609070205080204" pitchFamily="49" charset="-128"/>
+              </a:rPr>
+              <a:t>を購入した</a:t>
+            </a:r>
+            <a:r>
+              <a:rPr lang="en-US" altLang="ja-JP" sz="2400" dirty="0">
+                <a:solidFill>
+                  <a:srgbClr val="A31515"/>
+                </a:solidFill>
+                <a:ea typeface="ＭＳ ゴシック" panose="020B0609070205080204" pitchFamily="49" charset="-128"/>
+              </a:rPr>
+              <a:t>"</a:t>
+            </a:r>
+            <a:r>
+              <a:rPr lang="ja-JP" altLang="en-US" sz="2400" dirty="0">
+                <a:solidFill>
+                  <a:srgbClr val="000000"/>
+                </a:solidFill>
+                <a:ea typeface="ＭＳ ゴシック" panose="020B0609070205080204" pitchFamily="49" charset="-128"/>
+              </a:rPr>
+              <a:t> </a:t>
+            </a:r>
+            <a:r>
+              <a:rPr lang="en-US" altLang="ja-JP" sz="2400" dirty="0">
+                <a:solidFill>
+                  <a:srgbClr val="008080"/>
+                </a:solidFill>
+                <a:ea typeface="ＭＳ ゴシック" panose="020B0609070205080204" pitchFamily="49" charset="-128"/>
+              </a:rPr>
+              <a:t>&lt;&lt;</a:t>
+            </a:r>
+            <a:r>
+              <a:rPr lang="ja-JP" altLang="en-US" sz="2400" dirty="0">
+                <a:solidFill>
+                  <a:srgbClr val="000000"/>
+                </a:solidFill>
+                <a:ea typeface="ＭＳ ゴシック" panose="020B0609070205080204" pitchFamily="49" charset="-128"/>
+              </a:rPr>
+              <a:t> </a:t>
+            </a:r>
+            <a:r>
+              <a:rPr lang="en-US" altLang="ja-JP" sz="2400" dirty="0" err="1">
+                <a:solidFill>
+                  <a:srgbClr val="000000"/>
+                </a:solidFill>
+                <a:ea typeface="ＭＳ ゴシック" panose="020B0609070205080204" pitchFamily="49" charset="-128"/>
+              </a:rPr>
+              <a:t>endl</a:t>
+            </a:r>
+            <a:br>
+              <a:rPr lang="en-US" altLang="ja-JP" sz="2400" dirty="0">
+                <a:solidFill>
+                  <a:srgbClr val="000000"/>
+                </a:solidFill>
+                <a:ea typeface="ＭＳ ゴシック" panose="020B0609070205080204" pitchFamily="49" charset="-128"/>
+              </a:rPr>
+            </a:br>
+            <a:r>
+              <a:rPr lang="en-US" altLang="ja-JP" sz="2400" dirty="0">
+                <a:solidFill>
+                  <a:srgbClr val="000000"/>
+                </a:solidFill>
+                <a:ea typeface="ＭＳ ゴシック" panose="020B0609070205080204" pitchFamily="49" charset="-128"/>
+              </a:rPr>
+              <a:t>           </a:t>
+            </a:r>
+            <a:r>
+              <a:rPr lang="en-US" altLang="ja-JP" sz="2400" dirty="0">
+                <a:solidFill>
+                  <a:srgbClr val="008080"/>
+                </a:solidFill>
+                <a:ea typeface="ＭＳ ゴシック" panose="020B0609070205080204" pitchFamily="49" charset="-128"/>
+              </a:rPr>
+              <a:t>&lt;&lt;</a:t>
+            </a:r>
+            <a:r>
+              <a:rPr lang="ja-JP" altLang="en-US" sz="2400" dirty="0">
+                <a:solidFill>
+                  <a:srgbClr val="000000"/>
+                </a:solidFill>
+                <a:ea typeface="ＭＳ ゴシック" panose="020B0609070205080204" pitchFamily="49" charset="-128"/>
+              </a:rPr>
+              <a:t> </a:t>
+            </a:r>
+            <a:r>
+              <a:rPr lang="en-US" altLang="ja-JP" sz="2400" dirty="0">
+                <a:solidFill>
+                  <a:srgbClr val="A31515"/>
+                </a:solidFill>
+                <a:ea typeface="ＭＳ ゴシック" panose="020B0609070205080204" pitchFamily="49" charset="-128"/>
+              </a:rPr>
+              <a:t>"</a:t>
+            </a:r>
+            <a:r>
+              <a:rPr lang="ja-JP" altLang="en-US" sz="2400" dirty="0">
+                <a:solidFill>
+                  <a:srgbClr val="A31515"/>
+                </a:solidFill>
+                <a:ea typeface="ＭＳ ゴシック" panose="020B0609070205080204" pitchFamily="49" charset="-128"/>
+              </a:rPr>
+              <a:t>攻撃力が</a:t>
+            </a:r>
+            <a:r>
+              <a:rPr lang="en-US" altLang="ja-JP" sz="2400" dirty="0">
+                <a:solidFill>
+                  <a:srgbClr val="A31515"/>
+                </a:solidFill>
+                <a:ea typeface="ＭＳ ゴシック" panose="020B0609070205080204" pitchFamily="49" charset="-128"/>
+              </a:rPr>
+              <a:t>"</a:t>
+            </a:r>
+            <a:r>
+              <a:rPr lang="ja-JP" altLang="en-US" sz="2400" dirty="0">
+                <a:solidFill>
+                  <a:srgbClr val="000000"/>
+                </a:solidFill>
+                <a:ea typeface="ＭＳ ゴシック" panose="020B0609070205080204" pitchFamily="49" charset="-128"/>
+              </a:rPr>
+              <a:t> </a:t>
+            </a:r>
+            <a:r>
+              <a:rPr lang="en-US" altLang="ja-JP" sz="2400" dirty="0">
+                <a:solidFill>
+                  <a:srgbClr val="008080"/>
+                </a:solidFill>
+                <a:ea typeface="ＭＳ ゴシック" panose="020B0609070205080204" pitchFamily="49" charset="-128"/>
+              </a:rPr>
+              <a:t>&lt;&lt;</a:t>
+            </a:r>
+            <a:r>
+              <a:rPr lang="ja-JP" altLang="en-US" sz="2400" dirty="0">
+                <a:solidFill>
+                  <a:srgbClr val="000000"/>
+                </a:solidFill>
+                <a:ea typeface="ＭＳ ゴシック" panose="020B0609070205080204" pitchFamily="49" charset="-128"/>
+              </a:rPr>
+              <a:t> </a:t>
+            </a:r>
+            <a:r>
+              <a:rPr lang="en-US" altLang="ja-JP" sz="2400" dirty="0" err="1">
+                <a:solidFill>
+                  <a:srgbClr val="000000"/>
+                </a:solidFill>
+                <a:ea typeface="ＭＳ ゴシック" panose="020B0609070205080204" pitchFamily="49" charset="-128"/>
+              </a:rPr>
+              <a:t>vWpn</a:t>
+            </a:r>
+            <a:r>
+              <a:rPr lang="en-US" altLang="ja-JP" sz="2400" dirty="0">
+                <a:solidFill>
+                  <a:srgbClr val="008080"/>
+                </a:solidFill>
+                <a:ea typeface="ＭＳ ゴシック" panose="020B0609070205080204" pitchFamily="49" charset="-128"/>
+              </a:rPr>
+              <a:t>[</a:t>
+            </a:r>
+            <a:r>
+              <a:rPr lang="en-US" altLang="ja-JP" sz="2400" dirty="0" err="1">
+                <a:solidFill>
+                  <a:srgbClr val="000000"/>
+                </a:solidFill>
+                <a:ea typeface="ＭＳ ゴシック" panose="020B0609070205080204" pitchFamily="49" charset="-128"/>
+              </a:rPr>
+              <a:t>sel</a:t>
+            </a:r>
+            <a:r>
+              <a:rPr lang="en-US" altLang="ja-JP" sz="2400" dirty="0">
+                <a:solidFill>
+                  <a:srgbClr val="008080"/>
+                </a:solidFill>
+                <a:ea typeface="ＭＳ ゴシック" panose="020B0609070205080204" pitchFamily="49" charset="-128"/>
+              </a:rPr>
+              <a:t>]</a:t>
+            </a:r>
+            <a:r>
+              <a:rPr lang="en-US" altLang="ja-JP" sz="2400" dirty="0">
+                <a:solidFill>
+                  <a:srgbClr val="000000"/>
+                </a:solidFill>
+                <a:ea typeface="ＭＳ ゴシック" panose="020B0609070205080204" pitchFamily="49" charset="-128"/>
+              </a:rPr>
+              <a:t>-&gt;</a:t>
+            </a:r>
+            <a:r>
+              <a:rPr lang="en-US" altLang="ja-JP" sz="2400" dirty="0" err="1">
+                <a:solidFill>
+                  <a:srgbClr val="000000"/>
+                </a:solidFill>
+                <a:ea typeface="ＭＳ ゴシック" panose="020B0609070205080204" pitchFamily="49" charset="-128"/>
+              </a:rPr>
+              <a:t>getAtk</a:t>
+            </a:r>
+            <a:r>
+              <a:rPr lang="en-US" altLang="ja-JP" sz="2400" dirty="0">
+                <a:solidFill>
+                  <a:srgbClr val="000000"/>
+                </a:solidFill>
+                <a:ea typeface="ＭＳ ゴシック" panose="020B0609070205080204" pitchFamily="49" charset="-128"/>
+              </a:rPr>
+              <a:t>() </a:t>
+            </a:r>
+            <a:br>
+              <a:rPr lang="en-US" altLang="ja-JP" sz="2400" dirty="0">
+                <a:solidFill>
+                  <a:srgbClr val="000000"/>
+                </a:solidFill>
+                <a:ea typeface="ＭＳ ゴシック" panose="020B0609070205080204" pitchFamily="49" charset="-128"/>
+              </a:rPr>
+            </a:br>
+            <a:r>
+              <a:rPr lang="en-US" altLang="ja-JP" sz="2400" dirty="0">
+                <a:solidFill>
+                  <a:srgbClr val="000000"/>
+                </a:solidFill>
+                <a:ea typeface="ＭＳ ゴシック" panose="020B0609070205080204" pitchFamily="49" charset="-128"/>
+              </a:rPr>
+              <a:t>           </a:t>
+            </a:r>
+            <a:r>
+              <a:rPr lang="en-US" altLang="ja-JP" sz="2400" dirty="0">
+                <a:solidFill>
+                  <a:srgbClr val="008080"/>
+                </a:solidFill>
+                <a:ea typeface="ＭＳ ゴシック" panose="020B0609070205080204" pitchFamily="49" charset="-128"/>
+              </a:rPr>
+              <a:t>&lt;&lt;</a:t>
+            </a:r>
+            <a:r>
+              <a:rPr lang="en-US" altLang="ja-JP" sz="2400" dirty="0">
+                <a:solidFill>
+                  <a:srgbClr val="000000"/>
+                </a:solidFill>
+                <a:ea typeface="ＭＳ ゴシック" panose="020B0609070205080204" pitchFamily="49" charset="-128"/>
+              </a:rPr>
+              <a:t> </a:t>
+            </a:r>
+            <a:r>
+              <a:rPr lang="en-US" altLang="ja-JP" sz="2400" dirty="0">
+                <a:solidFill>
+                  <a:srgbClr val="A31515"/>
+                </a:solidFill>
+                <a:ea typeface="ＭＳ ゴシック" panose="020B0609070205080204" pitchFamily="49" charset="-128"/>
+              </a:rPr>
+              <a:t>"</a:t>
+            </a:r>
+            <a:r>
+              <a:rPr lang="ja-JP" altLang="en-US" sz="2400" dirty="0">
+                <a:solidFill>
+                  <a:srgbClr val="A31515"/>
+                </a:solidFill>
+                <a:ea typeface="ＭＳ ゴシック" panose="020B0609070205080204" pitchFamily="49" charset="-128"/>
+              </a:rPr>
+              <a:t>アップした</a:t>
+            </a:r>
+            <a:r>
+              <a:rPr lang="en-US" altLang="ja-JP" sz="2400" dirty="0">
+                <a:solidFill>
+                  <a:srgbClr val="A31515"/>
+                </a:solidFill>
+                <a:ea typeface="ＭＳ ゴシック" panose="020B0609070205080204" pitchFamily="49" charset="-128"/>
+              </a:rPr>
+              <a:t>"</a:t>
+            </a:r>
+            <a:r>
+              <a:rPr lang="ja-JP" altLang="en-US" sz="2400" dirty="0">
+                <a:solidFill>
+                  <a:srgbClr val="000000"/>
+                </a:solidFill>
+                <a:ea typeface="ＭＳ ゴシック" panose="020B0609070205080204" pitchFamily="49" charset="-128"/>
+              </a:rPr>
+              <a:t> </a:t>
+            </a:r>
+            <a:r>
+              <a:rPr lang="en-US" altLang="ja-JP" sz="2400" dirty="0">
+                <a:solidFill>
+                  <a:srgbClr val="008080"/>
+                </a:solidFill>
+                <a:ea typeface="ＭＳ ゴシック" panose="020B0609070205080204" pitchFamily="49" charset="-128"/>
+              </a:rPr>
+              <a:t>&lt;&lt;</a:t>
+            </a:r>
+            <a:r>
+              <a:rPr lang="ja-JP" altLang="en-US" sz="2400" dirty="0">
+                <a:solidFill>
+                  <a:srgbClr val="000000"/>
+                </a:solidFill>
+                <a:ea typeface="ＭＳ ゴシック" panose="020B0609070205080204" pitchFamily="49" charset="-128"/>
+              </a:rPr>
+              <a:t> </a:t>
+            </a:r>
+            <a:r>
+              <a:rPr lang="en-US" altLang="ja-JP" sz="2400" dirty="0" err="1">
+                <a:solidFill>
+                  <a:srgbClr val="000000"/>
+                </a:solidFill>
+                <a:ea typeface="ＭＳ ゴシック" panose="020B0609070205080204" pitchFamily="49" charset="-128"/>
+              </a:rPr>
+              <a:t>endl</a:t>
+            </a:r>
+            <a:br>
+              <a:rPr lang="en-US" altLang="ja-JP" sz="2400" dirty="0">
+                <a:solidFill>
+                  <a:srgbClr val="000000"/>
+                </a:solidFill>
+                <a:ea typeface="ＭＳ ゴシック" panose="020B0609070205080204" pitchFamily="49" charset="-128"/>
+              </a:rPr>
+            </a:br>
+            <a:r>
+              <a:rPr lang="en-US" altLang="ja-JP" sz="2400" dirty="0">
+                <a:solidFill>
+                  <a:srgbClr val="000000"/>
+                </a:solidFill>
+                <a:ea typeface="ＭＳ ゴシック" panose="020B0609070205080204" pitchFamily="49" charset="-128"/>
+              </a:rPr>
+              <a:t>           </a:t>
+            </a:r>
+            <a:r>
+              <a:rPr lang="en-US" altLang="ja-JP" sz="2400" dirty="0">
+                <a:solidFill>
+                  <a:srgbClr val="008080"/>
+                </a:solidFill>
+                <a:ea typeface="ＭＳ ゴシック" panose="020B0609070205080204" pitchFamily="49" charset="-128"/>
+              </a:rPr>
+              <a:t>&lt;&lt;</a:t>
+            </a:r>
+            <a:r>
+              <a:rPr lang="ja-JP" altLang="en-US" sz="2400" dirty="0">
+                <a:solidFill>
+                  <a:srgbClr val="000000"/>
+                </a:solidFill>
+                <a:ea typeface="ＭＳ ゴシック" panose="020B0609070205080204" pitchFamily="49" charset="-128"/>
+              </a:rPr>
+              <a:t> </a:t>
+            </a:r>
+            <a:r>
+              <a:rPr lang="en-US" altLang="ja-JP" sz="2400" dirty="0">
+                <a:solidFill>
+                  <a:srgbClr val="A31515"/>
+                </a:solidFill>
+                <a:ea typeface="ＭＳ ゴシック" panose="020B0609070205080204" pitchFamily="49" charset="-128"/>
+              </a:rPr>
+              <a:t>"</a:t>
+            </a:r>
+            <a:r>
+              <a:rPr lang="ja-JP" altLang="en-US" sz="2400" dirty="0">
+                <a:solidFill>
+                  <a:srgbClr val="A31515"/>
+                </a:solidFill>
+                <a:ea typeface="ＭＳ ゴシック" panose="020B0609070205080204" pitchFamily="49" charset="-128"/>
+              </a:rPr>
+              <a:t>重量が</a:t>
+            </a:r>
+            <a:r>
+              <a:rPr lang="en-US" altLang="ja-JP" sz="2400" dirty="0">
+                <a:solidFill>
+                  <a:srgbClr val="A31515"/>
+                </a:solidFill>
+                <a:ea typeface="ＭＳ ゴシック" panose="020B0609070205080204" pitchFamily="49" charset="-128"/>
+              </a:rPr>
+              <a:t>"</a:t>
+            </a:r>
+            <a:r>
+              <a:rPr lang="ja-JP" altLang="en-US" sz="2400" dirty="0">
+                <a:solidFill>
+                  <a:srgbClr val="000000"/>
+                </a:solidFill>
+                <a:ea typeface="ＭＳ ゴシック" panose="020B0609070205080204" pitchFamily="49" charset="-128"/>
+              </a:rPr>
+              <a:t> </a:t>
+            </a:r>
+            <a:r>
+              <a:rPr lang="en-US" altLang="ja-JP" sz="2400" dirty="0">
+                <a:solidFill>
+                  <a:srgbClr val="008080"/>
+                </a:solidFill>
+                <a:ea typeface="ＭＳ ゴシック" panose="020B0609070205080204" pitchFamily="49" charset="-128"/>
+              </a:rPr>
+              <a:t>&lt;&lt;</a:t>
+            </a:r>
+            <a:r>
+              <a:rPr lang="ja-JP" altLang="en-US" sz="2400" dirty="0">
+                <a:solidFill>
+                  <a:srgbClr val="000000"/>
+                </a:solidFill>
+                <a:ea typeface="ＭＳ ゴシック" panose="020B0609070205080204" pitchFamily="49" charset="-128"/>
+              </a:rPr>
+              <a:t> </a:t>
+            </a:r>
+            <a:r>
+              <a:rPr lang="en-US" altLang="ja-JP" sz="2400" dirty="0" err="1">
+                <a:solidFill>
+                  <a:srgbClr val="000000"/>
+                </a:solidFill>
+                <a:ea typeface="ＭＳ ゴシック" panose="020B0609070205080204" pitchFamily="49" charset="-128"/>
+              </a:rPr>
+              <a:t>vWpn</a:t>
+            </a:r>
+            <a:r>
+              <a:rPr lang="en-US" altLang="ja-JP" sz="2400" dirty="0">
+                <a:solidFill>
+                  <a:srgbClr val="008080"/>
+                </a:solidFill>
+                <a:ea typeface="ＭＳ ゴシック" panose="020B0609070205080204" pitchFamily="49" charset="-128"/>
+              </a:rPr>
+              <a:t>[</a:t>
+            </a:r>
+            <a:r>
+              <a:rPr lang="en-US" altLang="ja-JP" sz="2400" dirty="0" err="1">
+                <a:solidFill>
+                  <a:srgbClr val="000000"/>
+                </a:solidFill>
+                <a:ea typeface="ＭＳ ゴシック" panose="020B0609070205080204" pitchFamily="49" charset="-128"/>
+              </a:rPr>
+              <a:t>sel</a:t>
+            </a:r>
+            <a:r>
+              <a:rPr lang="en-US" altLang="ja-JP" sz="2400" dirty="0">
+                <a:solidFill>
+                  <a:srgbClr val="008080"/>
+                </a:solidFill>
+                <a:ea typeface="ＭＳ ゴシック" panose="020B0609070205080204" pitchFamily="49" charset="-128"/>
+              </a:rPr>
+              <a:t>]</a:t>
+            </a:r>
+            <a:r>
+              <a:rPr lang="en-US" altLang="ja-JP" sz="2400" dirty="0">
+                <a:solidFill>
+                  <a:srgbClr val="000000"/>
+                </a:solidFill>
+                <a:ea typeface="ＭＳ ゴシック" panose="020B0609070205080204" pitchFamily="49" charset="-128"/>
+              </a:rPr>
+              <a:t>-&gt;</a:t>
+            </a:r>
+            <a:r>
+              <a:rPr lang="en-US" altLang="ja-JP" sz="2400" dirty="0" err="1">
+                <a:solidFill>
+                  <a:srgbClr val="000000"/>
+                </a:solidFill>
+                <a:ea typeface="ＭＳ ゴシック" panose="020B0609070205080204" pitchFamily="49" charset="-128"/>
+              </a:rPr>
+              <a:t>getWeight</a:t>
+            </a:r>
+            <a:r>
+              <a:rPr lang="en-US" altLang="ja-JP" sz="2400" dirty="0">
+                <a:solidFill>
+                  <a:srgbClr val="000000"/>
+                </a:solidFill>
+                <a:ea typeface="ＭＳ ゴシック" panose="020B0609070205080204" pitchFamily="49" charset="-128"/>
+              </a:rPr>
+              <a:t>() </a:t>
+            </a:r>
+            <a:br>
+              <a:rPr lang="en-US" altLang="ja-JP" sz="2400" dirty="0">
+                <a:solidFill>
+                  <a:srgbClr val="000000"/>
+                </a:solidFill>
+                <a:ea typeface="ＭＳ ゴシック" panose="020B0609070205080204" pitchFamily="49" charset="-128"/>
+              </a:rPr>
+            </a:br>
+            <a:r>
+              <a:rPr lang="en-US" altLang="ja-JP" sz="2400" dirty="0">
+                <a:solidFill>
+                  <a:srgbClr val="000000"/>
+                </a:solidFill>
+                <a:ea typeface="ＭＳ ゴシック" panose="020B0609070205080204" pitchFamily="49" charset="-128"/>
+              </a:rPr>
+              <a:t>           </a:t>
+            </a:r>
+            <a:r>
+              <a:rPr lang="en-US" altLang="ja-JP" sz="2400" dirty="0">
+                <a:solidFill>
+                  <a:srgbClr val="008080"/>
+                </a:solidFill>
+                <a:ea typeface="ＭＳ ゴシック" panose="020B0609070205080204" pitchFamily="49" charset="-128"/>
+              </a:rPr>
+              <a:t>&lt;&lt;</a:t>
+            </a:r>
+            <a:r>
+              <a:rPr lang="en-US" altLang="ja-JP" sz="2400" dirty="0">
+                <a:solidFill>
+                  <a:srgbClr val="000000"/>
+                </a:solidFill>
+                <a:ea typeface="ＭＳ ゴシック" panose="020B0609070205080204" pitchFamily="49" charset="-128"/>
+              </a:rPr>
+              <a:t> </a:t>
+            </a:r>
+            <a:r>
+              <a:rPr lang="en-US" altLang="ja-JP" sz="2400" dirty="0">
+                <a:solidFill>
+                  <a:srgbClr val="A31515"/>
+                </a:solidFill>
+                <a:ea typeface="ＭＳ ゴシック" panose="020B0609070205080204" pitchFamily="49" charset="-128"/>
+              </a:rPr>
+              <a:t>"</a:t>
+            </a:r>
+            <a:r>
+              <a:rPr lang="ja-JP" altLang="en-US" sz="2400" dirty="0">
+                <a:solidFill>
+                  <a:srgbClr val="A31515"/>
+                </a:solidFill>
+                <a:ea typeface="ＭＳ ゴシック" panose="020B0609070205080204" pitchFamily="49" charset="-128"/>
+              </a:rPr>
+              <a:t>増えた</a:t>
+            </a:r>
+            <a:r>
+              <a:rPr lang="en-US" altLang="ja-JP" sz="2400" dirty="0">
+                <a:solidFill>
+                  <a:srgbClr val="A31515"/>
+                </a:solidFill>
+                <a:ea typeface="ＭＳ ゴシック" panose="020B0609070205080204" pitchFamily="49" charset="-128"/>
+              </a:rPr>
+              <a:t>"</a:t>
+            </a:r>
+            <a:r>
+              <a:rPr lang="ja-JP" altLang="en-US" sz="2400" dirty="0">
+                <a:solidFill>
+                  <a:srgbClr val="000000"/>
+                </a:solidFill>
+                <a:ea typeface="ＭＳ ゴシック" panose="020B0609070205080204" pitchFamily="49" charset="-128"/>
+              </a:rPr>
+              <a:t> </a:t>
+            </a:r>
+            <a:r>
+              <a:rPr lang="en-US" altLang="ja-JP" sz="2400" dirty="0">
+                <a:solidFill>
+                  <a:srgbClr val="008080"/>
+                </a:solidFill>
+                <a:ea typeface="ＭＳ ゴシック" panose="020B0609070205080204" pitchFamily="49" charset="-128"/>
+              </a:rPr>
+              <a:t>&lt;&lt;</a:t>
+            </a:r>
+            <a:r>
+              <a:rPr lang="ja-JP" altLang="en-US" sz="2400" dirty="0">
+                <a:solidFill>
+                  <a:srgbClr val="000000"/>
+                </a:solidFill>
+                <a:ea typeface="ＭＳ ゴシック" panose="020B0609070205080204" pitchFamily="49" charset="-128"/>
+              </a:rPr>
+              <a:t> </a:t>
+            </a:r>
+            <a:r>
+              <a:rPr lang="en-US" altLang="ja-JP" sz="2400" dirty="0" err="1">
+                <a:solidFill>
+                  <a:srgbClr val="000000"/>
+                </a:solidFill>
+                <a:ea typeface="ＭＳ ゴシック" panose="020B0609070205080204" pitchFamily="49" charset="-128"/>
+              </a:rPr>
+              <a:t>endl</a:t>
+            </a:r>
+            <a:r>
+              <a:rPr lang="en-US" altLang="ja-JP" sz="2400" dirty="0">
+                <a:solidFill>
+                  <a:srgbClr val="000000"/>
+                </a:solidFill>
+                <a:ea typeface="ＭＳ ゴシック" panose="020B0609070205080204" pitchFamily="49" charset="-128"/>
+              </a:rPr>
+              <a:t>;</a:t>
+            </a:r>
+            <a:br>
+              <a:rPr lang="en-US" altLang="ja-JP" sz="2400" dirty="0">
+                <a:solidFill>
+                  <a:srgbClr val="000000"/>
+                </a:solidFill>
+                <a:ea typeface="ＭＳ ゴシック" panose="020B0609070205080204" pitchFamily="49" charset="-128"/>
+              </a:rPr>
+            </a:br>
+            <a:r>
+              <a:rPr lang="en-US" altLang="ja-JP" sz="2400" dirty="0">
+                <a:solidFill>
+                  <a:srgbClr val="000000"/>
+                </a:solidFill>
+                <a:ea typeface="ＭＳ ゴシック" panose="020B0609070205080204" pitchFamily="49" charset="-128"/>
+              </a:rPr>
+              <a:t>    }</a:t>
+            </a:r>
+            <a:br>
+              <a:rPr lang="en-US" altLang="ja-JP" sz="2400" dirty="0">
+                <a:solidFill>
+                  <a:srgbClr val="000000"/>
+                </a:solidFill>
+                <a:ea typeface="ＭＳ ゴシック" panose="020B0609070205080204" pitchFamily="49" charset="-128"/>
+              </a:rPr>
+            </a:br>
+            <a:r>
+              <a:rPr lang="en-US" altLang="ja-JP" sz="2400" dirty="0">
+                <a:solidFill>
+                  <a:srgbClr val="000000"/>
+                </a:solidFill>
+                <a:ea typeface="ＭＳ ゴシック" panose="020B0609070205080204" pitchFamily="49" charset="-128"/>
+              </a:rPr>
+              <a:t>    </a:t>
+            </a:r>
+            <a:r>
+              <a:rPr lang="en-US" altLang="ja-JP" sz="2400" dirty="0">
+                <a:solidFill>
+                  <a:srgbClr val="0000FF"/>
+                </a:solidFill>
+                <a:ea typeface="ＭＳ ゴシック" panose="020B0609070205080204" pitchFamily="49" charset="-128"/>
+              </a:rPr>
+              <a:t>else</a:t>
+            </a:r>
+            <a:r>
+              <a:rPr lang="en-US" altLang="ja-JP" sz="2400" dirty="0">
+                <a:solidFill>
+                  <a:srgbClr val="000000"/>
+                </a:solidFill>
+                <a:ea typeface="ＭＳ ゴシック" panose="020B0609070205080204" pitchFamily="49" charset="-128"/>
+              </a:rPr>
+              <a:t> {</a:t>
+            </a:r>
+            <a:r>
+              <a:rPr lang="en-US" altLang="ja-JP" sz="2400" dirty="0">
+                <a:solidFill>
+                  <a:srgbClr val="008000"/>
+                </a:solidFill>
+                <a:ea typeface="ＭＳ ゴシック" panose="020B0609070205080204" pitchFamily="49" charset="-128"/>
+              </a:rPr>
+              <a:t>//</a:t>
+            </a:r>
+            <a:r>
+              <a:rPr lang="ja-JP" altLang="en-US" sz="2400" dirty="0">
+                <a:solidFill>
+                  <a:srgbClr val="008000"/>
+                </a:solidFill>
+                <a:ea typeface="ＭＳ ゴシック" panose="020B0609070205080204" pitchFamily="49" charset="-128"/>
+              </a:rPr>
+              <a:t>非売品の場合</a:t>
+            </a:r>
+            <a:br>
+              <a:rPr lang="en-US" altLang="ja-JP" sz="2400" dirty="0">
+                <a:solidFill>
+                  <a:srgbClr val="000000"/>
+                </a:solidFill>
+                <a:ea typeface="ＭＳ ゴシック" panose="020B0609070205080204" pitchFamily="49" charset="-128"/>
+              </a:rPr>
+            </a:br>
+            <a:r>
+              <a:rPr lang="en-US" altLang="ja-JP" sz="2400" dirty="0">
+                <a:solidFill>
+                  <a:srgbClr val="000000"/>
+                </a:solidFill>
+                <a:ea typeface="ＭＳ ゴシック" panose="020B0609070205080204" pitchFamily="49" charset="-128"/>
+              </a:rPr>
+              <a:t>      </a:t>
+            </a:r>
+            <a:r>
+              <a:rPr lang="en-US" altLang="ja-JP" sz="2400" dirty="0" err="1">
+                <a:solidFill>
+                  <a:srgbClr val="000000"/>
+                </a:solidFill>
+                <a:ea typeface="ＭＳ ゴシック" panose="020B0609070205080204" pitchFamily="49" charset="-128"/>
+              </a:rPr>
+              <a:t>cout</a:t>
+            </a:r>
+            <a:r>
+              <a:rPr lang="en-US" altLang="ja-JP" sz="2400" dirty="0">
+                <a:solidFill>
+                  <a:srgbClr val="000000"/>
+                </a:solidFill>
+                <a:ea typeface="ＭＳ ゴシック" panose="020B0609070205080204" pitchFamily="49" charset="-128"/>
+              </a:rPr>
+              <a:t> </a:t>
+            </a:r>
+            <a:r>
+              <a:rPr lang="en-US" altLang="ja-JP" sz="2400" dirty="0">
+                <a:solidFill>
+                  <a:srgbClr val="008080"/>
+                </a:solidFill>
+                <a:ea typeface="ＭＳ ゴシック" panose="020B0609070205080204" pitchFamily="49" charset="-128"/>
+              </a:rPr>
+              <a:t>&lt;&lt;</a:t>
+            </a:r>
+            <a:r>
+              <a:rPr lang="ja-JP" altLang="en-US" sz="2400" dirty="0">
+                <a:solidFill>
+                  <a:srgbClr val="000000"/>
+                </a:solidFill>
+                <a:ea typeface="ＭＳ ゴシック" panose="020B0609070205080204" pitchFamily="49" charset="-128"/>
+              </a:rPr>
+              <a:t> </a:t>
+            </a:r>
+            <a:r>
+              <a:rPr lang="en-US" altLang="ja-JP" sz="2400" dirty="0">
+                <a:solidFill>
+                  <a:srgbClr val="A31515"/>
+                </a:solidFill>
+                <a:ea typeface="ＭＳ ゴシック" panose="020B0609070205080204" pitchFamily="49" charset="-128"/>
+              </a:rPr>
+              <a:t>"</a:t>
+            </a:r>
+            <a:r>
+              <a:rPr lang="ja-JP" altLang="en-US" sz="2400" dirty="0">
+                <a:solidFill>
+                  <a:srgbClr val="A31515"/>
+                </a:solidFill>
+                <a:ea typeface="ＭＳ ゴシック" panose="020B0609070205080204" pitchFamily="49" charset="-128"/>
+              </a:rPr>
+              <a:t>購入できません</a:t>
+            </a:r>
+            <a:r>
+              <a:rPr lang="en-US" altLang="ja-JP" sz="2400" dirty="0">
+                <a:solidFill>
+                  <a:srgbClr val="A31515"/>
+                </a:solidFill>
+                <a:ea typeface="ＭＳ ゴシック" panose="020B0609070205080204" pitchFamily="49" charset="-128"/>
+              </a:rPr>
+              <a:t>"</a:t>
+            </a:r>
+            <a:r>
+              <a:rPr lang="ja-JP" altLang="en-US" sz="2400" dirty="0">
+                <a:solidFill>
+                  <a:srgbClr val="000000"/>
+                </a:solidFill>
+                <a:ea typeface="ＭＳ ゴシック" panose="020B0609070205080204" pitchFamily="49" charset="-128"/>
+              </a:rPr>
+              <a:t> </a:t>
+            </a:r>
+            <a:r>
+              <a:rPr lang="en-US" altLang="ja-JP" sz="2400" dirty="0">
+                <a:solidFill>
+                  <a:srgbClr val="008080"/>
+                </a:solidFill>
+                <a:ea typeface="ＭＳ ゴシック" panose="020B0609070205080204" pitchFamily="49" charset="-128"/>
+              </a:rPr>
+              <a:t>&lt;&lt;</a:t>
+            </a:r>
+            <a:r>
+              <a:rPr lang="ja-JP" altLang="en-US" sz="2400" dirty="0">
+                <a:solidFill>
+                  <a:srgbClr val="000000"/>
+                </a:solidFill>
+                <a:ea typeface="ＭＳ ゴシック" panose="020B0609070205080204" pitchFamily="49" charset="-128"/>
+              </a:rPr>
+              <a:t> </a:t>
+            </a:r>
+            <a:r>
+              <a:rPr lang="en-US" altLang="ja-JP" sz="2400" dirty="0" err="1">
+                <a:solidFill>
+                  <a:srgbClr val="000000"/>
+                </a:solidFill>
+                <a:ea typeface="ＭＳ ゴシック" panose="020B0609070205080204" pitchFamily="49" charset="-128"/>
+              </a:rPr>
+              <a:t>endl</a:t>
+            </a:r>
+            <a:r>
+              <a:rPr lang="en-US" altLang="ja-JP" sz="2400" dirty="0">
+                <a:solidFill>
+                  <a:srgbClr val="000000"/>
+                </a:solidFill>
+                <a:ea typeface="ＭＳ ゴシック" panose="020B0609070205080204" pitchFamily="49" charset="-128"/>
+              </a:rPr>
+              <a:t>;</a:t>
+            </a:r>
+            <a:br>
+              <a:rPr lang="en-US" altLang="ja-JP" sz="2400" dirty="0">
+                <a:solidFill>
+                  <a:srgbClr val="000000"/>
+                </a:solidFill>
+                <a:ea typeface="ＭＳ ゴシック" panose="020B0609070205080204" pitchFamily="49" charset="-128"/>
+              </a:rPr>
+            </a:br>
+            <a:r>
+              <a:rPr lang="en-US" altLang="ja-JP" sz="2400" dirty="0">
+                <a:solidFill>
+                  <a:srgbClr val="000000"/>
+                </a:solidFill>
+                <a:ea typeface="ＭＳ ゴシック" panose="020B0609070205080204" pitchFamily="49" charset="-128"/>
+              </a:rPr>
+              <a:t>    }</a:t>
+            </a:r>
+            <a:br>
+              <a:rPr lang="en-US" altLang="ja-JP" sz="2400" dirty="0">
+                <a:solidFill>
+                  <a:srgbClr val="000000"/>
+                </a:solidFill>
+                <a:ea typeface="ＭＳ ゴシック" panose="020B0609070205080204" pitchFamily="49" charset="-128"/>
+              </a:rPr>
+            </a:br>
+            <a:r>
+              <a:rPr lang="en-US" altLang="ja-JP" sz="2400" dirty="0">
+                <a:solidFill>
+                  <a:srgbClr val="000000"/>
+                </a:solidFill>
+                <a:ea typeface="ＭＳ ゴシック" panose="020B0609070205080204" pitchFamily="49" charset="-128"/>
+              </a:rPr>
+              <a:t>  }</a:t>
+            </a:r>
+            <a:br>
+              <a:rPr lang="en-US" altLang="ja-JP" sz="2400" dirty="0">
+                <a:solidFill>
+                  <a:srgbClr val="000000"/>
+                </a:solidFill>
+                <a:ea typeface="ＭＳ ゴシック" panose="020B0609070205080204" pitchFamily="49" charset="-128"/>
+              </a:rPr>
+            </a:br>
+            <a:r>
+              <a:rPr lang="en-US" altLang="ja-JP" sz="2400" dirty="0">
+                <a:solidFill>
+                  <a:srgbClr val="000000"/>
+                </a:solidFill>
+                <a:ea typeface="ＭＳ ゴシック" panose="020B0609070205080204" pitchFamily="49" charset="-128"/>
+              </a:rPr>
+              <a:t>  </a:t>
+            </a:r>
+            <a:r>
+              <a:rPr lang="en-US" altLang="ja-JP" sz="2400" dirty="0">
+                <a:solidFill>
+                  <a:srgbClr val="0000FF"/>
+                </a:solidFill>
+                <a:ea typeface="ＭＳ ゴシック" panose="020B0609070205080204" pitchFamily="49" charset="-128"/>
+              </a:rPr>
+              <a:t>else</a:t>
+            </a:r>
+            <a:r>
+              <a:rPr lang="ja-JP" altLang="en-US" sz="2400" dirty="0">
+                <a:solidFill>
+                  <a:srgbClr val="000000"/>
+                </a:solidFill>
+                <a:ea typeface="ＭＳ ゴシック" panose="020B0609070205080204" pitchFamily="49" charset="-128"/>
+              </a:rPr>
+              <a:t> </a:t>
+            </a:r>
+            <a:r>
+              <a:rPr lang="en-US" altLang="ja-JP" sz="2400" dirty="0">
+                <a:solidFill>
+                  <a:srgbClr val="000000"/>
+                </a:solidFill>
+                <a:ea typeface="ＭＳ ゴシック" panose="020B0609070205080204" pitchFamily="49" charset="-128"/>
+              </a:rPr>
+              <a:t>{</a:t>
+            </a:r>
+            <a:r>
+              <a:rPr lang="en-US" altLang="ja-JP" sz="2400" dirty="0">
+                <a:solidFill>
+                  <a:srgbClr val="008000"/>
+                </a:solidFill>
+                <a:ea typeface="ＭＳ ゴシック" panose="020B0609070205080204" pitchFamily="49" charset="-128"/>
+              </a:rPr>
+              <a:t>//</a:t>
+            </a:r>
+            <a:r>
+              <a:rPr lang="ja-JP" altLang="en-US" sz="2400" dirty="0">
+                <a:solidFill>
+                  <a:srgbClr val="008000"/>
+                </a:solidFill>
+                <a:ea typeface="ＭＳ ゴシック" panose="020B0609070205080204" pitchFamily="49" charset="-128"/>
+              </a:rPr>
+              <a:t>選択肢の範囲外を入力した場合</a:t>
+            </a:r>
+            <a:br>
+              <a:rPr lang="en-US" altLang="ja-JP" sz="2400" dirty="0">
+                <a:solidFill>
+                  <a:srgbClr val="000000"/>
+                </a:solidFill>
+                <a:ea typeface="ＭＳ ゴシック" panose="020B0609070205080204" pitchFamily="49" charset="-128"/>
+              </a:rPr>
+            </a:br>
+            <a:r>
+              <a:rPr lang="en-US" altLang="ja-JP" sz="2400" dirty="0">
+                <a:solidFill>
+                  <a:srgbClr val="000000"/>
+                </a:solidFill>
+                <a:ea typeface="ＭＳ ゴシック" panose="020B0609070205080204" pitchFamily="49" charset="-128"/>
+              </a:rPr>
+              <a:t>    </a:t>
+            </a:r>
+            <a:r>
+              <a:rPr lang="en-US" altLang="ja-JP" sz="2400" dirty="0" err="1">
+                <a:solidFill>
+                  <a:srgbClr val="000000"/>
+                </a:solidFill>
+                <a:ea typeface="ＭＳ ゴシック" panose="020B0609070205080204" pitchFamily="49" charset="-128"/>
+              </a:rPr>
+              <a:t>cout</a:t>
+            </a:r>
+            <a:r>
+              <a:rPr lang="en-US" altLang="ja-JP" sz="2400" dirty="0">
+                <a:solidFill>
+                  <a:srgbClr val="000000"/>
+                </a:solidFill>
+                <a:ea typeface="ＭＳ ゴシック" panose="020B0609070205080204" pitchFamily="49" charset="-128"/>
+              </a:rPr>
+              <a:t> </a:t>
+            </a:r>
+            <a:r>
+              <a:rPr lang="en-US" altLang="ja-JP" sz="2400" dirty="0">
+                <a:solidFill>
+                  <a:srgbClr val="008080"/>
+                </a:solidFill>
+                <a:ea typeface="ＭＳ ゴシック" panose="020B0609070205080204" pitchFamily="49" charset="-128"/>
+              </a:rPr>
+              <a:t>&lt;&lt;</a:t>
+            </a:r>
+            <a:r>
+              <a:rPr lang="ja-JP" altLang="en-US" sz="2400" dirty="0">
+                <a:solidFill>
+                  <a:srgbClr val="000000"/>
+                </a:solidFill>
+                <a:ea typeface="ＭＳ ゴシック" panose="020B0609070205080204" pitchFamily="49" charset="-128"/>
+              </a:rPr>
+              <a:t> </a:t>
+            </a:r>
+            <a:r>
+              <a:rPr lang="en-US" altLang="ja-JP" sz="2400" dirty="0">
+                <a:solidFill>
+                  <a:srgbClr val="A31515"/>
+                </a:solidFill>
+                <a:ea typeface="ＭＳ ゴシック" panose="020B0609070205080204" pitchFamily="49" charset="-128"/>
+              </a:rPr>
+              <a:t>"</a:t>
+            </a:r>
+            <a:r>
+              <a:rPr lang="ja-JP" altLang="en-US" sz="2400" dirty="0">
+                <a:solidFill>
+                  <a:srgbClr val="A31515"/>
+                </a:solidFill>
+                <a:ea typeface="ＭＳ ゴシック" panose="020B0609070205080204" pitchFamily="49" charset="-128"/>
+              </a:rPr>
+              <a:t>番号がありません</a:t>
+            </a:r>
+            <a:r>
+              <a:rPr lang="en-US" altLang="ja-JP" sz="2400" dirty="0">
+                <a:solidFill>
+                  <a:srgbClr val="A31515"/>
+                </a:solidFill>
+                <a:ea typeface="ＭＳ ゴシック" panose="020B0609070205080204" pitchFamily="49" charset="-128"/>
+              </a:rPr>
+              <a:t>"</a:t>
+            </a:r>
+            <a:r>
+              <a:rPr lang="ja-JP" altLang="en-US" sz="2400" dirty="0">
+                <a:solidFill>
+                  <a:srgbClr val="000000"/>
+                </a:solidFill>
+                <a:ea typeface="ＭＳ ゴシック" panose="020B0609070205080204" pitchFamily="49" charset="-128"/>
+              </a:rPr>
+              <a:t> </a:t>
+            </a:r>
+            <a:r>
+              <a:rPr lang="en-US" altLang="ja-JP" sz="2400" dirty="0">
+                <a:solidFill>
+                  <a:srgbClr val="008080"/>
+                </a:solidFill>
+                <a:ea typeface="ＭＳ ゴシック" panose="020B0609070205080204" pitchFamily="49" charset="-128"/>
+              </a:rPr>
+              <a:t>&lt;&lt;</a:t>
+            </a:r>
+            <a:r>
+              <a:rPr lang="ja-JP" altLang="en-US" sz="2400" dirty="0">
+                <a:solidFill>
+                  <a:srgbClr val="000000"/>
+                </a:solidFill>
+                <a:ea typeface="ＭＳ ゴシック" panose="020B0609070205080204" pitchFamily="49" charset="-128"/>
+              </a:rPr>
+              <a:t> </a:t>
+            </a:r>
+            <a:r>
+              <a:rPr lang="en-US" altLang="ja-JP" sz="2400" dirty="0" err="1">
+                <a:solidFill>
+                  <a:srgbClr val="000000"/>
+                </a:solidFill>
+                <a:ea typeface="ＭＳ ゴシック" panose="020B0609070205080204" pitchFamily="49" charset="-128"/>
+              </a:rPr>
+              <a:t>endl</a:t>
+            </a:r>
+            <a:r>
+              <a:rPr lang="en-US" altLang="ja-JP" sz="2400" dirty="0">
+                <a:solidFill>
+                  <a:srgbClr val="000000"/>
+                </a:solidFill>
+                <a:ea typeface="ＭＳ ゴシック" panose="020B0609070205080204" pitchFamily="49" charset="-128"/>
+              </a:rPr>
+              <a:t>; }</a:t>
+            </a:r>
+            <a:endParaRPr lang="en-US" altLang="ja-JP" sz="2400" dirty="0"/>
+          </a:p>
+        </p:txBody>
+      </p:sp>
+      <p:sp>
+        <p:nvSpPr>
+          <p:cNvPr id="4" name="テキスト ボックス 3">
+            <a:extLst>
+              <a:ext uri="{FF2B5EF4-FFF2-40B4-BE49-F238E27FC236}">
+                <a16:creationId xmlns:a16="http://schemas.microsoft.com/office/drawing/2014/main" id="{C4918A5E-6DC1-78BF-C856-964AE2898A69}"/>
+              </a:ext>
+            </a:extLst>
+          </p:cNvPr>
+          <p:cNvSpPr txBox="1"/>
+          <p:nvPr/>
+        </p:nvSpPr>
+        <p:spPr>
+          <a:xfrm>
+            <a:off x="7104919" y="639756"/>
+            <a:ext cx="3972562" cy="523220"/>
+          </a:xfrm>
+          <a:prstGeom prst="rect">
+            <a:avLst/>
+          </a:prstGeom>
+          <a:noFill/>
+        </p:spPr>
+        <p:txBody>
+          <a:bodyPr wrap="none" rtlCol="0">
+            <a:spAutoFit/>
+          </a:bodyPr>
+          <a:lstStyle/>
+          <a:p>
+            <a:r>
+              <a:rPr kumimoji="1" lang="en-US" altLang="ja-JP" sz="2800" dirty="0" err="1"/>
+              <a:t>PracCSV</a:t>
+            </a:r>
+            <a:r>
+              <a:rPr kumimoji="1" lang="en-US" altLang="ja-JP" sz="2800" dirty="0"/>
+              <a:t>(main.cpp)</a:t>
+            </a:r>
+            <a:endParaRPr kumimoji="1" lang="ja-JP" altLang="en-US" sz="2800" dirty="0"/>
+          </a:p>
+        </p:txBody>
+      </p:sp>
+    </p:spTree>
+    <p:extLst>
+      <p:ext uri="{BB962C8B-B14F-4D97-AF65-F5344CB8AC3E}">
+        <p14:creationId xmlns:p14="http://schemas.microsoft.com/office/powerpoint/2010/main" val="863775596"/>
       </p:ext>
     </p:extLst>
   </p:cSld>
@@ -6868,7 +10655,25 @@
                 </a:solidFill>
                 <a:ea typeface="ＭＳ ゴシック" panose="020B0609070205080204" pitchFamily="49" charset="-128"/>
               </a:rPr>
-              <a:t> ifs(filename);</a:t>
+              <a:t> </a:t>
+            </a:r>
+            <a:r>
+              <a:rPr lang="en-US" altLang="ja-JP" sz="2400" dirty="0">
+                <a:solidFill>
+                  <a:srgbClr val="FF0000"/>
+                </a:solidFill>
+                <a:ea typeface="ＭＳ ゴシック" panose="020B0609070205080204" pitchFamily="49" charset="-128"/>
+              </a:rPr>
+              <a:t>ifs</a:t>
+            </a:r>
+            <a:r>
+              <a:rPr lang="en-US" altLang="ja-JP" sz="2400" dirty="0">
+                <a:solidFill>
+                  <a:srgbClr val="000000"/>
+                </a:solidFill>
+                <a:ea typeface="ＭＳ ゴシック" panose="020B0609070205080204" pitchFamily="49" charset="-128"/>
+              </a:rPr>
+              <a:t>(filename);</a:t>
             </a:r>
             <a:r>
               <a:rPr lang="en-US" altLang="ja-JP" sz="2400" dirty="0">
@@ -6944,11 +10749,20 @@
             <a:r>
               <a:rPr lang="en-US" altLang="ja-JP" sz="2400" dirty="0" err="1">
                 <a:solidFill>
-                  <a:srgbClr val="000000"/>
-                </a:solidFill>
-                <a:ea typeface="ＭＳ ゴシック" panose="020B0609070205080204" pitchFamily="49" charset="-128"/>
-              </a:rPr>
-              <a:t>ifs.fail</a:t>
+                  <a:srgbClr val="FF0000"/>
+                </a:solidFill>
+                <a:ea typeface="ＭＳ ゴシック" panose="020B0609070205080204" pitchFamily="49" charset="-128"/>
+              </a:rPr>
+              <a:t>ifs</a:t>
+            </a:r>
+            <a:r>
+              <a:rPr lang="en-US" altLang="ja-JP" sz="2400" dirty="0" err="1">
+                <a:solidFill>
+                  <a:srgbClr val="000000"/>
+                </a:solidFill>
+                <a:ea typeface="ＭＳ ゴシック" panose="020B0609070205080204" pitchFamily="49" charset="-128"/>
+              </a:rPr>
+              <a:t>.fail</a:t>
             </a:r>
             <a:r>
               <a:rPr lang="en-US" altLang="ja-JP" sz="2400" dirty="0">
@@ -7267,7 +11081,25 @@
                 </a:solidFill>
                 <a:ea typeface="ＭＳ ゴシック" panose="020B0609070205080204" pitchFamily="49" charset="-128"/>
               </a:rPr>
-              <a:t>(ifs, text)) {</a:t>
+              <a:t>(</a:t>
+            </a:r>
+            <a:r>
+              <a:rPr lang="en-US" altLang="ja-JP" sz="2400" dirty="0">
+                <a:solidFill>
+                  <a:srgbClr val="FF0000"/>
+                </a:solidFill>
+                <a:ea typeface="ＭＳ ゴシック" panose="020B0609070205080204" pitchFamily="49" charset="-128"/>
+              </a:rPr>
+              <a:t>ifs</a:t>
+            </a:r>
+            <a:r>
+              <a:rPr lang="en-US" altLang="ja-JP" sz="2400" dirty="0">
+                <a:solidFill>
+                  <a:srgbClr val="000000"/>
+                </a:solidFill>
+                <a:ea typeface="ＭＳ ゴシック" panose="020B0609070205080204" pitchFamily="49" charset="-128"/>
+              </a:rPr>
+              <a:t>, text)) {</a:t>
             </a:r>
             <a:r>
               <a:rPr lang="en-US" altLang="ja-JP" sz="2400" dirty="0">
@@ -7413,11 +11245,20 @@
             <a:r>
               <a:rPr lang="en-US" altLang="ja-JP" sz="2400" dirty="0" err="1">
                 <a:solidFill>
-                  <a:srgbClr val="000000"/>
-                </a:solidFill>
-                <a:ea typeface="ＭＳ ゴシック" panose="020B0609070205080204" pitchFamily="49" charset="-128"/>
-              </a:rPr>
-              <a:t>ifs.close</a:t>
+                  <a:srgbClr val="FF0000"/>
+                </a:solidFill>
+                <a:ea typeface="ＭＳ ゴシック" panose="020B0609070205080204" pitchFamily="49" charset="-128"/>
+              </a:rPr>
+              <a:t>ifs</a:t>
+            </a:r>
+            <a:r>
+              <a:rPr lang="en-US" altLang="ja-JP" sz="2400" dirty="0" err="1">
+                <a:solidFill>
+                  <a:srgbClr val="000000"/>
+                </a:solidFill>
+                <a:ea typeface="ＭＳ ゴシック" panose="020B0609070205080204" pitchFamily="49" charset="-128"/>
+              </a:rPr>
+              <a:t>.close</a:t>
             </a:r>
             <a:r>
               <a:rPr lang="en-US" altLang="ja-JP" sz="2400" dirty="0">
@@ -8034,7 +11875,25 @@
                 </a:solidFill>
                 <a:ea typeface="ＭＳ ゴシック" panose="020B0609070205080204" pitchFamily="49" charset="-128"/>
               </a:rPr>
-              <a:t> ifs(filename);</a:t>
+              <a:t> </a:t>
+            </a:r>
+            <a:r>
+              <a:rPr lang="en-US" altLang="ja-JP" sz="2400" dirty="0">
+                <a:solidFill>
+                  <a:srgbClr val="FF0000"/>
+                </a:solidFill>
+                <a:ea typeface="ＭＳ ゴシック" panose="020B0609070205080204" pitchFamily="49" charset="-128"/>
+              </a:rPr>
+              <a:t>ifs</a:t>
+            </a:r>
+            <a:r>
+              <a:rPr lang="en-US" altLang="ja-JP" sz="2400" dirty="0">
+                <a:solidFill>
+                  <a:srgbClr val="000000"/>
+                </a:solidFill>
+                <a:ea typeface="ＭＳ ゴシック" panose="020B0609070205080204" pitchFamily="49" charset="-128"/>
+              </a:rPr>
+              <a:t>(filename);</a:t>
             </a:r>
             <a:r>
               <a:rPr lang="en-US" altLang="ja-JP" sz="2400" dirty="0">
@@ -8110,11 +11969,20 @@
             <a:r>
               <a:rPr lang="en-US" altLang="ja-JP" sz="2400" dirty="0" err="1">
                 <a:solidFill>
-                  <a:srgbClr val="000000"/>
-                </a:solidFill>
-                <a:ea typeface="ＭＳ ゴシック" panose="020B0609070205080204" pitchFamily="49" charset="-128"/>
-              </a:rPr>
-              <a:t>ifs.fail</a:t>
+                  <a:srgbClr val="FF0000"/>
+                </a:solidFill>
+                <a:ea typeface="ＭＳ ゴシック" panose="020B0609070205080204" pitchFamily="49" charset="-128"/>
+              </a:rPr>
+              <a:t>ifs</a:t>
+            </a:r>
+            <a:r>
+              <a:rPr lang="en-US" altLang="ja-JP" sz="2400" dirty="0" err="1">
+                <a:solidFill>
+                  <a:srgbClr val="000000"/>
+                </a:solidFill>
+                <a:ea typeface="ＭＳ ゴシック" panose="020B0609070205080204" pitchFamily="49" charset="-128"/>
+              </a:rPr>
+              <a:t>.fail</a:t>
             </a:r>
             <a:r>
               <a:rPr lang="en-US" altLang="ja-JP" sz="2400" dirty="0">
@@ -8415,7 +12283,25 @@
                 </a:solidFill>
                 <a:ea typeface="ＭＳ ゴシック" panose="020B0609070205080204" pitchFamily="49" charset="-128"/>
               </a:rPr>
-              <a:t>(ifs, text);	</a:t>
+              <a:t>(</a:t>
+            </a:r>
+            <a:r>
+              <a:rPr lang="en-US" altLang="ja-JP" sz="2400" dirty="0">
+                <a:solidFill>
+                  <a:srgbClr val="FF0000"/>
+                </a:solidFill>
+                <a:ea typeface="ＭＳ ゴシック" panose="020B0609070205080204" pitchFamily="49" charset="-128"/>
+              </a:rPr>
+              <a:t>ifs</a:t>
+            </a:r>
+            <a:r>
+              <a:rPr lang="en-US" altLang="ja-JP" sz="2400" dirty="0">
+                <a:solidFill>
+                  <a:srgbClr val="000000"/>
+                </a:solidFill>
+                <a:ea typeface="ＭＳ ゴシック" panose="020B0609070205080204" pitchFamily="49" charset="-128"/>
+              </a:rPr>
+              <a:t>, text);	</a:t>
             </a:r>
             <a:r>
               <a:rPr lang="ja-JP" altLang="en-US" sz="2400" dirty="0">
@@ -8495,7 +12381,25 @@
                 </a:solidFill>
                 <a:ea typeface="ＭＳ ゴシック" panose="020B0609070205080204" pitchFamily="49" charset="-128"/>
               </a:rPr>
-              <a:t>(ifs, text)) {</a:t>
+              <a:t>(</a:t>
+            </a:r>
+            <a:r>
+              <a:rPr lang="en-US" altLang="ja-JP" sz="2400" dirty="0">
+                <a:solidFill>
+                  <a:srgbClr val="FF0000"/>
+                </a:solidFill>
+                <a:ea typeface="ＭＳ ゴシック" panose="020B0609070205080204" pitchFamily="49" charset="-128"/>
+              </a:rPr>
+              <a:t>ifs</a:t>
+            </a:r>
+            <a:r>
+              <a:rPr lang="en-US" altLang="ja-JP" sz="2400" dirty="0">
+                <a:solidFill>
+                  <a:srgbClr val="000000"/>
+                </a:solidFill>
+                <a:ea typeface="ＭＳ ゴシック" panose="020B0609070205080204" pitchFamily="49" charset="-128"/>
+              </a:rPr>
+              <a:t>, text)) {</a:t>
             </a:r>
             <a:r>
               <a:rPr lang="en-US" altLang="ja-JP" sz="2400" dirty="0">
@@ -8641,11 +12545,20 @@
             <a:r>
               <a:rPr lang="en-US" altLang="ja-JP" sz="2400" dirty="0" err="1">
                 <a:solidFill>
-                  <a:srgbClr val="000000"/>
-                </a:solidFill>
-                <a:ea typeface="ＭＳ ゴシック" panose="020B0609070205080204" pitchFamily="49" charset="-128"/>
-              </a:rPr>
-              <a:t>ifs.close</a:t>
+                  <a:srgbClr val="FF0000"/>
+                </a:solidFill>
+                <a:ea typeface="ＭＳ ゴシック" panose="020B0609070205080204" pitchFamily="49" charset="-128"/>
+              </a:rPr>
+              <a:t>ifs</a:t>
+            </a:r>
+            <a:r>
+              <a:rPr lang="en-US" altLang="ja-JP" sz="2400" dirty="0" err="1">
+                <a:solidFill>
+                  <a:srgbClr val="000000"/>
+                </a:solidFill>
+                <a:ea typeface="ＭＳ ゴシック" panose="020B0609070205080204" pitchFamily="49" charset="-128"/>
+              </a:rPr>
+              <a:t>.close</a:t>
             </a:r>
             <a:r>
               <a:rPr lang="en-US" altLang="ja-JP" sz="2400" dirty="0">
@@ -10467,12 +14380,24 @@
               <a:rPr lang="en-US" altLang="ja-JP" dirty="0"/>
             </a:br>
             <a:r>
-              <a:rPr lang="en-US" altLang="ja-JP" dirty="0"/>
+              <a:rPr lang="en-US" altLang="ja-JP" dirty="0">
+                <a:solidFill>
+                  <a:srgbClr val="FF0000"/>
+                </a:solidFill>
+              </a:rPr>
               <a:t>Weapon</a:t>
             </a:r>
             <a:r>
+              <a:rPr lang="ja-JP" altLang="en-US" dirty="0">
+                <a:solidFill>
+                  <a:srgbClr val="FF0000"/>
+                </a:solidFill>
+              </a:rPr>
+              <a:t>クラス</a:t>
+            </a:r>
+            <a:r>
               <a:rPr lang="ja-JP" altLang="en-US" dirty="0"/>
-              <a:t>クラスを定義しなさい。</a:t>
+              <a:t>を定義しなさい。</a:t>
             </a:r>
             <a:br>
               <a:rPr lang="en-US" altLang="ja-JP" dirty="0"/>
@@ -10576,35 +14501,19 @@
             </a:r>
             <a:r>
               <a:rPr lang="ja-JP" altLang="en-US" dirty="0"/>
-              <a:t>のコンストラクタ（初期値</a:t>
-            </a:r>
-            <a:r>
-              <a:rPr lang="en-US" altLang="ja-JP" dirty="0"/>
-              <a:t>0</a:t>
+              <a:t>のコンストラクタと、</a:t>
+            </a:r>
+            <a:r>
+              <a:rPr lang="ja-JP" altLang="en-US" dirty="0">
+                <a:solidFill>
+                  <a:srgbClr val="00B050"/>
+                </a:solidFill>
+              </a:rPr>
+              <a:t>引数あり</a:t>
             </a:r>
             <a:r>
               <a:rPr lang="ja-JP" altLang="en-US" dirty="0"/>
-              <a:t>もしくは</a:t>
-            </a:r>
-            <a:r>
-              <a:rPr lang="en-US" altLang="ja-JP" dirty="0"/>
-              <a:t>NULL</a:t>
-            </a:r>
-            <a:r>
-              <a:rPr lang="ja-JP" altLang="en-US" dirty="0"/>
-              <a:t>をセット）と、</a:t>
-            </a:r>
-            <a:r>
-              <a:rPr lang="ja-JP" altLang="en-US" dirty="0">
-                <a:solidFill>
-                  <a:srgbClr val="00B050"/>
-                </a:solidFill>
-              </a:rPr>
-              <a:t>引数あり</a:t>
-            </a:r>
-            <a:r>
-              <a:rPr lang="ja-JP" altLang="en-US" dirty="0"/>
-              <a:t>コンストラクタ（メンバ変数の初期化用）</a:t>
+              <a:t>コンストラクタ（引数でメンバ変数を初期化する）</a:t>
             </a:r>
             <a:br>
               <a:rPr lang="en-US" altLang="ja-JP" dirty="0"/>

--- a/授業資料/演習課題：CSV.pptx
+++ b/授業資料/演習課題：CSV.pptx
@@ -258,7 +258,7 @@
           <a:p>
             <a:fld id="{5B96D3F8-CD2E-4A0D-AC38-517181EABB18}" type="datetimeFigureOut">
               <a:rPr kumimoji="1" lang="ja-JP" altLang="en-US" smtClean="0"/>
-              <a:t>2024/11/12</a:t>
+              <a:t>2024/11/22</a:t>
             </a:fld>
             <a:endParaRPr kumimoji="1" lang="ja-JP" altLang="en-US"/>
           </a:p>
@@ -460,7 +460,7 @@
           <a:p>
             <a:fld id="{5B96D3F8-CD2E-4A0D-AC38-517181EABB18}" type="datetimeFigureOut">
               <a:rPr kumimoji="1" lang="ja-JP" altLang="en-US" smtClean="0"/>
-              <a:t>2024/11/12</a:t>
+              <a:t>2024/11/22</a:t>
             </a:fld>
             <a:endParaRPr kumimoji="1" lang="ja-JP" altLang="en-US"/>
           </a:p>
@@ -672,7 +672,7 @@
           <a:p>
             <a:fld id="{5B96D3F8-CD2E-4A0D-AC38-517181EABB18}" type="datetimeFigureOut">
               <a:rPr kumimoji="1" lang="ja-JP" altLang="en-US" smtClean="0"/>
-              <a:t>2024/11/12</a:t>
+              <a:t>2024/11/22</a:t>
             </a:fld>
             <a:endParaRPr kumimoji="1" lang="ja-JP" altLang="en-US"/>
           </a:p>
@@ -874,7 +874,7 @@
           <a:p>
             <a:fld id="{5B96D3F8-CD2E-4A0D-AC38-517181EABB18}" type="datetimeFigureOut">
               <a:rPr kumimoji="1" lang="ja-JP" altLang="en-US" smtClean="0"/>
-              <a:t>2024/11/12</a:t>
+              <a:t>2024/11/22</a:t>
             </a:fld>
             <a:endParaRPr kumimoji="1" lang="ja-JP" altLang="en-US"/>
           </a:p>
@@ -1120,7 +1120,7 @@
           <a:p>
             <a:fld id="{5B96D3F8-CD2E-4A0D-AC38-517181EABB18}" type="datetimeFigureOut">
               <a:rPr kumimoji="1" lang="ja-JP" altLang="en-US" smtClean="0"/>
-              <a:t>2024/11/12</a:t>
+              <a:t>2024/11/22</a:t>
             </a:fld>
             <a:endParaRPr kumimoji="1" lang="ja-JP" altLang="en-US"/>
           </a:p>
@@ -1416,7 +1416,7 @@
           <a:p>
             <a:fld id="{5B96D3F8-CD2E-4A0D-AC38-517181EABB18}" type="datetimeFigureOut">
               <a:rPr kumimoji="1" lang="ja-JP" altLang="en-US" smtClean="0"/>
-              <a:t>2024/11/12</a:t>
+              <a:t>2024/11/22</a:t>
             </a:fld>
             <a:endParaRPr kumimoji="1" lang="ja-JP" altLang="en-US"/>
           </a:p>
@@ -1847,7 +1847,7 @@
           <a:p>
             <a:fld id="{5B96D3F8-CD2E-4A0D-AC38-517181EABB18}" type="datetimeFigureOut">
               <a:rPr kumimoji="1" lang="ja-JP" altLang="en-US" smtClean="0"/>
-              <a:t>2024/11/12</a:t>
+              <a:t>2024/11/22</a:t>
             </a:fld>
             <a:endParaRPr kumimoji="1" lang="ja-JP" altLang="en-US"/>
           </a:p>
@@ -1965,7 +1965,7 @@
           <a:p>
             <a:fld id="{5B96D3F8-CD2E-4A0D-AC38-517181EABB18}" type="datetimeFigureOut">
               <a:rPr kumimoji="1" lang="ja-JP" altLang="en-US" smtClean="0"/>
-              <a:t>2024/11/12</a:t>
+              <a:t>2024/11/22</a:t>
             </a:fld>
             <a:endParaRPr kumimoji="1" lang="ja-JP" altLang="en-US"/>
           </a:p>
@@ -2060,7 +2060,7 @@
           <a:p>
             <a:fld id="{5B96D3F8-CD2E-4A0D-AC38-517181EABB18}" type="datetimeFigureOut">
               <a:rPr kumimoji="1" lang="ja-JP" altLang="en-US" smtClean="0"/>
-              <a:t>2024/11/12</a:t>
+              <a:t>2024/11/22</a:t>
             </a:fld>
             <a:endParaRPr kumimoji="1" lang="ja-JP" altLang="en-US"/>
           </a:p>
@@ -2369,7 +2369,7 @@
           <a:p>
             <a:fld id="{5B96D3F8-CD2E-4A0D-AC38-517181EABB18}" type="datetimeFigureOut">
               <a:rPr kumimoji="1" lang="ja-JP" altLang="en-US" smtClean="0"/>
-              <a:t>2024/11/12</a:t>
+              <a:t>2024/11/22</a:t>
             </a:fld>
             <a:endParaRPr kumimoji="1" lang="ja-JP" altLang="en-US"/>
           </a:p>
@@ -2626,7 +2626,7 @@
           <a:p>
             <a:fld id="{5B96D3F8-CD2E-4A0D-AC38-517181EABB18}" type="datetimeFigureOut">
               <a:rPr kumimoji="1" lang="ja-JP" altLang="en-US" smtClean="0"/>
-              <a:t>2024/11/12</a:t>
+              <a:t>2024/11/22</a:t>
             </a:fld>
             <a:endParaRPr kumimoji="1" lang="ja-JP" altLang="en-US"/>
           </a:p>
@@ -2871,7 +2871,7 @@
           <a:p>
             <a:fld id="{5B96D3F8-CD2E-4A0D-AC38-517181EABB18}" type="datetimeFigureOut">
               <a:rPr kumimoji="1" lang="ja-JP" altLang="en-US" smtClean="0"/>
-              <a:t>2024/11/12</a:t>
+              <a:t>2024/11/22</a:t>
             </a:fld>
             <a:endParaRPr kumimoji="1" lang="ja-JP" altLang="en-US"/>
           </a:p>
@@ -3968,11 +3968,225 @@
                 </a:solidFill>
                 <a:ea typeface="ＭＳ ゴシック" panose="020B0609070205080204" pitchFamily="49" charset="-128"/>
               </a:rPr>
-              <a:t>  Weapon() : </a:t>
+              <a:t>  Weapon()</a:t>
+            </a:r>
+            <a:r>
+              <a:rPr lang="ja-JP" altLang="en-US" sz="2600" dirty="0">
+                <a:solidFill>
+                  <a:srgbClr val="000000"/>
+                </a:solidFill>
+                <a:ea typeface="ＭＳ ゴシック" panose="020B0609070205080204" pitchFamily="49" charset="-128"/>
+              </a:rPr>
+              <a:t> </a:t>
+            </a:r>
+            <a:r>
+              <a:rPr lang="en-US" altLang="ja-JP" sz="2600" dirty="0">
+                <a:solidFill>
+                  <a:srgbClr val="000000"/>
+                </a:solidFill>
+                <a:ea typeface="ＭＳ ゴシック" panose="020B0609070205080204" pitchFamily="49" charset="-128"/>
+              </a:rPr>
+              <a:t>=</a:t>
+            </a:r>
+            <a:r>
+              <a:rPr lang="ja-JP" altLang="en-US" sz="2600" dirty="0">
+                <a:solidFill>
+                  <a:srgbClr val="000000"/>
+                </a:solidFill>
+                <a:ea typeface="ＭＳ ゴシック" panose="020B0609070205080204" pitchFamily="49" charset="-128"/>
+              </a:rPr>
+              <a:t> </a:t>
+            </a:r>
+            <a:r>
+              <a:rPr lang="en-US" altLang="ja-JP" sz="2600" dirty="0">
+                <a:solidFill>
+                  <a:srgbClr val="000000"/>
+                </a:solidFill>
+                <a:ea typeface="ＭＳ ゴシック" panose="020B0609070205080204" pitchFamily="49" charset="-128"/>
+              </a:rPr>
+              <a:t>default;</a:t>
+            </a:r>
+            <a:br>
+              <a:rPr lang="en-US" altLang="ja-JP" sz="2600" dirty="0">
+                <a:solidFill>
+                  <a:srgbClr val="000000"/>
+                </a:solidFill>
+                <a:ea typeface="ＭＳ ゴシック" panose="020B0609070205080204" pitchFamily="49" charset="-128"/>
+              </a:rPr>
+            </a:br>
+            <a:r>
+              <a:rPr lang="en-US" altLang="ja-JP" sz="2600" dirty="0">
+                <a:solidFill>
+                  <a:srgbClr val="000000"/>
+                </a:solidFill>
+                <a:ea typeface="ＭＳ ゴシック" panose="020B0609070205080204" pitchFamily="49" charset="-128"/>
+              </a:rPr>
+              <a:t>  Weapon(</a:t>
+            </a:r>
+            <a:r>
+              <a:rPr lang="en-US" altLang="ja-JP" sz="2600" dirty="0">
+                <a:solidFill>
+                  <a:srgbClr val="2B91AF"/>
+                </a:solidFill>
+                <a:ea typeface="ＭＳ ゴシック" panose="020B0609070205080204" pitchFamily="49" charset="-128"/>
+              </a:rPr>
+              <a:t>string</a:t>
+            </a:r>
+            <a:r>
+              <a:rPr lang="en-US" altLang="ja-JP" sz="2600" dirty="0">
+                <a:solidFill>
+                  <a:srgbClr val="000000"/>
+                </a:solidFill>
+                <a:ea typeface="ＭＳ ゴシック" panose="020B0609070205080204" pitchFamily="49" charset="-128"/>
+              </a:rPr>
+              <a:t> </a:t>
+            </a:r>
+            <a:r>
+              <a:rPr lang="en-US" altLang="ja-JP" sz="2600" dirty="0">
+                <a:solidFill>
+                  <a:srgbClr val="808080"/>
+                </a:solidFill>
+                <a:ea typeface="ＭＳ ゴシック" panose="020B0609070205080204" pitchFamily="49" charset="-128"/>
+              </a:rPr>
+              <a:t>name</a:t>
+            </a:r>
+            <a:r>
+              <a:rPr lang="en-US" altLang="ja-JP" sz="2600" dirty="0">
+                <a:solidFill>
+                  <a:srgbClr val="000000"/>
+                </a:solidFill>
+                <a:ea typeface="ＭＳ ゴシック" panose="020B0609070205080204" pitchFamily="49" charset="-128"/>
+              </a:rPr>
+              <a:t>, </a:t>
+            </a:r>
+            <a:r>
+              <a:rPr lang="en-US" altLang="ja-JP" sz="2600" dirty="0">
+                <a:solidFill>
+                  <a:srgbClr val="0000FF"/>
+                </a:solidFill>
+                <a:ea typeface="ＭＳ ゴシック" panose="020B0609070205080204" pitchFamily="49" charset="-128"/>
+              </a:rPr>
+              <a:t>int</a:t>
+            </a:r>
+            <a:r>
+              <a:rPr lang="en-US" altLang="ja-JP" sz="2600" dirty="0">
+                <a:solidFill>
+                  <a:srgbClr val="000000"/>
+                </a:solidFill>
+                <a:ea typeface="ＭＳ ゴシック" panose="020B0609070205080204" pitchFamily="49" charset="-128"/>
+              </a:rPr>
+              <a:t> </a:t>
             </a:r>
             <a:r>
               <a:rPr lang="en-US" altLang="ja-JP" sz="2600" dirty="0" err="1">
                 <a:solidFill>
+                  <a:srgbClr val="808080"/>
+                </a:solidFill>
+                <a:ea typeface="ＭＳ ゴシック" panose="020B0609070205080204" pitchFamily="49" charset="-128"/>
+              </a:rPr>
+              <a:t>atk</a:t>
+            </a:r>
+            <a:r>
+              <a:rPr lang="en-US" altLang="ja-JP" sz="2600" dirty="0">
+                <a:solidFill>
+                  <a:srgbClr val="000000"/>
+                </a:solidFill>
+                <a:ea typeface="ＭＳ ゴシック" panose="020B0609070205080204" pitchFamily="49" charset="-128"/>
+              </a:rPr>
+              <a:t>, </a:t>
+            </a:r>
+            <a:r>
+              <a:rPr lang="en-US" altLang="ja-JP" sz="2600" dirty="0">
+                <a:solidFill>
+                  <a:srgbClr val="0000FF"/>
+                </a:solidFill>
+                <a:ea typeface="ＭＳ ゴシック" panose="020B0609070205080204" pitchFamily="49" charset="-128"/>
+              </a:rPr>
+              <a:t>int</a:t>
+            </a:r>
+            <a:r>
+              <a:rPr lang="en-US" altLang="ja-JP" sz="2600" dirty="0">
+                <a:solidFill>
+                  <a:srgbClr val="000000"/>
+                </a:solidFill>
+                <a:ea typeface="ＭＳ ゴシック" panose="020B0609070205080204" pitchFamily="49" charset="-128"/>
+              </a:rPr>
+              <a:t> </a:t>
+            </a:r>
+            <a:r>
+              <a:rPr lang="en-US" altLang="ja-JP" sz="2600" dirty="0">
+                <a:solidFill>
+                  <a:srgbClr val="808080"/>
+                </a:solidFill>
+                <a:ea typeface="ＭＳ ゴシック" panose="020B0609070205080204" pitchFamily="49" charset="-128"/>
+              </a:rPr>
+              <a:t>price</a:t>
+            </a:r>
+            <a:r>
+              <a:rPr lang="en-US" altLang="ja-JP" sz="2600" dirty="0">
+                <a:solidFill>
+                  <a:srgbClr val="000000"/>
+                </a:solidFill>
+                <a:ea typeface="ＭＳ ゴシック" panose="020B0609070205080204" pitchFamily="49" charset="-128"/>
+              </a:rPr>
+              <a:t>, </a:t>
+            </a:r>
+            <a:r>
+              <a:rPr lang="en-US" altLang="ja-JP" sz="2600" dirty="0">
+                <a:solidFill>
+                  <a:srgbClr val="0000FF"/>
+                </a:solidFill>
+                <a:ea typeface="ＭＳ ゴシック" panose="020B0609070205080204" pitchFamily="49" charset="-128"/>
+              </a:rPr>
+              <a:t>int</a:t>
+            </a:r>
+            <a:r>
+              <a:rPr lang="en-US" altLang="ja-JP" sz="2600" dirty="0">
+                <a:solidFill>
+                  <a:srgbClr val="000000"/>
+                </a:solidFill>
+                <a:ea typeface="ＭＳ ゴシック" panose="020B0609070205080204" pitchFamily="49" charset="-128"/>
+              </a:rPr>
+              <a:t> </a:t>
+            </a:r>
+            <a:r>
+              <a:rPr lang="en-US" altLang="ja-JP" sz="2600" dirty="0">
+                <a:solidFill>
+                  <a:srgbClr val="808080"/>
+                </a:solidFill>
+                <a:ea typeface="ＭＳ ゴシック" panose="020B0609070205080204" pitchFamily="49" charset="-128"/>
+              </a:rPr>
+              <a:t>weight</a:t>
+            </a:r>
+            <a:r>
+              <a:rPr lang="en-US" altLang="ja-JP" sz="2600" dirty="0">
+                <a:solidFill>
+                  <a:srgbClr val="000000"/>
+                </a:solidFill>
+                <a:ea typeface="ＭＳ ゴシック" panose="020B0609070205080204" pitchFamily="49" charset="-128"/>
+              </a:rPr>
+              <a:t>)</a:t>
+            </a:r>
+            <a:br>
+              <a:rPr lang="en-US" altLang="ja-JP" sz="2600" dirty="0">
+                <a:solidFill>
+                  <a:srgbClr val="000000"/>
+                </a:solidFill>
+                <a:ea typeface="ＭＳ ゴシック" panose="020B0609070205080204" pitchFamily="49" charset="-128"/>
+              </a:rPr>
+            </a:br>
+            <a:r>
+              <a:rPr lang="en-US" altLang="ja-JP" sz="2600" dirty="0">
+                <a:solidFill>
+                  <a:srgbClr val="000000"/>
+                </a:solidFill>
+                <a:ea typeface="ＭＳ ゴシック" panose="020B0609070205080204" pitchFamily="49" charset="-128"/>
+              </a:rPr>
+              <a:t>           : </a:t>
+            </a:r>
+            <a:r>
+              <a:rPr lang="en-US" altLang="ja-JP" sz="2600" dirty="0" err="1">
+                <a:solidFill>
                   <a:srgbClr val="000000"/>
                 </a:solidFill>
                 <a:ea typeface="ＭＳ ゴシック" panose="020B0609070205080204" pitchFamily="49" charset="-128"/>
@@ -3991,11 +4205,11 @@
             <a:r>
               <a:rPr lang="en-US" altLang="ja-JP" sz="2600" dirty="0">
                 <a:solidFill>
-                  <a:srgbClr val="A31515"/>
-                </a:solidFill>
-                <a:ea typeface="ＭＳ ゴシック" panose="020B0609070205080204" pitchFamily="49" charset="-128"/>
-              </a:rPr>
-              <a:t>""</a:t>
+                  <a:srgbClr val="808080"/>
+                </a:solidFill>
+                <a:ea typeface="ＭＳ ゴシック" panose="020B0609070205080204" pitchFamily="49" charset="-128"/>
+              </a:rPr>
+              <a:t>name</a:t>
             </a:r>
             <a:r>
               <a:rPr lang="en-US" altLang="ja-JP" sz="2600" dirty="0">
@@ -4022,7 +4236,25 @@
                 </a:solidFill>
                 <a:ea typeface="ＭＳ ゴシック" panose="020B0609070205080204" pitchFamily="49" charset="-128"/>
               </a:rPr>
-              <a:t>(0)</a:t>
+              <a:t>(</a:t>
+            </a:r>
+            <a:r>
+              <a:rPr lang="en-US" altLang="ja-JP" sz="2600" dirty="0" err="1">
+                <a:solidFill>
+                  <a:srgbClr val="808080"/>
+                </a:solidFill>
+                <a:ea typeface="ＭＳ ゴシック" panose="020B0609070205080204" pitchFamily="49" charset="-128"/>
+              </a:rPr>
+              <a:t>atk</a:t>
+            </a:r>
+            <a:r>
+              <a:rPr lang="en-US" altLang="ja-JP" sz="2600" dirty="0">
+                <a:solidFill>
+                  <a:srgbClr val="000000"/>
+                </a:solidFill>
+                <a:ea typeface="ＭＳ ゴシック" panose="020B0609070205080204" pitchFamily="49" charset="-128"/>
+              </a:rPr>
+              <a:t>)</a:t>
             </a:r>
             <a:br>
               <a:rPr lang="en-US" altLang="ja-JP" sz="2600" dirty="0">
@@ -4057,7 +4289,25 @@
                 </a:solidFill>
                 <a:ea typeface="ＭＳ ゴシック" panose="020B0609070205080204" pitchFamily="49" charset="-128"/>
               </a:rPr>
-              <a:t>(0), </a:t>
+              <a:t>(</a:t>
+            </a:r>
+            <a:r>
+              <a:rPr lang="en-US" altLang="ja-JP" sz="2600" dirty="0">
+                <a:solidFill>
+                  <a:srgbClr val="808080"/>
+                </a:solidFill>
+                <a:ea typeface="ＭＳ ゴシック" panose="020B0609070205080204" pitchFamily="49" charset="-128"/>
+              </a:rPr>
+              <a:t>price</a:t>
+            </a:r>
+            <a:r>
+              <a:rPr lang="en-US" altLang="ja-JP" sz="2600" dirty="0">
+                <a:solidFill>
+                  <a:srgbClr val="000000"/>
+                </a:solidFill>
+                <a:ea typeface="ＭＳ ゴシック" panose="020B0609070205080204" pitchFamily="49" charset="-128"/>
+              </a:rPr>
+              <a:t>), </a:t>
             </a:r>
             <a:r>
               <a:rPr lang="en-US" altLang="ja-JP" sz="2600" dirty="0" err="1">
@@ -4075,7 +4325,25 @@
                 </a:solidFill>
                 <a:ea typeface="ＭＳ ゴシック" panose="020B0609070205080204" pitchFamily="49" charset="-128"/>
               </a:rPr>
-              <a:t>(0) {};</a:t>
+              <a:t>(</a:t>
+            </a:r>
+            <a:r>
+              <a:rPr lang="en-US" altLang="ja-JP" sz="2600" dirty="0">
+                <a:solidFill>
+                  <a:srgbClr val="808080"/>
+                </a:solidFill>
+                <a:ea typeface="ＭＳ ゴシック" panose="020B0609070205080204" pitchFamily="49" charset="-128"/>
+              </a:rPr>
+              <a:t>weight</a:t>
+            </a:r>
+            <a:r>
+              <a:rPr lang="en-US" altLang="ja-JP" sz="2600" dirty="0">
+                <a:solidFill>
+                  <a:srgbClr val="000000"/>
+                </a:solidFill>
+                <a:ea typeface="ＭＳ ゴシック" panose="020B0609070205080204" pitchFamily="49" charset="-128"/>
+              </a:rPr>
+              <a:t>) {};</a:t>
             </a:r>
             <a:br>
               <a:rPr lang="en-US" altLang="ja-JP" sz="2600" dirty="0">
@@ -4092,19 +4360,10 @@
                 </a:solidFill>
                 <a:ea typeface="ＭＳ ゴシック" panose="020B0609070205080204" pitchFamily="49" charset="-128"/>
               </a:rPr>
-              <a:t>  Weapon(</a:t>
-            </a:r>
-            <a:r>
-              <a:rPr lang="en-US" altLang="ja-JP" sz="2600" dirty="0">
-                <a:solidFill>
-                  <a:srgbClr val="2B91AF"/>
-                </a:solidFill>
-                <a:ea typeface="ＭＳ ゴシック" panose="020B0609070205080204" pitchFamily="49" charset="-128"/>
-              </a:rPr>
-              <a:t>string</a:t>
-            </a:r>
-            <a:r>
-              <a:rPr lang="en-US" altLang="ja-JP" sz="2600" dirty="0">
+              <a:t>  ~Weapon()</a:t>
+            </a:r>
+            <a:r>
+              <a:rPr lang="ja-JP" altLang="en-US" sz="2600" dirty="0">
                 <a:solidFill>
                   <a:srgbClr val="000000"/>
                 </a:solidFill>
@@ -4115,32 +4374,14 @@
             <a:r>
               <a:rPr lang="en-US" altLang="ja-JP" sz="2600" dirty="0">
                 <a:solidFill>
-                  <a:srgbClr val="808080"/>
-                </a:solidFill>
-                <a:ea typeface="ＭＳ ゴシック" panose="020B0609070205080204" pitchFamily="49" charset="-128"/>
-              </a:rPr>
-              <a:t>name</a:t>
-            </a:r>
-            <a:r>
-              <a:rPr lang="en-US" altLang="ja-JP" sz="2600" dirty="0">
-                <a:solidFill>
-                  <a:srgbClr val="000000"/>
-                </a:solidFill>
-                <a:ea typeface="ＭＳ ゴシック" panose="020B0609070205080204" pitchFamily="49" charset="-128"/>
-              </a:rPr>
-              <a:t>, </a:t>
-            </a:r>
-            <a:r>
-              <a:rPr lang="en-US" altLang="ja-JP" sz="2600" dirty="0">
-                <a:solidFill>
-                  <a:srgbClr val="0000FF"/>
-                </a:solidFill>
-                <a:ea typeface="ＭＳ ゴシック" panose="020B0609070205080204" pitchFamily="49" charset="-128"/>
-              </a:rPr>
-              <a:t>int</a:t>
-            </a:r>
-            <a:r>
-              <a:rPr lang="en-US" altLang="ja-JP" sz="2600" dirty="0">
+                  <a:srgbClr val="000000"/>
+                </a:solidFill>
+                <a:ea typeface="ＭＳ ゴシック" panose="020B0609070205080204" pitchFamily="49" charset="-128"/>
+              </a:rPr>
+              <a:t>=</a:t>
+            </a:r>
+            <a:r>
+              <a:rPr lang="ja-JP" altLang="en-US" sz="2600" dirty="0">
                 <a:solidFill>
                   <a:srgbClr val="000000"/>
                 </a:solidFill>
@@ -4149,272 +4390,13 @@
               <a:t> </a:t>
             </a:r>
             <a:r>
-              <a:rPr lang="en-US" altLang="ja-JP" sz="2600" dirty="0" err="1">
-                <a:solidFill>
-                  <a:srgbClr val="808080"/>
-                </a:solidFill>
-                <a:ea typeface="ＭＳ ゴシック" panose="020B0609070205080204" pitchFamily="49" charset="-128"/>
-              </a:rPr>
-              <a:t>atk</a:t>
-            </a:r>
-            <a:r>
-              <a:rPr lang="en-US" altLang="ja-JP" sz="2600" dirty="0">
-                <a:solidFill>
-                  <a:srgbClr val="000000"/>
-                </a:solidFill>
-                <a:ea typeface="ＭＳ ゴシック" panose="020B0609070205080204" pitchFamily="49" charset="-128"/>
-              </a:rPr>
-              <a:t>, </a:t>
-            </a:r>
-            <a:r>
-              <a:rPr lang="en-US" altLang="ja-JP" sz="2600" dirty="0">
-                <a:solidFill>
-                  <a:srgbClr val="0000FF"/>
-                </a:solidFill>
-                <a:ea typeface="ＭＳ ゴシック" panose="020B0609070205080204" pitchFamily="49" charset="-128"/>
-              </a:rPr>
-              <a:t>int</a:t>
-            </a:r>
-            <a:r>
-              <a:rPr lang="en-US" altLang="ja-JP" sz="2600" dirty="0">
-                <a:solidFill>
-                  <a:srgbClr val="000000"/>
-                </a:solidFill>
-                <a:ea typeface="ＭＳ ゴシック" panose="020B0609070205080204" pitchFamily="49" charset="-128"/>
-              </a:rPr>
-              <a:t> </a:t>
-            </a:r>
-            <a:r>
-              <a:rPr lang="en-US" altLang="ja-JP" sz="2600" dirty="0">
-                <a:solidFill>
-                  <a:srgbClr val="808080"/>
-                </a:solidFill>
-                <a:ea typeface="ＭＳ ゴシック" panose="020B0609070205080204" pitchFamily="49" charset="-128"/>
-              </a:rPr>
-              <a:t>price</a:t>
-            </a:r>
-            <a:r>
-              <a:rPr lang="en-US" altLang="ja-JP" sz="2600" dirty="0">
-                <a:solidFill>
-                  <a:srgbClr val="000000"/>
-                </a:solidFill>
-                <a:ea typeface="ＭＳ ゴシック" panose="020B0609070205080204" pitchFamily="49" charset="-128"/>
-              </a:rPr>
-              <a:t>, </a:t>
-            </a:r>
-            <a:r>
-              <a:rPr lang="en-US" altLang="ja-JP" sz="2600" dirty="0">
-                <a:solidFill>
-                  <a:srgbClr val="0000FF"/>
-                </a:solidFill>
-                <a:ea typeface="ＭＳ ゴシック" panose="020B0609070205080204" pitchFamily="49" charset="-128"/>
-              </a:rPr>
-              <a:t>int</a:t>
-            </a:r>
-            <a:r>
-              <a:rPr lang="en-US" altLang="ja-JP" sz="2600" dirty="0">
-                <a:solidFill>
-                  <a:srgbClr val="000000"/>
-                </a:solidFill>
-                <a:ea typeface="ＭＳ ゴシック" panose="020B0609070205080204" pitchFamily="49" charset="-128"/>
-              </a:rPr>
-              <a:t> </a:t>
-            </a:r>
-            <a:r>
-              <a:rPr lang="en-US" altLang="ja-JP" sz="2600" dirty="0">
-                <a:solidFill>
-                  <a:srgbClr val="808080"/>
-                </a:solidFill>
-                <a:ea typeface="ＭＳ ゴシック" panose="020B0609070205080204" pitchFamily="49" charset="-128"/>
-              </a:rPr>
-              <a:t>weight</a:t>
-            </a:r>
-            <a:r>
-              <a:rPr lang="en-US" altLang="ja-JP" sz="2600" dirty="0">
-                <a:solidFill>
-                  <a:srgbClr val="000000"/>
-                </a:solidFill>
-                <a:ea typeface="ＭＳ ゴシック" panose="020B0609070205080204" pitchFamily="49" charset="-128"/>
-              </a:rPr>
-              <a:t>)</a:t>
-            </a:r>
-            <a:br>
-              <a:rPr lang="en-US" altLang="ja-JP" sz="2600" dirty="0">
-                <a:solidFill>
-                  <a:srgbClr val="000000"/>
-                </a:solidFill>
-                <a:ea typeface="ＭＳ ゴシック" panose="020B0609070205080204" pitchFamily="49" charset="-128"/>
-              </a:rPr>
-            </a:br>
-            <a:r>
-              <a:rPr lang="en-US" altLang="ja-JP" sz="2600" dirty="0">
-                <a:solidFill>
-                  <a:srgbClr val="000000"/>
-                </a:solidFill>
-                <a:ea typeface="ＭＳ ゴシック" panose="020B0609070205080204" pitchFamily="49" charset="-128"/>
-              </a:rPr>
-              <a:t>           : </a:t>
-            </a:r>
-            <a:r>
-              <a:rPr lang="en-US" altLang="ja-JP" sz="2600" dirty="0" err="1">
-                <a:solidFill>
-                  <a:srgbClr val="000000"/>
-                </a:solidFill>
-                <a:ea typeface="ＭＳ ゴシック" panose="020B0609070205080204" pitchFamily="49" charset="-128"/>
-              </a:rPr>
-              <a:t>m_name</a:t>
-            </a:r>
-            <a:r>
-              <a:rPr lang="en-US" altLang="ja-JP" sz="2600" dirty="0">
-                <a:solidFill>
-                  <a:srgbClr val="000000"/>
-                </a:solidFill>
-                <a:ea typeface="ＭＳ ゴシック" panose="020B0609070205080204" pitchFamily="49" charset="-128"/>
-              </a:rPr>
-              <a:t>(</a:t>
-            </a:r>
-            <a:r>
-              <a:rPr lang="en-US" altLang="ja-JP" sz="2600" dirty="0">
-                <a:solidFill>
-                  <a:srgbClr val="808080"/>
-                </a:solidFill>
-                <a:ea typeface="ＭＳ ゴシック" panose="020B0609070205080204" pitchFamily="49" charset="-128"/>
-              </a:rPr>
-              <a:t>name</a:t>
-            </a:r>
-            <a:r>
-              <a:rPr lang="en-US" altLang="ja-JP" sz="2600" dirty="0">
-                <a:solidFill>
-                  <a:srgbClr val="000000"/>
-                </a:solidFill>
-                <a:ea typeface="ＭＳ ゴシック" panose="020B0609070205080204" pitchFamily="49" charset="-128"/>
-              </a:rPr>
-              <a:t>), </a:t>
-            </a:r>
-            <a:r>
-              <a:rPr lang="en-US" altLang="ja-JP" sz="2600" dirty="0" err="1">
-                <a:solidFill>
-                  <a:srgbClr val="000000"/>
-                </a:solidFill>
-                <a:ea typeface="ＭＳ ゴシック" panose="020B0609070205080204" pitchFamily="49" charset="-128"/>
-              </a:rPr>
-              <a:t>m_atk</a:t>
-            </a:r>
-            <a:r>
-              <a:rPr lang="en-US" altLang="ja-JP" sz="2600" dirty="0">
-                <a:solidFill>
-                  <a:srgbClr val="000000"/>
-                </a:solidFill>
-                <a:ea typeface="ＭＳ ゴシック" panose="020B0609070205080204" pitchFamily="49" charset="-128"/>
-              </a:rPr>
-              <a:t>(</a:t>
-            </a:r>
-            <a:r>
-              <a:rPr lang="en-US" altLang="ja-JP" sz="2600" dirty="0" err="1">
-                <a:solidFill>
-                  <a:srgbClr val="808080"/>
-                </a:solidFill>
-                <a:ea typeface="ＭＳ ゴシック" panose="020B0609070205080204" pitchFamily="49" charset="-128"/>
-              </a:rPr>
-              <a:t>atk</a:t>
-            </a:r>
-            <a:r>
-              <a:rPr lang="en-US" altLang="ja-JP" sz="2600" dirty="0">
-                <a:solidFill>
-                  <a:srgbClr val="000000"/>
-                </a:solidFill>
-                <a:ea typeface="ＭＳ ゴシック" panose="020B0609070205080204" pitchFamily="49" charset="-128"/>
-              </a:rPr>
-              <a:t>)</a:t>
-            </a:r>
-            <a:br>
-              <a:rPr lang="en-US" altLang="ja-JP" sz="2600" dirty="0">
-                <a:solidFill>
-                  <a:srgbClr val="000000"/>
-                </a:solidFill>
-                <a:ea typeface="ＭＳ ゴシック" panose="020B0609070205080204" pitchFamily="49" charset="-128"/>
-              </a:rPr>
-            </a:br>
-            <a:r>
-              <a:rPr lang="en-US" altLang="ja-JP" sz="2600" dirty="0">
-                <a:solidFill>
-                  <a:srgbClr val="000000"/>
-                </a:solidFill>
-                <a:ea typeface="ＭＳ ゴシック" panose="020B0609070205080204" pitchFamily="49" charset="-128"/>
-              </a:rPr>
-              <a:t>           , </a:t>
-            </a:r>
-            <a:r>
-              <a:rPr lang="en-US" altLang="ja-JP" sz="2600" dirty="0" err="1">
-                <a:solidFill>
-                  <a:srgbClr val="000000"/>
-                </a:solidFill>
-                <a:ea typeface="ＭＳ ゴシック" panose="020B0609070205080204" pitchFamily="49" charset="-128"/>
-              </a:rPr>
-              <a:t>m_price</a:t>
-            </a:r>
-            <a:r>
-              <a:rPr lang="en-US" altLang="ja-JP" sz="2600" dirty="0">
-                <a:solidFill>
-                  <a:srgbClr val="000000"/>
-                </a:solidFill>
-                <a:ea typeface="ＭＳ ゴシック" panose="020B0609070205080204" pitchFamily="49" charset="-128"/>
-              </a:rPr>
-              <a:t>(</a:t>
-            </a:r>
-            <a:r>
-              <a:rPr lang="en-US" altLang="ja-JP" sz="2600" dirty="0">
-                <a:solidFill>
-                  <a:srgbClr val="808080"/>
-                </a:solidFill>
-                <a:ea typeface="ＭＳ ゴシック" panose="020B0609070205080204" pitchFamily="49" charset="-128"/>
-              </a:rPr>
-              <a:t>price</a:t>
-            </a:r>
-            <a:r>
-              <a:rPr lang="en-US" altLang="ja-JP" sz="2600" dirty="0">
-                <a:solidFill>
-                  <a:srgbClr val="000000"/>
-                </a:solidFill>
-                <a:ea typeface="ＭＳ ゴシック" panose="020B0609070205080204" pitchFamily="49" charset="-128"/>
-              </a:rPr>
-              <a:t>), </a:t>
-            </a:r>
-            <a:r>
-              <a:rPr lang="en-US" altLang="ja-JP" sz="2600" dirty="0" err="1">
-                <a:solidFill>
-                  <a:srgbClr val="000000"/>
-                </a:solidFill>
-                <a:ea typeface="ＭＳ ゴシック" panose="020B0609070205080204" pitchFamily="49" charset="-128"/>
-              </a:rPr>
-              <a:t>m_weight</a:t>
-            </a:r>
-            <a:r>
-              <a:rPr lang="en-US" altLang="ja-JP" sz="2600" dirty="0">
-                <a:solidFill>
-                  <a:srgbClr val="000000"/>
-                </a:solidFill>
-                <a:ea typeface="ＭＳ ゴシック" panose="020B0609070205080204" pitchFamily="49" charset="-128"/>
-              </a:rPr>
-              <a:t>(</a:t>
-            </a:r>
-            <a:r>
-              <a:rPr lang="en-US" altLang="ja-JP" sz="2600" dirty="0">
-                <a:solidFill>
-                  <a:srgbClr val="808080"/>
-                </a:solidFill>
-                <a:ea typeface="ＭＳ ゴシック" panose="020B0609070205080204" pitchFamily="49" charset="-128"/>
-              </a:rPr>
-              <a:t>weight</a:t>
-            </a:r>
-            <a:r>
-              <a:rPr lang="en-US" altLang="ja-JP" sz="2600" dirty="0">
-                <a:solidFill>
-                  <a:srgbClr val="000000"/>
-                </a:solidFill>
-                <a:ea typeface="ＭＳ ゴシック" panose="020B0609070205080204" pitchFamily="49" charset="-128"/>
-              </a:rPr>
-              <a:t>) {};</a:t>
+              <a:rPr lang="en-US" altLang="ja-JP" sz="2600" dirty="0">
+                <a:solidFill>
+                  <a:srgbClr val="000000"/>
+                </a:solidFill>
+                <a:ea typeface="ＭＳ ゴシック" panose="020B0609070205080204" pitchFamily="49" charset="-128"/>
+              </a:rPr>
+              <a:t>default;</a:t>
             </a:r>
             <a:br>
               <a:rPr lang="en-US" altLang="ja-JP" sz="2600" dirty="0">
